--- a/access.pptx
+++ b/access.pptx
@@ -5492,8 +5492,8 @@
         </p:nvSpPr>
         <p:spPr>
           <a:xfrm>
-            <a:off x="3081427" y="3440076"/>
-            <a:ext cx="1323760" cy="276999"/>
+            <a:off x="3721688" y="3521506"/>
+            <a:ext cx="1514132" cy="307777"/>
           </a:xfrm>
           <a:prstGeom prst="rect">
             <a:avLst/>
@@ -5507,7 +5507,7 @@
           <a:lstStyle/>
           <a:p>
             <a:r>
-              <a:rPr lang="en-US" sz="1200" dirty="0">
+              <a:rPr lang="en-US" sz="1400" dirty="0">
                 <a:solidFill>
                   <a:srgbClr val="000000"/>
                 </a:solidFill>
@@ -6221,6 +6221,46 @@
           </a:p>
         </p:txBody>
       </p:sp>
+      <p:pic>
+        <p:nvPicPr>
+          <p:cNvPr id="108" name="Image" descr="Image">
+            <a:extLst>
+              <a:ext uri="{FF2B5EF4-FFF2-40B4-BE49-F238E27FC236}">
+                <a16:creationId xmlns:a16="http://schemas.microsoft.com/office/drawing/2014/main" id="{32D9599A-8B0A-F54E-A86F-553847788D23}"/>
+              </a:ext>
+            </a:extLst>
+          </p:cNvPr>
+          <p:cNvPicPr>
+            <a:picLocks noChangeAspect="1"/>
+          </p:cNvPicPr>
+          <p:nvPr/>
+        </p:nvPicPr>
+        <p:blipFill>
+          <a:blip r:embed="rId4"/>
+          <a:stretch>
+            <a:fillRect/>
+          </a:stretch>
+        </p:blipFill>
+        <p:spPr>
+          <a:xfrm>
+            <a:off x="7567703" y="3282507"/>
+            <a:ext cx="293231" cy="293231"/>
+          </a:xfrm>
+          <a:prstGeom prst="rect">
+            <a:avLst/>
+          </a:prstGeom>
+          <a:ln w="12700">
+            <a:miter lim="400000"/>
+          </a:ln>
+          <a:effectLst>
+            <a:outerShdw blurRad="50800" dist="38100" dir="2700000" algn="tl" rotWithShape="0">
+              <a:prstClr val="black">
+                <a:alpha val="40000"/>
+              </a:prstClr>
+            </a:outerShdw>
+          </a:effectLst>
+        </p:spPr>
+      </p:pic>
     </p:spTree>
     <p:extLst>
       <p:ext uri="{BB962C8B-B14F-4D97-AF65-F5344CB8AC3E}">

--- a/access.pptx
+++ b/access.pptx
@@ -5,11 +5,15 @@
     <p:sldMasterId id="2147483648" r:id="rId1"/>
   </p:sldMasterIdLst>
   <p:notesMasterIdLst>
-    <p:notesMasterId r:id="rId4"/>
+    <p:notesMasterId r:id="rId8"/>
   </p:notesMasterIdLst>
   <p:sldIdLst>
     <p:sldId id="257" r:id="rId2"/>
     <p:sldId id="259" r:id="rId3"/>
+    <p:sldId id="260" r:id="rId4"/>
+    <p:sldId id="261" r:id="rId5"/>
+    <p:sldId id="262" r:id="rId6"/>
+    <p:sldId id="263" r:id="rId7"/>
   </p:sldIdLst>
   <p:sldSz cx="12192000" cy="6858000"/>
   <p:notesSz cx="6858000" cy="9144000"/>
@@ -6265,6 +6269,6328 @@
     <p:extLst>
       <p:ext uri="{BB962C8B-B14F-4D97-AF65-F5344CB8AC3E}">
         <p14:creationId xmlns:p14="http://schemas.microsoft.com/office/powerpoint/2010/main" val="1281576442"/>
+      </p:ext>
+    </p:extLst>
+  </p:cSld>
+  <p:clrMapOvr>
+    <a:masterClrMapping/>
+  </p:clrMapOvr>
+</p:sld>
+</file>
+
+<file path=ppt/slides/slide3.xml><?xml version="1.0" encoding="utf-8"?>
+<p:sld xmlns:a="http://schemas.openxmlformats.org/drawingml/2006/main" xmlns:r="http://schemas.openxmlformats.org/officeDocument/2006/relationships" xmlns:p="http://schemas.openxmlformats.org/presentationml/2006/main">
+  <p:cSld>
+    <p:spTree>
+      <p:nvGrpSpPr>
+        <p:cNvPr id="1" name=""/>
+        <p:cNvGrpSpPr/>
+        <p:nvPr/>
+      </p:nvGrpSpPr>
+      <p:grpSpPr>
+        <a:xfrm>
+          <a:off x="0" y="0"/>
+          <a:ext cx="0" cy="0"/>
+          <a:chOff x="0" y="0"/>
+          <a:chExt cx="0" cy="0"/>
+        </a:xfrm>
+      </p:grpSpPr>
+      <p:pic>
+        <p:nvPicPr>
+          <p:cNvPr id="101" name="Picture 100">
+            <a:extLst>
+              <a:ext uri="{FF2B5EF4-FFF2-40B4-BE49-F238E27FC236}">
+                <a16:creationId xmlns:a16="http://schemas.microsoft.com/office/drawing/2014/main" id="{18E600CF-F3EE-054B-8CCF-1C21501E3083}"/>
+              </a:ext>
+            </a:extLst>
+          </p:cNvPr>
+          <p:cNvPicPr>
+            <a:picLocks noChangeAspect="1"/>
+          </p:cNvPicPr>
+          <p:nvPr/>
+        </p:nvPicPr>
+        <p:blipFill>
+          <a:blip r:embed="rId2"/>
+          <a:stretch>
+            <a:fillRect/>
+          </a:stretch>
+        </p:blipFill>
+        <p:spPr>
+          <a:xfrm>
+            <a:off x="10621179" y="1941809"/>
+            <a:ext cx="855415" cy="1780636"/>
+          </a:xfrm>
+          <a:prstGeom prst="rect">
+            <a:avLst/>
+          </a:prstGeom>
+          <a:effectLst>
+            <a:outerShdw blurRad="50800" dist="38100" dir="2700000" algn="tl" rotWithShape="0">
+              <a:prstClr val="black">
+                <a:alpha val="40000"/>
+              </a:prstClr>
+            </a:outerShdw>
+          </a:effectLst>
+        </p:spPr>
+      </p:pic>
+      <p:sp>
+        <p:nvSpPr>
+          <p:cNvPr id="105" name="Rectangle 104">
+            <a:extLst>
+              <a:ext uri="{FF2B5EF4-FFF2-40B4-BE49-F238E27FC236}">
+                <a16:creationId xmlns:a16="http://schemas.microsoft.com/office/drawing/2014/main" id="{E2DF81D3-FB2D-AE45-BCE9-982CCAB96684}"/>
+              </a:ext>
+            </a:extLst>
+          </p:cNvPr>
+          <p:cNvSpPr/>
+          <p:nvPr/>
+        </p:nvSpPr>
+        <p:spPr>
+          <a:xfrm>
+            <a:off x="9525282" y="3082517"/>
+            <a:ext cx="1186589" cy="639927"/>
+          </a:xfrm>
+          <a:prstGeom prst="rect">
+            <a:avLst/>
+          </a:prstGeom>
+          <a:solidFill>
+            <a:schemeClr val="bg2">
+              <a:lumMod val="50000"/>
+            </a:schemeClr>
+          </a:solidFill>
+          <a:ln>
+            <a:noFill/>
+          </a:ln>
+        </p:spPr>
+        <p:style>
+          <a:lnRef idx="1">
+            <a:schemeClr val="accent1"/>
+          </a:lnRef>
+          <a:fillRef idx="3">
+            <a:schemeClr val="accent1"/>
+          </a:fillRef>
+          <a:effectRef idx="2">
+            <a:schemeClr val="accent1"/>
+          </a:effectRef>
+          <a:fontRef idx="minor">
+            <a:schemeClr val="lt1"/>
+          </a:fontRef>
+        </p:style>
+        <p:txBody>
+          <a:bodyPr rtlCol="0" anchor="ctr"/>
+          <a:lstStyle/>
+          <a:p>
+            <a:pPr algn="ctr"/>
+            <a:r>
+              <a:rPr lang="en-US" sz="1400" dirty="0">
+                <a:solidFill>
+                  <a:schemeClr val="bg1"/>
+                </a:solidFill>
+              </a:rPr>
+              <a:t>RF</a:t>
+            </a:r>
+            <a:r>
+              <a:rPr lang="en-US" sz="1400" dirty="0">
+                <a:solidFill>
+                  <a:schemeClr val="tx2"/>
+                </a:solidFill>
+              </a:rPr>
+              <a:t> </a:t>
+            </a:r>
+          </a:p>
+          <a:p>
+            <a:pPr algn="ctr"/>
+            <a:r>
+              <a:rPr lang="en-US" sz="1400" dirty="0">
+                <a:solidFill>
+                  <a:schemeClr val="bg1"/>
+                </a:solidFill>
+              </a:rPr>
+              <a:t>Front</a:t>
+            </a:r>
+            <a:r>
+              <a:rPr lang="en-US" sz="1400" dirty="0">
+                <a:solidFill>
+                  <a:schemeClr val="tx2"/>
+                </a:solidFill>
+              </a:rPr>
+              <a:t> </a:t>
+            </a:r>
+            <a:r>
+              <a:rPr lang="en-US" sz="1400" dirty="0">
+                <a:solidFill>
+                  <a:schemeClr val="bg1"/>
+                </a:solidFill>
+              </a:rPr>
+              <a:t>End</a:t>
+            </a:r>
+          </a:p>
+        </p:txBody>
+      </p:sp>
+      <p:sp>
+        <p:nvSpPr>
+          <p:cNvPr id="106" name="Rectangle 105">
+            <a:extLst>
+              <a:ext uri="{FF2B5EF4-FFF2-40B4-BE49-F238E27FC236}">
+                <a16:creationId xmlns:a16="http://schemas.microsoft.com/office/drawing/2014/main" id="{8D4CCF7B-5343-AD4C-85FE-9FCB71F1688C}"/>
+              </a:ext>
+            </a:extLst>
+          </p:cNvPr>
+          <p:cNvSpPr/>
+          <p:nvPr/>
+        </p:nvSpPr>
+        <p:spPr>
+          <a:xfrm>
+            <a:off x="7940515" y="3082517"/>
+            <a:ext cx="1305764" cy="639927"/>
+          </a:xfrm>
+          <a:prstGeom prst="rect">
+            <a:avLst/>
+          </a:prstGeom>
+          <a:solidFill>
+            <a:schemeClr val="bg2">
+              <a:lumMod val="50000"/>
+            </a:schemeClr>
+          </a:solidFill>
+          <a:ln>
+            <a:noFill/>
+          </a:ln>
+        </p:spPr>
+        <p:style>
+          <a:lnRef idx="1">
+            <a:schemeClr val="accent1"/>
+          </a:lnRef>
+          <a:fillRef idx="3">
+            <a:schemeClr val="accent1"/>
+          </a:fillRef>
+          <a:effectRef idx="2">
+            <a:schemeClr val="accent1"/>
+          </a:effectRef>
+          <a:fontRef idx="minor">
+            <a:schemeClr val="lt1"/>
+          </a:fontRef>
+        </p:style>
+        <p:txBody>
+          <a:bodyPr rtlCol="0" anchor="ctr"/>
+          <a:lstStyle/>
+          <a:p>
+            <a:pPr algn="ctr"/>
+            <a:r>
+              <a:rPr lang="en-US" sz="1400" dirty="0">
+                <a:solidFill>
+                  <a:schemeClr val="bg1"/>
+                </a:solidFill>
+              </a:rPr>
+              <a:t>D/A Conversion</a:t>
+            </a:r>
+          </a:p>
+        </p:txBody>
+      </p:sp>
+      <p:sp>
+        <p:nvSpPr>
+          <p:cNvPr id="107" name="Rectangle 106">
+            <a:extLst>
+              <a:ext uri="{FF2B5EF4-FFF2-40B4-BE49-F238E27FC236}">
+                <a16:creationId xmlns:a16="http://schemas.microsoft.com/office/drawing/2014/main" id="{20600C9E-7119-E743-80F3-2746097CB1F9}"/>
+              </a:ext>
+            </a:extLst>
+          </p:cNvPr>
+          <p:cNvSpPr/>
+          <p:nvPr/>
+        </p:nvSpPr>
+        <p:spPr>
+          <a:xfrm>
+            <a:off x="6844618" y="3082517"/>
+            <a:ext cx="799241" cy="639927"/>
+          </a:xfrm>
+          <a:prstGeom prst="rect">
+            <a:avLst/>
+          </a:prstGeom>
+          <a:solidFill>
+            <a:schemeClr val="accent1">
+              <a:lumMod val="60000"/>
+              <a:lumOff val="40000"/>
+            </a:schemeClr>
+          </a:solidFill>
+          <a:ln>
+            <a:solidFill>
+              <a:srgbClr val="0070C0"/>
+            </a:solidFill>
+          </a:ln>
+        </p:spPr>
+        <p:style>
+          <a:lnRef idx="1">
+            <a:schemeClr val="accent1"/>
+          </a:lnRef>
+          <a:fillRef idx="3">
+            <a:schemeClr val="accent1"/>
+          </a:fillRef>
+          <a:effectRef idx="2">
+            <a:schemeClr val="accent1"/>
+          </a:effectRef>
+          <a:fontRef idx="minor">
+            <a:schemeClr val="lt1"/>
+          </a:fontRef>
+        </p:style>
+        <p:txBody>
+          <a:bodyPr rtlCol="0" anchor="ctr"/>
+          <a:lstStyle/>
+          <a:p>
+            <a:pPr algn="ctr"/>
+            <a:r>
+              <a:rPr lang="en-US" sz="1400" dirty="0">
+                <a:solidFill>
+                  <a:schemeClr val="tx2"/>
+                </a:solidFill>
+              </a:rPr>
+              <a:t>PHY</a:t>
+            </a:r>
+          </a:p>
+        </p:txBody>
+      </p:sp>
+      <p:sp>
+        <p:nvSpPr>
+          <p:cNvPr id="109" name="Rectangle 108">
+            <a:extLst>
+              <a:ext uri="{FF2B5EF4-FFF2-40B4-BE49-F238E27FC236}">
+                <a16:creationId xmlns:a16="http://schemas.microsoft.com/office/drawing/2014/main" id="{C6334D06-8FA8-D24C-BD00-C9AF13DF4007}"/>
+              </a:ext>
+            </a:extLst>
+          </p:cNvPr>
+          <p:cNvSpPr/>
+          <p:nvPr/>
+        </p:nvSpPr>
+        <p:spPr>
+          <a:xfrm>
+            <a:off x="5748722" y="3082517"/>
+            <a:ext cx="799241" cy="639927"/>
+          </a:xfrm>
+          <a:prstGeom prst="rect">
+            <a:avLst/>
+          </a:prstGeom>
+          <a:solidFill>
+            <a:schemeClr val="accent1">
+              <a:lumMod val="60000"/>
+              <a:lumOff val="40000"/>
+            </a:schemeClr>
+          </a:solidFill>
+          <a:ln>
+            <a:solidFill>
+              <a:srgbClr val="0070C0"/>
+            </a:solidFill>
+          </a:ln>
+        </p:spPr>
+        <p:style>
+          <a:lnRef idx="1">
+            <a:schemeClr val="accent1"/>
+          </a:lnRef>
+          <a:fillRef idx="3">
+            <a:schemeClr val="accent1"/>
+          </a:fillRef>
+          <a:effectRef idx="2">
+            <a:schemeClr val="accent1"/>
+          </a:effectRef>
+          <a:fontRef idx="minor">
+            <a:schemeClr val="lt1"/>
+          </a:fontRef>
+        </p:style>
+        <p:txBody>
+          <a:bodyPr rtlCol="0" anchor="ctr"/>
+          <a:lstStyle/>
+          <a:p>
+            <a:pPr algn="ctr"/>
+            <a:r>
+              <a:rPr lang="en-US" sz="1400" dirty="0">
+                <a:solidFill>
+                  <a:schemeClr val="tx2"/>
+                </a:solidFill>
+              </a:rPr>
+              <a:t>MAC</a:t>
+            </a:r>
+          </a:p>
+        </p:txBody>
+      </p:sp>
+      <p:sp>
+        <p:nvSpPr>
+          <p:cNvPr id="110" name="Rectangle 109">
+            <a:extLst>
+              <a:ext uri="{FF2B5EF4-FFF2-40B4-BE49-F238E27FC236}">
+                <a16:creationId xmlns:a16="http://schemas.microsoft.com/office/drawing/2014/main" id="{0C19B488-C558-824C-B1A0-A2A5261BC989}"/>
+              </a:ext>
+            </a:extLst>
+          </p:cNvPr>
+          <p:cNvSpPr/>
+          <p:nvPr/>
+        </p:nvSpPr>
+        <p:spPr>
+          <a:xfrm>
+            <a:off x="3556799" y="3082517"/>
+            <a:ext cx="799306" cy="639927"/>
+          </a:xfrm>
+          <a:prstGeom prst="rect">
+            <a:avLst/>
+          </a:prstGeom>
+          <a:solidFill>
+            <a:schemeClr val="accent1">
+              <a:lumMod val="60000"/>
+              <a:lumOff val="40000"/>
+            </a:schemeClr>
+          </a:solidFill>
+          <a:ln>
+            <a:solidFill>
+              <a:srgbClr val="0070C0"/>
+            </a:solidFill>
+          </a:ln>
+        </p:spPr>
+        <p:style>
+          <a:lnRef idx="1">
+            <a:schemeClr val="accent1"/>
+          </a:lnRef>
+          <a:fillRef idx="3">
+            <a:schemeClr val="accent1"/>
+          </a:fillRef>
+          <a:effectRef idx="2">
+            <a:schemeClr val="accent1"/>
+          </a:effectRef>
+          <a:fontRef idx="minor">
+            <a:schemeClr val="lt1"/>
+          </a:fontRef>
+        </p:style>
+        <p:txBody>
+          <a:bodyPr rtlCol="0" anchor="ctr"/>
+          <a:lstStyle/>
+          <a:p>
+            <a:pPr algn="ctr"/>
+            <a:r>
+              <a:rPr lang="en-US" sz="1400" dirty="0">
+                <a:solidFill>
+                  <a:schemeClr val="tx2"/>
+                </a:solidFill>
+              </a:rPr>
+              <a:t>PDCP</a:t>
+            </a:r>
+          </a:p>
+        </p:txBody>
+      </p:sp>
+      <p:sp>
+        <p:nvSpPr>
+          <p:cNvPr id="111" name="Rectangle 110">
+            <a:extLst>
+              <a:ext uri="{FF2B5EF4-FFF2-40B4-BE49-F238E27FC236}">
+                <a16:creationId xmlns:a16="http://schemas.microsoft.com/office/drawing/2014/main" id="{CA4189DF-32B3-7B44-880B-92022DB2869A}"/>
+              </a:ext>
+            </a:extLst>
+          </p:cNvPr>
+          <p:cNvSpPr/>
+          <p:nvPr/>
+        </p:nvSpPr>
+        <p:spPr>
+          <a:xfrm>
+            <a:off x="2458935" y="2065488"/>
+            <a:ext cx="799306" cy="639927"/>
+          </a:xfrm>
+          <a:prstGeom prst="rect">
+            <a:avLst/>
+          </a:prstGeom>
+          <a:solidFill>
+            <a:schemeClr val="accent1">
+              <a:lumMod val="75000"/>
+            </a:schemeClr>
+          </a:solidFill>
+          <a:ln>
+            <a:noFill/>
+          </a:ln>
+        </p:spPr>
+        <p:style>
+          <a:lnRef idx="1">
+            <a:schemeClr val="accent1"/>
+          </a:lnRef>
+          <a:fillRef idx="3">
+            <a:schemeClr val="accent1"/>
+          </a:fillRef>
+          <a:effectRef idx="2">
+            <a:schemeClr val="accent1"/>
+          </a:effectRef>
+          <a:fontRef idx="minor">
+            <a:schemeClr val="lt1"/>
+          </a:fontRef>
+        </p:style>
+        <p:txBody>
+          <a:bodyPr rtlCol="0" anchor="ctr"/>
+          <a:lstStyle/>
+          <a:p>
+            <a:pPr algn="ctr"/>
+            <a:r>
+              <a:rPr lang="en-US" sz="1400" dirty="0">
+                <a:solidFill>
+                  <a:schemeClr val="bg1"/>
+                </a:solidFill>
+              </a:rPr>
+              <a:t>RRC</a:t>
+            </a:r>
+          </a:p>
+        </p:txBody>
+      </p:sp>
+      <p:cxnSp>
+        <p:nvCxnSpPr>
+          <p:cNvPr id="112" name="Straight Arrow Connector 111">
+            <a:extLst>
+              <a:ext uri="{FF2B5EF4-FFF2-40B4-BE49-F238E27FC236}">
+                <a16:creationId xmlns:a16="http://schemas.microsoft.com/office/drawing/2014/main" id="{97D58A12-4FB2-9F4C-B88D-AAB551B17278}"/>
+              </a:ext>
+            </a:extLst>
+          </p:cNvPr>
+          <p:cNvCxnSpPr>
+            <a:cxnSpLocks/>
+            <a:stCxn id="106" idx="3"/>
+            <a:endCxn id="105" idx="1"/>
+          </p:cNvCxnSpPr>
+          <p:nvPr/>
+        </p:nvCxnSpPr>
+        <p:spPr>
+          <a:xfrm>
+            <a:off x="9246279" y="3402482"/>
+            <a:ext cx="279003" cy="0"/>
+          </a:xfrm>
+          <a:prstGeom prst="straightConnector1">
+            <a:avLst/>
+          </a:prstGeom>
+          <a:ln w="25400">
+            <a:solidFill>
+              <a:schemeClr val="bg2">
+                <a:lumMod val="25000"/>
+              </a:schemeClr>
+            </a:solidFill>
+            <a:headEnd type="triangle"/>
+            <a:tailEnd type="triangle"/>
+          </a:ln>
+        </p:spPr>
+        <p:style>
+          <a:lnRef idx="2">
+            <a:schemeClr val="accent1"/>
+          </a:lnRef>
+          <a:fillRef idx="0">
+            <a:schemeClr val="accent1"/>
+          </a:fillRef>
+          <a:effectRef idx="1">
+            <a:schemeClr val="accent1"/>
+          </a:effectRef>
+          <a:fontRef idx="minor">
+            <a:schemeClr val="tx1"/>
+          </a:fontRef>
+        </p:style>
+      </p:cxnSp>
+      <p:cxnSp>
+        <p:nvCxnSpPr>
+          <p:cNvPr id="113" name="Straight Arrow Connector 112">
+            <a:extLst>
+              <a:ext uri="{FF2B5EF4-FFF2-40B4-BE49-F238E27FC236}">
+                <a16:creationId xmlns:a16="http://schemas.microsoft.com/office/drawing/2014/main" id="{54548D48-CD95-0A41-A867-DAFE5CE356AD}"/>
+              </a:ext>
+            </a:extLst>
+          </p:cNvPr>
+          <p:cNvCxnSpPr>
+            <a:cxnSpLocks/>
+            <a:stCxn id="107" idx="3"/>
+            <a:endCxn id="106" idx="1"/>
+          </p:cNvCxnSpPr>
+          <p:nvPr/>
+        </p:nvCxnSpPr>
+        <p:spPr>
+          <a:xfrm>
+            <a:off x="7643860" y="3402482"/>
+            <a:ext cx="296655" cy="0"/>
+          </a:xfrm>
+          <a:prstGeom prst="straightConnector1">
+            <a:avLst/>
+          </a:prstGeom>
+          <a:ln w="25400">
+            <a:solidFill>
+              <a:srgbClr val="0070C0"/>
+            </a:solidFill>
+            <a:headEnd type="triangle"/>
+            <a:tailEnd type="triangle"/>
+          </a:ln>
+        </p:spPr>
+        <p:style>
+          <a:lnRef idx="2">
+            <a:schemeClr val="accent1"/>
+          </a:lnRef>
+          <a:fillRef idx="0">
+            <a:schemeClr val="accent1"/>
+          </a:fillRef>
+          <a:effectRef idx="1">
+            <a:schemeClr val="accent1"/>
+          </a:effectRef>
+          <a:fontRef idx="minor">
+            <a:schemeClr val="tx1"/>
+          </a:fontRef>
+        </p:style>
+      </p:cxnSp>
+      <p:cxnSp>
+        <p:nvCxnSpPr>
+          <p:cNvPr id="114" name="Straight Arrow Connector 113">
+            <a:extLst>
+              <a:ext uri="{FF2B5EF4-FFF2-40B4-BE49-F238E27FC236}">
+                <a16:creationId xmlns:a16="http://schemas.microsoft.com/office/drawing/2014/main" id="{16EF22B6-086D-8447-A62D-3E2DA8B41D4D}"/>
+              </a:ext>
+            </a:extLst>
+          </p:cNvPr>
+          <p:cNvCxnSpPr>
+            <a:cxnSpLocks/>
+          </p:cNvCxnSpPr>
+          <p:nvPr/>
+        </p:nvCxnSpPr>
+        <p:spPr>
+          <a:xfrm>
+            <a:off x="6547963" y="3402482"/>
+            <a:ext cx="296655" cy="0"/>
+          </a:xfrm>
+          <a:prstGeom prst="straightConnector1">
+            <a:avLst/>
+          </a:prstGeom>
+          <a:ln w="25400">
+            <a:solidFill>
+              <a:srgbClr val="0070C0"/>
+            </a:solidFill>
+            <a:headEnd type="triangle"/>
+            <a:tailEnd type="triangle"/>
+          </a:ln>
+        </p:spPr>
+        <p:style>
+          <a:lnRef idx="2">
+            <a:schemeClr val="accent1"/>
+          </a:lnRef>
+          <a:fillRef idx="0">
+            <a:schemeClr val="accent1"/>
+          </a:fillRef>
+          <a:effectRef idx="1">
+            <a:schemeClr val="accent1"/>
+          </a:effectRef>
+          <a:fontRef idx="minor">
+            <a:schemeClr val="tx1"/>
+          </a:fontRef>
+        </p:style>
+      </p:cxnSp>
+      <p:cxnSp>
+        <p:nvCxnSpPr>
+          <p:cNvPr id="115" name="Straight Arrow Connector 114">
+            <a:extLst>
+              <a:ext uri="{FF2B5EF4-FFF2-40B4-BE49-F238E27FC236}">
+                <a16:creationId xmlns:a16="http://schemas.microsoft.com/office/drawing/2014/main" id="{A7F7F8B4-7760-3142-A4C0-832DF80D8A31}"/>
+              </a:ext>
+            </a:extLst>
+          </p:cNvPr>
+          <p:cNvCxnSpPr>
+            <a:cxnSpLocks/>
+            <a:stCxn id="110" idx="3"/>
+          </p:cNvCxnSpPr>
+          <p:nvPr/>
+        </p:nvCxnSpPr>
+        <p:spPr>
+          <a:xfrm>
+            <a:off x="4356106" y="3402482"/>
+            <a:ext cx="296655" cy="3827"/>
+          </a:xfrm>
+          <a:prstGeom prst="straightConnector1">
+            <a:avLst/>
+          </a:prstGeom>
+          <a:ln w="25400">
+            <a:solidFill>
+              <a:srgbClr val="0070C0"/>
+            </a:solidFill>
+            <a:headEnd type="triangle"/>
+            <a:tailEnd type="triangle"/>
+          </a:ln>
+        </p:spPr>
+        <p:style>
+          <a:lnRef idx="2">
+            <a:schemeClr val="accent1"/>
+          </a:lnRef>
+          <a:fillRef idx="0">
+            <a:schemeClr val="accent1"/>
+          </a:fillRef>
+          <a:effectRef idx="1">
+            <a:schemeClr val="accent1"/>
+          </a:effectRef>
+          <a:fontRef idx="minor">
+            <a:schemeClr val="tx1"/>
+          </a:fontRef>
+        </p:style>
+      </p:cxnSp>
+      <p:cxnSp>
+        <p:nvCxnSpPr>
+          <p:cNvPr id="117" name="Elbow Connector 116">
+            <a:extLst>
+              <a:ext uri="{FF2B5EF4-FFF2-40B4-BE49-F238E27FC236}">
+                <a16:creationId xmlns:a16="http://schemas.microsoft.com/office/drawing/2014/main" id="{B7B63AB9-1255-9349-9E6F-06C2BBDFC240}"/>
+              </a:ext>
+            </a:extLst>
+          </p:cNvPr>
+          <p:cNvCxnSpPr>
+            <a:cxnSpLocks/>
+          </p:cNvCxnSpPr>
+          <p:nvPr/>
+        </p:nvCxnSpPr>
+        <p:spPr>
+          <a:xfrm>
+            <a:off x="3258242" y="2465662"/>
+            <a:ext cx="298558" cy="797996"/>
+          </a:xfrm>
+          <a:prstGeom prst="bentConnector3">
+            <a:avLst/>
+          </a:prstGeom>
+          <a:ln w="25400">
+            <a:solidFill>
+              <a:srgbClr val="0070C0"/>
+            </a:solidFill>
+            <a:headEnd type="triangle"/>
+            <a:tailEnd type="triangle"/>
+          </a:ln>
+        </p:spPr>
+        <p:style>
+          <a:lnRef idx="2">
+            <a:schemeClr val="accent1"/>
+          </a:lnRef>
+          <a:fillRef idx="0">
+            <a:schemeClr val="accent1"/>
+          </a:fillRef>
+          <a:effectRef idx="1">
+            <a:schemeClr val="accent1"/>
+          </a:effectRef>
+          <a:fontRef idx="minor">
+            <a:schemeClr val="tx1"/>
+          </a:fontRef>
+        </p:style>
+      </p:cxnSp>
+      <p:cxnSp>
+        <p:nvCxnSpPr>
+          <p:cNvPr id="118" name="Straight Arrow Connector 117">
+            <a:extLst>
+              <a:ext uri="{FF2B5EF4-FFF2-40B4-BE49-F238E27FC236}">
+                <a16:creationId xmlns:a16="http://schemas.microsoft.com/office/drawing/2014/main" id="{EB88A2A4-6BD7-C84D-BDE3-68169C82E9DB}"/>
+              </a:ext>
+            </a:extLst>
+          </p:cNvPr>
+          <p:cNvCxnSpPr>
+            <a:cxnSpLocks/>
+          </p:cNvCxnSpPr>
+          <p:nvPr/>
+        </p:nvCxnSpPr>
+        <p:spPr>
+          <a:xfrm>
+            <a:off x="10707220" y="3402480"/>
+            <a:ext cx="279003" cy="0"/>
+          </a:xfrm>
+          <a:prstGeom prst="straightConnector1">
+            <a:avLst/>
+          </a:prstGeom>
+          <a:ln w="25400">
+            <a:solidFill>
+              <a:schemeClr val="bg2">
+                <a:lumMod val="25000"/>
+              </a:schemeClr>
+            </a:solidFill>
+            <a:headEnd type="triangle"/>
+            <a:tailEnd type="triangle"/>
+          </a:ln>
+        </p:spPr>
+        <p:style>
+          <a:lnRef idx="2">
+            <a:schemeClr val="accent1"/>
+          </a:lnRef>
+          <a:fillRef idx="0">
+            <a:schemeClr val="accent1"/>
+          </a:fillRef>
+          <a:effectRef idx="1">
+            <a:schemeClr val="accent1"/>
+          </a:effectRef>
+          <a:fontRef idx="minor">
+            <a:schemeClr val="tx1"/>
+          </a:fontRef>
+        </p:style>
+      </p:cxnSp>
+      <p:sp>
+        <p:nvSpPr>
+          <p:cNvPr id="120" name="TextBox 119">
+            <a:extLst>
+              <a:ext uri="{FF2B5EF4-FFF2-40B4-BE49-F238E27FC236}">
+                <a16:creationId xmlns:a16="http://schemas.microsoft.com/office/drawing/2014/main" id="{4FBE0C53-3CFC-C447-AF9F-7923353E168C}"/>
+              </a:ext>
+            </a:extLst>
+          </p:cNvPr>
+          <p:cNvSpPr txBox="1"/>
+          <p:nvPr/>
+        </p:nvSpPr>
+        <p:spPr>
+          <a:xfrm>
+            <a:off x="506858" y="2293077"/>
+            <a:ext cx="1481987" cy="595745"/>
+          </a:xfrm>
+          <a:prstGeom prst="rect">
+            <a:avLst/>
+          </a:prstGeom>
+          <a:noFill/>
+        </p:spPr>
+        <p:txBody>
+          <a:bodyPr wrap="none" rtlCol="0">
+            <a:spAutoFit/>
+          </a:bodyPr>
+          <a:lstStyle/>
+          <a:p>
+            <a:pPr algn="ctr"/>
+            <a:r>
+              <a:rPr lang="en-US" sz="1200" dirty="0">
+                <a:solidFill>
+                  <a:schemeClr val="bg1"/>
+                </a:solidFill>
+                <a:latin typeface="+mj-lt"/>
+              </a:rPr>
+              <a:t>Mobile Core </a:t>
+            </a:r>
+          </a:p>
+          <a:p>
+            <a:pPr algn="ctr"/>
+            <a:r>
+              <a:rPr lang="en-US" sz="1200" dirty="0">
+                <a:solidFill>
+                  <a:schemeClr val="bg1"/>
+                </a:solidFill>
+                <a:latin typeface="+mj-lt"/>
+              </a:rPr>
+              <a:t>Control Plane</a:t>
+            </a:r>
+          </a:p>
+        </p:txBody>
+      </p:sp>
+      <p:sp>
+        <p:nvSpPr>
+          <p:cNvPr id="121" name="TextBox 120">
+            <a:extLst>
+              <a:ext uri="{FF2B5EF4-FFF2-40B4-BE49-F238E27FC236}">
+                <a16:creationId xmlns:a16="http://schemas.microsoft.com/office/drawing/2014/main" id="{6CDC23D1-6638-F346-8539-04EE1369C6BE}"/>
+              </a:ext>
+            </a:extLst>
+          </p:cNvPr>
+          <p:cNvSpPr txBox="1"/>
+          <p:nvPr/>
+        </p:nvSpPr>
+        <p:spPr>
+          <a:xfrm>
+            <a:off x="518945" y="3424572"/>
+            <a:ext cx="1412041" cy="595745"/>
+          </a:xfrm>
+          <a:prstGeom prst="rect">
+            <a:avLst/>
+          </a:prstGeom>
+          <a:noFill/>
+        </p:spPr>
+        <p:txBody>
+          <a:bodyPr wrap="none" rtlCol="0">
+            <a:spAutoFit/>
+          </a:bodyPr>
+          <a:lstStyle/>
+          <a:p>
+            <a:pPr algn="ctr"/>
+            <a:r>
+              <a:rPr lang="en-US" sz="1200" dirty="0">
+                <a:solidFill>
+                  <a:schemeClr val="bg1"/>
+                </a:solidFill>
+                <a:latin typeface="+mj-lt"/>
+              </a:rPr>
+              <a:t>Mobile Core </a:t>
+            </a:r>
+          </a:p>
+          <a:p>
+            <a:pPr algn="ctr"/>
+            <a:r>
+              <a:rPr lang="en-US" sz="1200" dirty="0">
+                <a:solidFill>
+                  <a:schemeClr val="bg1"/>
+                </a:solidFill>
+                <a:latin typeface="+mj-lt"/>
+              </a:rPr>
+              <a:t>User Plane</a:t>
+            </a:r>
+          </a:p>
+        </p:txBody>
+      </p:sp>
+      <p:cxnSp>
+        <p:nvCxnSpPr>
+          <p:cNvPr id="122" name="Elbow Connector 121">
+            <a:extLst>
+              <a:ext uri="{FF2B5EF4-FFF2-40B4-BE49-F238E27FC236}">
+                <a16:creationId xmlns:a16="http://schemas.microsoft.com/office/drawing/2014/main" id="{9FE882DC-FB87-3641-8125-3E30A28ADA1D}"/>
+              </a:ext>
+            </a:extLst>
+          </p:cNvPr>
+          <p:cNvCxnSpPr>
+            <a:cxnSpLocks/>
+          </p:cNvCxnSpPr>
+          <p:nvPr/>
+        </p:nvCxnSpPr>
+        <p:spPr>
+          <a:xfrm rot="16200000" flipH="1">
+            <a:off x="3205935" y="2332000"/>
+            <a:ext cx="795962" cy="705073"/>
+          </a:xfrm>
+          <a:prstGeom prst="bentConnector3">
+            <a:avLst>
+              <a:gd name="adj1" fmla="val 1188"/>
+            </a:avLst>
+          </a:prstGeom>
+          <a:ln w="25400">
+            <a:solidFill>
+              <a:schemeClr val="accent1">
+                <a:lumMod val="75000"/>
+              </a:schemeClr>
+            </a:solidFill>
+            <a:prstDash val="sysDot"/>
+            <a:headEnd type="triangle"/>
+            <a:tailEnd type="triangle"/>
+          </a:ln>
+        </p:spPr>
+        <p:style>
+          <a:lnRef idx="2">
+            <a:schemeClr val="accent1"/>
+          </a:lnRef>
+          <a:fillRef idx="0">
+            <a:schemeClr val="accent1"/>
+          </a:fillRef>
+          <a:effectRef idx="1">
+            <a:schemeClr val="accent1"/>
+          </a:effectRef>
+          <a:fontRef idx="minor">
+            <a:schemeClr val="tx1"/>
+          </a:fontRef>
+        </p:style>
+      </p:cxnSp>
+      <p:cxnSp>
+        <p:nvCxnSpPr>
+          <p:cNvPr id="123" name="Elbow Connector 122">
+            <a:extLst>
+              <a:ext uri="{FF2B5EF4-FFF2-40B4-BE49-F238E27FC236}">
+                <a16:creationId xmlns:a16="http://schemas.microsoft.com/office/drawing/2014/main" id="{440491CA-41FB-B34A-8067-7FF0B153C96D}"/>
+              </a:ext>
+            </a:extLst>
+          </p:cNvPr>
+          <p:cNvCxnSpPr>
+            <a:cxnSpLocks/>
+          </p:cNvCxnSpPr>
+          <p:nvPr/>
+        </p:nvCxnSpPr>
+        <p:spPr>
+          <a:xfrm>
+            <a:off x="3980409" y="2286554"/>
+            <a:ext cx="1106370" cy="792133"/>
+          </a:xfrm>
+          <a:prstGeom prst="bentConnector2">
+            <a:avLst/>
+          </a:prstGeom>
+          <a:ln w="25400">
+            <a:solidFill>
+              <a:schemeClr val="accent1">
+                <a:lumMod val="75000"/>
+              </a:schemeClr>
+            </a:solidFill>
+            <a:prstDash val="sysDot"/>
+            <a:headEnd type="none"/>
+            <a:tailEnd type="triangle"/>
+          </a:ln>
+        </p:spPr>
+        <p:style>
+          <a:lnRef idx="2">
+            <a:schemeClr val="accent1"/>
+          </a:lnRef>
+          <a:fillRef idx="0">
+            <a:schemeClr val="accent1"/>
+          </a:fillRef>
+          <a:effectRef idx="1">
+            <a:schemeClr val="accent1"/>
+          </a:effectRef>
+          <a:fontRef idx="minor">
+            <a:schemeClr val="tx1"/>
+          </a:fontRef>
+        </p:style>
+      </p:cxnSp>
+      <p:cxnSp>
+        <p:nvCxnSpPr>
+          <p:cNvPr id="124" name="Elbow Connector 123">
+            <a:extLst>
+              <a:ext uri="{FF2B5EF4-FFF2-40B4-BE49-F238E27FC236}">
+                <a16:creationId xmlns:a16="http://schemas.microsoft.com/office/drawing/2014/main" id="{96CEA5C4-7A82-9942-85D0-68C8747F90AF}"/>
+              </a:ext>
+            </a:extLst>
+          </p:cNvPr>
+          <p:cNvCxnSpPr>
+            <a:cxnSpLocks/>
+          </p:cNvCxnSpPr>
+          <p:nvPr/>
+        </p:nvCxnSpPr>
+        <p:spPr>
+          <a:xfrm>
+            <a:off x="5129429" y="2286554"/>
+            <a:ext cx="1106370" cy="792133"/>
+          </a:xfrm>
+          <a:prstGeom prst="bentConnector2">
+            <a:avLst/>
+          </a:prstGeom>
+          <a:ln w="25400">
+            <a:solidFill>
+              <a:schemeClr val="accent1">
+                <a:lumMod val="75000"/>
+              </a:schemeClr>
+            </a:solidFill>
+            <a:prstDash val="sysDot"/>
+            <a:headEnd type="none"/>
+            <a:tailEnd type="triangle"/>
+          </a:ln>
+        </p:spPr>
+        <p:style>
+          <a:lnRef idx="2">
+            <a:schemeClr val="accent1"/>
+          </a:lnRef>
+          <a:fillRef idx="0">
+            <a:schemeClr val="accent1"/>
+          </a:fillRef>
+          <a:effectRef idx="1">
+            <a:schemeClr val="accent1"/>
+          </a:effectRef>
+          <a:fontRef idx="minor">
+            <a:schemeClr val="tx1"/>
+          </a:fontRef>
+        </p:style>
+      </p:cxnSp>
+      <p:cxnSp>
+        <p:nvCxnSpPr>
+          <p:cNvPr id="125" name="Elbow Connector 124">
+            <a:extLst>
+              <a:ext uri="{FF2B5EF4-FFF2-40B4-BE49-F238E27FC236}">
+                <a16:creationId xmlns:a16="http://schemas.microsoft.com/office/drawing/2014/main" id="{B3CE793C-D1DA-3F48-88DB-2346929B2E80}"/>
+              </a:ext>
+            </a:extLst>
+          </p:cNvPr>
+          <p:cNvCxnSpPr>
+            <a:cxnSpLocks/>
+          </p:cNvCxnSpPr>
+          <p:nvPr/>
+        </p:nvCxnSpPr>
+        <p:spPr>
+          <a:xfrm>
+            <a:off x="6282463" y="2286554"/>
+            <a:ext cx="993800" cy="792132"/>
+          </a:xfrm>
+          <a:prstGeom prst="bentConnector3">
+            <a:avLst>
+              <a:gd name="adj1" fmla="val 99950"/>
+            </a:avLst>
+          </a:prstGeom>
+          <a:ln w="25400">
+            <a:solidFill>
+              <a:schemeClr val="accent1">
+                <a:lumMod val="75000"/>
+              </a:schemeClr>
+            </a:solidFill>
+            <a:prstDash val="sysDot"/>
+            <a:headEnd type="none"/>
+            <a:tailEnd type="triangle"/>
+          </a:ln>
+        </p:spPr>
+        <p:style>
+          <a:lnRef idx="2">
+            <a:schemeClr val="accent1"/>
+          </a:lnRef>
+          <a:fillRef idx="0">
+            <a:schemeClr val="accent1"/>
+          </a:fillRef>
+          <a:effectRef idx="1">
+            <a:schemeClr val="accent1"/>
+          </a:effectRef>
+          <a:fontRef idx="minor">
+            <a:schemeClr val="tx1"/>
+          </a:fontRef>
+        </p:style>
+      </p:cxnSp>
+      <p:sp>
+        <p:nvSpPr>
+          <p:cNvPr id="126" name="TextBox 125">
+            <a:extLst>
+              <a:ext uri="{FF2B5EF4-FFF2-40B4-BE49-F238E27FC236}">
+                <a16:creationId xmlns:a16="http://schemas.microsoft.com/office/drawing/2014/main" id="{DC85BA69-6677-9745-8600-FAD0661B3CF3}"/>
+              </a:ext>
+            </a:extLst>
+          </p:cNvPr>
+          <p:cNvSpPr txBox="1"/>
+          <p:nvPr/>
+        </p:nvSpPr>
+        <p:spPr>
+          <a:xfrm>
+            <a:off x="4228216" y="1959537"/>
+            <a:ext cx="702821" cy="307777"/>
+          </a:xfrm>
+          <a:prstGeom prst="rect">
+            <a:avLst/>
+          </a:prstGeom>
+          <a:noFill/>
+          <a:ln>
+            <a:noFill/>
+          </a:ln>
+        </p:spPr>
+        <p:txBody>
+          <a:bodyPr wrap="none" rtlCol="0">
+            <a:spAutoFit/>
+          </a:bodyPr>
+          <a:lstStyle/>
+          <a:p>
+            <a:r>
+              <a:rPr lang="en-US" sz="1400" dirty="0">
+                <a:solidFill>
+                  <a:srgbClr val="0070C0"/>
+                </a:solidFill>
+              </a:rPr>
+              <a:t>control</a:t>
+            </a:r>
+          </a:p>
+        </p:txBody>
+      </p:sp>
+      <p:sp>
+        <p:nvSpPr>
+          <p:cNvPr id="127" name="Rectangle 126">
+            <a:extLst>
+              <a:ext uri="{FF2B5EF4-FFF2-40B4-BE49-F238E27FC236}">
+                <a16:creationId xmlns:a16="http://schemas.microsoft.com/office/drawing/2014/main" id="{CE2927BD-BF24-0543-A138-0B6FBD8A2121}"/>
+              </a:ext>
+            </a:extLst>
+          </p:cNvPr>
+          <p:cNvSpPr/>
+          <p:nvPr/>
+        </p:nvSpPr>
+        <p:spPr>
+          <a:xfrm>
+            <a:off x="4670092" y="3082517"/>
+            <a:ext cx="799306" cy="639927"/>
+          </a:xfrm>
+          <a:prstGeom prst="rect">
+            <a:avLst/>
+          </a:prstGeom>
+          <a:solidFill>
+            <a:schemeClr val="accent1">
+              <a:lumMod val="60000"/>
+              <a:lumOff val="40000"/>
+            </a:schemeClr>
+          </a:solidFill>
+          <a:ln>
+            <a:solidFill>
+              <a:srgbClr val="0070C0"/>
+            </a:solidFill>
+          </a:ln>
+        </p:spPr>
+        <p:style>
+          <a:lnRef idx="1">
+            <a:schemeClr val="accent1"/>
+          </a:lnRef>
+          <a:fillRef idx="3">
+            <a:schemeClr val="accent1"/>
+          </a:fillRef>
+          <a:effectRef idx="2">
+            <a:schemeClr val="accent1"/>
+          </a:effectRef>
+          <a:fontRef idx="minor">
+            <a:schemeClr val="lt1"/>
+          </a:fontRef>
+        </p:style>
+        <p:txBody>
+          <a:bodyPr rtlCol="0" anchor="ctr"/>
+          <a:lstStyle/>
+          <a:p>
+            <a:pPr algn="ctr"/>
+            <a:r>
+              <a:rPr lang="en-US" sz="1400" dirty="0">
+                <a:solidFill>
+                  <a:schemeClr val="tx2"/>
+                </a:solidFill>
+              </a:rPr>
+              <a:t>RLC</a:t>
+            </a:r>
+          </a:p>
+        </p:txBody>
+      </p:sp>
+      <p:cxnSp>
+        <p:nvCxnSpPr>
+          <p:cNvPr id="128" name="Straight Arrow Connector 127">
+            <a:extLst>
+              <a:ext uri="{FF2B5EF4-FFF2-40B4-BE49-F238E27FC236}">
+                <a16:creationId xmlns:a16="http://schemas.microsoft.com/office/drawing/2014/main" id="{B26040DF-A78E-D54A-B20E-237FF4950D0F}"/>
+              </a:ext>
+            </a:extLst>
+          </p:cNvPr>
+          <p:cNvCxnSpPr>
+            <a:cxnSpLocks/>
+          </p:cNvCxnSpPr>
+          <p:nvPr/>
+        </p:nvCxnSpPr>
+        <p:spPr>
+          <a:xfrm>
+            <a:off x="5460733" y="3402482"/>
+            <a:ext cx="296655" cy="0"/>
+          </a:xfrm>
+          <a:prstGeom prst="straightConnector1">
+            <a:avLst/>
+          </a:prstGeom>
+          <a:ln w="25400">
+            <a:solidFill>
+              <a:srgbClr val="0070C0"/>
+            </a:solidFill>
+            <a:headEnd type="triangle"/>
+            <a:tailEnd type="triangle"/>
+          </a:ln>
+        </p:spPr>
+        <p:style>
+          <a:lnRef idx="2">
+            <a:schemeClr val="accent1"/>
+          </a:lnRef>
+          <a:fillRef idx="0">
+            <a:schemeClr val="accent1"/>
+          </a:fillRef>
+          <a:effectRef idx="1">
+            <a:schemeClr val="accent1"/>
+          </a:effectRef>
+          <a:fontRef idx="minor">
+            <a:schemeClr val="tx1"/>
+          </a:fontRef>
+        </p:style>
+      </p:cxnSp>
+      <p:cxnSp>
+        <p:nvCxnSpPr>
+          <p:cNvPr id="130" name="Elbow Connector 129">
+            <a:extLst>
+              <a:ext uri="{FF2B5EF4-FFF2-40B4-BE49-F238E27FC236}">
+                <a16:creationId xmlns:a16="http://schemas.microsoft.com/office/drawing/2014/main" id="{E9F62314-AF36-2C45-A229-D42605EC9FA1}"/>
+              </a:ext>
+            </a:extLst>
+          </p:cNvPr>
+          <p:cNvCxnSpPr>
+            <a:cxnSpLocks/>
+            <a:stCxn id="110" idx="2"/>
+          </p:cNvCxnSpPr>
+          <p:nvPr/>
+        </p:nvCxnSpPr>
+        <p:spPr>
+          <a:xfrm rot="16200000" flipH="1">
+            <a:off x="3753194" y="3925701"/>
+            <a:ext cx="678279" cy="271763"/>
+          </a:xfrm>
+          <a:prstGeom prst="bentConnector3">
+            <a:avLst>
+              <a:gd name="adj1" fmla="val 50000"/>
+            </a:avLst>
+          </a:prstGeom>
+          <a:ln w="25400">
+            <a:solidFill>
+              <a:srgbClr val="0070C0"/>
+            </a:solidFill>
+            <a:headEnd type="triangle"/>
+            <a:tailEnd type="triangle"/>
+          </a:ln>
+        </p:spPr>
+        <p:style>
+          <a:lnRef idx="2">
+            <a:schemeClr val="accent1"/>
+          </a:lnRef>
+          <a:fillRef idx="0">
+            <a:schemeClr val="accent1"/>
+          </a:fillRef>
+          <a:effectRef idx="1">
+            <a:schemeClr val="accent1"/>
+          </a:effectRef>
+          <a:fontRef idx="minor">
+            <a:schemeClr val="tx1"/>
+          </a:fontRef>
+        </p:style>
+      </p:cxnSp>
+      <p:cxnSp>
+        <p:nvCxnSpPr>
+          <p:cNvPr id="131" name="Elbow Connector 130">
+            <a:extLst>
+              <a:ext uri="{FF2B5EF4-FFF2-40B4-BE49-F238E27FC236}">
+                <a16:creationId xmlns:a16="http://schemas.microsoft.com/office/drawing/2014/main" id="{D3D5E9AB-DFAF-604E-9D26-502CC16256DE}"/>
+              </a:ext>
+            </a:extLst>
+          </p:cNvPr>
+          <p:cNvCxnSpPr>
+            <a:cxnSpLocks/>
+            <a:stCxn id="109" idx="2"/>
+          </p:cNvCxnSpPr>
+          <p:nvPr/>
+        </p:nvCxnSpPr>
+        <p:spPr>
+          <a:xfrm rot="16200000" flipH="1">
+            <a:off x="5946277" y="3924511"/>
+            <a:ext cx="678276" cy="274141"/>
+          </a:xfrm>
+          <a:prstGeom prst="bentConnector3">
+            <a:avLst>
+              <a:gd name="adj1" fmla="val 50000"/>
+            </a:avLst>
+          </a:prstGeom>
+          <a:ln w="25400">
+            <a:solidFill>
+              <a:srgbClr val="0070C0"/>
+            </a:solidFill>
+            <a:headEnd type="triangle"/>
+            <a:tailEnd type="triangle"/>
+          </a:ln>
+        </p:spPr>
+        <p:style>
+          <a:lnRef idx="2">
+            <a:schemeClr val="accent1"/>
+          </a:lnRef>
+          <a:fillRef idx="0">
+            <a:schemeClr val="accent1"/>
+          </a:fillRef>
+          <a:effectRef idx="1">
+            <a:schemeClr val="accent1"/>
+          </a:effectRef>
+          <a:fontRef idx="minor">
+            <a:schemeClr val="tx1"/>
+          </a:fontRef>
+        </p:style>
+      </p:cxnSp>
+      <p:sp>
+        <p:nvSpPr>
+          <p:cNvPr id="132" name="TextBox 131">
+            <a:extLst>
+              <a:ext uri="{FF2B5EF4-FFF2-40B4-BE49-F238E27FC236}">
+                <a16:creationId xmlns:a16="http://schemas.microsoft.com/office/drawing/2014/main" id="{DF9E8E17-BBE5-A344-B985-B82859B60D65}"/>
+              </a:ext>
+            </a:extLst>
+          </p:cNvPr>
+          <p:cNvSpPr txBox="1"/>
+          <p:nvPr/>
+        </p:nvSpPr>
+        <p:spPr>
+          <a:xfrm>
+            <a:off x="3416457" y="4394149"/>
+            <a:ext cx="1623521" cy="738664"/>
+          </a:xfrm>
+          <a:prstGeom prst="rect">
+            <a:avLst/>
+          </a:prstGeom>
+          <a:noFill/>
+        </p:spPr>
+        <p:txBody>
+          <a:bodyPr wrap="none" rtlCol="0">
+            <a:spAutoFit/>
+          </a:bodyPr>
+          <a:lstStyle/>
+          <a:p>
+            <a:pPr algn="ctr"/>
+            <a:r>
+              <a:rPr lang="en-US" sz="1400" dirty="0"/>
+              <a:t>Other Base Stations</a:t>
+            </a:r>
+          </a:p>
+          <a:p>
+            <a:pPr algn="ctr"/>
+            <a:r>
+              <a:rPr lang="en-US" sz="1400" dirty="0"/>
+              <a:t>(for Handover or </a:t>
+            </a:r>
+          </a:p>
+          <a:p>
+            <a:pPr algn="ctr"/>
+            <a:r>
+              <a:rPr lang="en-US" sz="1400" dirty="0"/>
+              <a:t>Link Aggregation)</a:t>
+            </a:r>
+          </a:p>
+        </p:txBody>
+      </p:sp>
+      <p:sp>
+        <p:nvSpPr>
+          <p:cNvPr id="133" name="TextBox 132">
+            <a:extLst>
+              <a:ext uri="{FF2B5EF4-FFF2-40B4-BE49-F238E27FC236}">
+                <a16:creationId xmlns:a16="http://schemas.microsoft.com/office/drawing/2014/main" id="{AC92217A-ECA8-274B-9B4F-100CAC5141E7}"/>
+              </a:ext>
+            </a:extLst>
+          </p:cNvPr>
+          <p:cNvSpPr txBox="1"/>
+          <p:nvPr/>
+        </p:nvSpPr>
+        <p:spPr>
+          <a:xfrm>
+            <a:off x="5380696" y="4394149"/>
+            <a:ext cx="2075441" cy="738664"/>
+          </a:xfrm>
+          <a:prstGeom prst="rect">
+            <a:avLst/>
+          </a:prstGeom>
+          <a:noFill/>
+        </p:spPr>
+        <p:txBody>
+          <a:bodyPr wrap="none" rtlCol="0">
+            <a:spAutoFit/>
+          </a:bodyPr>
+          <a:lstStyle/>
+          <a:p>
+            <a:pPr algn="ctr"/>
+            <a:r>
+              <a:rPr lang="en-US" sz="1400" dirty="0"/>
+              <a:t>Other Carrier Frequencies</a:t>
+            </a:r>
+          </a:p>
+          <a:p>
+            <a:pPr algn="ctr"/>
+            <a:r>
+              <a:rPr lang="en-US" sz="1400" dirty="0">
+                <a:solidFill>
+                  <a:schemeClr val="bg1"/>
+                </a:solidFill>
+              </a:rPr>
+              <a:t>(</a:t>
+            </a:r>
+            <a:r>
+              <a:rPr lang="en-US" sz="1400" dirty="0"/>
+              <a:t>for</a:t>
+            </a:r>
+            <a:r>
+              <a:rPr lang="en-US" sz="1400" dirty="0">
+                <a:solidFill>
+                  <a:schemeClr val="bg1"/>
+                </a:solidFill>
+              </a:rPr>
+              <a:t> </a:t>
+            </a:r>
+            <a:r>
+              <a:rPr lang="en-US" sz="1400" dirty="0"/>
+              <a:t>Multi-Carrier</a:t>
+            </a:r>
+          </a:p>
+          <a:p>
+            <a:pPr algn="ctr"/>
+            <a:r>
+              <a:rPr lang="en-US" sz="1400" dirty="0"/>
+              <a:t>Transmissions</a:t>
+            </a:r>
+            <a:r>
+              <a:rPr lang="en-US" sz="1400" dirty="0">
+                <a:solidFill>
+                  <a:schemeClr val="bg1"/>
+                </a:solidFill>
+              </a:rPr>
+              <a:t>)</a:t>
+            </a:r>
+          </a:p>
+        </p:txBody>
+      </p:sp>
+      <p:sp>
+        <p:nvSpPr>
+          <p:cNvPr id="135" name="Rectangle 134">
+            <a:extLst>
+              <a:ext uri="{FF2B5EF4-FFF2-40B4-BE49-F238E27FC236}">
+                <a16:creationId xmlns:a16="http://schemas.microsoft.com/office/drawing/2014/main" id="{9CD6B071-1EAA-2540-B841-270B9AD608D5}"/>
+              </a:ext>
+            </a:extLst>
+          </p:cNvPr>
+          <p:cNvSpPr/>
+          <p:nvPr/>
+        </p:nvSpPr>
+        <p:spPr>
+          <a:xfrm>
+            <a:off x="623568" y="1876927"/>
+            <a:ext cx="1110902" cy="2286000"/>
+          </a:xfrm>
+          <a:prstGeom prst="rect">
+            <a:avLst/>
+          </a:prstGeom>
+          <a:solidFill>
+            <a:schemeClr val="bg1"/>
+          </a:solidFill>
+          <a:ln w="28575">
+            <a:solidFill>
+              <a:schemeClr val="accent1"/>
+            </a:solidFill>
+          </a:ln>
+        </p:spPr>
+        <p:style>
+          <a:lnRef idx="2">
+            <a:schemeClr val="accent1">
+              <a:shade val="50000"/>
+            </a:schemeClr>
+          </a:lnRef>
+          <a:fillRef idx="1">
+            <a:schemeClr val="accent1"/>
+          </a:fillRef>
+          <a:effectRef idx="0">
+            <a:schemeClr val="accent1"/>
+          </a:effectRef>
+          <a:fontRef idx="minor">
+            <a:schemeClr val="lt1"/>
+          </a:fontRef>
+        </p:style>
+        <p:txBody>
+          <a:bodyPr rtlCol="0" anchor="ctr"/>
+          <a:lstStyle/>
+          <a:p>
+            <a:pPr algn="ctr">
+              <a:lnSpc>
+                <a:spcPct val="80000"/>
+              </a:lnSpc>
+            </a:pPr>
+            <a:r>
+              <a:rPr lang="en-US" dirty="0">
+                <a:solidFill>
+                  <a:sysClr val="windowText" lastClr="000000"/>
+                </a:solidFill>
+              </a:rPr>
+              <a:t>Mobile</a:t>
+            </a:r>
+          </a:p>
+          <a:p>
+            <a:pPr algn="ctr">
+              <a:lnSpc>
+                <a:spcPct val="80000"/>
+              </a:lnSpc>
+            </a:pPr>
+            <a:r>
+              <a:rPr lang="en-US" dirty="0">
+                <a:solidFill>
+                  <a:sysClr val="windowText" lastClr="000000"/>
+                </a:solidFill>
+              </a:rPr>
+              <a:t>Core</a:t>
+            </a:r>
+          </a:p>
+        </p:txBody>
+      </p:sp>
+      <p:sp>
+        <p:nvSpPr>
+          <p:cNvPr id="136" name="Rectangle 135">
+            <a:extLst>
+              <a:ext uri="{FF2B5EF4-FFF2-40B4-BE49-F238E27FC236}">
+                <a16:creationId xmlns:a16="http://schemas.microsoft.com/office/drawing/2014/main" id="{80AC7BDC-64B0-A04C-9399-1E6987B62711}"/>
+              </a:ext>
+            </a:extLst>
+          </p:cNvPr>
+          <p:cNvSpPr/>
+          <p:nvPr/>
+        </p:nvSpPr>
+        <p:spPr>
+          <a:xfrm>
+            <a:off x="795805" y="2065299"/>
+            <a:ext cx="799306" cy="639927"/>
+          </a:xfrm>
+          <a:prstGeom prst="rect">
+            <a:avLst/>
+          </a:prstGeom>
+          <a:solidFill>
+            <a:schemeClr val="accent1">
+              <a:lumMod val="75000"/>
+            </a:schemeClr>
+          </a:solidFill>
+          <a:ln>
+            <a:noFill/>
+          </a:ln>
+        </p:spPr>
+        <p:style>
+          <a:lnRef idx="1">
+            <a:schemeClr val="accent1"/>
+          </a:lnRef>
+          <a:fillRef idx="3">
+            <a:schemeClr val="accent1"/>
+          </a:fillRef>
+          <a:effectRef idx="2">
+            <a:schemeClr val="accent1"/>
+          </a:effectRef>
+          <a:fontRef idx="minor">
+            <a:schemeClr val="lt1"/>
+          </a:fontRef>
+        </p:style>
+        <p:txBody>
+          <a:bodyPr rtlCol="0" anchor="ctr"/>
+          <a:lstStyle/>
+          <a:p>
+            <a:pPr algn="ctr"/>
+            <a:r>
+              <a:rPr lang="en-US" sz="1400" dirty="0">
+                <a:solidFill>
+                  <a:schemeClr val="bg1"/>
+                </a:solidFill>
+              </a:rPr>
+              <a:t>Control</a:t>
+            </a:r>
+          </a:p>
+          <a:p>
+            <a:pPr algn="ctr"/>
+            <a:r>
+              <a:rPr lang="en-US" sz="1400" dirty="0">
+                <a:solidFill>
+                  <a:schemeClr val="bg1"/>
+                </a:solidFill>
+              </a:rPr>
+              <a:t>Plane</a:t>
+            </a:r>
+          </a:p>
+        </p:txBody>
+      </p:sp>
+      <p:cxnSp>
+        <p:nvCxnSpPr>
+          <p:cNvPr id="119" name="Straight Arrow Connector 118">
+            <a:extLst>
+              <a:ext uri="{FF2B5EF4-FFF2-40B4-BE49-F238E27FC236}">
+                <a16:creationId xmlns:a16="http://schemas.microsoft.com/office/drawing/2014/main" id="{E0DEFF38-B271-7949-B7B5-D106A5B4DA79}"/>
+              </a:ext>
+            </a:extLst>
+          </p:cNvPr>
+          <p:cNvCxnSpPr>
+            <a:cxnSpLocks/>
+            <a:stCxn id="136" idx="3"/>
+            <a:endCxn id="111" idx="1"/>
+          </p:cNvCxnSpPr>
+          <p:nvPr/>
+        </p:nvCxnSpPr>
+        <p:spPr>
+          <a:xfrm>
+            <a:off x="1595111" y="2385263"/>
+            <a:ext cx="863824" cy="189"/>
+          </a:xfrm>
+          <a:prstGeom prst="straightConnector1">
+            <a:avLst/>
+          </a:prstGeom>
+          <a:ln w="25400">
+            <a:solidFill>
+              <a:srgbClr val="0070C0"/>
+            </a:solidFill>
+            <a:headEnd type="triangle"/>
+            <a:tailEnd type="triangle"/>
+          </a:ln>
+        </p:spPr>
+        <p:style>
+          <a:lnRef idx="2">
+            <a:schemeClr val="accent1"/>
+          </a:lnRef>
+          <a:fillRef idx="0">
+            <a:schemeClr val="accent1"/>
+          </a:fillRef>
+          <a:effectRef idx="1">
+            <a:schemeClr val="accent1"/>
+          </a:effectRef>
+          <a:fontRef idx="minor">
+            <a:schemeClr val="tx1"/>
+          </a:fontRef>
+        </p:style>
+      </p:cxnSp>
+      <p:sp>
+        <p:nvSpPr>
+          <p:cNvPr id="137" name="Rectangle 136">
+            <a:extLst>
+              <a:ext uri="{FF2B5EF4-FFF2-40B4-BE49-F238E27FC236}">
+                <a16:creationId xmlns:a16="http://schemas.microsoft.com/office/drawing/2014/main" id="{BC60390A-3F0E-7045-B686-0109FD4C198D}"/>
+              </a:ext>
+            </a:extLst>
+          </p:cNvPr>
+          <p:cNvSpPr/>
+          <p:nvPr/>
+        </p:nvSpPr>
+        <p:spPr>
+          <a:xfrm>
+            <a:off x="789599" y="3293166"/>
+            <a:ext cx="799306" cy="639927"/>
+          </a:xfrm>
+          <a:prstGeom prst="rect">
+            <a:avLst/>
+          </a:prstGeom>
+          <a:solidFill>
+            <a:schemeClr val="accent1">
+              <a:lumMod val="60000"/>
+              <a:lumOff val="40000"/>
+            </a:schemeClr>
+          </a:solidFill>
+          <a:ln>
+            <a:solidFill>
+              <a:srgbClr val="0070C0"/>
+            </a:solidFill>
+          </a:ln>
+        </p:spPr>
+        <p:style>
+          <a:lnRef idx="1">
+            <a:schemeClr val="accent1"/>
+          </a:lnRef>
+          <a:fillRef idx="3">
+            <a:schemeClr val="accent1"/>
+          </a:fillRef>
+          <a:effectRef idx="2">
+            <a:schemeClr val="accent1"/>
+          </a:effectRef>
+          <a:fontRef idx="minor">
+            <a:schemeClr val="lt1"/>
+          </a:fontRef>
+        </p:style>
+        <p:txBody>
+          <a:bodyPr rtlCol="0" anchor="ctr"/>
+          <a:lstStyle/>
+          <a:p>
+            <a:pPr algn="ctr"/>
+            <a:r>
+              <a:rPr lang="en-US" sz="1400" dirty="0">
+                <a:solidFill>
+                  <a:schemeClr val="tx2"/>
+                </a:solidFill>
+              </a:rPr>
+              <a:t>User</a:t>
+            </a:r>
+          </a:p>
+          <a:p>
+            <a:pPr algn="ctr"/>
+            <a:r>
+              <a:rPr lang="en-US" sz="1400" dirty="0">
+                <a:solidFill>
+                  <a:schemeClr val="tx2"/>
+                </a:solidFill>
+              </a:rPr>
+              <a:t>Plane</a:t>
+            </a:r>
+          </a:p>
+        </p:txBody>
+      </p:sp>
+      <p:cxnSp>
+        <p:nvCxnSpPr>
+          <p:cNvPr id="116" name="Straight Arrow Connector 115">
+            <a:extLst>
+              <a:ext uri="{FF2B5EF4-FFF2-40B4-BE49-F238E27FC236}">
+                <a16:creationId xmlns:a16="http://schemas.microsoft.com/office/drawing/2014/main" id="{E230D404-64BC-E242-81CD-8691DBEA3A95}"/>
+              </a:ext>
+            </a:extLst>
+          </p:cNvPr>
+          <p:cNvCxnSpPr>
+            <a:cxnSpLocks/>
+            <a:stCxn id="137" idx="3"/>
+          </p:cNvCxnSpPr>
+          <p:nvPr/>
+        </p:nvCxnSpPr>
+        <p:spPr>
+          <a:xfrm>
+            <a:off x="1588905" y="3613130"/>
+            <a:ext cx="1967894" cy="0"/>
+          </a:xfrm>
+          <a:prstGeom prst="straightConnector1">
+            <a:avLst/>
+          </a:prstGeom>
+          <a:ln w="25400">
+            <a:solidFill>
+              <a:srgbClr val="0070C0"/>
+            </a:solidFill>
+            <a:headEnd type="triangle"/>
+            <a:tailEnd type="triangle"/>
+          </a:ln>
+        </p:spPr>
+        <p:style>
+          <a:lnRef idx="2">
+            <a:schemeClr val="accent1"/>
+          </a:lnRef>
+          <a:fillRef idx="0">
+            <a:schemeClr val="accent1"/>
+          </a:fillRef>
+          <a:effectRef idx="1">
+            <a:schemeClr val="accent1"/>
+          </a:effectRef>
+          <a:fontRef idx="minor">
+            <a:schemeClr val="tx1"/>
+          </a:fontRef>
+        </p:style>
+      </p:cxnSp>
+    </p:spTree>
+    <p:extLst>
+      <p:ext uri="{BB962C8B-B14F-4D97-AF65-F5344CB8AC3E}">
+        <p14:creationId xmlns:p14="http://schemas.microsoft.com/office/powerpoint/2010/main" val="1805431459"/>
+      </p:ext>
+    </p:extLst>
+  </p:cSld>
+  <p:clrMapOvr>
+    <a:masterClrMapping/>
+  </p:clrMapOvr>
+</p:sld>
+</file>
+
+<file path=ppt/slides/slide4.xml><?xml version="1.0" encoding="utf-8"?>
+<p:sld xmlns:a="http://schemas.openxmlformats.org/drawingml/2006/main" xmlns:r="http://schemas.openxmlformats.org/officeDocument/2006/relationships" xmlns:p="http://schemas.openxmlformats.org/presentationml/2006/main">
+  <p:cSld>
+    <p:spTree>
+      <p:nvGrpSpPr>
+        <p:cNvPr id="1" name=""/>
+        <p:cNvGrpSpPr/>
+        <p:nvPr/>
+      </p:nvGrpSpPr>
+      <p:grpSpPr>
+        <a:xfrm>
+          <a:off x="0" y="0"/>
+          <a:ext cx="0" cy="0"/>
+          <a:chOff x="0" y="0"/>
+          <a:chExt cx="0" cy="0"/>
+        </a:xfrm>
+      </p:grpSpPr>
+      <p:pic>
+        <p:nvPicPr>
+          <p:cNvPr id="101" name="Picture 100">
+            <a:extLst>
+              <a:ext uri="{FF2B5EF4-FFF2-40B4-BE49-F238E27FC236}">
+                <a16:creationId xmlns:a16="http://schemas.microsoft.com/office/drawing/2014/main" id="{18E600CF-F3EE-054B-8CCF-1C21501E3083}"/>
+              </a:ext>
+            </a:extLst>
+          </p:cNvPr>
+          <p:cNvPicPr>
+            <a:picLocks noChangeAspect="1"/>
+          </p:cNvPicPr>
+          <p:nvPr/>
+        </p:nvPicPr>
+        <p:blipFill>
+          <a:blip r:embed="rId2"/>
+          <a:stretch>
+            <a:fillRect/>
+          </a:stretch>
+        </p:blipFill>
+        <p:spPr>
+          <a:xfrm>
+            <a:off x="10621179" y="1941809"/>
+            <a:ext cx="855415" cy="1780636"/>
+          </a:xfrm>
+          <a:prstGeom prst="rect">
+            <a:avLst/>
+          </a:prstGeom>
+          <a:effectLst>
+            <a:outerShdw blurRad="50800" dist="38100" dir="2700000" algn="tl" rotWithShape="0">
+              <a:prstClr val="black">
+                <a:alpha val="40000"/>
+              </a:prstClr>
+            </a:outerShdw>
+          </a:effectLst>
+        </p:spPr>
+      </p:pic>
+      <p:sp>
+        <p:nvSpPr>
+          <p:cNvPr id="105" name="Rectangle 104">
+            <a:extLst>
+              <a:ext uri="{FF2B5EF4-FFF2-40B4-BE49-F238E27FC236}">
+                <a16:creationId xmlns:a16="http://schemas.microsoft.com/office/drawing/2014/main" id="{E2DF81D3-FB2D-AE45-BCE9-982CCAB96684}"/>
+              </a:ext>
+            </a:extLst>
+          </p:cNvPr>
+          <p:cNvSpPr/>
+          <p:nvPr/>
+        </p:nvSpPr>
+        <p:spPr>
+          <a:xfrm>
+            <a:off x="9525282" y="3082517"/>
+            <a:ext cx="1186589" cy="639927"/>
+          </a:xfrm>
+          <a:prstGeom prst="rect">
+            <a:avLst/>
+          </a:prstGeom>
+          <a:solidFill>
+            <a:schemeClr val="bg2">
+              <a:lumMod val="50000"/>
+            </a:schemeClr>
+          </a:solidFill>
+          <a:ln>
+            <a:noFill/>
+          </a:ln>
+        </p:spPr>
+        <p:style>
+          <a:lnRef idx="1">
+            <a:schemeClr val="accent1"/>
+          </a:lnRef>
+          <a:fillRef idx="3">
+            <a:schemeClr val="accent1"/>
+          </a:fillRef>
+          <a:effectRef idx="2">
+            <a:schemeClr val="accent1"/>
+          </a:effectRef>
+          <a:fontRef idx="minor">
+            <a:schemeClr val="lt1"/>
+          </a:fontRef>
+        </p:style>
+        <p:txBody>
+          <a:bodyPr rtlCol="0" anchor="ctr"/>
+          <a:lstStyle/>
+          <a:p>
+            <a:pPr algn="ctr"/>
+            <a:r>
+              <a:rPr lang="en-US" sz="1400" dirty="0">
+                <a:solidFill>
+                  <a:schemeClr val="bg1"/>
+                </a:solidFill>
+              </a:rPr>
+              <a:t>RF</a:t>
+            </a:r>
+            <a:r>
+              <a:rPr lang="en-US" sz="1400" dirty="0">
+                <a:solidFill>
+                  <a:schemeClr val="tx2"/>
+                </a:solidFill>
+              </a:rPr>
+              <a:t> </a:t>
+            </a:r>
+          </a:p>
+          <a:p>
+            <a:pPr algn="ctr"/>
+            <a:r>
+              <a:rPr lang="en-US" sz="1400" dirty="0">
+                <a:solidFill>
+                  <a:schemeClr val="bg1"/>
+                </a:solidFill>
+              </a:rPr>
+              <a:t>Front</a:t>
+            </a:r>
+            <a:r>
+              <a:rPr lang="en-US" sz="1400" dirty="0">
+                <a:solidFill>
+                  <a:schemeClr val="tx2"/>
+                </a:solidFill>
+              </a:rPr>
+              <a:t> </a:t>
+            </a:r>
+            <a:r>
+              <a:rPr lang="en-US" sz="1400" dirty="0">
+                <a:solidFill>
+                  <a:schemeClr val="bg1"/>
+                </a:solidFill>
+              </a:rPr>
+              <a:t>End</a:t>
+            </a:r>
+          </a:p>
+        </p:txBody>
+      </p:sp>
+      <p:sp>
+        <p:nvSpPr>
+          <p:cNvPr id="106" name="Rectangle 105">
+            <a:extLst>
+              <a:ext uri="{FF2B5EF4-FFF2-40B4-BE49-F238E27FC236}">
+                <a16:creationId xmlns:a16="http://schemas.microsoft.com/office/drawing/2014/main" id="{8D4CCF7B-5343-AD4C-85FE-9FCB71F1688C}"/>
+              </a:ext>
+            </a:extLst>
+          </p:cNvPr>
+          <p:cNvSpPr/>
+          <p:nvPr/>
+        </p:nvSpPr>
+        <p:spPr>
+          <a:xfrm>
+            <a:off x="7940515" y="3082517"/>
+            <a:ext cx="1305764" cy="639927"/>
+          </a:xfrm>
+          <a:prstGeom prst="rect">
+            <a:avLst/>
+          </a:prstGeom>
+          <a:solidFill>
+            <a:schemeClr val="bg2">
+              <a:lumMod val="50000"/>
+            </a:schemeClr>
+          </a:solidFill>
+          <a:ln>
+            <a:noFill/>
+          </a:ln>
+        </p:spPr>
+        <p:style>
+          <a:lnRef idx="1">
+            <a:schemeClr val="accent1"/>
+          </a:lnRef>
+          <a:fillRef idx="3">
+            <a:schemeClr val="accent1"/>
+          </a:fillRef>
+          <a:effectRef idx="2">
+            <a:schemeClr val="accent1"/>
+          </a:effectRef>
+          <a:fontRef idx="minor">
+            <a:schemeClr val="lt1"/>
+          </a:fontRef>
+        </p:style>
+        <p:txBody>
+          <a:bodyPr rtlCol="0" anchor="ctr"/>
+          <a:lstStyle/>
+          <a:p>
+            <a:pPr algn="ctr"/>
+            <a:r>
+              <a:rPr lang="en-US" sz="1400" dirty="0">
+                <a:solidFill>
+                  <a:schemeClr val="bg1"/>
+                </a:solidFill>
+              </a:rPr>
+              <a:t>D/A Conversion</a:t>
+            </a:r>
+          </a:p>
+        </p:txBody>
+      </p:sp>
+      <p:sp>
+        <p:nvSpPr>
+          <p:cNvPr id="107" name="Rectangle 106">
+            <a:extLst>
+              <a:ext uri="{FF2B5EF4-FFF2-40B4-BE49-F238E27FC236}">
+                <a16:creationId xmlns:a16="http://schemas.microsoft.com/office/drawing/2014/main" id="{20600C9E-7119-E743-80F3-2746097CB1F9}"/>
+              </a:ext>
+            </a:extLst>
+          </p:cNvPr>
+          <p:cNvSpPr/>
+          <p:nvPr/>
+        </p:nvSpPr>
+        <p:spPr>
+          <a:xfrm>
+            <a:off x="6844618" y="3082517"/>
+            <a:ext cx="799241" cy="639927"/>
+          </a:xfrm>
+          <a:prstGeom prst="rect">
+            <a:avLst/>
+          </a:prstGeom>
+          <a:solidFill>
+            <a:schemeClr val="accent1">
+              <a:lumMod val="60000"/>
+              <a:lumOff val="40000"/>
+            </a:schemeClr>
+          </a:solidFill>
+          <a:ln>
+            <a:solidFill>
+              <a:srgbClr val="0070C0"/>
+            </a:solidFill>
+          </a:ln>
+        </p:spPr>
+        <p:style>
+          <a:lnRef idx="1">
+            <a:schemeClr val="accent1"/>
+          </a:lnRef>
+          <a:fillRef idx="3">
+            <a:schemeClr val="accent1"/>
+          </a:fillRef>
+          <a:effectRef idx="2">
+            <a:schemeClr val="accent1"/>
+          </a:effectRef>
+          <a:fontRef idx="minor">
+            <a:schemeClr val="lt1"/>
+          </a:fontRef>
+        </p:style>
+        <p:txBody>
+          <a:bodyPr rtlCol="0" anchor="ctr"/>
+          <a:lstStyle/>
+          <a:p>
+            <a:pPr algn="ctr"/>
+            <a:r>
+              <a:rPr lang="en-US" sz="1400" dirty="0">
+                <a:solidFill>
+                  <a:schemeClr val="tx2"/>
+                </a:solidFill>
+              </a:rPr>
+              <a:t>PHY</a:t>
+            </a:r>
+          </a:p>
+        </p:txBody>
+      </p:sp>
+      <p:sp>
+        <p:nvSpPr>
+          <p:cNvPr id="109" name="Rectangle 108">
+            <a:extLst>
+              <a:ext uri="{FF2B5EF4-FFF2-40B4-BE49-F238E27FC236}">
+                <a16:creationId xmlns:a16="http://schemas.microsoft.com/office/drawing/2014/main" id="{C6334D06-8FA8-D24C-BD00-C9AF13DF4007}"/>
+              </a:ext>
+            </a:extLst>
+          </p:cNvPr>
+          <p:cNvSpPr/>
+          <p:nvPr/>
+        </p:nvSpPr>
+        <p:spPr>
+          <a:xfrm>
+            <a:off x="5748722" y="3082517"/>
+            <a:ext cx="799241" cy="639927"/>
+          </a:xfrm>
+          <a:prstGeom prst="rect">
+            <a:avLst/>
+          </a:prstGeom>
+          <a:solidFill>
+            <a:schemeClr val="accent1">
+              <a:lumMod val="60000"/>
+              <a:lumOff val="40000"/>
+            </a:schemeClr>
+          </a:solidFill>
+          <a:ln>
+            <a:solidFill>
+              <a:srgbClr val="0070C0"/>
+            </a:solidFill>
+          </a:ln>
+        </p:spPr>
+        <p:style>
+          <a:lnRef idx="1">
+            <a:schemeClr val="accent1"/>
+          </a:lnRef>
+          <a:fillRef idx="3">
+            <a:schemeClr val="accent1"/>
+          </a:fillRef>
+          <a:effectRef idx="2">
+            <a:schemeClr val="accent1"/>
+          </a:effectRef>
+          <a:fontRef idx="minor">
+            <a:schemeClr val="lt1"/>
+          </a:fontRef>
+        </p:style>
+        <p:txBody>
+          <a:bodyPr rtlCol="0" anchor="ctr"/>
+          <a:lstStyle/>
+          <a:p>
+            <a:pPr algn="ctr"/>
+            <a:r>
+              <a:rPr lang="en-US" sz="1400" dirty="0">
+                <a:solidFill>
+                  <a:schemeClr val="tx2"/>
+                </a:solidFill>
+              </a:rPr>
+              <a:t>MAC</a:t>
+            </a:r>
+          </a:p>
+        </p:txBody>
+      </p:sp>
+      <p:sp>
+        <p:nvSpPr>
+          <p:cNvPr id="110" name="Rectangle 109">
+            <a:extLst>
+              <a:ext uri="{FF2B5EF4-FFF2-40B4-BE49-F238E27FC236}">
+                <a16:creationId xmlns:a16="http://schemas.microsoft.com/office/drawing/2014/main" id="{0C19B488-C558-824C-B1A0-A2A5261BC989}"/>
+              </a:ext>
+            </a:extLst>
+          </p:cNvPr>
+          <p:cNvSpPr/>
+          <p:nvPr/>
+        </p:nvSpPr>
+        <p:spPr>
+          <a:xfrm>
+            <a:off x="3556799" y="3082517"/>
+            <a:ext cx="799306" cy="639927"/>
+          </a:xfrm>
+          <a:prstGeom prst="rect">
+            <a:avLst/>
+          </a:prstGeom>
+          <a:solidFill>
+            <a:schemeClr val="accent1">
+              <a:lumMod val="60000"/>
+              <a:lumOff val="40000"/>
+            </a:schemeClr>
+          </a:solidFill>
+          <a:ln>
+            <a:solidFill>
+              <a:srgbClr val="0070C0"/>
+            </a:solidFill>
+          </a:ln>
+        </p:spPr>
+        <p:style>
+          <a:lnRef idx="1">
+            <a:schemeClr val="accent1"/>
+          </a:lnRef>
+          <a:fillRef idx="3">
+            <a:schemeClr val="accent1"/>
+          </a:fillRef>
+          <a:effectRef idx="2">
+            <a:schemeClr val="accent1"/>
+          </a:effectRef>
+          <a:fontRef idx="minor">
+            <a:schemeClr val="lt1"/>
+          </a:fontRef>
+        </p:style>
+        <p:txBody>
+          <a:bodyPr rtlCol="0" anchor="ctr"/>
+          <a:lstStyle/>
+          <a:p>
+            <a:pPr algn="ctr"/>
+            <a:r>
+              <a:rPr lang="en-US" sz="1400" dirty="0">
+                <a:solidFill>
+                  <a:schemeClr val="tx2"/>
+                </a:solidFill>
+              </a:rPr>
+              <a:t>PDCP</a:t>
+            </a:r>
+          </a:p>
+        </p:txBody>
+      </p:sp>
+      <p:sp>
+        <p:nvSpPr>
+          <p:cNvPr id="111" name="Rectangle 110">
+            <a:extLst>
+              <a:ext uri="{FF2B5EF4-FFF2-40B4-BE49-F238E27FC236}">
+                <a16:creationId xmlns:a16="http://schemas.microsoft.com/office/drawing/2014/main" id="{CA4189DF-32B3-7B44-880B-92022DB2869A}"/>
+              </a:ext>
+            </a:extLst>
+          </p:cNvPr>
+          <p:cNvSpPr/>
+          <p:nvPr/>
+        </p:nvSpPr>
+        <p:spPr>
+          <a:xfrm>
+            <a:off x="2458935" y="2065488"/>
+            <a:ext cx="799306" cy="639927"/>
+          </a:xfrm>
+          <a:prstGeom prst="rect">
+            <a:avLst/>
+          </a:prstGeom>
+          <a:solidFill>
+            <a:schemeClr val="accent1">
+              <a:lumMod val="75000"/>
+            </a:schemeClr>
+          </a:solidFill>
+          <a:ln>
+            <a:noFill/>
+          </a:ln>
+        </p:spPr>
+        <p:style>
+          <a:lnRef idx="1">
+            <a:schemeClr val="accent1"/>
+          </a:lnRef>
+          <a:fillRef idx="3">
+            <a:schemeClr val="accent1"/>
+          </a:fillRef>
+          <a:effectRef idx="2">
+            <a:schemeClr val="accent1"/>
+          </a:effectRef>
+          <a:fontRef idx="minor">
+            <a:schemeClr val="lt1"/>
+          </a:fontRef>
+        </p:style>
+        <p:txBody>
+          <a:bodyPr rtlCol="0" anchor="ctr"/>
+          <a:lstStyle/>
+          <a:p>
+            <a:pPr algn="ctr"/>
+            <a:r>
+              <a:rPr lang="en-US" sz="1400" dirty="0">
+                <a:solidFill>
+                  <a:schemeClr val="bg1"/>
+                </a:solidFill>
+              </a:rPr>
+              <a:t>RRC</a:t>
+            </a:r>
+          </a:p>
+        </p:txBody>
+      </p:sp>
+      <p:cxnSp>
+        <p:nvCxnSpPr>
+          <p:cNvPr id="112" name="Straight Arrow Connector 111">
+            <a:extLst>
+              <a:ext uri="{FF2B5EF4-FFF2-40B4-BE49-F238E27FC236}">
+                <a16:creationId xmlns:a16="http://schemas.microsoft.com/office/drawing/2014/main" id="{97D58A12-4FB2-9F4C-B88D-AAB551B17278}"/>
+              </a:ext>
+            </a:extLst>
+          </p:cNvPr>
+          <p:cNvCxnSpPr>
+            <a:cxnSpLocks/>
+            <a:stCxn id="106" idx="3"/>
+            <a:endCxn id="105" idx="1"/>
+          </p:cNvCxnSpPr>
+          <p:nvPr/>
+        </p:nvCxnSpPr>
+        <p:spPr>
+          <a:xfrm>
+            <a:off x="9246279" y="3402482"/>
+            <a:ext cx="279003" cy="0"/>
+          </a:xfrm>
+          <a:prstGeom prst="straightConnector1">
+            <a:avLst/>
+          </a:prstGeom>
+          <a:ln w="25400">
+            <a:solidFill>
+              <a:schemeClr val="bg2">
+                <a:lumMod val="25000"/>
+              </a:schemeClr>
+            </a:solidFill>
+            <a:headEnd type="triangle"/>
+            <a:tailEnd type="triangle"/>
+          </a:ln>
+        </p:spPr>
+        <p:style>
+          <a:lnRef idx="2">
+            <a:schemeClr val="accent1"/>
+          </a:lnRef>
+          <a:fillRef idx="0">
+            <a:schemeClr val="accent1"/>
+          </a:fillRef>
+          <a:effectRef idx="1">
+            <a:schemeClr val="accent1"/>
+          </a:effectRef>
+          <a:fontRef idx="minor">
+            <a:schemeClr val="tx1"/>
+          </a:fontRef>
+        </p:style>
+      </p:cxnSp>
+      <p:cxnSp>
+        <p:nvCxnSpPr>
+          <p:cNvPr id="113" name="Straight Arrow Connector 112">
+            <a:extLst>
+              <a:ext uri="{FF2B5EF4-FFF2-40B4-BE49-F238E27FC236}">
+                <a16:creationId xmlns:a16="http://schemas.microsoft.com/office/drawing/2014/main" id="{54548D48-CD95-0A41-A867-DAFE5CE356AD}"/>
+              </a:ext>
+            </a:extLst>
+          </p:cNvPr>
+          <p:cNvCxnSpPr>
+            <a:cxnSpLocks/>
+            <a:stCxn id="107" idx="3"/>
+            <a:endCxn id="106" idx="1"/>
+          </p:cNvCxnSpPr>
+          <p:nvPr/>
+        </p:nvCxnSpPr>
+        <p:spPr>
+          <a:xfrm>
+            <a:off x="7643860" y="3402482"/>
+            <a:ext cx="296655" cy="0"/>
+          </a:xfrm>
+          <a:prstGeom prst="straightConnector1">
+            <a:avLst/>
+          </a:prstGeom>
+          <a:ln w="25400">
+            <a:solidFill>
+              <a:srgbClr val="0070C0"/>
+            </a:solidFill>
+            <a:headEnd type="triangle"/>
+            <a:tailEnd type="triangle"/>
+          </a:ln>
+        </p:spPr>
+        <p:style>
+          <a:lnRef idx="2">
+            <a:schemeClr val="accent1"/>
+          </a:lnRef>
+          <a:fillRef idx="0">
+            <a:schemeClr val="accent1"/>
+          </a:fillRef>
+          <a:effectRef idx="1">
+            <a:schemeClr val="accent1"/>
+          </a:effectRef>
+          <a:fontRef idx="minor">
+            <a:schemeClr val="tx1"/>
+          </a:fontRef>
+        </p:style>
+      </p:cxnSp>
+      <p:cxnSp>
+        <p:nvCxnSpPr>
+          <p:cNvPr id="114" name="Straight Arrow Connector 113">
+            <a:extLst>
+              <a:ext uri="{FF2B5EF4-FFF2-40B4-BE49-F238E27FC236}">
+                <a16:creationId xmlns:a16="http://schemas.microsoft.com/office/drawing/2014/main" id="{16EF22B6-086D-8447-A62D-3E2DA8B41D4D}"/>
+              </a:ext>
+            </a:extLst>
+          </p:cNvPr>
+          <p:cNvCxnSpPr>
+            <a:cxnSpLocks/>
+          </p:cNvCxnSpPr>
+          <p:nvPr/>
+        </p:nvCxnSpPr>
+        <p:spPr>
+          <a:xfrm>
+            <a:off x="6547963" y="3402482"/>
+            <a:ext cx="296655" cy="0"/>
+          </a:xfrm>
+          <a:prstGeom prst="straightConnector1">
+            <a:avLst/>
+          </a:prstGeom>
+          <a:ln w="25400">
+            <a:solidFill>
+              <a:srgbClr val="0070C0"/>
+            </a:solidFill>
+            <a:headEnd type="triangle"/>
+            <a:tailEnd type="triangle"/>
+          </a:ln>
+        </p:spPr>
+        <p:style>
+          <a:lnRef idx="2">
+            <a:schemeClr val="accent1"/>
+          </a:lnRef>
+          <a:fillRef idx="0">
+            <a:schemeClr val="accent1"/>
+          </a:fillRef>
+          <a:effectRef idx="1">
+            <a:schemeClr val="accent1"/>
+          </a:effectRef>
+          <a:fontRef idx="minor">
+            <a:schemeClr val="tx1"/>
+          </a:fontRef>
+        </p:style>
+      </p:cxnSp>
+      <p:cxnSp>
+        <p:nvCxnSpPr>
+          <p:cNvPr id="115" name="Straight Arrow Connector 114">
+            <a:extLst>
+              <a:ext uri="{FF2B5EF4-FFF2-40B4-BE49-F238E27FC236}">
+                <a16:creationId xmlns:a16="http://schemas.microsoft.com/office/drawing/2014/main" id="{A7F7F8B4-7760-3142-A4C0-832DF80D8A31}"/>
+              </a:ext>
+            </a:extLst>
+          </p:cNvPr>
+          <p:cNvCxnSpPr>
+            <a:cxnSpLocks/>
+            <a:stCxn id="110" idx="3"/>
+          </p:cNvCxnSpPr>
+          <p:nvPr/>
+        </p:nvCxnSpPr>
+        <p:spPr>
+          <a:xfrm>
+            <a:off x="4356106" y="3402482"/>
+            <a:ext cx="296655" cy="3827"/>
+          </a:xfrm>
+          <a:prstGeom prst="straightConnector1">
+            <a:avLst/>
+          </a:prstGeom>
+          <a:ln w="25400">
+            <a:solidFill>
+              <a:srgbClr val="0070C0"/>
+            </a:solidFill>
+            <a:headEnd type="triangle"/>
+            <a:tailEnd type="triangle"/>
+          </a:ln>
+        </p:spPr>
+        <p:style>
+          <a:lnRef idx="2">
+            <a:schemeClr val="accent1"/>
+          </a:lnRef>
+          <a:fillRef idx="0">
+            <a:schemeClr val="accent1"/>
+          </a:fillRef>
+          <a:effectRef idx="1">
+            <a:schemeClr val="accent1"/>
+          </a:effectRef>
+          <a:fontRef idx="minor">
+            <a:schemeClr val="tx1"/>
+          </a:fontRef>
+        </p:style>
+      </p:cxnSp>
+      <p:cxnSp>
+        <p:nvCxnSpPr>
+          <p:cNvPr id="117" name="Elbow Connector 116">
+            <a:extLst>
+              <a:ext uri="{FF2B5EF4-FFF2-40B4-BE49-F238E27FC236}">
+                <a16:creationId xmlns:a16="http://schemas.microsoft.com/office/drawing/2014/main" id="{B7B63AB9-1255-9349-9E6F-06C2BBDFC240}"/>
+              </a:ext>
+            </a:extLst>
+          </p:cNvPr>
+          <p:cNvCxnSpPr>
+            <a:cxnSpLocks/>
+          </p:cNvCxnSpPr>
+          <p:nvPr/>
+        </p:nvCxnSpPr>
+        <p:spPr>
+          <a:xfrm>
+            <a:off x="3258242" y="2465662"/>
+            <a:ext cx="298558" cy="797996"/>
+          </a:xfrm>
+          <a:prstGeom prst="bentConnector3">
+            <a:avLst/>
+          </a:prstGeom>
+          <a:ln w="25400">
+            <a:solidFill>
+              <a:srgbClr val="0070C0"/>
+            </a:solidFill>
+            <a:headEnd type="triangle"/>
+            <a:tailEnd type="triangle"/>
+          </a:ln>
+        </p:spPr>
+        <p:style>
+          <a:lnRef idx="2">
+            <a:schemeClr val="accent1"/>
+          </a:lnRef>
+          <a:fillRef idx="0">
+            <a:schemeClr val="accent1"/>
+          </a:fillRef>
+          <a:effectRef idx="1">
+            <a:schemeClr val="accent1"/>
+          </a:effectRef>
+          <a:fontRef idx="minor">
+            <a:schemeClr val="tx1"/>
+          </a:fontRef>
+        </p:style>
+      </p:cxnSp>
+      <p:cxnSp>
+        <p:nvCxnSpPr>
+          <p:cNvPr id="118" name="Straight Arrow Connector 117">
+            <a:extLst>
+              <a:ext uri="{FF2B5EF4-FFF2-40B4-BE49-F238E27FC236}">
+                <a16:creationId xmlns:a16="http://schemas.microsoft.com/office/drawing/2014/main" id="{EB88A2A4-6BD7-C84D-BDE3-68169C82E9DB}"/>
+              </a:ext>
+            </a:extLst>
+          </p:cNvPr>
+          <p:cNvCxnSpPr>
+            <a:cxnSpLocks/>
+          </p:cNvCxnSpPr>
+          <p:nvPr/>
+        </p:nvCxnSpPr>
+        <p:spPr>
+          <a:xfrm>
+            <a:off x="10707220" y="3402480"/>
+            <a:ext cx="279003" cy="0"/>
+          </a:xfrm>
+          <a:prstGeom prst="straightConnector1">
+            <a:avLst/>
+          </a:prstGeom>
+          <a:ln w="25400">
+            <a:solidFill>
+              <a:schemeClr val="bg2">
+                <a:lumMod val="25000"/>
+              </a:schemeClr>
+            </a:solidFill>
+            <a:headEnd type="triangle"/>
+            <a:tailEnd type="triangle"/>
+          </a:ln>
+        </p:spPr>
+        <p:style>
+          <a:lnRef idx="2">
+            <a:schemeClr val="accent1"/>
+          </a:lnRef>
+          <a:fillRef idx="0">
+            <a:schemeClr val="accent1"/>
+          </a:fillRef>
+          <a:effectRef idx="1">
+            <a:schemeClr val="accent1"/>
+          </a:effectRef>
+          <a:fontRef idx="minor">
+            <a:schemeClr val="tx1"/>
+          </a:fontRef>
+        </p:style>
+      </p:cxnSp>
+      <p:sp>
+        <p:nvSpPr>
+          <p:cNvPr id="120" name="TextBox 119">
+            <a:extLst>
+              <a:ext uri="{FF2B5EF4-FFF2-40B4-BE49-F238E27FC236}">
+                <a16:creationId xmlns:a16="http://schemas.microsoft.com/office/drawing/2014/main" id="{4FBE0C53-3CFC-C447-AF9F-7923353E168C}"/>
+              </a:ext>
+            </a:extLst>
+          </p:cNvPr>
+          <p:cNvSpPr txBox="1"/>
+          <p:nvPr/>
+        </p:nvSpPr>
+        <p:spPr>
+          <a:xfrm>
+            <a:off x="506858" y="2293077"/>
+            <a:ext cx="1481987" cy="595745"/>
+          </a:xfrm>
+          <a:prstGeom prst="rect">
+            <a:avLst/>
+          </a:prstGeom>
+          <a:noFill/>
+        </p:spPr>
+        <p:txBody>
+          <a:bodyPr wrap="none" rtlCol="0">
+            <a:spAutoFit/>
+          </a:bodyPr>
+          <a:lstStyle/>
+          <a:p>
+            <a:pPr algn="ctr"/>
+            <a:r>
+              <a:rPr lang="en-US" sz="1200" dirty="0">
+                <a:solidFill>
+                  <a:schemeClr val="bg1"/>
+                </a:solidFill>
+                <a:latin typeface="+mj-lt"/>
+              </a:rPr>
+              <a:t>Mobile Core </a:t>
+            </a:r>
+          </a:p>
+          <a:p>
+            <a:pPr algn="ctr"/>
+            <a:r>
+              <a:rPr lang="en-US" sz="1200" dirty="0">
+                <a:solidFill>
+                  <a:schemeClr val="bg1"/>
+                </a:solidFill>
+                <a:latin typeface="+mj-lt"/>
+              </a:rPr>
+              <a:t>Control Plane</a:t>
+            </a:r>
+          </a:p>
+        </p:txBody>
+      </p:sp>
+      <p:sp>
+        <p:nvSpPr>
+          <p:cNvPr id="121" name="TextBox 120">
+            <a:extLst>
+              <a:ext uri="{FF2B5EF4-FFF2-40B4-BE49-F238E27FC236}">
+                <a16:creationId xmlns:a16="http://schemas.microsoft.com/office/drawing/2014/main" id="{6CDC23D1-6638-F346-8539-04EE1369C6BE}"/>
+              </a:ext>
+            </a:extLst>
+          </p:cNvPr>
+          <p:cNvSpPr txBox="1"/>
+          <p:nvPr/>
+        </p:nvSpPr>
+        <p:spPr>
+          <a:xfrm>
+            <a:off x="518945" y="3424572"/>
+            <a:ext cx="1412041" cy="595745"/>
+          </a:xfrm>
+          <a:prstGeom prst="rect">
+            <a:avLst/>
+          </a:prstGeom>
+          <a:noFill/>
+        </p:spPr>
+        <p:txBody>
+          <a:bodyPr wrap="none" rtlCol="0">
+            <a:spAutoFit/>
+          </a:bodyPr>
+          <a:lstStyle/>
+          <a:p>
+            <a:pPr algn="ctr"/>
+            <a:r>
+              <a:rPr lang="en-US" sz="1200" dirty="0">
+                <a:solidFill>
+                  <a:schemeClr val="bg1"/>
+                </a:solidFill>
+                <a:latin typeface="+mj-lt"/>
+              </a:rPr>
+              <a:t>Mobile Core </a:t>
+            </a:r>
+          </a:p>
+          <a:p>
+            <a:pPr algn="ctr"/>
+            <a:r>
+              <a:rPr lang="en-US" sz="1200" dirty="0">
+                <a:solidFill>
+                  <a:schemeClr val="bg1"/>
+                </a:solidFill>
+                <a:latin typeface="+mj-lt"/>
+              </a:rPr>
+              <a:t>User Plane</a:t>
+            </a:r>
+          </a:p>
+        </p:txBody>
+      </p:sp>
+      <p:cxnSp>
+        <p:nvCxnSpPr>
+          <p:cNvPr id="122" name="Elbow Connector 121">
+            <a:extLst>
+              <a:ext uri="{FF2B5EF4-FFF2-40B4-BE49-F238E27FC236}">
+                <a16:creationId xmlns:a16="http://schemas.microsoft.com/office/drawing/2014/main" id="{9FE882DC-FB87-3641-8125-3E30A28ADA1D}"/>
+              </a:ext>
+            </a:extLst>
+          </p:cNvPr>
+          <p:cNvCxnSpPr>
+            <a:cxnSpLocks/>
+          </p:cNvCxnSpPr>
+          <p:nvPr/>
+        </p:nvCxnSpPr>
+        <p:spPr>
+          <a:xfrm rot="16200000" flipH="1">
+            <a:off x="3205935" y="2332000"/>
+            <a:ext cx="795962" cy="705073"/>
+          </a:xfrm>
+          <a:prstGeom prst="bentConnector3">
+            <a:avLst>
+              <a:gd name="adj1" fmla="val 1188"/>
+            </a:avLst>
+          </a:prstGeom>
+          <a:ln w="25400">
+            <a:solidFill>
+              <a:schemeClr val="accent1">
+                <a:lumMod val="75000"/>
+              </a:schemeClr>
+            </a:solidFill>
+            <a:prstDash val="sysDot"/>
+            <a:headEnd type="triangle"/>
+            <a:tailEnd type="triangle"/>
+          </a:ln>
+        </p:spPr>
+        <p:style>
+          <a:lnRef idx="2">
+            <a:schemeClr val="accent1"/>
+          </a:lnRef>
+          <a:fillRef idx="0">
+            <a:schemeClr val="accent1"/>
+          </a:fillRef>
+          <a:effectRef idx="1">
+            <a:schemeClr val="accent1"/>
+          </a:effectRef>
+          <a:fontRef idx="minor">
+            <a:schemeClr val="tx1"/>
+          </a:fontRef>
+        </p:style>
+      </p:cxnSp>
+      <p:cxnSp>
+        <p:nvCxnSpPr>
+          <p:cNvPr id="123" name="Elbow Connector 122">
+            <a:extLst>
+              <a:ext uri="{FF2B5EF4-FFF2-40B4-BE49-F238E27FC236}">
+                <a16:creationId xmlns:a16="http://schemas.microsoft.com/office/drawing/2014/main" id="{440491CA-41FB-B34A-8067-7FF0B153C96D}"/>
+              </a:ext>
+            </a:extLst>
+          </p:cNvPr>
+          <p:cNvCxnSpPr>
+            <a:cxnSpLocks/>
+          </p:cNvCxnSpPr>
+          <p:nvPr/>
+        </p:nvCxnSpPr>
+        <p:spPr>
+          <a:xfrm>
+            <a:off x="3980409" y="2286554"/>
+            <a:ext cx="1106370" cy="792133"/>
+          </a:xfrm>
+          <a:prstGeom prst="bentConnector2">
+            <a:avLst/>
+          </a:prstGeom>
+          <a:ln w="25400">
+            <a:solidFill>
+              <a:schemeClr val="accent1">
+                <a:lumMod val="75000"/>
+              </a:schemeClr>
+            </a:solidFill>
+            <a:prstDash val="sysDot"/>
+            <a:headEnd type="none"/>
+            <a:tailEnd type="triangle"/>
+          </a:ln>
+        </p:spPr>
+        <p:style>
+          <a:lnRef idx="2">
+            <a:schemeClr val="accent1"/>
+          </a:lnRef>
+          <a:fillRef idx="0">
+            <a:schemeClr val="accent1"/>
+          </a:fillRef>
+          <a:effectRef idx="1">
+            <a:schemeClr val="accent1"/>
+          </a:effectRef>
+          <a:fontRef idx="minor">
+            <a:schemeClr val="tx1"/>
+          </a:fontRef>
+        </p:style>
+      </p:cxnSp>
+      <p:cxnSp>
+        <p:nvCxnSpPr>
+          <p:cNvPr id="124" name="Elbow Connector 123">
+            <a:extLst>
+              <a:ext uri="{FF2B5EF4-FFF2-40B4-BE49-F238E27FC236}">
+                <a16:creationId xmlns:a16="http://schemas.microsoft.com/office/drawing/2014/main" id="{96CEA5C4-7A82-9942-85D0-68C8747F90AF}"/>
+              </a:ext>
+            </a:extLst>
+          </p:cNvPr>
+          <p:cNvCxnSpPr>
+            <a:cxnSpLocks/>
+          </p:cNvCxnSpPr>
+          <p:nvPr/>
+        </p:nvCxnSpPr>
+        <p:spPr>
+          <a:xfrm>
+            <a:off x="5129429" y="2286554"/>
+            <a:ext cx="1106370" cy="792133"/>
+          </a:xfrm>
+          <a:prstGeom prst="bentConnector2">
+            <a:avLst/>
+          </a:prstGeom>
+          <a:ln w="25400">
+            <a:solidFill>
+              <a:schemeClr val="accent1">
+                <a:lumMod val="75000"/>
+              </a:schemeClr>
+            </a:solidFill>
+            <a:prstDash val="sysDot"/>
+            <a:headEnd type="none"/>
+            <a:tailEnd type="triangle"/>
+          </a:ln>
+        </p:spPr>
+        <p:style>
+          <a:lnRef idx="2">
+            <a:schemeClr val="accent1"/>
+          </a:lnRef>
+          <a:fillRef idx="0">
+            <a:schemeClr val="accent1"/>
+          </a:fillRef>
+          <a:effectRef idx="1">
+            <a:schemeClr val="accent1"/>
+          </a:effectRef>
+          <a:fontRef idx="minor">
+            <a:schemeClr val="tx1"/>
+          </a:fontRef>
+        </p:style>
+      </p:cxnSp>
+      <p:cxnSp>
+        <p:nvCxnSpPr>
+          <p:cNvPr id="125" name="Elbow Connector 124">
+            <a:extLst>
+              <a:ext uri="{FF2B5EF4-FFF2-40B4-BE49-F238E27FC236}">
+                <a16:creationId xmlns:a16="http://schemas.microsoft.com/office/drawing/2014/main" id="{B3CE793C-D1DA-3F48-88DB-2346929B2E80}"/>
+              </a:ext>
+            </a:extLst>
+          </p:cNvPr>
+          <p:cNvCxnSpPr>
+            <a:cxnSpLocks/>
+          </p:cNvCxnSpPr>
+          <p:nvPr/>
+        </p:nvCxnSpPr>
+        <p:spPr>
+          <a:xfrm>
+            <a:off x="6282463" y="2286554"/>
+            <a:ext cx="993800" cy="792132"/>
+          </a:xfrm>
+          <a:prstGeom prst="bentConnector3">
+            <a:avLst>
+              <a:gd name="adj1" fmla="val 99950"/>
+            </a:avLst>
+          </a:prstGeom>
+          <a:ln w="25400">
+            <a:solidFill>
+              <a:schemeClr val="accent1">
+                <a:lumMod val="75000"/>
+              </a:schemeClr>
+            </a:solidFill>
+            <a:prstDash val="sysDot"/>
+            <a:headEnd type="none"/>
+            <a:tailEnd type="triangle"/>
+          </a:ln>
+        </p:spPr>
+        <p:style>
+          <a:lnRef idx="2">
+            <a:schemeClr val="accent1"/>
+          </a:lnRef>
+          <a:fillRef idx="0">
+            <a:schemeClr val="accent1"/>
+          </a:fillRef>
+          <a:effectRef idx="1">
+            <a:schemeClr val="accent1"/>
+          </a:effectRef>
+          <a:fontRef idx="minor">
+            <a:schemeClr val="tx1"/>
+          </a:fontRef>
+        </p:style>
+      </p:cxnSp>
+      <p:sp>
+        <p:nvSpPr>
+          <p:cNvPr id="126" name="TextBox 125">
+            <a:extLst>
+              <a:ext uri="{FF2B5EF4-FFF2-40B4-BE49-F238E27FC236}">
+                <a16:creationId xmlns:a16="http://schemas.microsoft.com/office/drawing/2014/main" id="{DC85BA69-6677-9745-8600-FAD0661B3CF3}"/>
+              </a:ext>
+            </a:extLst>
+          </p:cNvPr>
+          <p:cNvSpPr txBox="1"/>
+          <p:nvPr/>
+        </p:nvSpPr>
+        <p:spPr>
+          <a:xfrm>
+            <a:off x="4228216" y="1959537"/>
+            <a:ext cx="702821" cy="307777"/>
+          </a:xfrm>
+          <a:prstGeom prst="rect">
+            <a:avLst/>
+          </a:prstGeom>
+          <a:noFill/>
+          <a:ln>
+            <a:noFill/>
+          </a:ln>
+        </p:spPr>
+        <p:txBody>
+          <a:bodyPr wrap="none" rtlCol="0">
+            <a:spAutoFit/>
+          </a:bodyPr>
+          <a:lstStyle/>
+          <a:p>
+            <a:r>
+              <a:rPr lang="en-US" sz="1400" dirty="0">
+                <a:solidFill>
+                  <a:srgbClr val="0070C0"/>
+                </a:solidFill>
+              </a:rPr>
+              <a:t>control</a:t>
+            </a:r>
+          </a:p>
+        </p:txBody>
+      </p:sp>
+      <p:sp>
+        <p:nvSpPr>
+          <p:cNvPr id="127" name="Rectangle 126">
+            <a:extLst>
+              <a:ext uri="{FF2B5EF4-FFF2-40B4-BE49-F238E27FC236}">
+                <a16:creationId xmlns:a16="http://schemas.microsoft.com/office/drawing/2014/main" id="{CE2927BD-BF24-0543-A138-0B6FBD8A2121}"/>
+              </a:ext>
+            </a:extLst>
+          </p:cNvPr>
+          <p:cNvSpPr/>
+          <p:nvPr/>
+        </p:nvSpPr>
+        <p:spPr>
+          <a:xfrm>
+            <a:off x="4670092" y="3082517"/>
+            <a:ext cx="799306" cy="639927"/>
+          </a:xfrm>
+          <a:prstGeom prst="rect">
+            <a:avLst/>
+          </a:prstGeom>
+          <a:solidFill>
+            <a:schemeClr val="accent1">
+              <a:lumMod val="60000"/>
+              <a:lumOff val="40000"/>
+            </a:schemeClr>
+          </a:solidFill>
+          <a:ln>
+            <a:solidFill>
+              <a:srgbClr val="0070C0"/>
+            </a:solidFill>
+          </a:ln>
+        </p:spPr>
+        <p:style>
+          <a:lnRef idx="1">
+            <a:schemeClr val="accent1"/>
+          </a:lnRef>
+          <a:fillRef idx="3">
+            <a:schemeClr val="accent1"/>
+          </a:fillRef>
+          <a:effectRef idx="2">
+            <a:schemeClr val="accent1"/>
+          </a:effectRef>
+          <a:fontRef idx="minor">
+            <a:schemeClr val="lt1"/>
+          </a:fontRef>
+        </p:style>
+        <p:txBody>
+          <a:bodyPr rtlCol="0" anchor="ctr"/>
+          <a:lstStyle/>
+          <a:p>
+            <a:pPr algn="ctr"/>
+            <a:r>
+              <a:rPr lang="en-US" sz="1400" dirty="0">
+                <a:solidFill>
+                  <a:schemeClr val="tx2"/>
+                </a:solidFill>
+              </a:rPr>
+              <a:t>RLC</a:t>
+            </a:r>
+          </a:p>
+        </p:txBody>
+      </p:sp>
+      <p:cxnSp>
+        <p:nvCxnSpPr>
+          <p:cNvPr id="128" name="Straight Arrow Connector 127">
+            <a:extLst>
+              <a:ext uri="{FF2B5EF4-FFF2-40B4-BE49-F238E27FC236}">
+                <a16:creationId xmlns:a16="http://schemas.microsoft.com/office/drawing/2014/main" id="{B26040DF-A78E-D54A-B20E-237FF4950D0F}"/>
+              </a:ext>
+            </a:extLst>
+          </p:cNvPr>
+          <p:cNvCxnSpPr>
+            <a:cxnSpLocks/>
+          </p:cNvCxnSpPr>
+          <p:nvPr/>
+        </p:nvCxnSpPr>
+        <p:spPr>
+          <a:xfrm>
+            <a:off x="5460733" y="3402482"/>
+            <a:ext cx="296655" cy="0"/>
+          </a:xfrm>
+          <a:prstGeom prst="straightConnector1">
+            <a:avLst/>
+          </a:prstGeom>
+          <a:ln w="25400">
+            <a:solidFill>
+              <a:srgbClr val="0070C0"/>
+            </a:solidFill>
+            <a:headEnd type="triangle"/>
+            <a:tailEnd type="triangle"/>
+          </a:ln>
+        </p:spPr>
+        <p:style>
+          <a:lnRef idx="2">
+            <a:schemeClr val="accent1"/>
+          </a:lnRef>
+          <a:fillRef idx="0">
+            <a:schemeClr val="accent1"/>
+          </a:fillRef>
+          <a:effectRef idx="1">
+            <a:schemeClr val="accent1"/>
+          </a:effectRef>
+          <a:fontRef idx="minor">
+            <a:schemeClr val="tx1"/>
+          </a:fontRef>
+        </p:style>
+      </p:cxnSp>
+      <p:sp>
+        <p:nvSpPr>
+          <p:cNvPr id="135" name="Rectangle 134">
+            <a:extLst>
+              <a:ext uri="{FF2B5EF4-FFF2-40B4-BE49-F238E27FC236}">
+                <a16:creationId xmlns:a16="http://schemas.microsoft.com/office/drawing/2014/main" id="{9CD6B071-1EAA-2540-B841-270B9AD608D5}"/>
+              </a:ext>
+            </a:extLst>
+          </p:cNvPr>
+          <p:cNvSpPr/>
+          <p:nvPr/>
+        </p:nvSpPr>
+        <p:spPr>
+          <a:xfrm>
+            <a:off x="623568" y="1727304"/>
+            <a:ext cx="1110902" cy="2435623"/>
+          </a:xfrm>
+          <a:prstGeom prst="rect">
+            <a:avLst/>
+          </a:prstGeom>
+          <a:solidFill>
+            <a:schemeClr val="bg1"/>
+          </a:solidFill>
+          <a:ln w="28575">
+            <a:solidFill>
+              <a:schemeClr val="accent1"/>
+            </a:solidFill>
+          </a:ln>
+        </p:spPr>
+        <p:style>
+          <a:lnRef idx="2">
+            <a:schemeClr val="accent1">
+              <a:shade val="50000"/>
+            </a:schemeClr>
+          </a:lnRef>
+          <a:fillRef idx="1">
+            <a:schemeClr val="accent1"/>
+          </a:fillRef>
+          <a:effectRef idx="0">
+            <a:schemeClr val="accent1"/>
+          </a:effectRef>
+          <a:fontRef idx="minor">
+            <a:schemeClr val="lt1"/>
+          </a:fontRef>
+        </p:style>
+        <p:txBody>
+          <a:bodyPr rtlCol="0" anchor="ctr"/>
+          <a:lstStyle/>
+          <a:p>
+            <a:pPr algn="ctr">
+              <a:lnSpc>
+                <a:spcPct val="80000"/>
+              </a:lnSpc>
+            </a:pPr>
+            <a:r>
+              <a:rPr lang="en-US" dirty="0">
+                <a:solidFill>
+                  <a:sysClr val="windowText" lastClr="000000"/>
+                </a:solidFill>
+              </a:rPr>
+              <a:t>Mobile</a:t>
+            </a:r>
+          </a:p>
+          <a:p>
+            <a:pPr algn="ctr">
+              <a:lnSpc>
+                <a:spcPct val="80000"/>
+              </a:lnSpc>
+            </a:pPr>
+            <a:r>
+              <a:rPr lang="en-US" dirty="0">
+                <a:solidFill>
+                  <a:sysClr val="windowText" lastClr="000000"/>
+                </a:solidFill>
+              </a:rPr>
+              <a:t>Core</a:t>
+            </a:r>
+          </a:p>
+        </p:txBody>
+      </p:sp>
+      <p:sp>
+        <p:nvSpPr>
+          <p:cNvPr id="136" name="Rectangle 135">
+            <a:extLst>
+              <a:ext uri="{FF2B5EF4-FFF2-40B4-BE49-F238E27FC236}">
+                <a16:creationId xmlns:a16="http://schemas.microsoft.com/office/drawing/2014/main" id="{80AC7BDC-64B0-A04C-9399-1E6987B62711}"/>
+              </a:ext>
+            </a:extLst>
+          </p:cNvPr>
+          <p:cNvSpPr/>
+          <p:nvPr/>
+        </p:nvSpPr>
+        <p:spPr>
+          <a:xfrm>
+            <a:off x="795805" y="2065299"/>
+            <a:ext cx="799306" cy="639927"/>
+          </a:xfrm>
+          <a:prstGeom prst="rect">
+            <a:avLst/>
+          </a:prstGeom>
+          <a:solidFill>
+            <a:schemeClr val="accent1">
+              <a:lumMod val="75000"/>
+            </a:schemeClr>
+          </a:solidFill>
+          <a:ln>
+            <a:noFill/>
+          </a:ln>
+        </p:spPr>
+        <p:style>
+          <a:lnRef idx="1">
+            <a:schemeClr val="accent1"/>
+          </a:lnRef>
+          <a:fillRef idx="3">
+            <a:schemeClr val="accent1"/>
+          </a:fillRef>
+          <a:effectRef idx="2">
+            <a:schemeClr val="accent1"/>
+          </a:effectRef>
+          <a:fontRef idx="minor">
+            <a:schemeClr val="lt1"/>
+          </a:fontRef>
+        </p:style>
+        <p:txBody>
+          <a:bodyPr rtlCol="0" anchor="ctr"/>
+          <a:lstStyle/>
+          <a:p>
+            <a:pPr algn="ctr"/>
+            <a:r>
+              <a:rPr lang="en-US" sz="1400" dirty="0">
+                <a:solidFill>
+                  <a:schemeClr val="bg1"/>
+                </a:solidFill>
+              </a:rPr>
+              <a:t>Control</a:t>
+            </a:r>
+          </a:p>
+          <a:p>
+            <a:pPr algn="ctr"/>
+            <a:r>
+              <a:rPr lang="en-US" sz="1400" dirty="0">
+                <a:solidFill>
+                  <a:schemeClr val="bg1"/>
+                </a:solidFill>
+              </a:rPr>
+              <a:t>Plane</a:t>
+            </a:r>
+          </a:p>
+        </p:txBody>
+      </p:sp>
+      <p:cxnSp>
+        <p:nvCxnSpPr>
+          <p:cNvPr id="119" name="Straight Arrow Connector 118">
+            <a:extLst>
+              <a:ext uri="{FF2B5EF4-FFF2-40B4-BE49-F238E27FC236}">
+                <a16:creationId xmlns:a16="http://schemas.microsoft.com/office/drawing/2014/main" id="{E0DEFF38-B271-7949-B7B5-D106A5B4DA79}"/>
+              </a:ext>
+            </a:extLst>
+          </p:cNvPr>
+          <p:cNvCxnSpPr>
+            <a:cxnSpLocks/>
+            <a:stCxn id="136" idx="3"/>
+            <a:endCxn id="111" idx="1"/>
+          </p:cNvCxnSpPr>
+          <p:nvPr/>
+        </p:nvCxnSpPr>
+        <p:spPr>
+          <a:xfrm>
+            <a:off x="1595111" y="2385263"/>
+            <a:ext cx="863824" cy="189"/>
+          </a:xfrm>
+          <a:prstGeom prst="straightConnector1">
+            <a:avLst/>
+          </a:prstGeom>
+          <a:ln w="25400">
+            <a:solidFill>
+              <a:srgbClr val="0070C0"/>
+            </a:solidFill>
+            <a:headEnd type="triangle"/>
+            <a:tailEnd type="triangle"/>
+          </a:ln>
+        </p:spPr>
+        <p:style>
+          <a:lnRef idx="2">
+            <a:schemeClr val="accent1"/>
+          </a:lnRef>
+          <a:fillRef idx="0">
+            <a:schemeClr val="accent1"/>
+          </a:fillRef>
+          <a:effectRef idx="1">
+            <a:schemeClr val="accent1"/>
+          </a:effectRef>
+          <a:fontRef idx="minor">
+            <a:schemeClr val="tx1"/>
+          </a:fontRef>
+        </p:style>
+      </p:cxnSp>
+      <p:sp>
+        <p:nvSpPr>
+          <p:cNvPr id="137" name="Rectangle 136">
+            <a:extLst>
+              <a:ext uri="{FF2B5EF4-FFF2-40B4-BE49-F238E27FC236}">
+                <a16:creationId xmlns:a16="http://schemas.microsoft.com/office/drawing/2014/main" id="{BC60390A-3F0E-7045-B686-0109FD4C198D}"/>
+              </a:ext>
+            </a:extLst>
+          </p:cNvPr>
+          <p:cNvSpPr/>
+          <p:nvPr/>
+        </p:nvSpPr>
+        <p:spPr>
+          <a:xfrm>
+            <a:off x="789599" y="3293166"/>
+            <a:ext cx="799306" cy="639927"/>
+          </a:xfrm>
+          <a:prstGeom prst="rect">
+            <a:avLst/>
+          </a:prstGeom>
+          <a:solidFill>
+            <a:schemeClr val="accent1">
+              <a:lumMod val="60000"/>
+              <a:lumOff val="40000"/>
+            </a:schemeClr>
+          </a:solidFill>
+          <a:ln>
+            <a:solidFill>
+              <a:srgbClr val="0070C0"/>
+            </a:solidFill>
+          </a:ln>
+        </p:spPr>
+        <p:style>
+          <a:lnRef idx="1">
+            <a:schemeClr val="accent1"/>
+          </a:lnRef>
+          <a:fillRef idx="3">
+            <a:schemeClr val="accent1"/>
+          </a:fillRef>
+          <a:effectRef idx="2">
+            <a:schemeClr val="accent1"/>
+          </a:effectRef>
+          <a:fontRef idx="minor">
+            <a:schemeClr val="lt1"/>
+          </a:fontRef>
+        </p:style>
+        <p:txBody>
+          <a:bodyPr rtlCol="0" anchor="ctr"/>
+          <a:lstStyle/>
+          <a:p>
+            <a:pPr algn="ctr"/>
+            <a:r>
+              <a:rPr lang="en-US" sz="1400" dirty="0">
+                <a:solidFill>
+                  <a:schemeClr val="tx2"/>
+                </a:solidFill>
+              </a:rPr>
+              <a:t>User</a:t>
+            </a:r>
+          </a:p>
+          <a:p>
+            <a:pPr algn="ctr"/>
+            <a:r>
+              <a:rPr lang="en-US" sz="1400" dirty="0">
+                <a:solidFill>
+                  <a:schemeClr val="tx2"/>
+                </a:solidFill>
+              </a:rPr>
+              <a:t>Plane</a:t>
+            </a:r>
+          </a:p>
+        </p:txBody>
+      </p:sp>
+      <p:cxnSp>
+        <p:nvCxnSpPr>
+          <p:cNvPr id="116" name="Straight Arrow Connector 115">
+            <a:extLst>
+              <a:ext uri="{FF2B5EF4-FFF2-40B4-BE49-F238E27FC236}">
+                <a16:creationId xmlns:a16="http://schemas.microsoft.com/office/drawing/2014/main" id="{E230D404-64BC-E242-81CD-8691DBEA3A95}"/>
+              </a:ext>
+            </a:extLst>
+          </p:cNvPr>
+          <p:cNvCxnSpPr>
+            <a:cxnSpLocks/>
+            <a:stCxn id="137" idx="3"/>
+          </p:cNvCxnSpPr>
+          <p:nvPr/>
+        </p:nvCxnSpPr>
+        <p:spPr>
+          <a:xfrm>
+            <a:off x="1588905" y="3613130"/>
+            <a:ext cx="1967894" cy="0"/>
+          </a:xfrm>
+          <a:prstGeom prst="straightConnector1">
+            <a:avLst/>
+          </a:prstGeom>
+          <a:ln w="25400">
+            <a:solidFill>
+              <a:srgbClr val="0070C0"/>
+            </a:solidFill>
+            <a:headEnd type="triangle"/>
+            <a:tailEnd type="triangle"/>
+          </a:ln>
+        </p:spPr>
+        <p:style>
+          <a:lnRef idx="2">
+            <a:schemeClr val="accent1"/>
+          </a:lnRef>
+          <a:fillRef idx="0">
+            <a:schemeClr val="accent1"/>
+          </a:fillRef>
+          <a:effectRef idx="1">
+            <a:schemeClr val="accent1"/>
+          </a:effectRef>
+          <a:fontRef idx="minor">
+            <a:schemeClr val="tx1"/>
+          </a:fontRef>
+        </p:style>
+      </p:cxnSp>
+      <p:sp>
+        <p:nvSpPr>
+          <p:cNvPr id="2" name="Rectangle 1">
+            <a:extLst>
+              <a:ext uri="{FF2B5EF4-FFF2-40B4-BE49-F238E27FC236}">
+                <a16:creationId xmlns:a16="http://schemas.microsoft.com/office/drawing/2014/main" id="{C3B2CF40-1916-AA4C-B76E-3CCBAFB0D246}"/>
+              </a:ext>
+            </a:extLst>
+          </p:cNvPr>
+          <p:cNvSpPr/>
+          <p:nvPr/>
+        </p:nvSpPr>
+        <p:spPr>
+          <a:xfrm>
+            <a:off x="7172793" y="1720516"/>
+            <a:ext cx="4509872" cy="2435623"/>
+          </a:xfrm>
+          <a:prstGeom prst="rect">
+            <a:avLst/>
+          </a:prstGeom>
+          <a:noFill/>
+          <a:ln w="19050">
+            <a:solidFill>
+              <a:schemeClr val="tx1"/>
+            </a:solidFill>
+            <a:prstDash val="sysDash"/>
+          </a:ln>
+        </p:spPr>
+        <p:style>
+          <a:lnRef idx="2">
+            <a:schemeClr val="accent1">
+              <a:shade val="50000"/>
+            </a:schemeClr>
+          </a:lnRef>
+          <a:fillRef idx="1">
+            <a:schemeClr val="accent1"/>
+          </a:fillRef>
+          <a:effectRef idx="0">
+            <a:schemeClr val="accent1"/>
+          </a:effectRef>
+          <a:fontRef idx="minor">
+            <a:schemeClr val="lt1"/>
+          </a:fontRef>
+        </p:style>
+        <p:txBody>
+          <a:bodyPr rtlCol="0" anchor="b"/>
+          <a:lstStyle/>
+          <a:p>
+            <a:pPr algn="ctr"/>
+            <a:r>
+              <a:rPr lang="en-US" sz="1400" dirty="0">
+                <a:solidFill>
+                  <a:schemeClr val="tx1"/>
+                </a:solidFill>
+              </a:rPr>
+              <a:t>Radio Unit (RU)</a:t>
+            </a:r>
+          </a:p>
+        </p:txBody>
+      </p:sp>
+      <p:sp>
+        <p:nvSpPr>
+          <p:cNvPr id="34" name="Rectangle 33">
+            <a:extLst>
+              <a:ext uri="{FF2B5EF4-FFF2-40B4-BE49-F238E27FC236}">
+                <a16:creationId xmlns:a16="http://schemas.microsoft.com/office/drawing/2014/main" id="{B37123BF-E1C1-FE47-A3B8-93E667DE682E}"/>
+              </a:ext>
+            </a:extLst>
+          </p:cNvPr>
+          <p:cNvSpPr/>
+          <p:nvPr/>
+        </p:nvSpPr>
+        <p:spPr>
+          <a:xfrm>
+            <a:off x="4520776" y="1720516"/>
+            <a:ext cx="2585514" cy="2435623"/>
+          </a:xfrm>
+          <a:prstGeom prst="rect">
+            <a:avLst/>
+          </a:prstGeom>
+          <a:noFill/>
+          <a:ln w="19050">
+            <a:solidFill>
+              <a:schemeClr val="tx1"/>
+            </a:solidFill>
+            <a:prstDash val="sysDash"/>
+          </a:ln>
+        </p:spPr>
+        <p:style>
+          <a:lnRef idx="2">
+            <a:schemeClr val="accent1">
+              <a:shade val="50000"/>
+            </a:schemeClr>
+          </a:lnRef>
+          <a:fillRef idx="1">
+            <a:schemeClr val="accent1"/>
+          </a:fillRef>
+          <a:effectRef idx="0">
+            <a:schemeClr val="accent1"/>
+          </a:effectRef>
+          <a:fontRef idx="minor">
+            <a:schemeClr val="lt1"/>
+          </a:fontRef>
+        </p:style>
+        <p:txBody>
+          <a:bodyPr rtlCol="0" anchor="b"/>
+          <a:lstStyle/>
+          <a:p>
+            <a:pPr algn="ctr"/>
+            <a:r>
+              <a:rPr lang="en-US" sz="1400" dirty="0">
+                <a:solidFill>
+                  <a:schemeClr val="tx1"/>
+                </a:solidFill>
+              </a:rPr>
+              <a:t>Distributed Unit (DU)</a:t>
+            </a:r>
+          </a:p>
+        </p:txBody>
+      </p:sp>
+      <p:sp>
+        <p:nvSpPr>
+          <p:cNvPr id="35" name="Rectangle 34">
+            <a:extLst>
+              <a:ext uri="{FF2B5EF4-FFF2-40B4-BE49-F238E27FC236}">
+                <a16:creationId xmlns:a16="http://schemas.microsoft.com/office/drawing/2014/main" id="{00CEFB32-E59F-9542-9005-EF90B66D0879}"/>
+              </a:ext>
+            </a:extLst>
+          </p:cNvPr>
+          <p:cNvSpPr/>
+          <p:nvPr/>
+        </p:nvSpPr>
+        <p:spPr>
+          <a:xfrm>
+            <a:off x="2322856" y="1727304"/>
+            <a:ext cx="2131418" cy="2435623"/>
+          </a:xfrm>
+          <a:prstGeom prst="rect">
+            <a:avLst/>
+          </a:prstGeom>
+          <a:noFill/>
+          <a:ln w="19050">
+            <a:solidFill>
+              <a:schemeClr val="tx1"/>
+            </a:solidFill>
+            <a:prstDash val="sysDash"/>
+          </a:ln>
+        </p:spPr>
+        <p:style>
+          <a:lnRef idx="2">
+            <a:schemeClr val="accent1">
+              <a:shade val="50000"/>
+            </a:schemeClr>
+          </a:lnRef>
+          <a:fillRef idx="1">
+            <a:schemeClr val="accent1"/>
+          </a:fillRef>
+          <a:effectRef idx="0">
+            <a:schemeClr val="accent1"/>
+          </a:effectRef>
+          <a:fontRef idx="minor">
+            <a:schemeClr val="lt1"/>
+          </a:fontRef>
+        </p:style>
+        <p:txBody>
+          <a:bodyPr rtlCol="0" anchor="b"/>
+          <a:lstStyle/>
+          <a:p>
+            <a:pPr algn="ctr"/>
+            <a:r>
+              <a:rPr lang="en-US" sz="1400" dirty="0">
+                <a:solidFill>
+                  <a:schemeClr val="tx1"/>
+                </a:solidFill>
+              </a:rPr>
+              <a:t>Central Unit (CU)</a:t>
+            </a:r>
+          </a:p>
+        </p:txBody>
+      </p:sp>
+    </p:spTree>
+    <p:extLst>
+      <p:ext uri="{BB962C8B-B14F-4D97-AF65-F5344CB8AC3E}">
+        <p14:creationId xmlns:p14="http://schemas.microsoft.com/office/powerpoint/2010/main" val="4115359000"/>
+      </p:ext>
+    </p:extLst>
+  </p:cSld>
+  <p:clrMapOvr>
+    <a:masterClrMapping/>
+  </p:clrMapOvr>
+</p:sld>
+</file>
+
+<file path=ppt/slides/slide5.xml><?xml version="1.0" encoding="utf-8"?>
+<p:sld xmlns:a="http://schemas.openxmlformats.org/drawingml/2006/main" xmlns:r="http://schemas.openxmlformats.org/officeDocument/2006/relationships" xmlns:p="http://schemas.openxmlformats.org/presentationml/2006/main">
+  <p:cSld>
+    <p:spTree>
+      <p:nvGrpSpPr>
+        <p:cNvPr id="1" name=""/>
+        <p:cNvGrpSpPr/>
+        <p:nvPr/>
+      </p:nvGrpSpPr>
+      <p:grpSpPr>
+        <a:xfrm>
+          <a:off x="0" y="0"/>
+          <a:ext cx="0" cy="0"/>
+          <a:chOff x="0" y="0"/>
+          <a:chExt cx="0" cy="0"/>
+        </a:xfrm>
+      </p:grpSpPr>
+      <p:pic>
+        <p:nvPicPr>
+          <p:cNvPr id="32" name="Picture 31">
+            <a:extLst>
+              <a:ext uri="{FF2B5EF4-FFF2-40B4-BE49-F238E27FC236}">
+                <a16:creationId xmlns:a16="http://schemas.microsoft.com/office/drawing/2014/main" id="{18BF4C7F-F1A2-B84D-99AE-48EEEA3A6B58}"/>
+              </a:ext>
+            </a:extLst>
+          </p:cNvPr>
+          <p:cNvPicPr>
+            <a:picLocks noChangeAspect="1"/>
+          </p:cNvPicPr>
+          <p:nvPr/>
+        </p:nvPicPr>
+        <p:blipFill>
+          <a:blip r:embed="rId2"/>
+          <a:stretch>
+            <a:fillRect/>
+          </a:stretch>
+        </p:blipFill>
+        <p:spPr>
+          <a:xfrm flipH="1">
+            <a:off x="5058738" y="1060146"/>
+            <a:ext cx="1740352" cy="1089256"/>
+          </a:xfrm>
+          <a:prstGeom prst="rect">
+            <a:avLst/>
+          </a:prstGeom>
+          <a:solidFill>
+            <a:schemeClr val="accent1">
+              <a:lumMod val="60000"/>
+              <a:lumOff val="40000"/>
+            </a:schemeClr>
+          </a:solidFill>
+        </p:spPr>
+      </p:pic>
+      <p:pic>
+        <p:nvPicPr>
+          <p:cNvPr id="33" name="Picture 32">
+            <a:extLst>
+              <a:ext uri="{FF2B5EF4-FFF2-40B4-BE49-F238E27FC236}">
+                <a16:creationId xmlns:a16="http://schemas.microsoft.com/office/drawing/2014/main" id="{6F820F0A-D50C-B04A-AF0C-9AE69CB2D19B}"/>
+              </a:ext>
+            </a:extLst>
+          </p:cNvPr>
+          <p:cNvPicPr>
+            <a:picLocks noChangeAspect="1"/>
+          </p:cNvPicPr>
+          <p:nvPr/>
+        </p:nvPicPr>
+        <p:blipFill>
+          <a:blip r:embed="rId3"/>
+          <a:stretch>
+            <a:fillRect/>
+          </a:stretch>
+        </p:blipFill>
+        <p:spPr>
+          <a:xfrm>
+            <a:off x="3499737" y="3358599"/>
+            <a:ext cx="316665" cy="675418"/>
+          </a:xfrm>
+          <a:prstGeom prst="rect">
+            <a:avLst/>
+          </a:prstGeom>
+          <a:effectLst>
+            <a:outerShdw blurRad="50800" dist="38100" dir="2700000" algn="tl" rotWithShape="0">
+              <a:prstClr val="black">
+                <a:alpha val="40000"/>
+              </a:prstClr>
+            </a:outerShdw>
+          </a:effectLst>
+        </p:spPr>
+      </p:pic>
+      <p:pic>
+        <p:nvPicPr>
+          <p:cNvPr id="36" name="Picture 35">
+            <a:extLst>
+              <a:ext uri="{FF2B5EF4-FFF2-40B4-BE49-F238E27FC236}">
+                <a16:creationId xmlns:a16="http://schemas.microsoft.com/office/drawing/2014/main" id="{347DC148-4643-2240-B61C-2028D3645EC9}"/>
+              </a:ext>
+            </a:extLst>
+          </p:cNvPr>
+          <p:cNvPicPr>
+            <a:picLocks noChangeAspect="1"/>
+          </p:cNvPicPr>
+          <p:nvPr/>
+        </p:nvPicPr>
+        <p:blipFill>
+          <a:blip r:embed="rId3"/>
+          <a:stretch>
+            <a:fillRect/>
+          </a:stretch>
+        </p:blipFill>
+        <p:spPr>
+          <a:xfrm>
+            <a:off x="3902509" y="3718079"/>
+            <a:ext cx="316665" cy="675418"/>
+          </a:xfrm>
+          <a:prstGeom prst="rect">
+            <a:avLst/>
+          </a:prstGeom>
+          <a:effectLst>
+            <a:outerShdw blurRad="50800" dist="38100" dir="2700000" algn="tl" rotWithShape="0">
+              <a:prstClr val="black">
+                <a:alpha val="40000"/>
+              </a:prstClr>
+            </a:outerShdw>
+          </a:effectLst>
+        </p:spPr>
+      </p:pic>
+      <p:pic>
+        <p:nvPicPr>
+          <p:cNvPr id="37" name="Picture 36">
+            <a:extLst>
+              <a:ext uri="{FF2B5EF4-FFF2-40B4-BE49-F238E27FC236}">
+                <a16:creationId xmlns:a16="http://schemas.microsoft.com/office/drawing/2014/main" id="{EEE5F724-26CC-FA4F-A613-52C4B3A05272}"/>
+              </a:ext>
+            </a:extLst>
+          </p:cNvPr>
+          <p:cNvPicPr>
+            <a:picLocks noChangeAspect="1"/>
+          </p:cNvPicPr>
+          <p:nvPr/>
+        </p:nvPicPr>
+        <p:blipFill>
+          <a:blip r:embed="rId3"/>
+          <a:stretch>
+            <a:fillRect/>
+          </a:stretch>
+        </p:blipFill>
+        <p:spPr>
+          <a:xfrm>
+            <a:off x="4631853" y="3358599"/>
+            <a:ext cx="316665" cy="675418"/>
+          </a:xfrm>
+          <a:prstGeom prst="rect">
+            <a:avLst/>
+          </a:prstGeom>
+          <a:effectLst>
+            <a:outerShdw blurRad="50800" dist="38100" dir="2700000" algn="tl" rotWithShape="0">
+              <a:prstClr val="black">
+                <a:alpha val="40000"/>
+              </a:prstClr>
+            </a:outerShdw>
+          </a:effectLst>
+        </p:spPr>
+      </p:pic>
+      <p:pic>
+        <p:nvPicPr>
+          <p:cNvPr id="38" name="Picture 37">
+            <a:extLst>
+              <a:ext uri="{FF2B5EF4-FFF2-40B4-BE49-F238E27FC236}">
+                <a16:creationId xmlns:a16="http://schemas.microsoft.com/office/drawing/2014/main" id="{9FEA4D24-4972-994D-AEE7-41324BB91749}"/>
+              </a:ext>
+            </a:extLst>
+          </p:cNvPr>
+          <p:cNvPicPr>
+            <a:picLocks noChangeAspect="1"/>
+          </p:cNvPicPr>
+          <p:nvPr/>
+        </p:nvPicPr>
+        <p:blipFill>
+          <a:blip r:embed="rId3"/>
+          <a:stretch>
+            <a:fillRect/>
+          </a:stretch>
+        </p:blipFill>
+        <p:spPr>
+          <a:xfrm>
+            <a:off x="5034625" y="3718079"/>
+            <a:ext cx="316665" cy="675418"/>
+          </a:xfrm>
+          <a:prstGeom prst="rect">
+            <a:avLst/>
+          </a:prstGeom>
+          <a:effectLst>
+            <a:outerShdw blurRad="50800" dist="38100" dir="2700000" algn="tl" rotWithShape="0">
+              <a:prstClr val="black">
+                <a:alpha val="40000"/>
+              </a:prstClr>
+            </a:outerShdw>
+          </a:effectLst>
+        </p:spPr>
+      </p:pic>
+      <p:pic>
+        <p:nvPicPr>
+          <p:cNvPr id="39" name="Picture 38">
+            <a:extLst>
+              <a:ext uri="{FF2B5EF4-FFF2-40B4-BE49-F238E27FC236}">
+                <a16:creationId xmlns:a16="http://schemas.microsoft.com/office/drawing/2014/main" id="{F3D45064-044F-2140-82B5-6DBE3C8F7DAC}"/>
+              </a:ext>
+            </a:extLst>
+          </p:cNvPr>
+          <p:cNvPicPr>
+            <a:picLocks noChangeAspect="1"/>
+          </p:cNvPicPr>
+          <p:nvPr/>
+        </p:nvPicPr>
+        <p:blipFill>
+          <a:blip r:embed="rId3"/>
+          <a:stretch>
+            <a:fillRect/>
+          </a:stretch>
+        </p:blipFill>
+        <p:spPr>
+          <a:xfrm>
+            <a:off x="6885198" y="3358599"/>
+            <a:ext cx="316665" cy="675418"/>
+          </a:xfrm>
+          <a:prstGeom prst="rect">
+            <a:avLst/>
+          </a:prstGeom>
+          <a:effectLst>
+            <a:outerShdw blurRad="50800" dist="38100" dir="2700000" algn="tl" rotWithShape="0">
+              <a:prstClr val="black">
+                <a:alpha val="40000"/>
+              </a:prstClr>
+            </a:outerShdw>
+          </a:effectLst>
+        </p:spPr>
+      </p:pic>
+      <p:pic>
+        <p:nvPicPr>
+          <p:cNvPr id="40" name="Picture 39">
+            <a:extLst>
+              <a:ext uri="{FF2B5EF4-FFF2-40B4-BE49-F238E27FC236}">
+                <a16:creationId xmlns:a16="http://schemas.microsoft.com/office/drawing/2014/main" id="{19D4616D-FC30-2746-AF09-39D51832F90F}"/>
+              </a:ext>
+            </a:extLst>
+          </p:cNvPr>
+          <p:cNvPicPr>
+            <a:picLocks noChangeAspect="1"/>
+          </p:cNvPicPr>
+          <p:nvPr/>
+        </p:nvPicPr>
+        <p:blipFill>
+          <a:blip r:embed="rId3"/>
+          <a:stretch>
+            <a:fillRect/>
+          </a:stretch>
+        </p:blipFill>
+        <p:spPr>
+          <a:xfrm>
+            <a:off x="6482426" y="3718079"/>
+            <a:ext cx="316665" cy="675418"/>
+          </a:xfrm>
+          <a:prstGeom prst="rect">
+            <a:avLst/>
+          </a:prstGeom>
+          <a:effectLst>
+            <a:outerShdw blurRad="50800" dist="38100" dir="2700000" algn="tl" rotWithShape="0">
+              <a:prstClr val="black">
+                <a:alpha val="40000"/>
+              </a:prstClr>
+            </a:outerShdw>
+          </a:effectLst>
+        </p:spPr>
+      </p:pic>
+      <p:pic>
+        <p:nvPicPr>
+          <p:cNvPr id="41" name="Picture 40">
+            <a:extLst>
+              <a:ext uri="{FF2B5EF4-FFF2-40B4-BE49-F238E27FC236}">
+                <a16:creationId xmlns:a16="http://schemas.microsoft.com/office/drawing/2014/main" id="{CD18DB82-E646-754B-B4B1-354D88289117}"/>
+              </a:ext>
+            </a:extLst>
+          </p:cNvPr>
+          <p:cNvPicPr>
+            <a:picLocks noChangeAspect="1"/>
+          </p:cNvPicPr>
+          <p:nvPr/>
+        </p:nvPicPr>
+        <p:blipFill>
+          <a:blip r:embed="rId3"/>
+          <a:stretch>
+            <a:fillRect/>
+          </a:stretch>
+        </p:blipFill>
+        <p:spPr>
+          <a:xfrm>
+            <a:off x="8017310" y="3358599"/>
+            <a:ext cx="316665" cy="675418"/>
+          </a:xfrm>
+          <a:prstGeom prst="rect">
+            <a:avLst/>
+          </a:prstGeom>
+          <a:effectLst>
+            <a:outerShdw blurRad="50800" dist="38100" dir="2700000" algn="tl" rotWithShape="0">
+              <a:prstClr val="black">
+                <a:alpha val="40000"/>
+              </a:prstClr>
+            </a:outerShdw>
+          </a:effectLst>
+        </p:spPr>
+      </p:pic>
+      <p:pic>
+        <p:nvPicPr>
+          <p:cNvPr id="42" name="Picture 41">
+            <a:extLst>
+              <a:ext uri="{FF2B5EF4-FFF2-40B4-BE49-F238E27FC236}">
+                <a16:creationId xmlns:a16="http://schemas.microsoft.com/office/drawing/2014/main" id="{B1411B64-BF4F-3249-9FBD-A1623FA66AD2}"/>
+              </a:ext>
+            </a:extLst>
+          </p:cNvPr>
+          <p:cNvPicPr>
+            <a:picLocks noChangeAspect="1"/>
+          </p:cNvPicPr>
+          <p:nvPr/>
+        </p:nvPicPr>
+        <p:blipFill>
+          <a:blip r:embed="rId3"/>
+          <a:stretch>
+            <a:fillRect/>
+          </a:stretch>
+        </p:blipFill>
+        <p:spPr>
+          <a:xfrm>
+            <a:off x="7603656" y="3718079"/>
+            <a:ext cx="316665" cy="675418"/>
+          </a:xfrm>
+          <a:prstGeom prst="rect">
+            <a:avLst/>
+          </a:prstGeom>
+          <a:effectLst>
+            <a:outerShdw blurRad="50800" dist="38100" dir="2700000" algn="tl" rotWithShape="0">
+              <a:prstClr val="black">
+                <a:alpha val="40000"/>
+              </a:prstClr>
+            </a:outerShdw>
+          </a:effectLst>
+        </p:spPr>
+      </p:pic>
+      <p:sp>
+        <p:nvSpPr>
+          <p:cNvPr id="43" name="TextBox 42">
+            <a:extLst>
+              <a:ext uri="{FF2B5EF4-FFF2-40B4-BE49-F238E27FC236}">
+                <a16:creationId xmlns:a16="http://schemas.microsoft.com/office/drawing/2014/main" id="{481892C0-0AB1-E14B-B212-114896D30CE7}"/>
+              </a:ext>
+            </a:extLst>
+          </p:cNvPr>
+          <p:cNvSpPr txBox="1"/>
+          <p:nvPr/>
+        </p:nvSpPr>
+        <p:spPr>
+          <a:xfrm>
+            <a:off x="3555146" y="4034016"/>
+            <a:ext cx="397866" cy="307777"/>
+          </a:xfrm>
+          <a:prstGeom prst="rect">
+            <a:avLst/>
+          </a:prstGeom>
+          <a:noFill/>
+        </p:spPr>
+        <p:txBody>
+          <a:bodyPr wrap="none" rtlCol="0">
+            <a:spAutoFit/>
+          </a:bodyPr>
+          <a:lstStyle/>
+          <a:p>
+            <a:r>
+              <a:rPr lang="en-US" sz="1400" dirty="0"/>
+              <a:t>RU</a:t>
+            </a:r>
+          </a:p>
+        </p:txBody>
+      </p:sp>
+      <p:sp>
+        <p:nvSpPr>
+          <p:cNvPr id="44" name="TextBox 43">
+            <a:extLst>
+              <a:ext uri="{FF2B5EF4-FFF2-40B4-BE49-F238E27FC236}">
+                <a16:creationId xmlns:a16="http://schemas.microsoft.com/office/drawing/2014/main" id="{4945ACA5-7AC6-7846-8E17-85A4D04DFF18}"/>
+              </a:ext>
+            </a:extLst>
+          </p:cNvPr>
+          <p:cNvSpPr txBox="1"/>
+          <p:nvPr/>
+        </p:nvSpPr>
+        <p:spPr>
+          <a:xfrm>
+            <a:off x="3953012" y="4393497"/>
+            <a:ext cx="397866" cy="307777"/>
+          </a:xfrm>
+          <a:prstGeom prst="rect">
+            <a:avLst/>
+          </a:prstGeom>
+          <a:noFill/>
+        </p:spPr>
+        <p:txBody>
+          <a:bodyPr wrap="none" rtlCol="0">
+            <a:spAutoFit/>
+          </a:bodyPr>
+          <a:lstStyle/>
+          <a:p>
+            <a:r>
+              <a:rPr lang="en-US" sz="1400" dirty="0"/>
+              <a:t>RU</a:t>
+            </a:r>
+          </a:p>
+        </p:txBody>
+      </p:sp>
+      <p:sp>
+        <p:nvSpPr>
+          <p:cNvPr id="45" name="TextBox 44">
+            <a:extLst>
+              <a:ext uri="{FF2B5EF4-FFF2-40B4-BE49-F238E27FC236}">
+                <a16:creationId xmlns:a16="http://schemas.microsoft.com/office/drawing/2014/main" id="{569F7A85-737A-7C40-B5F5-DF9C4BA5D34C}"/>
+              </a:ext>
+            </a:extLst>
+          </p:cNvPr>
+          <p:cNvSpPr txBox="1"/>
+          <p:nvPr/>
+        </p:nvSpPr>
+        <p:spPr>
+          <a:xfrm>
+            <a:off x="5101013" y="4393497"/>
+            <a:ext cx="397866" cy="307777"/>
+          </a:xfrm>
+          <a:prstGeom prst="rect">
+            <a:avLst/>
+          </a:prstGeom>
+          <a:noFill/>
+        </p:spPr>
+        <p:txBody>
+          <a:bodyPr wrap="none" rtlCol="0">
+            <a:spAutoFit/>
+          </a:bodyPr>
+          <a:lstStyle/>
+          <a:p>
+            <a:r>
+              <a:rPr lang="en-US" sz="1400" dirty="0"/>
+              <a:t>RU</a:t>
+            </a:r>
+          </a:p>
+        </p:txBody>
+      </p:sp>
+      <p:sp>
+        <p:nvSpPr>
+          <p:cNvPr id="46" name="TextBox 45">
+            <a:extLst>
+              <a:ext uri="{FF2B5EF4-FFF2-40B4-BE49-F238E27FC236}">
+                <a16:creationId xmlns:a16="http://schemas.microsoft.com/office/drawing/2014/main" id="{0F08FB1B-861E-8D4E-BE2A-6840DFF47D36}"/>
+              </a:ext>
+            </a:extLst>
+          </p:cNvPr>
+          <p:cNvSpPr txBox="1"/>
+          <p:nvPr/>
+        </p:nvSpPr>
+        <p:spPr>
+          <a:xfrm>
+            <a:off x="4688103" y="4034016"/>
+            <a:ext cx="397866" cy="307777"/>
+          </a:xfrm>
+          <a:prstGeom prst="rect">
+            <a:avLst/>
+          </a:prstGeom>
+          <a:noFill/>
+        </p:spPr>
+        <p:txBody>
+          <a:bodyPr wrap="none" rtlCol="0">
+            <a:spAutoFit/>
+          </a:bodyPr>
+          <a:lstStyle/>
+          <a:p>
+            <a:r>
+              <a:rPr lang="en-US" sz="1400" dirty="0"/>
+              <a:t>RU</a:t>
+            </a:r>
+          </a:p>
+        </p:txBody>
+      </p:sp>
+      <p:sp>
+        <p:nvSpPr>
+          <p:cNvPr id="47" name="TextBox 46">
+            <a:extLst>
+              <a:ext uri="{FF2B5EF4-FFF2-40B4-BE49-F238E27FC236}">
+                <a16:creationId xmlns:a16="http://schemas.microsoft.com/office/drawing/2014/main" id="{35E9058A-6356-C64F-B78D-A866B44270B1}"/>
+              </a:ext>
+            </a:extLst>
+          </p:cNvPr>
+          <p:cNvSpPr txBox="1"/>
+          <p:nvPr/>
+        </p:nvSpPr>
+        <p:spPr>
+          <a:xfrm>
+            <a:off x="6951491" y="4034016"/>
+            <a:ext cx="397866" cy="307777"/>
+          </a:xfrm>
+          <a:prstGeom prst="rect">
+            <a:avLst/>
+          </a:prstGeom>
+          <a:noFill/>
+        </p:spPr>
+        <p:txBody>
+          <a:bodyPr wrap="none" rtlCol="0">
+            <a:spAutoFit/>
+          </a:bodyPr>
+          <a:lstStyle/>
+          <a:p>
+            <a:r>
+              <a:rPr lang="en-US" sz="1400" dirty="0"/>
+              <a:t>RU</a:t>
+            </a:r>
+          </a:p>
+        </p:txBody>
+      </p:sp>
+      <p:sp>
+        <p:nvSpPr>
+          <p:cNvPr id="48" name="TextBox 47">
+            <a:extLst>
+              <a:ext uri="{FF2B5EF4-FFF2-40B4-BE49-F238E27FC236}">
+                <a16:creationId xmlns:a16="http://schemas.microsoft.com/office/drawing/2014/main" id="{B68679F9-AFF1-F147-94BE-4AA5FEA32249}"/>
+              </a:ext>
+            </a:extLst>
+          </p:cNvPr>
+          <p:cNvSpPr txBox="1"/>
+          <p:nvPr/>
+        </p:nvSpPr>
+        <p:spPr>
+          <a:xfrm>
+            <a:off x="8084444" y="4034016"/>
+            <a:ext cx="397866" cy="307777"/>
+          </a:xfrm>
+          <a:prstGeom prst="rect">
+            <a:avLst/>
+          </a:prstGeom>
+          <a:noFill/>
+        </p:spPr>
+        <p:txBody>
+          <a:bodyPr wrap="none" rtlCol="0">
+            <a:spAutoFit/>
+          </a:bodyPr>
+          <a:lstStyle/>
+          <a:p>
+            <a:r>
+              <a:rPr lang="en-US" sz="1400" dirty="0"/>
+              <a:t>RU</a:t>
+            </a:r>
+          </a:p>
+        </p:txBody>
+      </p:sp>
+      <p:sp>
+        <p:nvSpPr>
+          <p:cNvPr id="49" name="TextBox 48">
+            <a:extLst>
+              <a:ext uri="{FF2B5EF4-FFF2-40B4-BE49-F238E27FC236}">
+                <a16:creationId xmlns:a16="http://schemas.microsoft.com/office/drawing/2014/main" id="{E4F9689E-966F-1E42-94D7-55573311BC12}"/>
+              </a:ext>
+            </a:extLst>
+          </p:cNvPr>
+          <p:cNvSpPr txBox="1"/>
+          <p:nvPr/>
+        </p:nvSpPr>
+        <p:spPr>
+          <a:xfrm>
+            <a:off x="6540752" y="4393497"/>
+            <a:ext cx="397866" cy="307777"/>
+          </a:xfrm>
+          <a:prstGeom prst="rect">
+            <a:avLst/>
+          </a:prstGeom>
+          <a:noFill/>
+        </p:spPr>
+        <p:txBody>
+          <a:bodyPr wrap="none" rtlCol="0">
+            <a:spAutoFit/>
+          </a:bodyPr>
+          <a:lstStyle/>
+          <a:p>
+            <a:r>
+              <a:rPr lang="en-US" sz="1400" dirty="0"/>
+              <a:t>RU</a:t>
+            </a:r>
+          </a:p>
+        </p:txBody>
+      </p:sp>
+      <p:sp>
+        <p:nvSpPr>
+          <p:cNvPr id="50" name="TextBox 49">
+            <a:extLst>
+              <a:ext uri="{FF2B5EF4-FFF2-40B4-BE49-F238E27FC236}">
+                <a16:creationId xmlns:a16="http://schemas.microsoft.com/office/drawing/2014/main" id="{923B29C3-5E44-EB42-8184-D47DFAEBC7CE}"/>
+              </a:ext>
+            </a:extLst>
+          </p:cNvPr>
+          <p:cNvSpPr txBox="1"/>
+          <p:nvPr/>
+        </p:nvSpPr>
+        <p:spPr>
+          <a:xfrm>
+            <a:off x="7688753" y="4393497"/>
+            <a:ext cx="397866" cy="307777"/>
+          </a:xfrm>
+          <a:prstGeom prst="rect">
+            <a:avLst/>
+          </a:prstGeom>
+          <a:noFill/>
+        </p:spPr>
+        <p:txBody>
+          <a:bodyPr wrap="none" rtlCol="0">
+            <a:spAutoFit/>
+          </a:bodyPr>
+          <a:lstStyle/>
+          <a:p>
+            <a:r>
+              <a:rPr lang="en-US" sz="1400" dirty="0"/>
+              <a:t>RU</a:t>
+            </a:r>
+          </a:p>
+        </p:txBody>
+      </p:sp>
+      <p:sp>
+        <p:nvSpPr>
+          <p:cNvPr id="51" name="Rectangle 50">
+            <a:extLst>
+              <a:ext uri="{FF2B5EF4-FFF2-40B4-BE49-F238E27FC236}">
+                <a16:creationId xmlns:a16="http://schemas.microsoft.com/office/drawing/2014/main" id="{5EFD66A4-F77D-A644-8776-3F920734919D}"/>
+              </a:ext>
+            </a:extLst>
+          </p:cNvPr>
+          <p:cNvSpPr/>
+          <p:nvPr/>
+        </p:nvSpPr>
+        <p:spPr>
+          <a:xfrm>
+            <a:off x="3754999" y="2607984"/>
+            <a:ext cx="493876" cy="402772"/>
+          </a:xfrm>
+          <a:prstGeom prst="rect">
+            <a:avLst/>
+          </a:prstGeom>
+          <a:solidFill>
+            <a:schemeClr val="accent1">
+              <a:lumMod val="60000"/>
+              <a:lumOff val="40000"/>
+            </a:schemeClr>
+          </a:solidFill>
+        </p:spPr>
+        <p:style>
+          <a:lnRef idx="1">
+            <a:schemeClr val="accent1"/>
+          </a:lnRef>
+          <a:fillRef idx="2">
+            <a:schemeClr val="accent1"/>
+          </a:fillRef>
+          <a:effectRef idx="1">
+            <a:schemeClr val="accent1"/>
+          </a:effectRef>
+          <a:fontRef idx="minor">
+            <a:schemeClr val="dk1"/>
+          </a:fontRef>
+        </p:style>
+        <p:txBody>
+          <a:bodyPr rtlCol="0" anchor="ctr"/>
+          <a:lstStyle/>
+          <a:p>
+            <a:pPr algn="ctr"/>
+            <a:r>
+              <a:rPr lang="en-US" sz="1400" dirty="0">
+                <a:solidFill>
+                  <a:schemeClr val="tx1"/>
+                </a:solidFill>
+              </a:rPr>
+              <a:t>DU</a:t>
+            </a:r>
+          </a:p>
+        </p:txBody>
+      </p:sp>
+      <p:sp>
+        <p:nvSpPr>
+          <p:cNvPr id="52" name="Rectangle 51">
+            <a:extLst>
+              <a:ext uri="{FF2B5EF4-FFF2-40B4-BE49-F238E27FC236}">
+                <a16:creationId xmlns:a16="http://schemas.microsoft.com/office/drawing/2014/main" id="{A1B936D2-3C9A-0442-B000-D805B2E84CC9}"/>
+              </a:ext>
+            </a:extLst>
+          </p:cNvPr>
+          <p:cNvSpPr/>
+          <p:nvPr/>
+        </p:nvSpPr>
+        <p:spPr>
+          <a:xfrm>
+            <a:off x="5053008" y="2607988"/>
+            <a:ext cx="493876" cy="402772"/>
+          </a:xfrm>
+          <a:prstGeom prst="rect">
+            <a:avLst/>
+          </a:prstGeom>
+          <a:solidFill>
+            <a:schemeClr val="accent1">
+              <a:lumMod val="60000"/>
+              <a:lumOff val="40000"/>
+            </a:schemeClr>
+          </a:solidFill>
+        </p:spPr>
+        <p:style>
+          <a:lnRef idx="1">
+            <a:schemeClr val="accent1"/>
+          </a:lnRef>
+          <a:fillRef idx="2">
+            <a:schemeClr val="accent1"/>
+          </a:fillRef>
+          <a:effectRef idx="1">
+            <a:schemeClr val="accent1"/>
+          </a:effectRef>
+          <a:fontRef idx="minor">
+            <a:schemeClr val="dk1"/>
+          </a:fontRef>
+        </p:style>
+        <p:txBody>
+          <a:bodyPr rtlCol="0" anchor="ctr"/>
+          <a:lstStyle/>
+          <a:p>
+            <a:pPr algn="ctr"/>
+            <a:r>
+              <a:rPr lang="en-US" sz="1400" dirty="0">
+                <a:solidFill>
+                  <a:schemeClr val="tx1"/>
+                </a:solidFill>
+              </a:rPr>
+              <a:t>DU</a:t>
+            </a:r>
+          </a:p>
+        </p:txBody>
+      </p:sp>
+      <p:sp>
+        <p:nvSpPr>
+          <p:cNvPr id="53" name="Rectangle 52">
+            <a:extLst>
+              <a:ext uri="{FF2B5EF4-FFF2-40B4-BE49-F238E27FC236}">
+                <a16:creationId xmlns:a16="http://schemas.microsoft.com/office/drawing/2014/main" id="{D77192C3-C64C-2E4E-8CFF-E82BAC13F983}"/>
+              </a:ext>
+            </a:extLst>
+          </p:cNvPr>
+          <p:cNvSpPr/>
+          <p:nvPr/>
+        </p:nvSpPr>
+        <p:spPr>
+          <a:xfrm>
+            <a:off x="6319630" y="2607984"/>
+            <a:ext cx="493876" cy="402772"/>
+          </a:xfrm>
+          <a:prstGeom prst="rect">
+            <a:avLst/>
+          </a:prstGeom>
+          <a:solidFill>
+            <a:schemeClr val="accent1">
+              <a:lumMod val="60000"/>
+              <a:lumOff val="40000"/>
+            </a:schemeClr>
+          </a:solidFill>
+        </p:spPr>
+        <p:style>
+          <a:lnRef idx="1">
+            <a:schemeClr val="accent1"/>
+          </a:lnRef>
+          <a:fillRef idx="2">
+            <a:schemeClr val="accent1"/>
+          </a:fillRef>
+          <a:effectRef idx="1">
+            <a:schemeClr val="accent1"/>
+          </a:effectRef>
+          <a:fontRef idx="minor">
+            <a:schemeClr val="dk1"/>
+          </a:fontRef>
+        </p:style>
+        <p:txBody>
+          <a:bodyPr rtlCol="0" anchor="ctr"/>
+          <a:lstStyle/>
+          <a:p>
+            <a:pPr algn="ctr"/>
+            <a:r>
+              <a:rPr lang="en-US" sz="1400" dirty="0">
+                <a:solidFill>
+                  <a:schemeClr val="tx1"/>
+                </a:solidFill>
+              </a:rPr>
+              <a:t>DU</a:t>
+            </a:r>
+          </a:p>
+        </p:txBody>
+      </p:sp>
+      <p:sp>
+        <p:nvSpPr>
+          <p:cNvPr id="54" name="Rectangle 53">
+            <a:extLst>
+              <a:ext uri="{FF2B5EF4-FFF2-40B4-BE49-F238E27FC236}">
+                <a16:creationId xmlns:a16="http://schemas.microsoft.com/office/drawing/2014/main" id="{FE663A06-FC48-1B4A-BCF8-01CBE6CBE284}"/>
+              </a:ext>
+            </a:extLst>
+          </p:cNvPr>
+          <p:cNvSpPr/>
+          <p:nvPr/>
+        </p:nvSpPr>
+        <p:spPr>
+          <a:xfrm>
+            <a:off x="7589377" y="2607984"/>
+            <a:ext cx="493876" cy="402772"/>
+          </a:xfrm>
+          <a:prstGeom prst="rect">
+            <a:avLst/>
+          </a:prstGeom>
+          <a:solidFill>
+            <a:schemeClr val="accent1">
+              <a:lumMod val="60000"/>
+              <a:lumOff val="40000"/>
+            </a:schemeClr>
+          </a:solidFill>
+        </p:spPr>
+        <p:style>
+          <a:lnRef idx="1">
+            <a:schemeClr val="accent1"/>
+          </a:lnRef>
+          <a:fillRef idx="2">
+            <a:schemeClr val="accent1"/>
+          </a:fillRef>
+          <a:effectRef idx="1">
+            <a:schemeClr val="accent1"/>
+          </a:effectRef>
+          <a:fontRef idx="minor">
+            <a:schemeClr val="dk1"/>
+          </a:fontRef>
+        </p:style>
+        <p:txBody>
+          <a:bodyPr rtlCol="0" anchor="ctr"/>
+          <a:lstStyle/>
+          <a:p>
+            <a:pPr algn="ctr"/>
+            <a:r>
+              <a:rPr lang="en-US" sz="1400" dirty="0">
+                <a:solidFill>
+                  <a:schemeClr val="tx1"/>
+                </a:solidFill>
+              </a:rPr>
+              <a:t>DU</a:t>
+            </a:r>
+          </a:p>
+        </p:txBody>
+      </p:sp>
+      <p:cxnSp>
+        <p:nvCxnSpPr>
+          <p:cNvPr id="55" name="Straight Connector 54">
+            <a:extLst>
+              <a:ext uri="{FF2B5EF4-FFF2-40B4-BE49-F238E27FC236}">
+                <a16:creationId xmlns:a16="http://schemas.microsoft.com/office/drawing/2014/main" id="{17442EAC-CD0A-0547-91C2-DDB03D5C243B}"/>
+              </a:ext>
+            </a:extLst>
+          </p:cNvPr>
+          <p:cNvCxnSpPr>
+            <a:stCxn id="51" idx="2"/>
+            <a:endCxn id="33" idx="0"/>
+          </p:cNvCxnSpPr>
+          <p:nvPr/>
+        </p:nvCxnSpPr>
+        <p:spPr>
+          <a:xfrm flipH="1">
+            <a:off x="3658070" y="3010756"/>
+            <a:ext cx="343867" cy="347843"/>
+          </a:xfrm>
+          <a:prstGeom prst="line">
+            <a:avLst/>
+          </a:prstGeom>
+        </p:spPr>
+        <p:style>
+          <a:lnRef idx="2">
+            <a:schemeClr val="accent1"/>
+          </a:lnRef>
+          <a:fillRef idx="0">
+            <a:schemeClr val="accent1"/>
+          </a:fillRef>
+          <a:effectRef idx="1">
+            <a:schemeClr val="accent1"/>
+          </a:effectRef>
+          <a:fontRef idx="minor">
+            <a:schemeClr val="tx1"/>
+          </a:fontRef>
+        </p:style>
+      </p:cxnSp>
+      <p:cxnSp>
+        <p:nvCxnSpPr>
+          <p:cNvPr id="56" name="Straight Connector 55">
+            <a:extLst>
+              <a:ext uri="{FF2B5EF4-FFF2-40B4-BE49-F238E27FC236}">
+                <a16:creationId xmlns:a16="http://schemas.microsoft.com/office/drawing/2014/main" id="{5C4C22A8-114D-C641-8ABA-772B6649B476}"/>
+              </a:ext>
+            </a:extLst>
+          </p:cNvPr>
+          <p:cNvCxnSpPr>
+            <a:stCxn id="51" idx="2"/>
+            <a:endCxn id="36" idx="0"/>
+          </p:cNvCxnSpPr>
+          <p:nvPr/>
+        </p:nvCxnSpPr>
+        <p:spPr>
+          <a:xfrm>
+            <a:off x="4001937" y="3010756"/>
+            <a:ext cx="58905" cy="707323"/>
+          </a:xfrm>
+          <a:prstGeom prst="line">
+            <a:avLst/>
+          </a:prstGeom>
+        </p:spPr>
+        <p:style>
+          <a:lnRef idx="2">
+            <a:schemeClr val="accent1"/>
+          </a:lnRef>
+          <a:fillRef idx="0">
+            <a:schemeClr val="accent1"/>
+          </a:fillRef>
+          <a:effectRef idx="1">
+            <a:schemeClr val="accent1"/>
+          </a:effectRef>
+          <a:fontRef idx="minor">
+            <a:schemeClr val="tx1"/>
+          </a:fontRef>
+        </p:style>
+      </p:cxnSp>
+      <p:cxnSp>
+        <p:nvCxnSpPr>
+          <p:cNvPr id="57" name="Straight Connector 56">
+            <a:extLst>
+              <a:ext uri="{FF2B5EF4-FFF2-40B4-BE49-F238E27FC236}">
+                <a16:creationId xmlns:a16="http://schemas.microsoft.com/office/drawing/2014/main" id="{9706A102-8D4E-DA48-9911-DA69DE20A8B8}"/>
+              </a:ext>
+            </a:extLst>
+          </p:cNvPr>
+          <p:cNvCxnSpPr>
+            <a:stCxn id="52" idx="2"/>
+            <a:endCxn id="37" idx="0"/>
+          </p:cNvCxnSpPr>
+          <p:nvPr/>
+        </p:nvCxnSpPr>
+        <p:spPr>
+          <a:xfrm flipH="1">
+            <a:off x="4790186" y="3010760"/>
+            <a:ext cx="509760" cy="347839"/>
+          </a:xfrm>
+          <a:prstGeom prst="line">
+            <a:avLst/>
+          </a:prstGeom>
+        </p:spPr>
+        <p:style>
+          <a:lnRef idx="2">
+            <a:schemeClr val="accent1"/>
+          </a:lnRef>
+          <a:fillRef idx="0">
+            <a:schemeClr val="accent1"/>
+          </a:fillRef>
+          <a:effectRef idx="1">
+            <a:schemeClr val="accent1"/>
+          </a:effectRef>
+          <a:fontRef idx="minor">
+            <a:schemeClr val="tx1"/>
+          </a:fontRef>
+        </p:style>
+      </p:cxnSp>
+      <p:cxnSp>
+        <p:nvCxnSpPr>
+          <p:cNvPr id="58" name="Straight Connector 57">
+            <a:extLst>
+              <a:ext uri="{FF2B5EF4-FFF2-40B4-BE49-F238E27FC236}">
+                <a16:creationId xmlns:a16="http://schemas.microsoft.com/office/drawing/2014/main" id="{AF9E74B2-F3E2-7B40-A6C7-BEC28A37BDCC}"/>
+              </a:ext>
+            </a:extLst>
+          </p:cNvPr>
+          <p:cNvCxnSpPr>
+            <a:stCxn id="52" idx="2"/>
+            <a:endCxn id="38" idx="0"/>
+          </p:cNvCxnSpPr>
+          <p:nvPr/>
+        </p:nvCxnSpPr>
+        <p:spPr>
+          <a:xfrm flipH="1">
+            <a:off x="5192958" y="3010760"/>
+            <a:ext cx="106988" cy="707319"/>
+          </a:xfrm>
+          <a:prstGeom prst="line">
+            <a:avLst/>
+          </a:prstGeom>
+        </p:spPr>
+        <p:style>
+          <a:lnRef idx="2">
+            <a:schemeClr val="accent1"/>
+          </a:lnRef>
+          <a:fillRef idx="0">
+            <a:schemeClr val="accent1"/>
+          </a:fillRef>
+          <a:effectRef idx="1">
+            <a:schemeClr val="accent1"/>
+          </a:effectRef>
+          <a:fontRef idx="minor">
+            <a:schemeClr val="tx1"/>
+          </a:fontRef>
+        </p:style>
+      </p:cxnSp>
+      <p:cxnSp>
+        <p:nvCxnSpPr>
+          <p:cNvPr id="59" name="Straight Connector 58">
+            <a:extLst>
+              <a:ext uri="{FF2B5EF4-FFF2-40B4-BE49-F238E27FC236}">
+                <a16:creationId xmlns:a16="http://schemas.microsoft.com/office/drawing/2014/main" id="{470CBAB9-2887-0842-95F6-D3322B3DAAF0}"/>
+              </a:ext>
+            </a:extLst>
+          </p:cNvPr>
+          <p:cNvCxnSpPr>
+            <a:stCxn id="53" idx="2"/>
+            <a:endCxn id="40" idx="0"/>
+          </p:cNvCxnSpPr>
+          <p:nvPr/>
+        </p:nvCxnSpPr>
+        <p:spPr>
+          <a:xfrm>
+            <a:off x="6566568" y="3010756"/>
+            <a:ext cx="74191" cy="707323"/>
+          </a:xfrm>
+          <a:prstGeom prst="line">
+            <a:avLst/>
+          </a:prstGeom>
+        </p:spPr>
+        <p:style>
+          <a:lnRef idx="2">
+            <a:schemeClr val="accent1"/>
+          </a:lnRef>
+          <a:fillRef idx="0">
+            <a:schemeClr val="accent1"/>
+          </a:fillRef>
+          <a:effectRef idx="1">
+            <a:schemeClr val="accent1"/>
+          </a:effectRef>
+          <a:fontRef idx="minor">
+            <a:schemeClr val="tx1"/>
+          </a:fontRef>
+        </p:style>
+      </p:cxnSp>
+      <p:cxnSp>
+        <p:nvCxnSpPr>
+          <p:cNvPr id="60" name="Straight Connector 59">
+            <a:extLst>
+              <a:ext uri="{FF2B5EF4-FFF2-40B4-BE49-F238E27FC236}">
+                <a16:creationId xmlns:a16="http://schemas.microsoft.com/office/drawing/2014/main" id="{5C9CAD89-ABE5-524A-A31D-11B264422405}"/>
+              </a:ext>
+            </a:extLst>
+          </p:cNvPr>
+          <p:cNvCxnSpPr>
+            <a:stCxn id="53" idx="2"/>
+            <a:endCxn id="39" idx="0"/>
+          </p:cNvCxnSpPr>
+          <p:nvPr/>
+        </p:nvCxnSpPr>
+        <p:spPr>
+          <a:xfrm>
+            <a:off x="6566568" y="3010756"/>
+            <a:ext cx="476963" cy="347843"/>
+          </a:xfrm>
+          <a:prstGeom prst="line">
+            <a:avLst/>
+          </a:prstGeom>
+        </p:spPr>
+        <p:style>
+          <a:lnRef idx="2">
+            <a:schemeClr val="accent1"/>
+          </a:lnRef>
+          <a:fillRef idx="0">
+            <a:schemeClr val="accent1"/>
+          </a:fillRef>
+          <a:effectRef idx="1">
+            <a:schemeClr val="accent1"/>
+          </a:effectRef>
+          <a:fontRef idx="minor">
+            <a:schemeClr val="tx1"/>
+          </a:fontRef>
+        </p:style>
+      </p:cxnSp>
+      <p:cxnSp>
+        <p:nvCxnSpPr>
+          <p:cNvPr id="61" name="Straight Connector 60">
+            <a:extLst>
+              <a:ext uri="{FF2B5EF4-FFF2-40B4-BE49-F238E27FC236}">
+                <a16:creationId xmlns:a16="http://schemas.microsoft.com/office/drawing/2014/main" id="{7927315C-BCB5-1744-8C2D-5EADDCCC6DF2}"/>
+              </a:ext>
+            </a:extLst>
+          </p:cNvPr>
+          <p:cNvCxnSpPr>
+            <a:stCxn id="54" idx="2"/>
+            <a:endCxn id="42" idx="0"/>
+          </p:cNvCxnSpPr>
+          <p:nvPr/>
+        </p:nvCxnSpPr>
+        <p:spPr>
+          <a:xfrm flipH="1">
+            <a:off x="7761989" y="3010756"/>
+            <a:ext cx="74326" cy="707323"/>
+          </a:xfrm>
+          <a:prstGeom prst="line">
+            <a:avLst/>
+          </a:prstGeom>
+        </p:spPr>
+        <p:style>
+          <a:lnRef idx="2">
+            <a:schemeClr val="accent1"/>
+          </a:lnRef>
+          <a:fillRef idx="0">
+            <a:schemeClr val="accent1"/>
+          </a:fillRef>
+          <a:effectRef idx="1">
+            <a:schemeClr val="accent1"/>
+          </a:effectRef>
+          <a:fontRef idx="minor">
+            <a:schemeClr val="tx1"/>
+          </a:fontRef>
+        </p:style>
+      </p:cxnSp>
+      <p:cxnSp>
+        <p:nvCxnSpPr>
+          <p:cNvPr id="62" name="Straight Connector 61">
+            <a:extLst>
+              <a:ext uri="{FF2B5EF4-FFF2-40B4-BE49-F238E27FC236}">
+                <a16:creationId xmlns:a16="http://schemas.microsoft.com/office/drawing/2014/main" id="{98C33C0E-99E2-A64F-A1AE-759437BD5874}"/>
+              </a:ext>
+            </a:extLst>
+          </p:cNvPr>
+          <p:cNvCxnSpPr>
+            <a:stCxn id="54" idx="2"/>
+            <a:endCxn id="41" idx="0"/>
+          </p:cNvCxnSpPr>
+          <p:nvPr/>
+        </p:nvCxnSpPr>
+        <p:spPr>
+          <a:xfrm>
+            <a:off x="7836315" y="3010756"/>
+            <a:ext cx="339328" cy="347843"/>
+          </a:xfrm>
+          <a:prstGeom prst="line">
+            <a:avLst/>
+          </a:prstGeom>
+        </p:spPr>
+        <p:style>
+          <a:lnRef idx="2">
+            <a:schemeClr val="accent1"/>
+          </a:lnRef>
+          <a:fillRef idx="0">
+            <a:schemeClr val="accent1"/>
+          </a:fillRef>
+          <a:effectRef idx="1">
+            <a:schemeClr val="accent1"/>
+          </a:effectRef>
+          <a:fontRef idx="minor">
+            <a:schemeClr val="tx1"/>
+          </a:fontRef>
+        </p:style>
+      </p:cxnSp>
+      <p:sp>
+        <p:nvSpPr>
+          <p:cNvPr id="63" name="Rectangle 62">
+            <a:extLst>
+              <a:ext uri="{FF2B5EF4-FFF2-40B4-BE49-F238E27FC236}">
+                <a16:creationId xmlns:a16="http://schemas.microsoft.com/office/drawing/2014/main" id="{96AB88AF-F2BB-734B-8DE8-A3A91AE0DCA2}"/>
+              </a:ext>
+            </a:extLst>
+          </p:cNvPr>
+          <p:cNvSpPr/>
+          <p:nvPr/>
+        </p:nvSpPr>
+        <p:spPr>
+          <a:xfrm>
+            <a:off x="5706151" y="1432331"/>
+            <a:ext cx="493876" cy="402772"/>
+          </a:xfrm>
+          <a:prstGeom prst="rect">
+            <a:avLst/>
+          </a:prstGeom>
+          <a:solidFill>
+            <a:schemeClr val="accent1">
+              <a:lumMod val="60000"/>
+              <a:lumOff val="40000"/>
+            </a:schemeClr>
+          </a:solidFill>
+          <a:ln w="19050">
+            <a:noFill/>
+          </a:ln>
+        </p:spPr>
+        <p:style>
+          <a:lnRef idx="1">
+            <a:schemeClr val="accent4"/>
+          </a:lnRef>
+          <a:fillRef idx="2">
+            <a:schemeClr val="accent4"/>
+          </a:fillRef>
+          <a:effectRef idx="1">
+            <a:schemeClr val="accent4"/>
+          </a:effectRef>
+          <a:fontRef idx="minor">
+            <a:schemeClr val="dk1"/>
+          </a:fontRef>
+        </p:style>
+        <p:txBody>
+          <a:bodyPr rtlCol="0" anchor="ctr"/>
+          <a:lstStyle/>
+          <a:p>
+            <a:pPr algn="ctr"/>
+            <a:r>
+              <a:rPr lang="en-US" sz="1400" dirty="0">
+                <a:solidFill>
+                  <a:schemeClr val="tx1"/>
+                </a:solidFill>
+              </a:rPr>
+              <a:t>CU</a:t>
+            </a:r>
+          </a:p>
+        </p:txBody>
+      </p:sp>
+      <p:cxnSp>
+        <p:nvCxnSpPr>
+          <p:cNvPr id="64" name="Straight Connector 63">
+            <a:extLst>
+              <a:ext uri="{FF2B5EF4-FFF2-40B4-BE49-F238E27FC236}">
+                <a16:creationId xmlns:a16="http://schemas.microsoft.com/office/drawing/2014/main" id="{D1221AB3-9321-CF41-A795-06A15D1A6C6F}"/>
+              </a:ext>
+            </a:extLst>
+          </p:cNvPr>
+          <p:cNvCxnSpPr>
+            <a:stCxn id="63" idx="2"/>
+            <a:endCxn id="52" idx="0"/>
+          </p:cNvCxnSpPr>
+          <p:nvPr/>
+        </p:nvCxnSpPr>
+        <p:spPr>
+          <a:xfrm flipH="1">
+            <a:off x="5299946" y="1835103"/>
+            <a:ext cx="653143" cy="772885"/>
+          </a:xfrm>
+          <a:prstGeom prst="line">
+            <a:avLst/>
+          </a:prstGeom>
+        </p:spPr>
+        <p:style>
+          <a:lnRef idx="2">
+            <a:schemeClr val="accent1"/>
+          </a:lnRef>
+          <a:fillRef idx="0">
+            <a:schemeClr val="accent1"/>
+          </a:fillRef>
+          <a:effectRef idx="1">
+            <a:schemeClr val="accent1"/>
+          </a:effectRef>
+          <a:fontRef idx="minor">
+            <a:schemeClr val="tx1"/>
+          </a:fontRef>
+        </p:style>
+      </p:cxnSp>
+      <p:cxnSp>
+        <p:nvCxnSpPr>
+          <p:cNvPr id="65" name="Straight Connector 64">
+            <a:extLst>
+              <a:ext uri="{FF2B5EF4-FFF2-40B4-BE49-F238E27FC236}">
+                <a16:creationId xmlns:a16="http://schemas.microsoft.com/office/drawing/2014/main" id="{286FC7A3-990E-5245-92E6-1C1B19E0C260}"/>
+              </a:ext>
+            </a:extLst>
+          </p:cNvPr>
+          <p:cNvCxnSpPr>
+            <a:stCxn id="63" idx="2"/>
+            <a:endCxn id="51" idx="0"/>
+          </p:cNvCxnSpPr>
+          <p:nvPr/>
+        </p:nvCxnSpPr>
+        <p:spPr>
+          <a:xfrm flipH="1">
+            <a:off x="4001937" y="1835103"/>
+            <a:ext cx="1951152" cy="772881"/>
+          </a:xfrm>
+          <a:prstGeom prst="line">
+            <a:avLst/>
+          </a:prstGeom>
+        </p:spPr>
+        <p:style>
+          <a:lnRef idx="2">
+            <a:schemeClr val="accent1"/>
+          </a:lnRef>
+          <a:fillRef idx="0">
+            <a:schemeClr val="accent1"/>
+          </a:fillRef>
+          <a:effectRef idx="1">
+            <a:schemeClr val="accent1"/>
+          </a:effectRef>
+          <a:fontRef idx="minor">
+            <a:schemeClr val="tx1"/>
+          </a:fontRef>
+        </p:style>
+      </p:cxnSp>
+      <p:cxnSp>
+        <p:nvCxnSpPr>
+          <p:cNvPr id="66" name="Straight Connector 65">
+            <a:extLst>
+              <a:ext uri="{FF2B5EF4-FFF2-40B4-BE49-F238E27FC236}">
+                <a16:creationId xmlns:a16="http://schemas.microsoft.com/office/drawing/2014/main" id="{C0F81949-45AC-544E-A231-AA91042A4B13}"/>
+              </a:ext>
+            </a:extLst>
+          </p:cNvPr>
+          <p:cNvCxnSpPr>
+            <a:stCxn id="63" idx="2"/>
+            <a:endCxn id="53" idx="0"/>
+          </p:cNvCxnSpPr>
+          <p:nvPr/>
+        </p:nvCxnSpPr>
+        <p:spPr>
+          <a:xfrm>
+            <a:off x="5953089" y="1835103"/>
+            <a:ext cx="613479" cy="772881"/>
+          </a:xfrm>
+          <a:prstGeom prst="line">
+            <a:avLst/>
+          </a:prstGeom>
+        </p:spPr>
+        <p:style>
+          <a:lnRef idx="2">
+            <a:schemeClr val="accent1"/>
+          </a:lnRef>
+          <a:fillRef idx="0">
+            <a:schemeClr val="accent1"/>
+          </a:fillRef>
+          <a:effectRef idx="1">
+            <a:schemeClr val="accent1"/>
+          </a:effectRef>
+          <a:fontRef idx="minor">
+            <a:schemeClr val="tx1"/>
+          </a:fontRef>
+        </p:style>
+      </p:cxnSp>
+      <p:cxnSp>
+        <p:nvCxnSpPr>
+          <p:cNvPr id="67" name="Straight Connector 66">
+            <a:extLst>
+              <a:ext uri="{FF2B5EF4-FFF2-40B4-BE49-F238E27FC236}">
+                <a16:creationId xmlns:a16="http://schemas.microsoft.com/office/drawing/2014/main" id="{A98B801F-C735-9D4B-B8B5-A1AAC387F295}"/>
+              </a:ext>
+            </a:extLst>
+          </p:cNvPr>
+          <p:cNvCxnSpPr>
+            <a:stCxn id="63" idx="2"/>
+            <a:endCxn id="54" idx="0"/>
+          </p:cNvCxnSpPr>
+          <p:nvPr/>
+        </p:nvCxnSpPr>
+        <p:spPr>
+          <a:xfrm>
+            <a:off x="5953089" y="1835103"/>
+            <a:ext cx="1883226" cy="772881"/>
+          </a:xfrm>
+          <a:prstGeom prst="line">
+            <a:avLst/>
+          </a:prstGeom>
+        </p:spPr>
+        <p:style>
+          <a:lnRef idx="2">
+            <a:schemeClr val="accent1"/>
+          </a:lnRef>
+          <a:fillRef idx="0">
+            <a:schemeClr val="accent1"/>
+          </a:fillRef>
+          <a:effectRef idx="1">
+            <a:schemeClr val="accent1"/>
+          </a:effectRef>
+          <a:fontRef idx="minor">
+            <a:schemeClr val="tx1"/>
+          </a:fontRef>
+        </p:style>
+      </p:cxnSp>
+    </p:spTree>
+    <p:extLst>
+      <p:ext uri="{BB962C8B-B14F-4D97-AF65-F5344CB8AC3E}">
+        <p14:creationId xmlns:p14="http://schemas.microsoft.com/office/powerpoint/2010/main" val="1254169958"/>
+      </p:ext>
+    </p:extLst>
+  </p:cSld>
+  <p:clrMapOvr>
+    <a:masterClrMapping/>
+  </p:clrMapOvr>
+</p:sld>
+</file>
+
+<file path=ppt/slides/slide6.xml><?xml version="1.0" encoding="utf-8"?>
+<p:sld xmlns:a="http://schemas.openxmlformats.org/drawingml/2006/main" xmlns:r="http://schemas.openxmlformats.org/officeDocument/2006/relationships" xmlns:p="http://schemas.openxmlformats.org/presentationml/2006/main">
+  <p:cSld>
+    <p:spTree>
+      <p:nvGrpSpPr>
+        <p:cNvPr id="1" name=""/>
+        <p:cNvGrpSpPr/>
+        <p:nvPr/>
+      </p:nvGrpSpPr>
+      <p:grpSpPr>
+        <a:xfrm>
+          <a:off x="0" y="0"/>
+          <a:ext cx="0" cy="0"/>
+          <a:chOff x="0" y="0"/>
+          <a:chExt cx="0" cy="0"/>
+        </a:xfrm>
+      </p:grpSpPr>
+      <p:pic>
+        <p:nvPicPr>
+          <p:cNvPr id="33" name="Picture 32">
+            <a:extLst>
+              <a:ext uri="{FF2B5EF4-FFF2-40B4-BE49-F238E27FC236}">
+                <a16:creationId xmlns:a16="http://schemas.microsoft.com/office/drawing/2014/main" id="{6F820F0A-D50C-B04A-AF0C-9AE69CB2D19B}"/>
+              </a:ext>
+            </a:extLst>
+          </p:cNvPr>
+          <p:cNvPicPr>
+            <a:picLocks noChangeAspect="1"/>
+          </p:cNvPicPr>
+          <p:nvPr/>
+        </p:nvPicPr>
+        <p:blipFill>
+          <a:blip r:embed="rId2"/>
+          <a:stretch>
+            <a:fillRect/>
+          </a:stretch>
+        </p:blipFill>
+        <p:spPr>
+          <a:xfrm>
+            <a:off x="4245157" y="4041871"/>
+            <a:ext cx="316665" cy="675418"/>
+          </a:xfrm>
+          <a:prstGeom prst="rect">
+            <a:avLst/>
+          </a:prstGeom>
+          <a:effectLst>
+            <a:outerShdw blurRad="50800" dist="38100" dir="2700000" algn="tl" rotWithShape="0">
+              <a:prstClr val="black">
+                <a:alpha val="40000"/>
+              </a:prstClr>
+            </a:outerShdw>
+          </a:effectLst>
+        </p:spPr>
+      </p:pic>
+      <p:pic>
+        <p:nvPicPr>
+          <p:cNvPr id="36" name="Picture 35">
+            <a:extLst>
+              <a:ext uri="{FF2B5EF4-FFF2-40B4-BE49-F238E27FC236}">
+                <a16:creationId xmlns:a16="http://schemas.microsoft.com/office/drawing/2014/main" id="{347DC148-4643-2240-B61C-2028D3645EC9}"/>
+              </a:ext>
+            </a:extLst>
+          </p:cNvPr>
+          <p:cNvPicPr>
+            <a:picLocks noChangeAspect="1"/>
+          </p:cNvPicPr>
+          <p:nvPr/>
+        </p:nvPicPr>
+        <p:blipFill>
+          <a:blip r:embed="rId2"/>
+          <a:stretch>
+            <a:fillRect/>
+          </a:stretch>
+        </p:blipFill>
+        <p:spPr>
+          <a:xfrm>
+            <a:off x="3772724" y="4247464"/>
+            <a:ext cx="316665" cy="675418"/>
+          </a:xfrm>
+          <a:prstGeom prst="rect">
+            <a:avLst/>
+          </a:prstGeom>
+          <a:effectLst>
+            <a:outerShdw blurRad="50800" dist="38100" dir="2700000" algn="tl" rotWithShape="0">
+              <a:prstClr val="black">
+                <a:alpha val="40000"/>
+              </a:prstClr>
+            </a:outerShdw>
+          </a:effectLst>
+        </p:spPr>
+      </p:pic>
+      <p:pic>
+        <p:nvPicPr>
+          <p:cNvPr id="41" name="Picture 40">
+            <a:extLst>
+              <a:ext uri="{FF2B5EF4-FFF2-40B4-BE49-F238E27FC236}">
+                <a16:creationId xmlns:a16="http://schemas.microsoft.com/office/drawing/2014/main" id="{CD18DB82-E646-754B-B4B1-354D88289117}"/>
+              </a:ext>
+            </a:extLst>
+          </p:cNvPr>
+          <p:cNvPicPr>
+            <a:picLocks noChangeAspect="1"/>
+          </p:cNvPicPr>
+          <p:nvPr/>
+        </p:nvPicPr>
+        <p:blipFill>
+          <a:blip r:embed="rId2"/>
+          <a:stretch>
+            <a:fillRect/>
+          </a:stretch>
+        </p:blipFill>
+        <p:spPr>
+          <a:xfrm>
+            <a:off x="7482458" y="4041871"/>
+            <a:ext cx="316665" cy="675418"/>
+          </a:xfrm>
+          <a:prstGeom prst="rect">
+            <a:avLst/>
+          </a:prstGeom>
+          <a:effectLst>
+            <a:outerShdw blurRad="50800" dist="38100" dir="2700000" algn="tl" rotWithShape="0">
+              <a:prstClr val="black">
+                <a:alpha val="40000"/>
+              </a:prstClr>
+            </a:outerShdw>
+          </a:effectLst>
+        </p:spPr>
+      </p:pic>
+      <p:pic>
+        <p:nvPicPr>
+          <p:cNvPr id="42" name="Picture 41">
+            <a:extLst>
+              <a:ext uri="{FF2B5EF4-FFF2-40B4-BE49-F238E27FC236}">
+                <a16:creationId xmlns:a16="http://schemas.microsoft.com/office/drawing/2014/main" id="{B1411B64-BF4F-3249-9FBD-A1623FA66AD2}"/>
+              </a:ext>
+            </a:extLst>
+          </p:cNvPr>
+          <p:cNvPicPr>
+            <a:picLocks noChangeAspect="1"/>
+          </p:cNvPicPr>
+          <p:nvPr/>
+        </p:nvPicPr>
+        <p:blipFill>
+          <a:blip r:embed="rId2"/>
+          <a:stretch>
+            <a:fillRect/>
+          </a:stretch>
+        </p:blipFill>
+        <p:spPr>
+          <a:xfrm>
+            <a:off x="7952575" y="4247464"/>
+            <a:ext cx="316665" cy="675418"/>
+          </a:xfrm>
+          <a:prstGeom prst="rect">
+            <a:avLst/>
+          </a:prstGeom>
+          <a:effectLst>
+            <a:outerShdw blurRad="50800" dist="38100" dir="2700000" algn="tl" rotWithShape="0">
+              <a:prstClr val="black">
+                <a:alpha val="40000"/>
+              </a:prstClr>
+            </a:outerShdw>
+          </a:effectLst>
+        </p:spPr>
+      </p:pic>
+      <p:sp>
+        <p:nvSpPr>
+          <p:cNvPr id="43" name="TextBox 42">
+            <a:extLst>
+              <a:ext uri="{FF2B5EF4-FFF2-40B4-BE49-F238E27FC236}">
+                <a16:creationId xmlns:a16="http://schemas.microsoft.com/office/drawing/2014/main" id="{481892C0-0AB1-E14B-B212-114896D30CE7}"/>
+              </a:ext>
+            </a:extLst>
+          </p:cNvPr>
+          <p:cNvSpPr txBox="1"/>
+          <p:nvPr/>
+        </p:nvSpPr>
+        <p:spPr>
+          <a:xfrm>
+            <a:off x="4204556" y="4801680"/>
+            <a:ext cx="397866" cy="307777"/>
+          </a:xfrm>
+          <a:prstGeom prst="rect">
+            <a:avLst/>
+          </a:prstGeom>
+          <a:noFill/>
+        </p:spPr>
+        <p:txBody>
+          <a:bodyPr wrap="none" rtlCol="0">
+            <a:spAutoFit/>
+          </a:bodyPr>
+          <a:lstStyle/>
+          <a:p>
+            <a:r>
+              <a:rPr lang="en-US" sz="1400" dirty="0"/>
+              <a:t>RU</a:t>
+            </a:r>
+          </a:p>
+        </p:txBody>
+      </p:sp>
+      <p:sp>
+        <p:nvSpPr>
+          <p:cNvPr id="44" name="TextBox 43">
+            <a:extLst>
+              <a:ext uri="{FF2B5EF4-FFF2-40B4-BE49-F238E27FC236}">
+                <a16:creationId xmlns:a16="http://schemas.microsoft.com/office/drawing/2014/main" id="{4945ACA5-7AC6-7846-8E17-85A4D04DFF18}"/>
+              </a:ext>
+            </a:extLst>
+          </p:cNvPr>
+          <p:cNvSpPr txBox="1"/>
+          <p:nvPr/>
+        </p:nvSpPr>
+        <p:spPr>
+          <a:xfrm>
+            <a:off x="3732123" y="4955568"/>
+            <a:ext cx="397866" cy="307777"/>
+          </a:xfrm>
+          <a:prstGeom prst="rect">
+            <a:avLst/>
+          </a:prstGeom>
+          <a:noFill/>
+        </p:spPr>
+        <p:txBody>
+          <a:bodyPr wrap="none" rtlCol="0">
+            <a:spAutoFit/>
+          </a:bodyPr>
+          <a:lstStyle/>
+          <a:p>
+            <a:r>
+              <a:rPr lang="en-US" sz="1400" dirty="0"/>
+              <a:t>RU</a:t>
+            </a:r>
+          </a:p>
+        </p:txBody>
+      </p:sp>
+      <p:sp>
+        <p:nvSpPr>
+          <p:cNvPr id="48" name="TextBox 47">
+            <a:extLst>
+              <a:ext uri="{FF2B5EF4-FFF2-40B4-BE49-F238E27FC236}">
+                <a16:creationId xmlns:a16="http://schemas.microsoft.com/office/drawing/2014/main" id="{B68679F9-AFF1-F147-94BE-4AA5FEA32249}"/>
+              </a:ext>
+            </a:extLst>
+          </p:cNvPr>
+          <p:cNvSpPr txBox="1"/>
+          <p:nvPr/>
+        </p:nvSpPr>
+        <p:spPr>
+          <a:xfrm>
+            <a:off x="7439145" y="4796301"/>
+            <a:ext cx="397866" cy="307777"/>
+          </a:xfrm>
+          <a:prstGeom prst="rect">
+            <a:avLst/>
+          </a:prstGeom>
+          <a:noFill/>
+        </p:spPr>
+        <p:txBody>
+          <a:bodyPr wrap="none" rtlCol="0">
+            <a:spAutoFit/>
+          </a:bodyPr>
+          <a:lstStyle/>
+          <a:p>
+            <a:r>
+              <a:rPr lang="en-US" sz="1400" dirty="0"/>
+              <a:t>RU</a:t>
+            </a:r>
+          </a:p>
+        </p:txBody>
+      </p:sp>
+      <p:sp>
+        <p:nvSpPr>
+          <p:cNvPr id="50" name="TextBox 49">
+            <a:extLst>
+              <a:ext uri="{FF2B5EF4-FFF2-40B4-BE49-F238E27FC236}">
+                <a16:creationId xmlns:a16="http://schemas.microsoft.com/office/drawing/2014/main" id="{923B29C3-5E44-EB42-8184-D47DFAEBC7CE}"/>
+              </a:ext>
+            </a:extLst>
+          </p:cNvPr>
+          <p:cNvSpPr txBox="1"/>
+          <p:nvPr/>
+        </p:nvSpPr>
+        <p:spPr>
+          <a:xfrm>
+            <a:off x="7921902" y="4946394"/>
+            <a:ext cx="397866" cy="307777"/>
+          </a:xfrm>
+          <a:prstGeom prst="rect">
+            <a:avLst/>
+          </a:prstGeom>
+          <a:noFill/>
+        </p:spPr>
+        <p:txBody>
+          <a:bodyPr wrap="none" rtlCol="0">
+            <a:spAutoFit/>
+          </a:bodyPr>
+          <a:lstStyle/>
+          <a:p>
+            <a:r>
+              <a:rPr lang="en-US" sz="1400" dirty="0"/>
+              <a:t>RU</a:t>
+            </a:r>
+          </a:p>
+        </p:txBody>
+      </p:sp>
+      <p:sp>
+        <p:nvSpPr>
+          <p:cNvPr id="51" name="Rectangle 50">
+            <a:extLst>
+              <a:ext uri="{FF2B5EF4-FFF2-40B4-BE49-F238E27FC236}">
+                <a16:creationId xmlns:a16="http://schemas.microsoft.com/office/drawing/2014/main" id="{5EFD66A4-F77D-A644-8776-3F920734919D}"/>
+              </a:ext>
+            </a:extLst>
+          </p:cNvPr>
+          <p:cNvSpPr/>
+          <p:nvPr/>
+        </p:nvSpPr>
+        <p:spPr>
+          <a:xfrm>
+            <a:off x="3685374" y="3257689"/>
+            <a:ext cx="493876" cy="402772"/>
+          </a:xfrm>
+          <a:prstGeom prst="rect">
+            <a:avLst/>
+          </a:prstGeom>
+          <a:ln w="19050">
+            <a:solidFill>
+              <a:schemeClr val="bg2">
+                <a:lumMod val="10000"/>
+              </a:schemeClr>
+            </a:solidFill>
+          </a:ln>
+        </p:spPr>
+        <p:style>
+          <a:lnRef idx="1">
+            <a:schemeClr val="accent1"/>
+          </a:lnRef>
+          <a:fillRef idx="2">
+            <a:schemeClr val="accent1"/>
+          </a:fillRef>
+          <a:effectRef idx="1">
+            <a:schemeClr val="accent1"/>
+          </a:effectRef>
+          <a:fontRef idx="minor">
+            <a:schemeClr val="dk1"/>
+          </a:fontRef>
+        </p:style>
+        <p:txBody>
+          <a:bodyPr rtlCol="0" anchor="ctr"/>
+          <a:lstStyle/>
+          <a:p>
+            <a:pPr algn="ctr"/>
+            <a:r>
+              <a:rPr lang="en-US" sz="1400" dirty="0">
+                <a:solidFill>
+                  <a:schemeClr val="tx1"/>
+                </a:solidFill>
+              </a:rPr>
+              <a:t>DU</a:t>
+            </a:r>
+          </a:p>
+        </p:txBody>
+      </p:sp>
+      <p:sp>
+        <p:nvSpPr>
+          <p:cNvPr id="54" name="Rectangle 53">
+            <a:extLst>
+              <a:ext uri="{FF2B5EF4-FFF2-40B4-BE49-F238E27FC236}">
+                <a16:creationId xmlns:a16="http://schemas.microsoft.com/office/drawing/2014/main" id="{FE663A06-FC48-1B4A-BCF8-01CBE6CBE284}"/>
+              </a:ext>
+            </a:extLst>
+          </p:cNvPr>
+          <p:cNvSpPr/>
+          <p:nvPr/>
+        </p:nvSpPr>
+        <p:spPr>
+          <a:xfrm>
+            <a:off x="7842040" y="3257689"/>
+            <a:ext cx="493876" cy="402772"/>
+          </a:xfrm>
+          <a:prstGeom prst="rect">
+            <a:avLst/>
+          </a:prstGeom>
+          <a:ln w="19050">
+            <a:solidFill>
+              <a:schemeClr val="bg2">
+                <a:lumMod val="10000"/>
+              </a:schemeClr>
+            </a:solidFill>
+          </a:ln>
+        </p:spPr>
+        <p:style>
+          <a:lnRef idx="1">
+            <a:schemeClr val="accent1"/>
+          </a:lnRef>
+          <a:fillRef idx="2">
+            <a:schemeClr val="accent1"/>
+          </a:fillRef>
+          <a:effectRef idx="1">
+            <a:schemeClr val="accent1"/>
+          </a:effectRef>
+          <a:fontRef idx="minor">
+            <a:schemeClr val="dk1"/>
+          </a:fontRef>
+        </p:style>
+        <p:txBody>
+          <a:bodyPr rtlCol="0" anchor="ctr"/>
+          <a:lstStyle/>
+          <a:p>
+            <a:pPr algn="ctr"/>
+            <a:r>
+              <a:rPr lang="en-US" sz="1400" dirty="0">
+                <a:solidFill>
+                  <a:schemeClr val="tx1"/>
+                </a:solidFill>
+              </a:rPr>
+              <a:t>DU</a:t>
+            </a:r>
+          </a:p>
+        </p:txBody>
+      </p:sp>
+      <p:cxnSp>
+        <p:nvCxnSpPr>
+          <p:cNvPr id="55" name="Straight Connector 54">
+            <a:extLst>
+              <a:ext uri="{FF2B5EF4-FFF2-40B4-BE49-F238E27FC236}">
+                <a16:creationId xmlns:a16="http://schemas.microsoft.com/office/drawing/2014/main" id="{17442EAC-CD0A-0547-91C2-DDB03D5C243B}"/>
+              </a:ext>
+            </a:extLst>
+          </p:cNvPr>
+          <p:cNvCxnSpPr>
+            <a:stCxn id="51" idx="2"/>
+            <a:endCxn id="33" idx="0"/>
+          </p:cNvCxnSpPr>
+          <p:nvPr/>
+        </p:nvCxnSpPr>
+        <p:spPr>
+          <a:xfrm>
+            <a:off x="3932312" y="3660461"/>
+            <a:ext cx="471178" cy="381410"/>
+          </a:xfrm>
+          <a:prstGeom prst="line">
+            <a:avLst/>
+          </a:prstGeom>
+          <a:ln w="19050">
+            <a:solidFill>
+              <a:schemeClr val="bg2">
+                <a:lumMod val="10000"/>
+              </a:schemeClr>
+            </a:solidFill>
+          </a:ln>
+        </p:spPr>
+        <p:style>
+          <a:lnRef idx="2">
+            <a:schemeClr val="accent1"/>
+          </a:lnRef>
+          <a:fillRef idx="0">
+            <a:schemeClr val="accent1"/>
+          </a:fillRef>
+          <a:effectRef idx="1">
+            <a:schemeClr val="accent1"/>
+          </a:effectRef>
+          <a:fontRef idx="minor">
+            <a:schemeClr val="tx1"/>
+          </a:fontRef>
+        </p:style>
+      </p:cxnSp>
+      <p:cxnSp>
+        <p:nvCxnSpPr>
+          <p:cNvPr id="56" name="Straight Connector 55">
+            <a:extLst>
+              <a:ext uri="{FF2B5EF4-FFF2-40B4-BE49-F238E27FC236}">
+                <a16:creationId xmlns:a16="http://schemas.microsoft.com/office/drawing/2014/main" id="{5C4C22A8-114D-C641-8ABA-772B6649B476}"/>
+              </a:ext>
+            </a:extLst>
+          </p:cNvPr>
+          <p:cNvCxnSpPr>
+            <a:stCxn id="51" idx="2"/>
+            <a:endCxn id="36" idx="0"/>
+          </p:cNvCxnSpPr>
+          <p:nvPr/>
+        </p:nvCxnSpPr>
+        <p:spPr>
+          <a:xfrm flipH="1">
+            <a:off x="3931057" y="3660461"/>
+            <a:ext cx="1255" cy="587003"/>
+          </a:xfrm>
+          <a:prstGeom prst="line">
+            <a:avLst/>
+          </a:prstGeom>
+          <a:ln w="19050">
+            <a:solidFill>
+              <a:schemeClr val="bg2">
+                <a:lumMod val="10000"/>
+              </a:schemeClr>
+            </a:solidFill>
+          </a:ln>
+        </p:spPr>
+        <p:style>
+          <a:lnRef idx="2">
+            <a:schemeClr val="accent1"/>
+          </a:lnRef>
+          <a:fillRef idx="0">
+            <a:schemeClr val="accent1"/>
+          </a:fillRef>
+          <a:effectRef idx="1">
+            <a:schemeClr val="accent1"/>
+          </a:effectRef>
+          <a:fontRef idx="minor">
+            <a:schemeClr val="tx1"/>
+          </a:fontRef>
+        </p:style>
+      </p:cxnSp>
+      <p:cxnSp>
+        <p:nvCxnSpPr>
+          <p:cNvPr id="61" name="Straight Connector 60">
+            <a:extLst>
+              <a:ext uri="{FF2B5EF4-FFF2-40B4-BE49-F238E27FC236}">
+                <a16:creationId xmlns:a16="http://schemas.microsoft.com/office/drawing/2014/main" id="{7927315C-BCB5-1744-8C2D-5EADDCCC6DF2}"/>
+              </a:ext>
+            </a:extLst>
+          </p:cNvPr>
+          <p:cNvCxnSpPr>
+            <a:stCxn id="54" idx="2"/>
+            <a:endCxn id="42" idx="0"/>
+          </p:cNvCxnSpPr>
+          <p:nvPr/>
+        </p:nvCxnSpPr>
+        <p:spPr>
+          <a:xfrm>
+            <a:off x="8088978" y="3660461"/>
+            <a:ext cx="21930" cy="587003"/>
+          </a:xfrm>
+          <a:prstGeom prst="line">
+            <a:avLst/>
+          </a:prstGeom>
+          <a:ln w="19050">
+            <a:solidFill>
+              <a:schemeClr val="bg2">
+                <a:lumMod val="10000"/>
+              </a:schemeClr>
+            </a:solidFill>
+          </a:ln>
+        </p:spPr>
+        <p:style>
+          <a:lnRef idx="2">
+            <a:schemeClr val="accent1"/>
+          </a:lnRef>
+          <a:fillRef idx="0">
+            <a:schemeClr val="accent1"/>
+          </a:fillRef>
+          <a:effectRef idx="1">
+            <a:schemeClr val="accent1"/>
+          </a:effectRef>
+          <a:fontRef idx="minor">
+            <a:schemeClr val="tx1"/>
+          </a:fontRef>
+        </p:style>
+      </p:cxnSp>
+      <p:cxnSp>
+        <p:nvCxnSpPr>
+          <p:cNvPr id="62" name="Straight Connector 61">
+            <a:extLst>
+              <a:ext uri="{FF2B5EF4-FFF2-40B4-BE49-F238E27FC236}">
+                <a16:creationId xmlns:a16="http://schemas.microsoft.com/office/drawing/2014/main" id="{98C33C0E-99E2-A64F-A1AE-759437BD5874}"/>
+              </a:ext>
+            </a:extLst>
+          </p:cNvPr>
+          <p:cNvCxnSpPr>
+            <a:stCxn id="54" idx="2"/>
+            <a:endCxn id="41" idx="0"/>
+          </p:cNvCxnSpPr>
+          <p:nvPr/>
+        </p:nvCxnSpPr>
+        <p:spPr>
+          <a:xfrm flipH="1">
+            <a:off x="7640791" y="3660461"/>
+            <a:ext cx="448187" cy="381410"/>
+          </a:xfrm>
+          <a:prstGeom prst="line">
+            <a:avLst/>
+          </a:prstGeom>
+          <a:ln w="19050">
+            <a:solidFill>
+              <a:schemeClr val="bg2">
+                <a:lumMod val="10000"/>
+              </a:schemeClr>
+            </a:solidFill>
+          </a:ln>
+        </p:spPr>
+        <p:style>
+          <a:lnRef idx="2">
+            <a:schemeClr val="accent1"/>
+          </a:lnRef>
+          <a:fillRef idx="0">
+            <a:schemeClr val="accent1"/>
+          </a:fillRef>
+          <a:effectRef idx="1">
+            <a:schemeClr val="accent1"/>
+          </a:effectRef>
+          <a:fontRef idx="minor">
+            <a:schemeClr val="tx1"/>
+          </a:fontRef>
+        </p:style>
+      </p:cxnSp>
+      <p:sp>
+        <p:nvSpPr>
+          <p:cNvPr id="63" name="Rectangle 62">
+            <a:extLst>
+              <a:ext uri="{FF2B5EF4-FFF2-40B4-BE49-F238E27FC236}">
+                <a16:creationId xmlns:a16="http://schemas.microsoft.com/office/drawing/2014/main" id="{96AB88AF-F2BB-734B-8DE8-A3A91AE0DCA2}"/>
+              </a:ext>
+            </a:extLst>
+          </p:cNvPr>
+          <p:cNvSpPr/>
+          <p:nvPr/>
+        </p:nvSpPr>
+        <p:spPr>
+          <a:xfrm>
+            <a:off x="5730214" y="2057972"/>
+            <a:ext cx="493876" cy="402772"/>
+          </a:xfrm>
+          <a:prstGeom prst="rect">
+            <a:avLst/>
+          </a:prstGeom>
+          <a:solidFill>
+            <a:schemeClr val="accent1">
+              <a:lumMod val="40000"/>
+              <a:lumOff val="60000"/>
+            </a:schemeClr>
+          </a:solidFill>
+          <a:ln w="19050">
+            <a:solidFill>
+              <a:schemeClr val="bg2">
+                <a:lumMod val="10000"/>
+              </a:schemeClr>
+            </a:solidFill>
+          </a:ln>
+        </p:spPr>
+        <p:style>
+          <a:lnRef idx="1">
+            <a:schemeClr val="accent4"/>
+          </a:lnRef>
+          <a:fillRef idx="2">
+            <a:schemeClr val="accent4"/>
+          </a:fillRef>
+          <a:effectRef idx="1">
+            <a:schemeClr val="accent4"/>
+          </a:effectRef>
+          <a:fontRef idx="minor">
+            <a:schemeClr val="dk1"/>
+          </a:fontRef>
+        </p:style>
+        <p:txBody>
+          <a:bodyPr rtlCol="0" anchor="ctr"/>
+          <a:lstStyle/>
+          <a:p>
+            <a:pPr algn="ctr"/>
+            <a:r>
+              <a:rPr lang="en-US" sz="1400" dirty="0">
+                <a:solidFill>
+                  <a:schemeClr val="tx1"/>
+                </a:solidFill>
+              </a:rPr>
+              <a:t>CU</a:t>
+            </a:r>
+          </a:p>
+        </p:txBody>
+      </p:sp>
+      <p:cxnSp>
+        <p:nvCxnSpPr>
+          <p:cNvPr id="65" name="Straight Connector 64">
+            <a:extLst>
+              <a:ext uri="{FF2B5EF4-FFF2-40B4-BE49-F238E27FC236}">
+                <a16:creationId xmlns:a16="http://schemas.microsoft.com/office/drawing/2014/main" id="{286FC7A3-990E-5245-92E6-1C1B19E0C260}"/>
+              </a:ext>
+            </a:extLst>
+          </p:cNvPr>
+          <p:cNvCxnSpPr>
+            <a:stCxn id="63" idx="2"/>
+            <a:endCxn id="51" idx="0"/>
+          </p:cNvCxnSpPr>
+          <p:nvPr/>
+        </p:nvCxnSpPr>
+        <p:spPr>
+          <a:xfrm flipH="1">
+            <a:off x="3932312" y="2460744"/>
+            <a:ext cx="2044840" cy="796945"/>
+          </a:xfrm>
+          <a:prstGeom prst="line">
+            <a:avLst/>
+          </a:prstGeom>
+          <a:ln w="19050">
+            <a:solidFill>
+              <a:schemeClr val="bg2">
+                <a:lumMod val="10000"/>
+              </a:schemeClr>
+            </a:solidFill>
+          </a:ln>
+        </p:spPr>
+        <p:style>
+          <a:lnRef idx="2">
+            <a:schemeClr val="accent1"/>
+          </a:lnRef>
+          <a:fillRef idx="0">
+            <a:schemeClr val="accent1"/>
+          </a:fillRef>
+          <a:effectRef idx="1">
+            <a:schemeClr val="accent1"/>
+          </a:effectRef>
+          <a:fontRef idx="minor">
+            <a:schemeClr val="tx1"/>
+          </a:fontRef>
+        </p:style>
+      </p:cxnSp>
+      <p:cxnSp>
+        <p:nvCxnSpPr>
+          <p:cNvPr id="67" name="Straight Connector 66">
+            <a:extLst>
+              <a:ext uri="{FF2B5EF4-FFF2-40B4-BE49-F238E27FC236}">
+                <a16:creationId xmlns:a16="http://schemas.microsoft.com/office/drawing/2014/main" id="{A98B801F-C735-9D4B-B8B5-A1AAC387F295}"/>
+              </a:ext>
+            </a:extLst>
+          </p:cNvPr>
+          <p:cNvCxnSpPr>
+            <a:stCxn id="63" idx="2"/>
+            <a:endCxn id="54" idx="0"/>
+          </p:cNvCxnSpPr>
+          <p:nvPr/>
+        </p:nvCxnSpPr>
+        <p:spPr>
+          <a:xfrm>
+            <a:off x="5977152" y="2460744"/>
+            <a:ext cx="2111826" cy="796945"/>
+          </a:xfrm>
+          <a:prstGeom prst="line">
+            <a:avLst/>
+          </a:prstGeom>
+          <a:ln w="19050">
+            <a:solidFill>
+              <a:schemeClr val="bg2">
+                <a:lumMod val="10000"/>
+              </a:schemeClr>
+            </a:solidFill>
+          </a:ln>
+        </p:spPr>
+        <p:style>
+          <a:lnRef idx="2">
+            <a:schemeClr val="accent1"/>
+          </a:lnRef>
+          <a:fillRef idx="0">
+            <a:schemeClr val="accent1"/>
+          </a:fillRef>
+          <a:effectRef idx="1">
+            <a:schemeClr val="accent1"/>
+          </a:effectRef>
+          <a:fontRef idx="minor">
+            <a:schemeClr val="tx1"/>
+          </a:fontRef>
+        </p:style>
+      </p:cxnSp>
+      <p:sp>
+        <p:nvSpPr>
+          <p:cNvPr id="2" name="Rounded Rectangle 1">
+            <a:extLst>
+              <a:ext uri="{FF2B5EF4-FFF2-40B4-BE49-F238E27FC236}">
+                <a16:creationId xmlns:a16="http://schemas.microsoft.com/office/drawing/2014/main" id="{4AB8EB8C-8508-BA45-8B54-F7099084C117}"/>
+              </a:ext>
+            </a:extLst>
+          </p:cNvPr>
+          <p:cNvSpPr/>
+          <p:nvPr/>
+        </p:nvSpPr>
+        <p:spPr>
+          <a:xfrm>
+            <a:off x="4630871" y="1230640"/>
+            <a:ext cx="2692561" cy="433339"/>
+          </a:xfrm>
+          <a:prstGeom prst="roundRect">
+            <a:avLst/>
+          </a:prstGeom>
+          <a:ln>
+            <a:noFill/>
+          </a:ln>
+        </p:spPr>
+        <p:style>
+          <a:lnRef idx="2">
+            <a:schemeClr val="accent1">
+              <a:shade val="50000"/>
+            </a:schemeClr>
+          </a:lnRef>
+          <a:fillRef idx="1">
+            <a:schemeClr val="accent1"/>
+          </a:fillRef>
+          <a:effectRef idx="0">
+            <a:schemeClr val="accent1"/>
+          </a:effectRef>
+          <a:fontRef idx="minor">
+            <a:schemeClr val="lt1"/>
+          </a:fontRef>
+        </p:style>
+        <p:txBody>
+          <a:bodyPr rtlCol="0" anchor="ctr"/>
+          <a:lstStyle/>
+          <a:p>
+            <a:pPr algn="ctr"/>
+            <a:r>
+              <a:rPr lang="en-US" dirty="0"/>
+              <a:t>RIC</a:t>
+            </a:r>
+          </a:p>
+        </p:txBody>
+      </p:sp>
+      <p:cxnSp>
+        <p:nvCxnSpPr>
+          <p:cNvPr id="5" name="Straight Arrow Connector 4">
+            <a:extLst>
+              <a:ext uri="{FF2B5EF4-FFF2-40B4-BE49-F238E27FC236}">
+                <a16:creationId xmlns:a16="http://schemas.microsoft.com/office/drawing/2014/main" id="{1EF1E9E3-6780-554C-995C-7EB8A633931A}"/>
+              </a:ext>
+            </a:extLst>
+          </p:cNvPr>
+          <p:cNvCxnSpPr>
+            <a:stCxn id="2" idx="2"/>
+            <a:endCxn id="63" idx="0"/>
+          </p:cNvCxnSpPr>
+          <p:nvPr/>
+        </p:nvCxnSpPr>
+        <p:spPr>
+          <a:xfrm>
+            <a:off x="5977152" y="1663979"/>
+            <a:ext cx="0" cy="393993"/>
+          </a:xfrm>
+          <a:prstGeom prst="straightConnector1">
+            <a:avLst/>
+          </a:prstGeom>
+          <a:ln w="12700">
+            <a:prstDash val="sysDot"/>
+            <a:tailEnd type="triangle"/>
+          </a:ln>
+        </p:spPr>
+        <p:style>
+          <a:lnRef idx="1">
+            <a:schemeClr val="accent1"/>
+          </a:lnRef>
+          <a:fillRef idx="0">
+            <a:schemeClr val="accent1"/>
+          </a:fillRef>
+          <a:effectRef idx="0">
+            <a:schemeClr val="accent1"/>
+          </a:effectRef>
+          <a:fontRef idx="minor">
+            <a:schemeClr val="tx1"/>
+          </a:fontRef>
+        </p:style>
+      </p:cxnSp>
+      <p:cxnSp>
+        <p:nvCxnSpPr>
+          <p:cNvPr id="68" name="Straight Arrow Connector 67">
+            <a:extLst>
+              <a:ext uri="{FF2B5EF4-FFF2-40B4-BE49-F238E27FC236}">
+                <a16:creationId xmlns:a16="http://schemas.microsoft.com/office/drawing/2014/main" id="{73E53003-9446-2F4C-A1E7-05E3E78954A2}"/>
+              </a:ext>
+            </a:extLst>
+          </p:cNvPr>
+          <p:cNvCxnSpPr>
+            <a:cxnSpLocks/>
+            <a:stCxn id="2" idx="2"/>
+            <a:endCxn id="54" idx="0"/>
+          </p:cNvCxnSpPr>
+          <p:nvPr/>
+        </p:nvCxnSpPr>
+        <p:spPr>
+          <a:xfrm>
+            <a:off x="5977152" y="1663979"/>
+            <a:ext cx="2111826" cy="1593710"/>
+          </a:xfrm>
+          <a:prstGeom prst="straightConnector1">
+            <a:avLst/>
+          </a:prstGeom>
+          <a:ln w="12700">
+            <a:prstDash val="sysDot"/>
+            <a:tailEnd type="triangle"/>
+          </a:ln>
+        </p:spPr>
+        <p:style>
+          <a:lnRef idx="1">
+            <a:schemeClr val="accent1"/>
+          </a:lnRef>
+          <a:fillRef idx="0">
+            <a:schemeClr val="accent1"/>
+          </a:fillRef>
+          <a:effectRef idx="0">
+            <a:schemeClr val="accent1"/>
+          </a:effectRef>
+          <a:fontRef idx="minor">
+            <a:schemeClr val="tx1"/>
+          </a:fontRef>
+        </p:style>
+      </p:cxnSp>
+      <p:cxnSp>
+        <p:nvCxnSpPr>
+          <p:cNvPr id="69" name="Straight Arrow Connector 68">
+            <a:extLst>
+              <a:ext uri="{FF2B5EF4-FFF2-40B4-BE49-F238E27FC236}">
+                <a16:creationId xmlns:a16="http://schemas.microsoft.com/office/drawing/2014/main" id="{3C8E774C-C56E-824B-99F3-0E8B4523F5E2}"/>
+              </a:ext>
+            </a:extLst>
+          </p:cNvPr>
+          <p:cNvCxnSpPr>
+            <a:cxnSpLocks/>
+            <a:stCxn id="2" idx="2"/>
+            <a:endCxn id="41" idx="0"/>
+          </p:cNvCxnSpPr>
+          <p:nvPr/>
+        </p:nvCxnSpPr>
+        <p:spPr>
+          <a:xfrm>
+            <a:off x="5977152" y="1663979"/>
+            <a:ext cx="1663639" cy="2377892"/>
+          </a:xfrm>
+          <a:prstGeom prst="straightConnector1">
+            <a:avLst/>
+          </a:prstGeom>
+          <a:ln w="12700">
+            <a:prstDash val="sysDot"/>
+            <a:tailEnd type="triangle"/>
+          </a:ln>
+        </p:spPr>
+        <p:style>
+          <a:lnRef idx="1">
+            <a:schemeClr val="accent1"/>
+          </a:lnRef>
+          <a:fillRef idx="0">
+            <a:schemeClr val="accent1"/>
+          </a:fillRef>
+          <a:effectRef idx="0">
+            <a:schemeClr val="accent1"/>
+          </a:effectRef>
+          <a:fontRef idx="minor">
+            <a:schemeClr val="tx1"/>
+          </a:fontRef>
+        </p:style>
+      </p:cxnSp>
+      <p:cxnSp>
+        <p:nvCxnSpPr>
+          <p:cNvPr id="70" name="Straight Arrow Connector 69">
+            <a:extLst>
+              <a:ext uri="{FF2B5EF4-FFF2-40B4-BE49-F238E27FC236}">
+                <a16:creationId xmlns:a16="http://schemas.microsoft.com/office/drawing/2014/main" id="{E996A897-892E-7C43-B79C-DD96FF7D9884}"/>
+              </a:ext>
+            </a:extLst>
+          </p:cNvPr>
+          <p:cNvCxnSpPr>
+            <a:cxnSpLocks/>
+            <a:stCxn id="2" idx="2"/>
+            <a:endCxn id="42" idx="0"/>
+          </p:cNvCxnSpPr>
+          <p:nvPr/>
+        </p:nvCxnSpPr>
+        <p:spPr>
+          <a:xfrm>
+            <a:off x="5977152" y="1663979"/>
+            <a:ext cx="2133756" cy="2583485"/>
+          </a:xfrm>
+          <a:prstGeom prst="straightConnector1">
+            <a:avLst/>
+          </a:prstGeom>
+          <a:ln w="12700">
+            <a:prstDash val="sysDot"/>
+            <a:tailEnd type="triangle"/>
+          </a:ln>
+        </p:spPr>
+        <p:style>
+          <a:lnRef idx="1">
+            <a:schemeClr val="accent1"/>
+          </a:lnRef>
+          <a:fillRef idx="0">
+            <a:schemeClr val="accent1"/>
+          </a:fillRef>
+          <a:effectRef idx="0">
+            <a:schemeClr val="accent1"/>
+          </a:effectRef>
+          <a:fontRef idx="minor">
+            <a:schemeClr val="tx1"/>
+          </a:fontRef>
+        </p:style>
+      </p:cxnSp>
+      <p:cxnSp>
+        <p:nvCxnSpPr>
+          <p:cNvPr id="71" name="Straight Arrow Connector 70">
+            <a:extLst>
+              <a:ext uri="{FF2B5EF4-FFF2-40B4-BE49-F238E27FC236}">
+                <a16:creationId xmlns:a16="http://schemas.microsoft.com/office/drawing/2014/main" id="{851DA5FB-8CBA-5D49-88F8-F7C14C82A73D}"/>
+              </a:ext>
+            </a:extLst>
+          </p:cNvPr>
+          <p:cNvCxnSpPr>
+            <a:cxnSpLocks/>
+            <a:stCxn id="2" idx="2"/>
+            <a:endCxn id="33" idx="0"/>
+          </p:cNvCxnSpPr>
+          <p:nvPr/>
+        </p:nvCxnSpPr>
+        <p:spPr>
+          <a:xfrm flipH="1">
+            <a:off x="4403490" y="1663979"/>
+            <a:ext cx="1573662" cy="2377892"/>
+          </a:xfrm>
+          <a:prstGeom prst="straightConnector1">
+            <a:avLst/>
+          </a:prstGeom>
+          <a:ln w="12700">
+            <a:prstDash val="sysDot"/>
+            <a:tailEnd type="triangle"/>
+          </a:ln>
+        </p:spPr>
+        <p:style>
+          <a:lnRef idx="1">
+            <a:schemeClr val="accent1"/>
+          </a:lnRef>
+          <a:fillRef idx="0">
+            <a:schemeClr val="accent1"/>
+          </a:fillRef>
+          <a:effectRef idx="0">
+            <a:schemeClr val="accent1"/>
+          </a:effectRef>
+          <a:fontRef idx="minor">
+            <a:schemeClr val="tx1"/>
+          </a:fontRef>
+        </p:style>
+      </p:cxnSp>
+      <p:cxnSp>
+        <p:nvCxnSpPr>
+          <p:cNvPr id="72" name="Straight Arrow Connector 71">
+            <a:extLst>
+              <a:ext uri="{FF2B5EF4-FFF2-40B4-BE49-F238E27FC236}">
+                <a16:creationId xmlns:a16="http://schemas.microsoft.com/office/drawing/2014/main" id="{A73DCCF2-2982-A447-A681-515B35545CAF}"/>
+              </a:ext>
+            </a:extLst>
+          </p:cNvPr>
+          <p:cNvCxnSpPr>
+            <a:cxnSpLocks/>
+            <a:stCxn id="2" idx="2"/>
+            <a:endCxn id="51" idx="0"/>
+          </p:cNvCxnSpPr>
+          <p:nvPr/>
+        </p:nvCxnSpPr>
+        <p:spPr>
+          <a:xfrm flipH="1">
+            <a:off x="3932312" y="1663979"/>
+            <a:ext cx="2044840" cy="1593710"/>
+          </a:xfrm>
+          <a:prstGeom prst="straightConnector1">
+            <a:avLst/>
+          </a:prstGeom>
+          <a:ln w="12700">
+            <a:prstDash val="sysDot"/>
+            <a:tailEnd type="triangle"/>
+          </a:ln>
+        </p:spPr>
+        <p:style>
+          <a:lnRef idx="1">
+            <a:schemeClr val="accent1"/>
+          </a:lnRef>
+          <a:fillRef idx="0">
+            <a:schemeClr val="accent1"/>
+          </a:fillRef>
+          <a:effectRef idx="0">
+            <a:schemeClr val="accent1"/>
+          </a:effectRef>
+          <a:fontRef idx="minor">
+            <a:schemeClr val="tx1"/>
+          </a:fontRef>
+        </p:style>
+      </p:cxnSp>
+      <p:cxnSp>
+        <p:nvCxnSpPr>
+          <p:cNvPr id="73" name="Straight Arrow Connector 72">
+            <a:extLst>
+              <a:ext uri="{FF2B5EF4-FFF2-40B4-BE49-F238E27FC236}">
+                <a16:creationId xmlns:a16="http://schemas.microsoft.com/office/drawing/2014/main" id="{CEE5F921-1478-3C47-A1FA-8BFCC30EF5F7}"/>
+              </a:ext>
+            </a:extLst>
+          </p:cNvPr>
+          <p:cNvCxnSpPr>
+            <a:cxnSpLocks/>
+            <a:stCxn id="2" idx="2"/>
+            <a:endCxn id="36" idx="0"/>
+          </p:cNvCxnSpPr>
+          <p:nvPr/>
+        </p:nvCxnSpPr>
+        <p:spPr>
+          <a:xfrm flipH="1">
+            <a:off x="3931057" y="1663979"/>
+            <a:ext cx="2046095" cy="2583485"/>
+          </a:xfrm>
+          <a:prstGeom prst="straightConnector1">
+            <a:avLst/>
+          </a:prstGeom>
+          <a:ln w="12700">
+            <a:prstDash val="sysDot"/>
+            <a:tailEnd type="triangle"/>
+          </a:ln>
+        </p:spPr>
+        <p:style>
+          <a:lnRef idx="1">
+            <a:schemeClr val="accent1"/>
+          </a:lnRef>
+          <a:fillRef idx="0">
+            <a:schemeClr val="accent1"/>
+          </a:fillRef>
+          <a:effectRef idx="0">
+            <a:schemeClr val="accent1"/>
+          </a:effectRef>
+          <a:fontRef idx="minor">
+            <a:schemeClr val="tx1"/>
+          </a:fontRef>
+        </p:style>
+      </p:cxnSp>
+      <p:sp>
+        <p:nvSpPr>
+          <p:cNvPr id="74" name="Rounded Rectangle 73">
+            <a:extLst>
+              <a:ext uri="{FF2B5EF4-FFF2-40B4-BE49-F238E27FC236}">
+                <a16:creationId xmlns:a16="http://schemas.microsoft.com/office/drawing/2014/main" id="{6489EC48-60FF-9D4F-BCCC-790D2D8A6739}"/>
+              </a:ext>
+            </a:extLst>
+          </p:cNvPr>
+          <p:cNvSpPr/>
+          <p:nvPr/>
+        </p:nvSpPr>
+        <p:spPr>
+          <a:xfrm rot="16200000">
+            <a:off x="4337730" y="510968"/>
+            <a:ext cx="955071" cy="355679"/>
+          </a:xfrm>
+          <a:prstGeom prst="roundRect">
+            <a:avLst/>
+          </a:prstGeom>
+          <a:solidFill>
+            <a:schemeClr val="bg1"/>
+          </a:solidFill>
+          <a:ln w="28575">
+            <a:solidFill>
+              <a:srgbClr val="0070C0"/>
+            </a:solidFill>
+          </a:ln>
+        </p:spPr>
+        <p:style>
+          <a:lnRef idx="2">
+            <a:schemeClr val="accent1">
+              <a:shade val="50000"/>
+            </a:schemeClr>
+          </a:lnRef>
+          <a:fillRef idx="1">
+            <a:schemeClr val="accent1"/>
+          </a:fillRef>
+          <a:effectRef idx="0">
+            <a:schemeClr val="accent1"/>
+          </a:effectRef>
+          <a:fontRef idx="minor">
+            <a:schemeClr val="lt1"/>
+          </a:fontRef>
+        </p:style>
+        <p:txBody>
+          <a:bodyPr rtlCol="0" anchor="ctr"/>
+          <a:lstStyle/>
+          <a:p>
+            <a:pPr algn="ctr"/>
+            <a:r>
+              <a:rPr lang="en-US" dirty="0" err="1">
+                <a:solidFill>
+                  <a:schemeClr val="tx1"/>
+                </a:solidFill>
+              </a:rPr>
+              <a:t>xApp</a:t>
+            </a:r>
+            <a:endParaRPr lang="en-US" dirty="0">
+              <a:solidFill>
+                <a:schemeClr val="tx1"/>
+              </a:solidFill>
+            </a:endParaRPr>
+          </a:p>
+        </p:txBody>
+      </p:sp>
+      <p:sp>
+        <p:nvSpPr>
+          <p:cNvPr id="75" name="Rounded Rectangle 74">
+            <a:extLst>
+              <a:ext uri="{FF2B5EF4-FFF2-40B4-BE49-F238E27FC236}">
+                <a16:creationId xmlns:a16="http://schemas.microsoft.com/office/drawing/2014/main" id="{C1359423-74AB-0D4B-AA03-83ACA9353813}"/>
+              </a:ext>
+            </a:extLst>
+          </p:cNvPr>
+          <p:cNvSpPr/>
+          <p:nvPr/>
+        </p:nvSpPr>
+        <p:spPr>
+          <a:xfrm rot="16200000">
+            <a:off x="4753605" y="510967"/>
+            <a:ext cx="955071" cy="355679"/>
+          </a:xfrm>
+          <a:prstGeom prst="roundRect">
+            <a:avLst/>
+          </a:prstGeom>
+          <a:solidFill>
+            <a:schemeClr val="bg1"/>
+          </a:solidFill>
+          <a:ln w="28575">
+            <a:solidFill>
+              <a:srgbClr val="0070C0"/>
+            </a:solidFill>
+          </a:ln>
+        </p:spPr>
+        <p:style>
+          <a:lnRef idx="2">
+            <a:schemeClr val="accent1">
+              <a:shade val="50000"/>
+            </a:schemeClr>
+          </a:lnRef>
+          <a:fillRef idx="1">
+            <a:schemeClr val="accent1"/>
+          </a:fillRef>
+          <a:effectRef idx="0">
+            <a:schemeClr val="accent1"/>
+          </a:effectRef>
+          <a:fontRef idx="minor">
+            <a:schemeClr val="lt1"/>
+          </a:fontRef>
+        </p:style>
+        <p:txBody>
+          <a:bodyPr rtlCol="0" anchor="ctr"/>
+          <a:lstStyle/>
+          <a:p>
+            <a:pPr algn="ctr"/>
+            <a:r>
+              <a:rPr lang="en-US" dirty="0" err="1">
+                <a:solidFill>
+                  <a:schemeClr val="tx1"/>
+                </a:solidFill>
+              </a:rPr>
+              <a:t>xApp</a:t>
+            </a:r>
+            <a:endParaRPr lang="en-US" dirty="0">
+              <a:solidFill>
+                <a:schemeClr val="tx1"/>
+              </a:solidFill>
+            </a:endParaRPr>
+          </a:p>
+        </p:txBody>
+      </p:sp>
+      <p:sp>
+        <p:nvSpPr>
+          <p:cNvPr id="76" name="Rounded Rectangle 75">
+            <a:extLst>
+              <a:ext uri="{FF2B5EF4-FFF2-40B4-BE49-F238E27FC236}">
+                <a16:creationId xmlns:a16="http://schemas.microsoft.com/office/drawing/2014/main" id="{051497B8-3B7A-E64E-98D4-688878D85850}"/>
+              </a:ext>
+            </a:extLst>
+          </p:cNvPr>
+          <p:cNvSpPr/>
+          <p:nvPr/>
+        </p:nvSpPr>
+        <p:spPr>
+          <a:xfrm rot="16200000">
+            <a:off x="5177643" y="512982"/>
+            <a:ext cx="955071" cy="355679"/>
+          </a:xfrm>
+          <a:prstGeom prst="roundRect">
+            <a:avLst/>
+          </a:prstGeom>
+          <a:solidFill>
+            <a:schemeClr val="bg1"/>
+          </a:solidFill>
+          <a:ln w="28575">
+            <a:solidFill>
+              <a:srgbClr val="0070C0"/>
+            </a:solidFill>
+          </a:ln>
+        </p:spPr>
+        <p:style>
+          <a:lnRef idx="2">
+            <a:schemeClr val="accent1">
+              <a:shade val="50000"/>
+            </a:schemeClr>
+          </a:lnRef>
+          <a:fillRef idx="1">
+            <a:schemeClr val="accent1"/>
+          </a:fillRef>
+          <a:effectRef idx="0">
+            <a:schemeClr val="accent1"/>
+          </a:effectRef>
+          <a:fontRef idx="minor">
+            <a:schemeClr val="lt1"/>
+          </a:fontRef>
+        </p:style>
+        <p:txBody>
+          <a:bodyPr rtlCol="0" anchor="ctr"/>
+          <a:lstStyle/>
+          <a:p>
+            <a:pPr algn="ctr"/>
+            <a:r>
+              <a:rPr lang="en-US" dirty="0" err="1">
+                <a:solidFill>
+                  <a:schemeClr val="tx1"/>
+                </a:solidFill>
+              </a:rPr>
+              <a:t>xApp</a:t>
+            </a:r>
+            <a:endParaRPr lang="en-US" dirty="0">
+              <a:solidFill>
+                <a:schemeClr val="tx1"/>
+              </a:solidFill>
+            </a:endParaRPr>
+          </a:p>
+        </p:txBody>
+      </p:sp>
+      <p:sp>
+        <p:nvSpPr>
+          <p:cNvPr id="77" name="Rounded Rectangle 76">
+            <a:extLst>
+              <a:ext uri="{FF2B5EF4-FFF2-40B4-BE49-F238E27FC236}">
+                <a16:creationId xmlns:a16="http://schemas.microsoft.com/office/drawing/2014/main" id="{1C003D4F-70EB-B54C-839F-3A929D6CD1ED}"/>
+              </a:ext>
+            </a:extLst>
+          </p:cNvPr>
+          <p:cNvSpPr/>
+          <p:nvPr/>
+        </p:nvSpPr>
+        <p:spPr>
+          <a:xfrm rot="16200000">
+            <a:off x="5618464" y="510966"/>
+            <a:ext cx="955071" cy="355679"/>
+          </a:xfrm>
+          <a:prstGeom prst="roundRect">
+            <a:avLst/>
+          </a:prstGeom>
+          <a:solidFill>
+            <a:schemeClr val="bg1"/>
+          </a:solidFill>
+          <a:ln w="28575">
+            <a:solidFill>
+              <a:srgbClr val="0070C0"/>
+            </a:solidFill>
+          </a:ln>
+        </p:spPr>
+        <p:style>
+          <a:lnRef idx="2">
+            <a:schemeClr val="accent1">
+              <a:shade val="50000"/>
+            </a:schemeClr>
+          </a:lnRef>
+          <a:fillRef idx="1">
+            <a:schemeClr val="accent1"/>
+          </a:fillRef>
+          <a:effectRef idx="0">
+            <a:schemeClr val="accent1"/>
+          </a:effectRef>
+          <a:fontRef idx="minor">
+            <a:schemeClr val="lt1"/>
+          </a:fontRef>
+        </p:style>
+        <p:txBody>
+          <a:bodyPr rtlCol="0" anchor="ctr"/>
+          <a:lstStyle/>
+          <a:p>
+            <a:pPr algn="ctr"/>
+            <a:r>
+              <a:rPr lang="en-US" dirty="0" err="1">
+                <a:solidFill>
+                  <a:schemeClr val="tx1"/>
+                </a:solidFill>
+              </a:rPr>
+              <a:t>xApp</a:t>
+            </a:r>
+            <a:endParaRPr lang="en-US" dirty="0">
+              <a:solidFill>
+                <a:schemeClr val="tx1"/>
+              </a:solidFill>
+            </a:endParaRPr>
+          </a:p>
+        </p:txBody>
+      </p:sp>
+      <p:sp>
+        <p:nvSpPr>
+          <p:cNvPr id="78" name="Rounded Rectangle 77">
+            <a:extLst>
+              <a:ext uri="{FF2B5EF4-FFF2-40B4-BE49-F238E27FC236}">
+                <a16:creationId xmlns:a16="http://schemas.microsoft.com/office/drawing/2014/main" id="{3FEF625B-62A6-DC47-869C-5E8C545836AD}"/>
+              </a:ext>
+            </a:extLst>
+          </p:cNvPr>
+          <p:cNvSpPr/>
+          <p:nvPr/>
+        </p:nvSpPr>
+        <p:spPr>
+          <a:xfrm rot="16200000">
+            <a:off x="6668057" y="510965"/>
+            <a:ext cx="955071" cy="355679"/>
+          </a:xfrm>
+          <a:prstGeom prst="roundRect">
+            <a:avLst/>
+          </a:prstGeom>
+          <a:solidFill>
+            <a:schemeClr val="bg1"/>
+          </a:solidFill>
+          <a:ln w="28575">
+            <a:solidFill>
+              <a:srgbClr val="0070C0"/>
+            </a:solidFill>
+          </a:ln>
+        </p:spPr>
+        <p:style>
+          <a:lnRef idx="2">
+            <a:schemeClr val="accent1">
+              <a:shade val="50000"/>
+            </a:schemeClr>
+          </a:lnRef>
+          <a:fillRef idx="1">
+            <a:schemeClr val="accent1"/>
+          </a:fillRef>
+          <a:effectRef idx="0">
+            <a:schemeClr val="accent1"/>
+          </a:effectRef>
+          <a:fontRef idx="minor">
+            <a:schemeClr val="lt1"/>
+          </a:fontRef>
+        </p:style>
+        <p:txBody>
+          <a:bodyPr rtlCol="0" anchor="ctr"/>
+          <a:lstStyle/>
+          <a:p>
+            <a:pPr algn="ctr"/>
+            <a:r>
+              <a:rPr lang="en-US" dirty="0" err="1">
+                <a:solidFill>
+                  <a:schemeClr val="tx1"/>
+                </a:solidFill>
+              </a:rPr>
+              <a:t>xApp</a:t>
+            </a:r>
+            <a:endParaRPr lang="en-US" dirty="0">
+              <a:solidFill>
+                <a:schemeClr val="tx1"/>
+              </a:solidFill>
+            </a:endParaRPr>
+          </a:p>
+        </p:txBody>
+      </p:sp>
+      <p:sp>
+        <p:nvSpPr>
+          <p:cNvPr id="21" name="TextBox 20">
+            <a:extLst>
+              <a:ext uri="{FF2B5EF4-FFF2-40B4-BE49-F238E27FC236}">
+                <a16:creationId xmlns:a16="http://schemas.microsoft.com/office/drawing/2014/main" id="{235E290D-8E7E-E148-9847-814733A5A6CC}"/>
+              </a:ext>
+            </a:extLst>
+          </p:cNvPr>
+          <p:cNvSpPr txBox="1"/>
+          <p:nvPr/>
+        </p:nvSpPr>
+        <p:spPr>
+          <a:xfrm>
+            <a:off x="6460958" y="631975"/>
+            <a:ext cx="343364" cy="369332"/>
+          </a:xfrm>
+          <a:prstGeom prst="rect">
+            <a:avLst/>
+          </a:prstGeom>
+          <a:noFill/>
+        </p:spPr>
+        <p:txBody>
+          <a:bodyPr wrap="none" rtlCol="0">
+            <a:spAutoFit/>
+          </a:bodyPr>
+          <a:lstStyle/>
+          <a:p>
+            <a:r>
+              <a:rPr lang="en-US" dirty="0"/>
+              <a:t>…</a:t>
+            </a:r>
+          </a:p>
+        </p:txBody>
+      </p:sp>
+    </p:spTree>
+    <p:extLst>
+      <p:ext uri="{BB962C8B-B14F-4D97-AF65-F5344CB8AC3E}">
+        <p14:creationId xmlns:p14="http://schemas.microsoft.com/office/powerpoint/2010/main" val="3991676363"/>
       </p:ext>
     </p:extLst>
   </p:cSld>

--- a/access.pptx
+++ b/access.pptx
@@ -202,7 +202,7 @@
           <a:p>
             <a:fld id="{CD99FC43-7065-F348-8836-4FD247176936}" type="datetimeFigureOut">
               <a:rPr lang="en-US" smtClean="0"/>
-              <a:t>7/14/21</a:t>
+              <a:t>7/19/21</a:t>
             </a:fld>
             <a:endParaRPr lang="en-US"/>
           </a:p>
@@ -598,7 +598,7 @@
           <a:p>
             <a:fld id="{5D97E163-DB95-D24D-8C95-263DECB1FC34}" type="datetimeFigureOut">
               <a:rPr lang="en-US" smtClean="0"/>
-              <a:t>7/14/21</a:t>
+              <a:t>7/19/21</a:t>
             </a:fld>
             <a:endParaRPr lang="en-US"/>
           </a:p>
@@ -766,7 +766,7 @@
           <a:p>
             <a:fld id="{5D97E163-DB95-D24D-8C95-263DECB1FC34}" type="datetimeFigureOut">
               <a:rPr lang="en-US" smtClean="0"/>
-              <a:t>7/14/21</a:t>
+              <a:t>7/19/21</a:t>
             </a:fld>
             <a:endParaRPr lang="en-US"/>
           </a:p>
@@ -944,7 +944,7 @@
           <a:p>
             <a:fld id="{5D97E163-DB95-D24D-8C95-263DECB1FC34}" type="datetimeFigureOut">
               <a:rPr lang="en-US" smtClean="0"/>
-              <a:t>7/14/21</a:t>
+              <a:t>7/19/21</a:t>
             </a:fld>
             <a:endParaRPr lang="en-US"/>
           </a:p>
@@ -1112,7 +1112,7 @@
           <a:p>
             <a:fld id="{5D97E163-DB95-D24D-8C95-263DECB1FC34}" type="datetimeFigureOut">
               <a:rPr lang="en-US" smtClean="0"/>
-              <a:t>7/14/21</a:t>
+              <a:t>7/19/21</a:t>
             </a:fld>
             <a:endParaRPr lang="en-US"/>
           </a:p>
@@ -1357,7 +1357,7 @@
           <a:p>
             <a:fld id="{5D97E163-DB95-D24D-8C95-263DECB1FC34}" type="datetimeFigureOut">
               <a:rPr lang="en-US" smtClean="0"/>
-              <a:t>7/14/21</a:t>
+              <a:t>7/19/21</a:t>
             </a:fld>
             <a:endParaRPr lang="en-US"/>
           </a:p>
@@ -1586,7 +1586,7 @@
           <a:p>
             <a:fld id="{5D97E163-DB95-D24D-8C95-263DECB1FC34}" type="datetimeFigureOut">
               <a:rPr lang="en-US" smtClean="0"/>
-              <a:t>7/14/21</a:t>
+              <a:t>7/19/21</a:t>
             </a:fld>
             <a:endParaRPr lang="en-US"/>
           </a:p>
@@ -1950,7 +1950,7 @@
           <a:p>
             <a:fld id="{5D97E163-DB95-D24D-8C95-263DECB1FC34}" type="datetimeFigureOut">
               <a:rPr lang="en-US" smtClean="0"/>
-              <a:t>7/14/21</a:t>
+              <a:t>7/19/21</a:t>
             </a:fld>
             <a:endParaRPr lang="en-US"/>
           </a:p>
@@ -2067,7 +2067,7 @@
           <a:p>
             <a:fld id="{5D97E163-DB95-D24D-8C95-263DECB1FC34}" type="datetimeFigureOut">
               <a:rPr lang="en-US" smtClean="0"/>
-              <a:t>7/14/21</a:t>
+              <a:t>7/19/21</a:t>
             </a:fld>
             <a:endParaRPr lang="en-US"/>
           </a:p>
@@ -2162,7 +2162,7 @@
           <a:p>
             <a:fld id="{5D97E163-DB95-D24D-8C95-263DECB1FC34}" type="datetimeFigureOut">
               <a:rPr lang="en-US" smtClean="0"/>
-              <a:t>7/14/21</a:t>
+              <a:t>7/19/21</a:t>
             </a:fld>
             <a:endParaRPr lang="en-US"/>
           </a:p>
@@ -2437,7 +2437,7 @@
           <a:p>
             <a:fld id="{5D97E163-DB95-D24D-8C95-263DECB1FC34}" type="datetimeFigureOut">
               <a:rPr lang="en-US" smtClean="0"/>
-              <a:t>7/14/21</a:t>
+              <a:t>7/19/21</a:t>
             </a:fld>
             <a:endParaRPr lang="en-US"/>
           </a:p>
@@ -2689,7 +2689,7 @@
           <a:p>
             <a:fld id="{5D97E163-DB95-D24D-8C95-263DECB1FC34}" type="datetimeFigureOut">
               <a:rPr lang="en-US" smtClean="0"/>
-              <a:t>7/14/21</a:t>
+              <a:t>7/19/21</a:t>
             </a:fld>
             <a:endParaRPr lang="en-US"/>
           </a:p>
@@ -2900,7 +2900,7 @@
           <a:p>
             <a:fld id="{5D97E163-DB95-D24D-8C95-263DECB1FC34}" type="datetimeFigureOut">
               <a:rPr lang="en-US" smtClean="0"/>
-              <a:t>7/14/21</a:t>
+              <a:t>7/19/21</a:t>
             </a:fld>
             <a:endParaRPr lang="en-US"/>
           </a:p>
@@ -4839,8 +4839,8 @@
         </p:nvSpPr>
         <p:spPr>
           <a:xfrm rot="16200000">
-            <a:off x="2872140" y="-659575"/>
-            <a:ext cx="390873" cy="3509449"/>
+            <a:off x="4135824" y="-1923260"/>
+            <a:ext cx="390873" cy="6036817"/>
           </a:xfrm>
           <a:prstGeom prst="rightBrace">
             <a:avLst>
@@ -4885,7 +4885,7 @@
         </p:nvSpPr>
         <p:spPr>
           <a:xfrm>
-            <a:off x="1239112" y="412252"/>
+            <a:off x="2493958" y="447752"/>
             <a:ext cx="3740640" cy="461665"/>
           </a:xfrm>
           <a:prstGeom prst="rect">
@@ -4925,7 +4925,7 @@
         </p:nvCxnSpPr>
         <p:spPr>
           <a:xfrm>
-            <a:off x="8749336" y="3428999"/>
+            <a:off x="8506282" y="3419172"/>
             <a:ext cx="1384124" cy="1"/>
           </a:xfrm>
           <a:prstGeom prst="straightConnector1">
@@ -4968,7 +4968,7 @@
         </p:nvSpPr>
         <p:spPr>
           <a:xfrm>
-            <a:off x="10127477" y="2726323"/>
+            <a:off x="9884423" y="2716496"/>
             <a:ext cx="1929008" cy="1405353"/>
           </a:xfrm>
           <a:prstGeom prst="cloud">
@@ -5655,7 +5655,7 @@
         </p:nvSpPr>
         <p:spPr>
           <a:xfrm>
-            <a:off x="7728248" y="2907977"/>
+            <a:off x="7485194" y="2898150"/>
             <a:ext cx="1021088" cy="1042043"/>
           </a:xfrm>
           <a:prstGeom prst="rect">
@@ -5731,7 +5731,7 @@
         <p:spPr>
           <a:xfrm flipH="1" flipV="1">
             <a:off x="4310879" y="2860481"/>
-            <a:ext cx="3417369" cy="568518"/>
+            <a:ext cx="3174315" cy="558691"/>
           </a:xfrm>
           <a:prstGeom prst="line">
             <a:avLst/>
@@ -5770,8 +5770,8 @@
         </p:nvCxnSpPr>
         <p:spPr>
           <a:xfrm flipH="1">
-            <a:off x="2982179" y="3428999"/>
-            <a:ext cx="4746069" cy="33882"/>
+            <a:off x="2982179" y="3419172"/>
+            <a:ext cx="4503015" cy="43709"/>
           </a:xfrm>
           <a:prstGeom prst="line">
             <a:avLst/>
@@ -5810,8 +5810,8 @@
         </p:nvCxnSpPr>
         <p:spPr>
           <a:xfrm flipH="1">
-            <a:off x="2599541" y="3428999"/>
-            <a:ext cx="5128707" cy="1709802"/>
+            <a:off x="2599541" y="3419172"/>
+            <a:ext cx="4885653" cy="1719629"/>
           </a:xfrm>
           <a:prstGeom prst="line">
             <a:avLst/>
@@ -6247,7 +6247,7 @@
         </p:blipFill>
         <p:spPr>
           <a:xfrm>
-            <a:off x="7567703" y="3282507"/>
+            <a:off x="7324649" y="3272680"/>
             <a:ext cx="293231" cy="293231"/>
           </a:xfrm>
           <a:prstGeom prst="rect">
@@ -7739,7 +7739,7 @@
               </a:lnSpc>
             </a:pPr>
             <a:r>
-              <a:rPr lang="en-US" dirty="0">
+              <a:rPr lang="en-US" sz="1600" dirty="0">
                 <a:solidFill>
                   <a:sysClr val="windowText" lastClr="000000"/>
                 </a:solidFill>
@@ -7754,7 +7754,7 @@
               </a:lnSpc>
             </a:pPr>
             <a:r>
-              <a:rPr lang="en-US" dirty="0">
+              <a:rPr lang="en-US" sz="1600" dirty="0">
                 <a:solidFill>
                   <a:sysClr val="windowText" lastClr="000000"/>
                 </a:solidFill>
@@ -8420,7 +8420,7 @@
         </p:nvSpPr>
         <p:spPr>
           <a:xfrm>
-            <a:off x="2458935" y="2065488"/>
+            <a:off x="2458935" y="1982363"/>
             <a:ext cx="799306" cy="639927"/>
           </a:xfrm>
           <a:prstGeom prst="rect">
@@ -9250,7 +9250,7 @@
               </a:lnSpc>
             </a:pPr>
             <a:r>
-              <a:rPr lang="en-US" dirty="0">
+              <a:rPr lang="en-US" sz="1600" dirty="0">
                 <a:solidFill>
                   <a:sysClr val="windowText" lastClr="000000"/>
                 </a:solidFill>
@@ -9265,7 +9265,7 @@
               </a:lnSpc>
             </a:pPr>
             <a:r>
-              <a:rPr lang="en-US" dirty="0">
+              <a:rPr lang="en-US" sz="1600" dirty="0">
                 <a:solidFill>
                   <a:sysClr val="windowText" lastClr="000000"/>
                 </a:solidFill>
@@ -9289,7 +9289,7 @@
         </p:nvSpPr>
         <p:spPr>
           <a:xfrm>
-            <a:off x="795805" y="2065299"/>
+            <a:off x="795805" y="1982174"/>
             <a:ext cx="799306" cy="639927"/>
           </a:xfrm>
           <a:prstGeom prst="rect">
@@ -9363,7 +9363,7 @@
         </p:nvCxnSpPr>
         <p:spPr>
           <a:xfrm>
-            <a:off x="1595111" y="2385263"/>
+            <a:off x="1595111" y="2302138"/>
             <a:ext cx="863824" cy="189"/>
           </a:xfrm>
           <a:prstGeom prst="straightConnector1">
@@ -9406,7 +9406,7 @@
         </p:nvSpPr>
         <p:spPr>
           <a:xfrm>
-            <a:off x="789599" y="3293166"/>
+            <a:off x="789599" y="3257541"/>
             <a:ext cx="799306" cy="639927"/>
           </a:xfrm>
           <a:prstGeom prst="rect">
@@ -9482,7 +9482,7 @@
         </p:nvCxnSpPr>
         <p:spPr>
           <a:xfrm>
-            <a:off x="1588905" y="3613130"/>
+            <a:off x="1588905" y="3577505"/>
             <a:ext cx="1967894" cy="0"/>
           </a:xfrm>
           <a:prstGeom prst="straightConnector1">

--- a/access.pptx
+++ b/access.pptx
@@ -5,7 +5,7 @@
     <p:sldMasterId id="2147483648" r:id="rId1"/>
   </p:sldMasterIdLst>
   <p:notesMasterIdLst>
-    <p:notesMasterId r:id="rId8"/>
+    <p:notesMasterId r:id="rId9"/>
   </p:notesMasterIdLst>
   <p:sldIdLst>
     <p:sldId id="257" r:id="rId2"/>
@@ -14,6 +14,7 @@
     <p:sldId id="261" r:id="rId5"/>
     <p:sldId id="262" r:id="rId6"/>
     <p:sldId id="263" r:id="rId7"/>
+    <p:sldId id="264" r:id="rId8"/>
   </p:sldIdLst>
   <p:sldSz cx="12192000" cy="6858000"/>
   <p:notesSz cx="6858000" cy="9144000"/>
@@ -202,7 +203,7 @@
           <a:p>
             <a:fld id="{CD99FC43-7065-F348-8836-4FD247176936}" type="datetimeFigureOut">
               <a:rPr lang="en-US" smtClean="0"/>
-              <a:t>7/19/21</a:t>
+              <a:t>8/3/21</a:t>
             </a:fld>
             <a:endParaRPr lang="en-US"/>
           </a:p>
@@ -598,7 +599,7 @@
           <a:p>
             <a:fld id="{5D97E163-DB95-D24D-8C95-263DECB1FC34}" type="datetimeFigureOut">
               <a:rPr lang="en-US" smtClean="0"/>
-              <a:t>7/19/21</a:t>
+              <a:t>8/3/21</a:t>
             </a:fld>
             <a:endParaRPr lang="en-US"/>
           </a:p>
@@ -766,7 +767,7 @@
           <a:p>
             <a:fld id="{5D97E163-DB95-D24D-8C95-263DECB1FC34}" type="datetimeFigureOut">
               <a:rPr lang="en-US" smtClean="0"/>
-              <a:t>7/19/21</a:t>
+              <a:t>8/3/21</a:t>
             </a:fld>
             <a:endParaRPr lang="en-US"/>
           </a:p>
@@ -944,7 +945,7 @@
           <a:p>
             <a:fld id="{5D97E163-DB95-D24D-8C95-263DECB1FC34}" type="datetimeFigureOut">
               <a:rPr lang="en-US" smtClean="0"/>
-              <a:t>7/19/21</a:t>
+              <a:t>8/3/21</a:t>
             </a:fld>
             <a:endParaRPr lang="en-US"/>
           </a:p>
@@ -1112,7 +1113,7 @@
           <a:p>
             <a:fld id="{5D97E163-DB95-D24D-8C95-263DECB1FC34}" type="datetimeFigureOut">
               <a:rPr lang="en-US" smtClean="0"/>
-              <a:t>7/19/21</a:t>
+              <a:t>8/3/21</a:t>
             </a:fld>
             <a:endParaRPr lang="en-US"/>
           </a:p>
@@ -1357,7 +1358,7 @@
           <a:p>
             <a:fld id="{5D97E163-DB95-D24D-8C95-263DECB1FC34}" type="datetimeFigureOut">
               <a:rPr lang="en-US" smtClean="0"/>
-              <a:t>7/19/21</a:t>
+              <a:t>8/3/21</a:t>
             </a:fld>
             <a:endParaRPr lang="en-US"/>
           </a:p>
@@ -1586,7 +1587,7 @@
           <a:p>
             <a:fld id="{5D97E163-DB95-D24D-8C95-263DECB1FC34}" type="datetimeFigureOut">
               <a:rPr lang="en-US" smtClean="0"/>
-              <a:t>7/19/21</a:t>
+              <a:t>8/3/21</a:t>
             </a:fld>
             <a:endParaRPr lang="en-US"/>
           </a:p>
@@ -1950,7 +1951,7 @@
           <a:p>
             <a:fld id="{5D97E163-DB95-D24D-8C95-263DECB1FC34}" type="datetimeFigureOut">
               <a:rPr lang="en-US" smtClean="0"/>
-              <a:t>7/19/21</a:t>
+              <a:t>8/3/21</a:t>
             </a:fld>
             <a:endParaRPr lang="en-US"/>
           </a:p>
@@ -2067,7 +2068,7 @@
           <a:p>
             <a:fld id="{5D97E163-DB95-D24D-8C95-263DECB1FC34}" type="datetimeFigureOut">
               <a:rPr lang="en-US" smtClean="0"/>
-              <a:t>7/19/21</a:t>
+              <a:t>8/3/21</a:t>
             </a:fld>
             <a:endParaRPr lang="en-US"/>
           </a:p>
@@ -2162,7 +2163,7 @@
           <a:p>
             <a:fld id="{5D97E163-DB95-D24D-8C95-263DECB1FC34}" type="datetimeFigureOut">
               <a:rPr lang="en-US" smtClean="0"/>
-              <a:t>7/19/21</a:t>
+              <a:t>8/3/21</a:t>
             </a:fld>
             <a:endParaRPr lang="en-US"/>
           </a:p>
@@ -2437,7 +2438,7 @@
           <a:p>
             <a:fld id="{5D97E163-DB95-D24D-8C95-263DECB1FC34}" type="datetimeFigureOut">
               <a:rPr lang="en-US" smtClean="0"/>
-              <a:t>7/19/21</a:t>
+              <a:t>8/3/21</a:t>
             </a:fld>
             <a:endParaRPr lang="en-US"/>
           </a:p>
@@ -2689,7 +2690,7 @@
           <a:p>
             <a:fld id="{5D97E163-DB95-D24D-8C95-263DECB1FC34}" type="datetimeFigureOut">
               <a:rPr lang="en-US" smtClean="0"/>
-              <a:t>7/19/21</a:t>
+              <a:t>8/3/21</a:t>
             </a:fld>
             <a:endParaRPr lang="en-US"/>
           </a:p>
@@ -2900,7 +2901,7 @@
           <a:p>
             <a:fld id="{5D97E163-DB95-D24D-8C95-263DECB1FC34}" type="datetimeFigureOut">
               <a:rPr lang="en-US" smtClean="0"/>
-              <a:t>7/19/21</a:t>
+              <a:t>8/3/21</a:t>
             </a:fld>
             <a:endParaRPr lang="en-US"/>
           </a:p>
@@ -6317,8 +6318,8 @@
         </p:blipFill>
         <p:spPr>
           <a:xfrm>
-            <a:off x="10621179" y="1941809"/>
-            <a:ext cx="855415" cy="1780636"/>
+            <a:off x="10621180" y="2065299"/>
+            <a:ext cx="702822" cy="1657146"/>
           </a:xfrm>
           <a:prstGeom prst="rect">
             <a:avLst/>
@@ -7460,102 +7461,6 @@
           </a:fontRef>
         </p:style>
       </p:cxnSp>
-      <p:cxnSp>
-        <p:nvCxnSpPr>
-          <p:cNvPr id="130" name="Elbow Connector 129">
-            <a:extLst>
-              <a:ext uri="{FF2B5EF4-FFF2-40B4-BE49-F238E27FC236}">
-                <a16:creationId xmlns:a16="http://schemas.microsoft.com/office/drawing/2014/main" id="{E9F62314-AF36-2C45-A229-D42605EC9FA1}"/>
-              </a:ext>
-            </a:extLst>
-          </p:cNvPr>
-          <p:cNvCxnSpPr>
-            <a:cxnSpLocks/>
-            <a:stCxn id="110" idx="2"/>
-          </p:cNvCxnSpPr>
-          <p:nvPr/>
-        </p:nvCxnSpPr>
-        <p:spPr>
-          <a:xfrm rot="16200000" flipH="1">
-            <a:off x="3753194" y="3925701"/>
-            <a:ext cx="678279" cy="271763"/>
-          </a:xfrm>
-          <a:prstGeom prst="bentConnector3">
-            <a:avLst>
-              <a:gd name="adj1" fmla="val 50000"/>
-            </a:avLst>
-          </a:prstGeom>
-          <a:ln w="25400">
-            <a:solidFill>
-              <a:srgbClr val="0070C0"/>
-            </a:solidFill>
-            <a:headEnd type="triangle"/>
-            <a:tailEnd type="triangle"/>
-          </a:ln>
-        </p:spPr>
-        <p:style>
-          <a:lnRef idx="2">
-            <a:schemeClr val="accent1"/>
-          </a:lnRef>
-          <a:fillRef idx="0">
-            <a:schemeClr val="accent1"/>
-          </a:fillRef>
-          <a:effectRef idx="1">
-            <a:schemeClr val="accent1"/>
-          </a:effectRef>
-          <a:fontRef idx="minor">
-            <a:schemeClr val="tx1"/>
-          </a:fontRef>
-        </p:style>
-      </p:cxnSp>
-      <p:cxnSp>
-        <p:nvCxnSpPr>
-          <p:cNvPr id="131" name="Elbow Connector 130">
-            <a:extLst>
-              <a:ext uri="{FF2B5EF4-FFF2-40B4-BE49-F238E27FC236}">
-                <a16:creationId xmlns:a16="http://schemas.microsoft.com/office/drawing/2014/main" id="{D3D5E9AB-DFAF-604E-9D26-502CC16256DE}"/>
-              </a:ext>
-            </a:extLst>
-          </p:cNvPr>
-          <p:cNvCxnSpPr>
-            <a:cxnSpLocks/>
-            <a:stCxn id="109" idx="2"/>
-          </p:cNvCxnSpPr>
-          <p:nvPr/>
-        </p:nvCxnSpPr>
-        <p:spPr>
-          <a:xfrm rot="16200000" flipH="1">
-            <a:off x="5946277" y="3924511"/>
-            <a:ext cx="678276" cy="274141"/>
-          </a:xfrm>
-          <a:prstGeom prst="bentConnector3">
-            <a:avLst>
-              <a:gd name="adj1" fmla="val 50000"/>
-            </a:avLst>
-          </a:prstGeom>
-          <a:ln w="25400">
-            <a:solidFill>
-              <a:srgbClr val="0070C0"/>
-            </a:solidFill>
-            <a:headEnd type="triangle"/>
-            <a:tailEnd type="triangle"/>
-          </a:ln>
-        </p:spPr>
-        <p:style>
-          <a:lnRef idx="2">
-            <a:schemeClr val="accent1"/>
-          </a:lnRef>
-          <a:fillRef idx="0">
-            <a:schemeClr val="accent1"/>
-          </a:fillRef>
-          <a:effectRef idx="1">
-            <a:schemeClr val="accent1"/>
-          </a:effectRef>
-          <a:fontRef idx="minor">
-            <a:schemeClr val="tx1"/>
-          </a:fontRef>
-        </p:style>
-      </p:cxnSp>
       <p:sp>
         <p:nvSpPr>
           <p:cNvPr id="132" name="TextBox 131">
@@ -7570,7 +7475,7 @@
         </p:nvSpPr>
         <p:spPr>
           <a:xfrm>
-            <a:off x="3416457" y="4394149"/>
+            <a:off x="3168648" y="4411265"/>
             <a:ext cx="1623521" cy="738664"/>
           </a:xfrm>
           <a:prstGeom prst="rect">
@@ -7602,84 +7507,6 @@
             <a:r>
               <a:rPr lang="en-US" sz="1400" dirty="0"/>
               <a:t>Link Aggregation)</a:t>
-            </a:r>
-          </a:p>
-        </p:txBody>
-      </p:sp>
-      <p:sp>
-        <p:nvSpPr>
-          <p:cNvPr id="133" name="TextBox 132">
-            <a:extLst>
-              <a:ext uri="{FF2B5EF4-FFF2-40B4-BE49-F238E27FC236}">
-                <a16:creationId xmlns:a16="http://schemas.microsoft.com/office/drawing/2014/main" id="{AC92217A-ECA8-274B-9B4F-100CAC5141E7}"/>
-              </a:ext>
-            </a:extLst>
-          </p:cNvPr>
-          <p:cNvSpPr txBox="1"/>
-          <p:nvPr/>
-        </p:nvSpPr>
-        <p:spPr>
-          <a:xfrm>
-            <a:off x="5380696" y="4394149"/>
-            <a:ext cx="2075441" cy="738664"/>
-          </a:xfrm>
-          <a:prstGeom prst="rect">
-            <a:avLst/>
-          </a:prstGeom>
-          <a:noFill/>
-        </p:spPr>
-        <p:txBody>
-          <a:bodyPr wrap="none" rtlCol="0">
-            <a:spAutoFit/>
-          </a:bodyPr>
-          <a:lstStyle/>
-          <a:p>
-            <a:pPr algn="ctr"/>
-            <a:r>
-              <a:rPr lang="en-US" sz="1400" dirty="0"/>
-              <a:t>Other Carrier Frequencies</a:t>
-            </a:r>
-          </a:p>
-          <a:p>
-            <a:pPr algn="ctr"/>
-            <a:r>
-              <a:rPr lang="en-US" sz="1400" dirty="0">
-                <a:solidFill>
-                  <a:schemeClr val="bg1"/>
-                </a:solidFill>
-              </a:rPr>
-              <a:t>(</a:t>
-            </a:r>
-            <a:r>
-              <a:rPr lang="en-US" sz="1400" dirty="0"/>
-              <a:t>for</a:t>
-            </a:r>
-            <a:r>
-              <a:rPr lang="en-US" sz="1400" dirty="0">
-                <a:solidFill>
-                  <a:schemeClr val="bg1"/>
-                </a:solidFill>
-              </a:rPr>
-              <a:t> </a:t>
-            </a:r>
-            <a:r>
-              <a:rPr lang="en-US" sz="1400" dirty="0"/>
-              <a:t>Multi-Carrier</a:t>
-            </a:r>
-          </a:p>
-          <a:p>
-            <a:pPr algn="ctr"/>
-            <a:r>
-              <a:rPr lang="en-US" sz="1400" dirty="0"/>
-              <a:t>Transmissions</a:t>
-            </a:r>
-            <a:r>
-              <a:rPr lang="en-US" sz="1400" dirty="0">
-                <a:solidFill>
-                  <a:schemeClr val="bg1"/>
-                </a:solidFill>
-              </a:rPr>
-              <a:t>)</a:t>
             </a:r>
           </a:p>
         </p:txBody>
@@ -7973,6 +7800,121 @@
           <a:xfrm>
             <a:off x="1588905" y="3613130"/>
             <a:ext cx="1967894" cy="0"/>
+          </a:xfrm>
+          <a:prstGeom prst="straightConnector1">
+            <a:avLst/>
+          </a:prstGeom>
+          <a:ln w="25400">
+            <a:solidFill>
+              <a:srgbClr val="0070C0"/>
+            </a:solidFill>
+            <a:headEnd type="triangle"/>
+            <a:tailEnd type="triangle"/>
+          </a:ln>
+        </p:spPr>
+        <p:style>
+          <a:lnRef idx="2">
+            <a:schemeClr val="accent1"/>
+          </a:lnRef>
+          <a:fillRef idx="0">
+            <a:schemeClr val="accent1"/>
+          </a:fillRef>
+          <a:effectRef idx="1">
+            <a:schemeClr val="accent1"/>
+          </a:effectRef>
+          <a:fontRef idx="minor">
+            <a:schemeClr val="tx1"/>
+          </a:fontRef>
+        </p:style>
+      </p:cxnSp>
+      <p:sp>
+        <p:nvSpPr>
+          <p:cNvPr id="33" name="Rectangle 32">
+            <a:extLst>
+              <a:ext uri="{FF2B5EF4-FFF2-40B4-BE49-F238E27FC236}">
+                <a16:creationId xmlns:a16="http://schemas.microsoft.com/office/drawing/2014/main" id="{B2128A3F-1563-DB47-ABFC-166E7B7FF939}"/>
+              </a:ext>
+            </a:extLst>
+          </p:cNvPr>
+          <p:cNvSpPr/>
+          <p:nvPr/>
+        </p:nvSpPr>
+        <p:spPr>
+          <a:xfrm>
+            <a:off x="2047696" y="1876927"/>
+            <a:ext cx="9520736" cy="2286000"/>
+          </a:xfrm>
+          <a:prstGeom prst="rect">
+            <a:avLst/>
+          </a:prstGeom>
+          <a:noFill/>
+          <a:ln w="28575">
+            <a:solidFill>
+              <a:schemeClr val="accent1"/>
+            </a:solidFill>
+          </a:ln>
+        </p:spPr>
+        <p:style>
+          <a:lnRef idx="2">
+            <a:schemeClr val="accent1">
+              <a:shade val="50000"/>
+            </a:schemeClr>
+          </a:lnRef>
+          <a:fillRef idx="1">
+            <a:schemeClr val="accent1"/>
+          </a:fillRef>
+          <a:effectRef idx="0">
+            <a:schemeClr val="accent1"/>
+          </a:effectRef>
+          <a:fontRef idx="minor">
+            <a:schemeClr val="lt1"/>
+          </a:fontRef>
+        </p:style>
+        <p:txBody>
+          <a:bodyPr rtlCol="0" anchor="b"/>
+          <a:lstStyle/>
+          <a:p>
+            <a:pPr algn="ctr">
+              <a:lnSpc>
+                <a:spcPct val="80000"/>
+              </a:lnSpc>
+            </a:pPr>
+            <a:r>
+              <a:rPr lang="en-US" sz="1600" dirty="0" err="1">
+                <a:solidFill>
+                  <a:sysClr val="windowText" lastClr="000000"/>
+                </a:solidFill>
+              </a:rPr>
+              <a:t>Basestation</a:t>
+            </a:r>
+            <a:endParaRPr lang="en-US" sz="1600" dirty="0">
+              <a:solidFill>
+                <a:sysClr val="windowText" lastClr="000000"/>
+              </a:solidFill>
+            </a:endParaRPr>
+          </a:p>
+        </p:txBody>
+      </p:sp>
+      <p:cxnSp>
+        <p:nvCxnSpPr>
+          <p:cNvPr id="34" name="Straight Arrow Connector 33">
+            <a:extLst>
+              <a:ext uri="{FF2B5EF4-FFF2-40B4-BE49-F238E27FC236}">
+                <a16:creationId xmlns:a16="http://schemas.microsoft.com/office/drawing/2014/main" id="{F6BC3E69-9995-FA40-A09E-7B182AEE0ABC}"/>
+              </a:ext>
+            </a:extLst>
+          </p:cNvPr>
+          <p:cNvCxnSpPr>
+            <a:cxnSpLocks/>
+            <a:stCxn id="110" idx="2"/>
+            <a:endCxn id="132" idx="0"/>
+          </p:cNvCxnSpPr>
+          <p:nvPr/>
+        </p:nvCxnSpPr>
+        <p:spPr>
+          <a:xfrm>
+            <a:off x="3956452" y="3722444"/>
+            <a:ext cx="23957" cy="688821"/>
           </a:xfrm>
           <a:prstGeom prst="straightConnector1">
             <a:avLst/>
@@ -8030,43 +7972,6 @@
           <a:chExt cx="0" cy="0"/>
         </a:xfrm>
       </p:grpSpPr>
-      <p:pic>
-        <p:nvPicPr>
-          <p:cNvPr id="101" name="Picture 100">
-            <a:extLst>
-              <a:ext uri="{FF2B5EF4-FFF2-40B4-BE49-F238E27FC236}">
-                <a16:creationId xmlns:a16="http://schemas.microsoft.com/office/drawing/2014/main" id="{18E600CF-F3EE-054B-8CCF-1C21501E3083}"/>
-              </a:ext>
-            </a:extLst>
-          </p:cNvPr>
-          <p:cNvPicPr>
-            <a:picLocks noChangeAspect="1"/>
-          </p:cNvPicPr>
-          <p:nvPr/>
-        </p:nvPicPr>
-        <p:blipFill>
-          <a:blip r:embed="rId2"/>
-          <a:stretch>
-            <a:fillRect/>
-          </a:stretch>
-        </p:blipFill>
-        <p:spPr>
-          <a:xfrm>
-            <a:off x="10621179" y="1941809"/>
-            <a:ext cx="855415" cy="1780636"/>
-          </a:xfrm>
-          <a:prstGeom prst="rect">
-            <a:avLst/>
-          </a:prstGeom>
-          <a:effectLst>
-            <a:outerShdw blurRad="50800" dist="38100" dir="2700000" algn="tl" rotWithShape="0">
-              <a:prstClr val="black">
-                <a:alpha val="40000"/>
-              </a:prstClr>
-            </a:outerShdw>
-          </a:effectLst>
-        </p:spPr>
-      </p:pic>
       <p:sp>
         <p:nvSpPr>
           <p:cNvPr id="105" name="Rectangle 104">
@@ -9526,7 +9431,7 @@
         <p:spPr>
           <a:xfrm>
             <a:off x="7172793" y="1720516"/>
-            <a:ext cx="4509872" cy="2435623"/>
+            <a:ext cx="4395639" cy="2435623"/>
           </a:xfrm>
           <a:prstGeom prst="rect">
             <a:avLst/>
@@ -9691,6 +9596,43 @@
           </a:p>
         </p:txBody>
       </p:sp>
+      <p:pic>
+        <p:nvPicPr>
+          <p:cNvPr id="32" name="Picture 31">
+            <a:extLst>
+              <a:ext uri="{FF2B5EF4-FFF2-40B4-BE49-F238E27FC236}">
+                <a16:creationId xmlns:a16="http://schemas.microsoft.com/office/drawing/2014/main" id="{21000CFF-4CE7-C54F-9BF7-5A0A03C89AB5}"/>
+              </a:ext>
+            </a:extLst>
+          </p:cNvPr>
+          <p:cNvPicPr>
+            <a:picLocks noChangeAspect="1"/>
+          </p:cNvPicPr>
+          <p:nvPr/>
+        </p:nvPicPr>
+        <p:blipFill>
+          <a:blip r:embed="rId2"/>
+          <a:stretch>
+            <a:fillRect/>
+          </a:stretch>
+        </p:blipFill>
+        <p:spPr>
+          <a:xfrm>
+            <a:off x="10670608" y="2065299"/>
+            <a:ext cx="702822" cy="1657146"/>
+          </a:xfrm>
+          <a:prstGeom prst="rect">
+            <a:avLst/>
+          </a:prstGeom>
+          <a:effectLst>
+            <a:outerShdw blurRad="50800" dist="38100" dir="2700000" algn="tl" rotWithShape="0">
+              <a:prstClr val="black">
+                <a:alpha val="40000"/>
+              </a:prstClr>
+            </a:outerShdw>
+          </a:effectLst>
+        </p:spPr>
+      </p:pic>
     </p:spTree>
     <p:extLst>
       <p:ext uri="{BB962C8B-B14F-4D97-AF65-F5344CB8AC3E}">
@@ -11883,8 +11825,10 @@
           <a:prstGeom prst="roundRect">
             <a:avLst/>
           </a:prstGeom>
-          <a:ln>
-            <a:noFill/>
+          <a:ln w="28575">
+            <a:solidFill>
+              <a:schemeClr val="accent1"/>
+            </a:solidFill>
           </a:ln>
         </p:spPr>
         <p:style>
@@ -12500,7 +12444,7 @@
         </p:nvSpPr>
         <p:spPr>
           <a:xfrm rot="16200000">
-            <a:off x="6668057" y="510965"/>
+            <a:off x="6668057" y="528905"/>
             <a:ext cx="955071" cy="355679"/>
           </a:xfrm>
           <a:prstGeom prst="roundRect">
@@ -12591,6 +12535,1509 @@
     <p:extLst>
       <p:ext uri="{BB962C8B-B14F-4D97-AF65-F5344CB8AC3E}">
         <p14:creationId xmlns:p14="http://schemas.microsoft.com/office/powerpoint/2010/main" val="3991676363"/>
+      </p:ext>
+    </p:extLst>
+  </p:cSld>
+  <p:clrMapOvr>
+    <a:masterClrMapping/>
+  </p:clrMapOvr>
+</p:sld>
+</file>
+
+<file path=ppt/slides/slide7.xml><?xml version="1.0" encoding="utf-8"?>
+<p:sld xmlns:a="http://schemas.openxmlformats.org/drawingml/2006/main" xmlns:r="http://schemas.openxmlformats.org/officeDocument/2006/relationships" xmlns:p="http://schemas.openxmlformats.org/presentationml/2006/main">
+  <p:cSld>
+    <p:spTree>
+      <p:nvGrpSpPr>
+        <p:cNvPr id="1" name=""/>
+        <p:cNvGrpSpPr/>
+        <p:nvPr/>
+      </p:nvGrpSpPr>
+      <p:grpSpPr>
+        <a:xfrm>
+          <a:off x="0" y="0"/>
+          <a:ext cx="0" cy="0"/>
+          <a:chOff x="0" y="0"/>
+          <a:chExt cx="0" cy="0"/>
+        </a:xfrm>
+      </p:grpSpPr>
+      <p:sp>
+        <p:nvSpPr>
+          <p:cNvPr id="34" name="Oval 33">
+            <a:extLst>
+              <a:ext uri="{FF2B5EF4-FFF2-40B4-BE49-F238E27FC236}">
+                <a16:creationId xmlns:a16="http://schemas.microsoft.com/office/drawing/2014/main" id="{2CC160D1-AE3B-C248-9038-33593AB5CB71}"/>
+              </a:ext>
+            </a:extLst>
+          </p:cNvPr>
+          <p:cNvSpPr/>
+          <p:nvPr/>
+        </p:nvSpPr>
+        <p:spPr>
+          <a:xfrm>
+            <a:off x="3785044" y="5410543"/>
+            <a:ext cx="4792424" cy="825149"/>
+          </a:xfrm>
+          <a:prstGeom prst="ellipse">
+            <a:avLst/>
+          </a:prstGeom>
+          <a:solidFill>
+            <a:schemeClr val="bg1"/>
+          </a:solidFill>
+          <a:ln w="38100">
+            <a:solidFill>
+              <a:srgbClr val="0070C0"/>
+            </a:solidFill>
+          </a:ln>
+        </p:spPr>
+        <p:style>
+          <a:lnRef idx="2">
+            <a:schemeClr val="accent1">
+              <a:shade val="50000"/>
+            </a:schemeClr>
+          </a:lnRef>
+          <a:fillRef idx="1">
+            <a:schemeClr val="accent1"/>
+          </a:fillRef>
+          <a:effectRef idx="0">
+            <a:schemeClr val="accent1"/>
+          </a:effectRef>
+          <a:fontRef idx="minor">
+            <a:schemeClr val="lt1"/>
+          </a:fontRef>
+        </p:style>
+        <p:txBody>
+          <a:bodyPr rtlCol="0" anchor="ctr"/>
+          <a:lstStyle/>
+          <a:p>
+            <a:pPr algn="ctr"/>
+            <a:r>
+              <a:rPr lang="en-US" dirty="0">
+                <a:solidFill>
+                  <a:schemeClr val="tx1"/>
+                </a:solidFill>
+              </a:rPr>
+              <a:t>RAN Elements</a:t>
+            </a:r>
+          </a:p>
+          <a:p>
+            <a:pPr algn="ctr"/>
+            <a:r>
+              <a:rPr lang="en-US" dirty="0">
+                <a:solidFill>
+                  <a:schemeClr val="tx1"/>
+                </a:solidFill>
+              </a:rPr>
+              <a:t>(CU, DU, RU)</a:t>
+            </a:r>
+          </a:p>
+        </p:txBody>
+      </p:sp>
+      <p:sp>
+        <p:nvSpPr>
+          <p:cNvPr id="35" name="Rounded Rectangle 34">
+            <a:extLst>
+              <a:ext uri="{FF2B5EF4-FFF2-40B4-BE49-F238E27FC236}">
+                <a16:creationId xmlns:a16="http://schemas.microsoft.com/office/drawing/2014/main" id="{4C4FBF58-797F-D946-96A0-B847B743B603}"/>
+              </a:ext>
+            </a:extLst>
+          </p:cNvPr>
+          <p:cNvSpPr/>
+          <p:nvPr/>
+        </p:nvSpPr>
+        <p:spPr>
+          <a:xfrm>
+            <a:off x="2312126" y="2786849"/>
+            <a:ext cx="6440331" cy="2064649"/>
+          </a:xfrm>
+          <a:prstGeom prst="roundRect">
+            <a:avLst>
+              <a:gd name="adj" fmla="val 6248"/>
+            </a:avLst>
+          </a:prstGeom>
+        </p:spPr>
+        <p:style>
+          <a:lnRef idx="1">
+            <a:schemeClr val="accent3"/>
+          </a:lnRef>
+          <a:fillRef idx="2">
+            <a:schemeClr val="accent3"/>
+          </a:fillRef>
+          <a:effectRef idx="1">
+            <a:schemeClr val="accent3"/>
+          </a:effectRef>
+          <a:fontRef idx="minor">
+            <a:schemeClr val="dk1"/>
+          </a:fontRef>
+        </p:style>
+        <p:txBody>
+          <a:bodyPr rtlCol="0" anchor="ctr"/>
+          <a:lstStyle/>
+          <a:p>
+            <a:r>
+              <a:rPr lang="en-US" b="1" dirty="0"/>
+              <a:t>ONOS RIC</a:t>
+            </a:r>
+            <a:r>
+              <a:rPr lang="en-US" dirty="0"/>
+              <a:t>:</a:t>
+            </a:r>
+          </a:p>
+          <a:p>
+            <a:r>
+              <a:rPr lang="en-US" i="1" dirty="0"/>
+              <a:t>RAN</a:t>
+            </a:r>
+          </a:p>
+          <a:p>
+            <a:r>
+              <a:rPr lang="en-US" i="1" dirty="0"/>
+              <a:t>Intelligent</a:t>
+            </a:r>
+          </a:p>
+          <a:p>
+            <a:r>
+              <a:rPr lang="en-US" i="1" dirty="0"/>
+              <a:t>Controller</a:t>
+            </a:r>
+          </a:p>
+          <a:p>
+            <a:r>
+              <a:rPr lang="en-US" i="1" dirty="0"/>
+              <a:t>(Near-RT)</a:t>
+            </a:r>
+          </a:p>
+        </p:txBody>
+      </p:sp>
+      <p:sp>
+        <p:nvSpPr>
+          <p:cNvPr id="39" name="Google Shape;188;p21">
+            <a:extLst>
+              <a:ext uri="{FF2B5EF4-FFF2-40B4-BE49-F238E27FC236}">
+                <a16:creationId xmlns:a16="http://schemas.microsoft.com/office/drawing/2014/main" id="{63BFB203-4110-0F4F-9110-F04DE2A0FBFD}"/>
+              </a:ext>
+            </a:extLst>
+          </p:cNvPr>
+          <p:cNvSpPr/>
+          <p:nvPr/>
+        </p:nvSpPr>
+        <p:spPr>
+          <a:xfrm>
+            <a:off x="5668762" y="3157895"/>
+            <a:ext cx="1756200" cy="1328304"/>
+          </a:xfrm>
+          <a:prstGeom prst="rect">
+            <a:avLst/>
+          </a:prstGeom>
+          <a:solidFill>
+            <a:schemeClr val="accent1"/>
+          </a:solidFill>
+          <a:ln w="9525" cap="flat" cmpd="sng">
+            <a:solidFill>
+              <a:schemeClr val="accent1"/>
+            </a:solidFill>
+            <a:prstDash val="solid"/>
+            <a:round/>
+            <a:headEnd type="none" w="sm" len="sm"/>
+            <a:tailEnd type="none" w="sm" len="sm"/>
+          </a:ln>
+        </p:spPr>
+        <p:txBody>
+          <a:bodyPr spcFirstLastPara="1" wrap="square" lIns="91425" tIns="91425" rIns="91425" bIns="91425" anchor="ctr" anchorCtr="0">
+            <a:noAutofit/>
+          </a:bodyPr>
+          <a:lstStyle/>
+          <a:p>
+            <a:pPr marL="0" lvl="0" indent="0" rtl="0">
+              <a:spcBef>
+                <a:spcPts val="0"/>
+              </a:spcBef>
+              <a:spcAft>
+                <a:spcPts val="0"/>
+              </a:spcAft>
+              <a:buNone/>
+            </a:pPr>
+            <a:r>
+              <a:rPr lang="en" dirty="0">
+                <a:solidFill>
+                  <a:schemeClr val="bg1"/>
+                </a:solidFill>
+              </a:rPr>
+              <a:t>Telemetry</a:t>
+            </a:r>
+            <a:endParaRPr dirty="0">
+              <a:solidFill>
+                <a:schemeClr val="bg1"/>
+              </a:solidFill>
+            </a:endParaRPr>
+          </a:p>
+          <a:p>
+            <a:pPr marL="0" lvl="0" indent="0" rtl="0">
+              <a:spcBef>
+                <a:spcPts val="0"/>
+              </a:spcBef>
+              <a:spcAft>
+                <a:spcPts val="0"/>
+              </a:spcAft>
+              <a:buNone/>
+            </a:pPr>
+            <a:r>
+              <a:rPr lang="en-US" dirty="0">
+                <a:solidFill>
+                  <a:schemeClr val="bg1"/>
+                </a:solidFill>
+              </a:rPr>
+              <a:t>Service</a:t>
+            </a:r>
+            <a:endParaRPr dirty="0">
+              <a:solidFill>
+                <a:schemeClr val="bg1"/>
+              </a:solidFill>
+            </a:endParaRPr>
+          </a:p>
+        </p:txBody>
+      </p:sp>
+      <p:sp>
+        <p:nvSpPr>
+          <p:cNvPr id="40" name="Google Shape;189;p21">
+            <a:extLst>
+              <a:ext uri="{FF2B5EF4-FFF2-40B4-BE49-F238E27FC236}">
+                <a16:creationId xmlns:a16="http://schemas.microsoft.com/office/drawing/2014/main" id="{E24B16F7-11B3-D347-9111-D1C48867299B}"/>
+              </a:ext>
+            </a:extLst>
+          </p:cNvPr>
+          <p:cNvSpPr/>
+          <p:nvPr/>
+        </p:nvSpPr>
+        <p:spPr>
+          <a:xfrm>
+            <a:off x="3797610" y="4607586"/>
+            <a:ext cx="4816275" cy="449385"/>
+          </a:xfrm>
+          <a:prstGeom prst="rect">
+            <a:avLst/>
+          </a:prstGeom>
+          <a:solidFill>
+            <a:schemeClr val="tx2">
+              <a:lumMod val="60000"/>
+              <a:lumOff val="40000"/>
+            </a:schemeClr>
+          </a:solidFill>
+          <a:ln w="9525" cap="flat" cmpd="sng">
+            <a:solidFill>
+              <a:schemeClr val="accent3">
+                <a:lumMod val="75000"/>
+              </a:schemeClr>
+            </a:solidFill>
+            <a:prstDash val="solid"/>
+            <a:round/>
+            <a:headEnd type="none" w="sm" len="sm"/>
+            <a:tailEnd type="none" w="sm" len="sm"/>
+          </a:ln>
+        </p:spPr>
+        <p:txBody>
+          <a:bodyPr spcFirstLastPara="1" wrap="square" lIns="91425" tIns="91425" rIns="91425" bIns="91425" anchor="ctr" anchorCtr="0">
+            <a:noAutofit/>
+          </a:bodyPr>
+          <a:lstStyle/>
+          <a:p>
+            <a:pPr marL="0" lvl="0" indent="0" algn="ctr" rtl="0">
+              <a:spcBef>
+                <a:spcPts val="0"/>
+              </a:spcBef>
+              <a:spcAft>
+                <a:spcPts val="0"/>
+              </a:spcAft>
+              <a:buNone/>
+            </a:pPr>
+            <a:r>
+              <a:rPr lang="en" sz="1600" b="1" dirty="0"/>
+              <a:t>E2</a:t>
+            </a:r>
+            <a:endParaRPr sz="1600" b="1" dirty="0"/>
+          </a:p>
+        </p:txBody>
+      </p:sp>
+      <p:sp>
+        <p:nvSpPr>
+          <p:cNvPr id="49" name="Google Shape;193;p21">
+            <a:extLst>
+              <a:ext uri="{FF2B5EF4-FFF2-40B4-BE49-F238E27FC236}">
+                <a16:creationId xmlns:a16="http://schemas.microsoft.com/office/drawing/2014/main" id="{C56DF6ED-F394-C947-9CFA-094339F86D94}"/>
+              </a:ext>
+            </a:extLst>
+          </p:cNvPr>
+          <p:cNvSpPr/>
+          <p:nvPr/>
+        </p:nvSpPr>
+        <p:spPr>
+          <a:xfrm>
+            <a:off x="3797611" y="2652875"/>
+            <a:ext cx="3088200" cy="383633"/>
+          </a:xfrm>
+          <a:prstGeom prst="rect">
+            <a:avLst/>
+          </a:prstGeom>
+          <a:solidFill>
+            <a:schemeClr val="accent1">
+              <a:lumMod val="20000"/>
+              <a:lumOff val="80000"/>
+            </a:schemeClr>
+          </a:solidFill>
+          <a:ln w="9525" cap="flat" cmpd="sng">
+            <a:solidFill>
+              <a:schemeClr val="accent1"/>
+            </a:solidFill>
+            <a:prstDash val="solid"/>
+            <a:round/>
+            <a:headEnd type="none" w="sm" len="sm"/>
+            <a:tailEnd type="none" w="sm" len="sm"/>
+          </a:ln>
+        </p:spPr>
+        <p:txBody>
+          <a:bodyPr spcFirstLastPara="1" wrap="square" lIns="91425" tIns="91425" rIns="91425" bIns="91425" anchor="ctr" anchorCtr="0">
+            <a:noAutofit/>
+          </a:bodyPr>
+          <a:lstStyle/>
+          <a:p>
+            <a:pPr marL="0" lvl="0" indent="0" algn="ctr" rtl="0">
+              <a:spcBef>
+                <a:spcPts val="0"/>
+              </a:spcBef>
+              <a:spcAft>
+                <a:spcPts val="0"/>
+              </a:spcAft>
+              <a:buNone/>
+            </a:pPr>
+            <a:r>
+              <a:rPr lang="en-US" sz="1600" b="1" dirty="0"/>
+              <a:t>C1</a:t>
+            </a:r>
+            <a:endParaRPr sz="1600" b="1" dirty="0"/>
+          </a:p>
+        </p:txBody>
+      </p:sp>
+      <p:sp>
+        <p:nvSpPr>
+          <p:cNvPr id="52" name="Google Shape;194;p21">
+            <a:extLst>
+              <a:ext uri="{FF2B5EF4-FFF2-40B4-BE49-F238E27FC236}">
+                <a16:creationId xmlns:a16="http://schemas.microsoft.com/office/drawing/2014/main" id="{F26CAD5E-5B63-5B4C-91A0-1742FFFBB61D}"/>
+              </a:ext>
+            </a:extLst>
+          </p:cNvPr>
+          <p:cNvSpPr/>
+          <p:nvPr/>
+        </p:nvSpPr>
+        <p:spPr>
+          <a:xfrm>
+            <a:off x="6990346" y="2652876"/>
+            <a:ext cx="1623541" cy="383632"/>
+          </a:xfrm>
+          <a:prstGeom prst="rect">
+            <a:avLst/>
+          </a:prstGeom>
+          <a:solidFill>
+            <a:schemeClr val="accent1">
+              <a:lumMod val="20000"/>
+              <a:lumOff val="80000"/>
+            </a:schemeClr>
+          </a:solidFill>
+          <a:ln w="9525" cap="flat" cmpd="sng">
+            <a:solidFill>
+              <a:schemeClr val="accent1"/>
+            </a:solidFill>
+            <a:prstDash val="solid"/>
+            <a:round/>
+            <a:headEnd type="none" w="sm" len="sm"/>
+            <a:tailEnd type="none" w="sm" len="sm"/>
+          </a:ln>
+        </p:spPr>
+        <p:txBody>
+          <a:bodyPr spcFirstLastPara="1" wrap="square" lIns="91425" tIns="91425" rIns="91425" bIns="91425" anchor="ctr" anchorCtr="0">
+            <a:noAutofit/>
+          </a:bodyPr>
+          <a:lstStyle/>
+          <a:p>
+            <a:pPr marL="0" lvl="0" indent="0" algn="ctr" rtl="0">
+              <a:spcBef>
+                <a:spcPts val="0"/>
+              </a:spcBef>
+              <a:spcAft>
+                <a:spcPts val="0"/>
+              </a:spcAft>
+              <a:buNone/>
+            </a:pPr>
+            <a:r>
+              <a:rPr lang="en" sz="1600" b="1" dirty="0"/>
+              <a:t>A1</a:t>
+            </a:r>
+            <a:endParaRPr sz="1600" b="1" dirty="0"/>
+          </a:p>
+        </p:txBody>
+      </p:sp>
+      <p:sp>
+        <p:nvSpPr>
+          <p:cNvPr id="53" name="Google Shape;196;p21">
+            <a:extLst>
+              <a:ext uri="{FF2B5EF4-FFF2-40B4-BE49-F238E27FC236}">
+                <a16:creationId xmlns:a16="http://schemas.microsoft.com/office/drawing/2014/main" id="{AFCC9E7D-3FFF-4744-9245-D2ED95BFE842}"/>
+              </a:ext>
+            </a:extLst>
+          </p:cNvPr>
+          <p:cNvSpPr txBox="1"/>
+          <p:nvPr/>
+        </p:nvSpPr>
+        <p:spPr>
+          <a:xfrm>
+            <a:off x="2113046" y="917294"/>
+            <a:ext cx="1387800" cy="985644"/>
+          </a:xfrm>
+          <a:prstGeom prst="rect">
+            <a:avLst/>
+          </a:prstGeom>
+          <a:noFill/>
+          <a:ln>
+            <a:noFill/>
+          </a:ln>
+        </p:spPr>
+        <p:txBody>
+          <a:bodyPr spcFirstLastPara="1" wrap="square" lIns="91425" tIns="91425" rIns="91425" bIns="91425" anchor="t" anchorCtr="0">
+            <a:noAutofit/>
+          </a:bodyPr>
+          <a:lstStyle/>
+          <a:p>
+            <a:pPr marL="0" lvl="0" indent="0" algn="r" rtl="0">
+              <a:spcBef>
+                <a:spcPts val="0"/>
+              </a:spcBef>
+              <a:spcAft>
+                <a:spcPts val="0"/>
+              </a:spcAft>
+              <a:buNone/>
+            </a:pPr>
+            <a:r>
+              <a:rPr lang="en-US" dirty="0"/>
+              <a:t>Control</a:t>
+            </a:r>
+          </a:p>
+          <a:p>
+            <a:pPr marL="0" lvl="0" indent="0" algn="r" rtl="0">
+              <a:spcBef>
+                <a:spcPts val="0"/>
+              </a:spcBef>
+              <a:spcAft>
+                <a:spcPts val="0"/>
+              </a:spcAft>
+              <a:buNone/>
+            </a:pPr>
+            <a:r>
+              <a:rPr lang="en-US" dirty="0"/>
+              <a:t>Applications (</a:t>
+            </a:r>
+            <a:r>
+              <a:rPr lang="en-US" dirty="0" err="1"/>
+              <a:t>xApps</a:t>
+            </a:r>
+            <a:r>
+              <a:rPr lang="en-US" dirty="0"/>
+              <a:t>)</a:t>
+            </a:r>
+            <a:endParaRPr dirty="0"/>
+          </a:p>
+        </p:txBody>
+      </p:sp>
+      <p:cxnSp>
+        <p:nvCxnSpPr>
+          <p:cNvPr id="57" name="Google Shape;197;p21">
+            <a:extLst>
+              <a:ext uri="{FF2B5EF4-FFF2-40B4-BE49-F238E27FC236}">
+                <a16:creationId xmlns:a16="http://schemas.microsoft.com/office/drawing/2014/main" id="{5C4D711B-F265-9B4E-8176-CDF6EFFD55AA}"/>
+              </a:ext>
+            </a:extLst>
+          </p:cNvPr>
+          <p:cNvCxnSpPr>
+            <a:cxnSpLocks/>
+            <a:stCxn id="52" idx="0"/>
+            <a:endCxn id="103" idx="2"/>
+          </p:cNvCxnSpPr>
+          <p:nvPr/>
+        </p:nvCxnSpPr>
+        <p:spPr>
+          <a:xfrm flipH="1" flipV="1">
+            <a:off x="7802116" y="2351915"/>
+            <a:ext cx="1" cy="300961"/>
+          </a:xfrm>
+          <a:prstGeom prst="straightConnector1">
+            <a:avLst/>
+          </a:prstGeom>
+          <a:noFill/>
+          <a:ln w="9525" cap="flat" cmpd="sng">
+            <a:solidFill>
+              <a:srgbClr val="000000"/>
+            </a:solidFill>
+            <a:prstDash val="solid"/>
+            <a:round/>
+            <a:headEnd type="triangle" w="med" len="med"/>
+            <a:tailEnd type="triangle" w="med" len="med"/>
+          </a:ln>
+        </p:spPr>
+      </p:cxnSp>
+      <p:cxnSp>
+        <p:nvCxnSpPr>
+          <p:cNvPr id="58" name="Google Shape;199;p21">
+            <a:extLst>
+              <a:ext uri="{FF2B5EF4-FFF2-40B4-BE49-F238E27FC236}">
+                <a16:creationId xmlns:a16="http://schemas.microsoft.com/office/drawing/2014/main" id="{1015007F-9BC0-5A4E-93B9-98CE85261510}"/>
+              </a:ext>
+            </a:extLst>
+          </p:cNvPr>
+          <p:cNvCxnSpPr>
+            <a:cxnSpLocks/>
+          </p:cNvCxnSpPr>
+          <p:nvPr/>
+        </p:nvCxnSpPr>
+        <p:spPr>
+          <a:xfrm>
+            <a:off x="4362662" y="5074788"/>
+            <a:ext cx="0" cy="449385"/>
+          </a:xfrm>
+          <a:prstGeom prst="straightConnector1">
+            <a:avLst/>
+          </a:prstGeom>
+          <a:noFill/>
+          <a:ln w="9525" cap="flat" cmpd="sng">
+            <a:solidFill>
+              <a:srgbClr val="000000"/>
+            </a:solidFill>
+            <a:prstDash val="solid"/>
+            <a:round/>
+            <a:headEnd type="triangle" w="med" len="med"/>
+            <a:tailEnd type="triangle" w="med" len="med"/>
+          </a:ln>
+        </p:spPr>
+      </p:cxnSp>
+      <p:cxnSp>
+        <p:nvCxnSpPr>
+          <p:cNvPr id="59" name="Google Shape;203;p21">
+            <a:extLst>
+              <a:ext uri="{FF2B5EF4-FFF2-40B4-BE49-F238E27FC236}">
+                <a16:creationId xmlns:a16="http://schemas.microsoft.com/office/drawing/2014/main" id="{DD07130F-F946-3942-A86A-247162C55CC3}"/>
+              </a:ext>
+            </a:extLst>
+          </p:cNvPr>
+          <p:cNvCxnSpPr>
+            <a:cxnSpLocks/>
+          </p:cNvCxnSpPr>
+          <p:nvPr/>
+        </p:nvCxnSpPr>
+        <p:spPr>
+          <a:xfrm>
+            <a:off x="6808565" y="5056971"/>
+            <a:ext cx="0" cy="349317"/>
+          </a:xfrm>
+          <a:prstGeom prst="straightConnector1">
+            <a:avLst/>
+          </a:prstGeom>
+          <a:noFill/>
+          <a:ln w="9525" cap="flat" cmpd="sng">
+            <a:solidFill>
+              <a:srgbClr val="000000"/>
+            </a:solidFill>
+            <a:prstDash val="solid"/>
+            <a:round/>
+            <a:headEnd type="triangle" w="med" len="med"/>
+            <a:tailEnd type="triangle" w="med" len="med"/>
+          </a:ln>
+        </p:spPr>
+      </p:cxnSp>
+      <p:cxnSp>
+        <p:nvCxnSpPr>
+          <p:cNvPr id="60" name="Google Shape;205;p21">
+            <a:extLst>
+              <a:ext uri="{FF2B5EF4-FFF2-40B4-BE49-F238E27FC236}">
+                <a16:creationId xmlns:a16="http://schemas.microsoft.com/office/drawing/2014/main" id="{A35B0653-A9F6-9A4E-BDAE-A9E257DB465B}"/>
+              </a:ext>
+            </a:extLst>
+          </p:cNvPr>
+          <p:cNvCxnSpPr>
+            <a:cxnSpLocks/>
+          </p:cNvCxnSpPr>
+          <p:nvPr/>
+        </p:nvCxnSpPr>
+        <p:spPr>
+          <a:xfrm>
+            <a:off x="8024985" y="5059859"/>
+            <a:ext cx="0" cy="464314"/>
+          </a:xfrm>
+          <a:prstGeom prst="straightConnector1">
+            <a:avLst/>
+          </a:prstGeom>
+          <a:noFill/>
+          <a:ln w="9525" cap="flat" cmpd="sng">
+            <a:solidFill>
+              <a:srgbClr val="000000"/>
+            </a:solidFill>
+            <a:prstDash val="solid"/>
+            <a:round/>
+            <a:headEnd type="triangle" w="med" len="med"/>
+            <a:tailEnd type="triangle" w="med" len="med"/>
+          </a:ln>
+        </p:spPr>
+      </p:cxnSp>
+      <p:sp>
+        <p:nvSpPr>
+          <p:cNvPr id="66" name="Google Shape;208;p21">
+            <a:extLst>
+              <a:ext uri="{FF2B5EF4-FFF2-40B4-BE49-F238E27FC236}">
+                <a16:creationId xmlns:a16="http://schemas.microsoft.com/office/drawing/2014/main" id="{19EEC8BF-EF8A-A744-840C-E336ACF96C09}"/>
+              </a:ext>
+            </a:extLst>
+          </p:cNvPr>
+          <p:cNvSpPr/>
+          <p:nvPr/>
+        </p:nvSpPr>
+        <p:spPr>
+          <a:xfrm>
+            <a:off x="3797611" y="3157895"/>
+            <a:ext cx="1756200" cy="1318143"/>
+          </a:xfrm>
+          <a:prstGeom prst="rect">
+            <a:avLst/>
+          </a:prstGeom>
+          <a:solidFill>
+            <a:schemeClr val="accent1"/>
+          </a:solidFill>
+          <a:ln w="9525" cap="flat" cmpd="sng">
+            <a:solidFill>
+              <a:schemeClr val="accent1"/>
+            </a:solidFill>
+            <a:prstDash val="solid"/>
+            <a:round/>
+            <a:headEnd type="none" w="sm" len="sm"/>
+            <a:tailEnd type="none" w="sm" len="sm"/>
+          </a:ln>
+        </p:spPr>
+        <p:txBody>
+          <a:bodyPr spcFirstLastPara="1" wrap="square" lIns="91425" tIns="91425" rIns="91425" bIns="91425" anchor="ctr" anchorCtr="0">
+            <a:noAutofit/>
+          </a:bodyPr>
+          <a:lstStyle/>
+          <a:p>
+            <a:pPr marL="0" lvl="0" indent="0" rtl="0">
+              <a:spcBef>
+                <a:spcPts val="0"/>
+              </a:spcBef>
+              <a:spcAft>
+                <a:spcPts val="0"/>
+              </a:spcAft>
+              <a:buNone/>
+            </a:pPr>
+            <a:r>
+              <a:rPr lang="en" dirty="0">
+                <a:solidFill>
+                  <a:schemeClr val="bg1"/>
+                </a:solidFill>
+              </a:rPr>
+              <a:t>Control</a:t>
+            </a:r>
+            <a:endParaRPr dirty="0">
+              <a:solidFill>
+                <a:schemeClr val="bg1"/>
+              </a:solidFill>
+            </a:endParaRPr>
+          </a:p>
+          <a:p>
+            <a:pPr marL="0" lvl="0" indent="0" rtl="0">
+              <a:spcBef>
+                <a:spcPts val="0"/>
+              </a:spcBef>
+              <a:spcAft>
+                <a:spcPts val="0"/>
+              </a:spcAft>
+              <a:buNone/>
+            </a:pPr>
+            <a:r>
+              <a:rPr lang="en-US" dirty="0">
+                <a:solidFill>
+                  <a:schemeClr val="bg1"/>
+                </a:solidFill>
+              </a:rPr>
+              <a:t>Service</a:t>
+            </a:r>
+            <a:endParaRPr dirty="0">
+              <a:solidFill>
+                <a:schemeClr val="bg1"/>
+              </a:solidFill>
+            </a:endParaRPr>
+          </a:p>
+        </p:txBody>
+      </p:sp>
+      <p:sp>
+        <p:nvSpPr>
+          <p:cNvPr id="88" name="Google Shape;218;p21">
+            <a:extLst>
+              <a:ext uri="{FF2B5EF4-FFF2-40B4-BE49-F238E27FC236}">
+                <a16:creationId xmlns:a16="http://schemas.microsoft.com/office/drawing/2014/main" id="{E10804E9-BF24-9240-85F8-130FAF177DB9}"/>
+              </a:ext>
+            </a:extLst>
+          </p:cNvPr>
+          <p:cNvSpPr/>
+          <p:nvPr/>
+        </p:nvSpPr>
+        <p:spPr>
+          <a:xfrm>
+            <a:off x="7539913" y="3165633"/>
+            <a:ext cx="1073975" cy="1307980"/>
+          </a:xfrm>
+          <a:prstGeom prst="rect">
+            <a:avLst/>
+          </a:prstGeom>
+          <a:solidFill>
+            <a:schemeClr val="accent1"/>
+          </a:solidFill>
+          <a:ln w="9525" cap="flat" cmpd="sng">
+            <a:solidFill>
+              <a:schemeClr val="accent1"/>
+            </a:solidFill>
+            <a:prstDash val="solid"/>
+            <a:round/>
+            <a:headEnd type="none" w="sm" len="sm"/>
+            <a:tailEnd type="none" w="sm" len="sm"/>
+          </a:ln>
+        </p:spPr>
+        <p:txBody>
+          <a:bodyPr spcFirstLastPara="1" wrap="square" lIns="91425" tIns="91425" rIns="91425" bIns="91425" anchor="ctr" anchorCtr="0">
+            <a:noAutofit/>
+          </a:bodyPr>
+          <a:lstStyle/>
+          <a:p>
+            <a:pPr marL="0" lvl="0" indent="0" algn="ctr" rtl="0">
+              <a:spcBef>
+                <a:spcPts val="0"/>
+              </a:spcBef>
+              <a:spcAft>
+                <a:spcPts val="0"/>
+              </a:spcAft>
+              <a:buNone/>
+            </a:pPr>
+            <a:r>
+              <a:rPr lang="en" dirty="0">
+                <a:solidFill>
+                  <a:schemeClr val="bg1"/>
+                </a:solidFill>
+              </a:rPr>
+              <a:t>Topology</a:t>
+            </a:r>
+            <a:endParaRPr dirty="0">
+              <a:solidFill>
+                <a:schemeClr val="bg1"/>
+              </a:solidFill>
+            </a:endParaRPr>
+          </a:p>
+          <a:p>
+            <a:pPr marL="0" lvl="0" indent="0" algn="ctr" rtl="0">
+              <a:spcBef>
+                <a:spcPts val="0"/>
+              </a:spcBef>
+              <a:spcAft>
+                <a:spcPts val="0"/>
+              </a:spcAft>
+              <a:buNone/>
+            </a:pPr>
+            <a:r>
+              <a:rPr lang="en-US" dirty="0">
+                <a:solidFill>
+                  <a:schemeClr val="bg1"/>
+                </a:solidFill>
+              </a:rPr>
+              <a:t>Service</a:t>
+            </a:r>
+            <a:endParaRPr dirty="0">
+              <a:solidFill>
+                <a:schemeClr val="bg1"/>
+              </a:solidFill>
+            </a:endParaRPr>
+          </a:p>
+        </p:txBody>
+      </p:sp>
+      <p:sp>
+        <p:nvSpPr>
+          <p:cNvPr id="90" name="Can 89">
+            <a:extLst>
+              <a:ext uri="{FF2B5EF4-FFF2-40B4-BE49-F238E27FC236}">
+                <a16:creationId xmlns:a16="http://schemas.microsoft.com/office/drawing/2014/main" id="{719B20E1-A602-6C4E-9B9C-7594845318B6}"/>
+              </a:ext>
+            </a:extLst>
+          </p:cNvPr>
+          <p:cNvSpPr/>
+          <p:nvPr/>
+        </p:nvSpPr>
+        <p:spPr>
+          <a:xfrm>
+            <a:off x="4919452" y="3474354"/>
+            <a:ext cx="503584" cy="594106"/>
+          </a:xfrm>
+          <a:prstGeom prst="can">
+            <a:avLst/>
+          </a:prstGeom>
+        </p:spPr>
+        <p:style>
+          <a:lnRef idx="1">
+            <a:schemeClr val="accent1"/>
+          </a:lnRef>
+          <a:fillRef idx="2">
+            <a:schemeClr val="accent1"/>
+          </a:fillRef>
+          <a:effectRef idx="1">
+            <a:schemeClr val="accent1"/>
+          </a:effectRef>
+          <a:fontRef idx="minor">
+            <a:schemeClr val="dk1"/>
+          </a:fontRef>
+        </p:style>
+        <p:txBody>
+          <a:bodyPr rtlCol="0" anchor="ctr"/>
+          <a:lstStyle/>
+          <a:p>
+            <a:pPr algn="ctr"/>
+            <a:r>
+              <a:rPr lang="en-US" sz="1600" dirty="0"/>
+              <a:t>K/V</a:t>
+            </a:r>
+          </a:p>
+        </p:txBody>
+      </p:sp>
+      <p:sp>
+        <p:nvSpPr>
+          <p:cNvPr id="91" name="Can 90">
+            <a:extLst>
+              <a:ext uri="{FF2B5EF4-FFF2-40B4-BE49-F238E27FC236}">
+                <a16:creationId xmlns:a16="http://schemas.microsoft.com/office/drawing/2014/main" id="{F9B9B25E-B71E-AE4F-A5CD-00B50C982A13}"/>
+              </a:ext>
+            </a:extLst>
+          </p:cNvPr>
+          <p:cNvSpPr/>
+          <p:nvPr/>
+        </p:nvSpPr>
+        <p:spPr>
+          <a:xfrm>
+            <a:off x="6771507" y="3474354"/>
+            <a:ext cx="535577" cy="594106"/>
+          </a:xfrm>
+          <a:prstGeom prst="can">
+            <a:avLst/>
+          </a:prstGeom>
+        </p:spPr>
+        <p:style>
+          <a:lnRef idx="1">
+            <a:schemeClr val="accent1"/>
+          </a:lnRef>
+          <a:fillRef idx="2">
+            <a:schemeClr val="accent1"/>
+          </a:fillRef>
+          <a:effectRef idx="1">
+            <a:schemeClr val="accent1"/>
+          </a:effectRef>
+          <a:fontRef idx="minor">
+            <a:schemeClr val="dk1"/>
+          </a:fontRef>
+        </p:style>
+        <p:txBody>
+          <a:bodyPr rtlCol="0" anchor="ctr"/>
+          <a:lstStyle/>
+          <a:p>
+            <a:pPr algn="ctr">
+              <a:lnSpc>
+                <a:spcPct val="80000"/>
+              </a:lnSpc>
+            </a:pPr>
+            <a:endParaRPr lang="en-US" sz="800" dirty="0"/>
+          </a:p>
+          <a:p>
+            <a:pPr algn="ctr">
+              <a:lnSpc>
+                <a:spcPct val="80000"/>
+              </a:lnSpc>
+            </a:pPr>
+            <a:r>
+              <a:rPr lang="en-US" sz="1600" dirty="0"/>
+              <a:t>TS</a:t>
+            </a:r>
+          </a:p>
+          <a:p>
+            <a:pPr algn="ctr">
+              <a:lnSpc>
+                <a:spcPct val="80000"/>
+              </a:lnSpc>
+            </a:pPr>
+            <a:r>
+              <a:rPr lang="en-US" sz="1600" dirty="0"/>
+              <a:t>DB</a:t>
+            </a:r>
+          </a:p>
+        </p:txBody>
+      </p:sp>
+      <p:cxnSp>
+        <p:nvCxnSpPr>
+          <p:cNvPr id="93" name="Straight Arrow Connector 92">
+            <a:extLst>
+              <a:ext uri="{FF2B5EF4-FFF2-40B4-BE49-F238E27FC236}">
+                <a16:creationId xmlns:a16="http://schemas.microsoft.com/office/drawing/2014/main" id="{783D7EDB-709A-6B4C-A40A-AB90CF935BB1}"/>
+              </a:ext>
+            </a:extLst>
+          </p:cNvPr>
+          <p:cNvCxnSpPr>
+            <a:cxnSpLocks/>
+          </p:cNvCxnSpPr>
+          <p:nvPr/>
+        </p:nvCxnSpPr>
+        <p:spPr>
+          <a:xfrm flipH="1">
+            <a:off x="6055058" y="2411389"/>
+            <a:ext cx="1" cy="243912"/>
+          </a:xfrm>
+          <a:prstGeom prst="straightConnector1">
+            <a:avLst/>
+          </a:prstGeom>
+          <a:ln>
+            <a:headEnd type="triangle"/>
+            <a:tailEnd type="triangle"/>
+          </a:ln>
+        </p:spPr>
+        <p:style>
+          <a:lnRef idx="3">
+            <a:schemeClr val="dk1"/>
+          </a:lnRef>
+          <a:fillRef idx="0">
+            <a:schemeClr val="dk1"/>
+          </a:fillRef>
+          <a:effectRef idx="2">
+            <a:schemeClr val="dk1"/>
+          </a:effectRef>
+          <a:fontRef idx="minor">
+            <a:schemeClr val="tx1"/>
+          </a:fontRef>
+        </p:style>
+      </p:cxnSp>
+      <p:cxnSp>
+        <p:nvCxnSpPr>
+          <p:cNvPr id="95" name="Straight Arrow Connector 94">
+            <a:extLst>
+              <a:ext uri="{FF2B5EF4-FFF2-40B4-BE49-F238E27FC236}">
+                <a16:creationId xmlns:a16="http://schemas.microsoft.com/office/drawing/2014/main" id="{15D1C234-5978-AF41-A970-731B2E4AE7F2}"/>
+              </a:ext>
+            </a:extLst>
+          </p:cNvPr>
+          <p:cNvCxnSpPr>
+            <a:cxnSpLocks/>
+          </p:cNvCxnSpPr>
+          <p:nvPr/>
+        </p:nvCxnSpPr>
+        <p:spPr>
+          <a:xfrm flipH="1">
+            <a:off x="5381130" y="2411389"/>
+            <a:ext cx="1" cy="243912"/>
+          </a:xfrm>
+          <a:prstGeom prst="straightConnector1">
+            <a:avLst/>
+          </a:prstGeom>
+          <a:ln>
+            <a:headEnd type="triangle"/>
+            <a:tailEnd type="triangle"/>
+          </a:ln>
+        </p:spPr>
+        <p:style>
+          <a:lnRef idx="3">
+            <a:schemeClr val="dk1"/>
+          </a:lnRef>
+          <a:fillRef idx="0">
+            <a:schemeClr val="dk1"/>
+          </a:fillRef>
+          <a:effectRef idx="2">
+            <a:schemeClr val="dk1"/>
+          </a:effectRef>
+          <a:fontRef idx="minor">
+            <a:schemeClr val="tx1"/>
+          </a:fontRef>
+        </p:style>
+      </p:cxnSp>
+      <p:cxnSp>
+        <p:nvCxnSpPr>
+          <p:cNvPr id="97" name="Straight Arrow Connector 96">
+            <a:extLst>
+              <a:ext uri="{FF2B5EF4-FFF2-40B4-BE49-F238E27FC236}">
+                <a16:creationId xmlns:a16="http://schemas.microsoft.com/office/drawing/2014/main" id="{E486822F-C605-2D49-A145-1470808BC03B}"/>
+              </a:ext>
+            </a:extLst>
+          </p:cNvPr>
+          <p:cNvCxnSpPr>
+            <a:cxnSpLocks/>
+          </p:cNvCxnSpPr>
+          <p:nvPr/>
+        </p:nvCxnSpPr>
+        <p:spPr>
+          <a:xfrm flipH="1">
+            <a:off x="4741123" y="2411389"/>
+            <a:ext cx="1" cy="243912"/>
+          </a:xfrm>
+          <a:prstGeom prst="straightConnector1">
+            <a:avLst/>
+          </a:prstGeom>
+          <a:ln>
+            <a:headEnd type="triangle"/>
+            <a:tailEnd type="triangle"/>
+          </a:ln>
+        </p:spPr>
+        <p:style>
+          <a:lnRef idx="3">
+            <a:schemeClr val="dk1"/>
+          </a:lnRef>
+          <a:fillRef idx="0">
+            <a:schemeClr val="dk1"/>
+          </a:fillRef>
+          <a:effectRef idx="2">
+            <a:schemeClr val="dk1"/>
+          </a:effectRef>
+          <a:fontRef idx="minor">
+            <a:schemeClr val="tx1"/>
+          </a:fontRef>
+        </p:style>
+      </p:cxnSp>
+      <p:cxnSp>
+        <p:nvCxnSpPr>
+          <p:cNvPr id="99" name="Straight Arrow Connector 98">
+            <a:extLst>
+              <a:ext uri="{FF2B5EF4-FFF2-40B4-BE49-F238E27FC236}">
+                <a16:creationId xmlns:a16="http://schemas.microsoft.com/office/drawing/2014/main" id="{EB0AFEF6-8AA1-9C43-A551-73127B7344E6}"/>
+              </a:ext>
+            </a:extLst>
+          </p:cNvPr>
+          <p:cNvCxnSpPr>
+            <a:cxnSpLocks/>
+          </p:cNvCxnSpPr>
+          <p:nvPr/>
+        </p:nvCxnSpPr>
+        <p:spPr>
+          <a:xfrm flipH="1">
+            <a:off x="4047179" y="2411389"/>
+            <a:ext cx="1" cy="243912"/>
+          </a:xfrm>
+          <a:prstGeom prst="straightConnector1">
+            <a:avLst/>
+          </a:prstGeom>
+          <a:ln>
+            <a:headEnd type="triangle"/>
+            <a:tailEnd type="triangle"/>
+          </a:ln>
+        </p:spPr>
+        <p:style>
+          <a:lnRef idx="3">
+            <a:schemeClr val="dk1"/>
+          </a:lnRef>
+          <a:fillRef idx="0">
+            <a:schemeClr val="dk1"/>
+          </a:fillRef>
+          <a:effectRef idx="2">
+            <a:schemeClr val="dk1"/>
+          </a:effectRef>
+          <a:fontRef idx="minor">
+            <a:schemeClr val="tx1"/>
+          </a:fontRef>
+        </p:style>
+      </p:cxnSp>
+      <p:sp>
+        <p:nvSpPr>
+          <p:cNvPr id="100" name="Left Brace 99">
+            <a:extLst>
+              <a:ext uri="{FF2B5EF4-FFF2-40B4-BE49-F238E27FC236}">
+                <a16:creationId xmlns:a16="http://schemas.microsoft.com/office/drawing/2014/main" id="{E6ABA36E-F9D6-3E44-8EC2-AB2ECAB68B6C}"/>
+              </a:ext>
+            </a:extLst>
+          </p:cNvPr>
+          <p:cNvSpPr/>
+          <p:nvPr/>
+        </p:nvSpPr>
+        <p:spPr>
+          <a:xfrm>
+            <a:off x="3474720" y="422932"/>
+            <a:ext cx="143691" cy="1988457"/>
+          </a:xfrm>
+          <a:prstGeom prst="leftBrace">
+            <a:avLst/>
+          </a:prstGeom>
+        </p:spPr>
+        <p:style>
+          <a:lnRef idx="2">
+            <a:schemeClr val="dk1"/>
+          </a:lnRef>
+          <a:fillRef idx="0">
+            <a:schemeClr val="dk1"/>
+          </a:fillRef>
+          <a:effectRef idx="1">
+            <a:schemeClr val="dk1"/>
+          </a:effectRef>
+          <a:fontRef idx="minor">
+            <a:schemeClr val="tx1"/>
+          </a:fontRef>
+        </p:style>
+        <p:txBody>
+          <a:bodyPr rtlCol="0" anchor="ctr"/>
+          <a:lstStyle/>
+          <a:p>
+            <a:pPr algn="ctr"/>
+            <a:endParaRPr lang="en-US"/>
+          </a:p>
+        </p:txBody>
+      </p:sp>
+      <p:sp>
+        <p:nvSpPr>
+          <p:cNvPr id="101" name="TextBox 100">
+            <a:extLst>
+              <a:ext uri="{FF2B5EF4-FFF2-40B4-BE49-F238E27FC236}">
+                <a16:creationId xmlns:a16="http://schemas.microsoft.com/office/drawing/2014/main" id="{C4335CCC-988C-4842-8886-747FC47AAFF7}"/>
+              </a:ext>
+            </a:extLst>
+          </p:cNvPr>
+          <p:cNvSpPr txBox="1"/>
+          <p:nvPr/>
+        </p:nvSpPr>
+        <p:spPr>
+          <a:xfrm>
+            <a:off x="6376252" y="1387845"/>
+            <a:ext cx="343364" cy="369332"/>
+          </a:xfrm>
+          <a:prstGeom prst="rect">
+            <a:avLst/>
+          </a:prstGeom>
+          <a:noFill/>
+        </p:spPr>
+        <p:txBody>
+          <a:bodyPr wrap="none" rtlCol="0">
+            <a:spAutoFit/>
+          </a:bodyPr>
+          <a:lstStyle/>
+          <a:p>
+            <a:r>
+              <a:rPr lang="mr-IN" dirty="0"/>
+              <a:t>…</a:t>
+            </a:r>
+            <a:endParaRPr lang="en-US" dirty="0"/>
+          </a:p>
+        </p:txBody>
+      </p:sp>
+      <p:cxnSp>
+        <p:nvCxnSpPr>
+          <p:cNvPr id="102" name="Google Shape;199;p21">
+            <a:extLst>
+              <a:ext uri="{FF2B5EF4-FFF2-40B4-BE49-F238E27FC236}">
+                <a16:creationId xmlns:a16="http://schemas.microsoft.com/office/drawing/2014/main" id="{2532E110-D669-FE41-B15D-1480A2275BB5}"/>
+              </a:ext>
+            </a:extLst>
+          </p:cNvPr>
+          <p:cNvCxnSpPr>
+            <a:cxnSpLocks/>
+          </p:cNvCxnSpPr>
+          <p:nvPr/>
+        </p:nvCxnSpPr>
+        <p:spPr>
+          <a:xfrm>
+            <a:off x="5592144" y="5056971"/>
+            <a:ext cx="0" cy="349317"/>
+          </a:xfrm>
+          <a:prstGeom prst="straightConnector1">
+            <a:avLst/>
+          </a:prstGeom>
+          <a:noFill/>
+          <a:ln w="9525" cap="flat" cmpd="sng">
+            <a:solidFill>
+              <a:srgbClr val="000000"/>
+            </a:solidFill>
+            <a:prstDash val="solid"/>
+            <a:round/>
+            <a:headEnd type="triangle" w="med" len="med"/>
+            <a:tailEnd type="triangle" w="med" len="med"/>
+          </a:ln>
+        </p:spPr>
+      </p:cxnSp>
+      <p:sp>
+        <p:nvSpPr>
+          <p:cNvPr id="103" name="Rounded Rectangle 102">
+            <a:extLst>
+              <a:ext uri="{FF2B5EF4-FFF2-40B4-BE49-F238E27FC236}">
+                <a16:creationId xmlns:a16="http://schemas.microsoft.com/office/drawing/2014/main" id="{D0FC9EB2-23AD-CB4A-9B3A-AD9EA7F39242}"/>
+              </a:ext>
+            </a:extLst>
+          </p:cNvPr>
+          <p:cNvSpPr/>
+          <p:nvPr/>
+        </p:nvSpPr>
+        <p:spPr>
+          <a:xfrm>
+            <a:off x="6990346" y="422932"/>
+            <a:ext cx="1623540" cy="1928983"/>
+          </a:xfrm>
+          <a:prstGeom prst="roundRect">
+            <a:avLst>
+              <a:gd name="adj" fmla="val 9085"/>
+            </a:avLst>
+          </a:prstGeom>
+        </p:spPr>
+        <p:style>
+          <a:lnRef idx="1">
+            <a:schemeClr val="accent5"/>
+          </a:lnRef>
+          <a:fillRef idx="2">
+            <a:schemeClr val="accent5"/>
+          </a:fillRef>
+          <a:effectRef idx="1">
+            <a:schemeClr val="accent5"/>
+          </a:effectRef>
+          <a:fontRef idx="minor">
+            <a:schemeClr val="dk1"/>
+          </a:fontRef>
+        </p:style>
+        <p:txBody>
+          <a:bodyPr rtlCol="0" anchor="ctr"/>
+          <a:lstStyle/>
+          <a:p>
+            <a:pPr algn="ctr"/>
+            <a:r>
+              <a:rPr lang="en-US" dirty="0"/>
+              <a:t>Service Management</a:t>
+            </a:r>
+          </a:p>
+          <a:p>
+            <a:pPr algn="ctr"/>
+            <a:r>
+              <a:rPr lang="en-US" dirty="0"/>
+              <a:t>and</a:t>
+            </a:r>
+          </a:p>
+          <a:p>
+            <a:pPr algn="ctr"/>
+            <a:r>
+              <a:rPr lang="en-US" dirty="0"/>
+              <a:t>Orchestration</a:t>
+            </a:r>
+          </a:p>
+          <a:p>
+            <a:pPr algn="ctr"/>
+            <a:r>
+              <a:rPr lang="en-US" dirty="0"/>
+              <a:t>(Non-RT)</a:t>
+            </a:r>
+          </a:p>
+        </p:txBody>
+      </p:sp>
+      <p:sp>
+        <p:nvSpPr>
+          <p:cNvPr id="13" name="Rounded Rectangle 12">
+            <a:extLst>
+              <a:ext uri="{FF2B5EF4-FFF2-40B4-BE49-F238E27FC236}">
+                <a16:creationId xmlns:a16="http://schemas.microsoft.com/office/drawing/2014/main" id="{57CD5C9C-6F9D-2C4E-AF98-8D0122A14781}"/>
+              </a:ext>
+            </a:extLst>
+          </p:cNvPr>
+          <p:cNvSpPr/>
+          <p:nvPr/>
+        </p:nvSpPr>
+        <p:spPr>
+          <a:xfrm rot="5400000">
+            <a:off x="3051918" y="1204771"/>
+            <a:ext cx="1990987" cy="448977"/>
+          </a:xfrm>
+          <a:prstGeom prst="roundRect">
+            <a:avLst/>
+          </a:prstGeom>
+        </p:spPr>
+        <p:style>
+          <a:lnRef idx="1">
+            <a:schemeClr val="dk1"/>
+          </a:lnRef>
+          <a:fillRef idx="2">
+            <a:schemeClr val="dk1"/>
+          </a:fillRef>
+          <a:effectRef idx="1">
+            <a:schemeClr val="dk1"/>
+          </a:effectRef>
+          <a:fontRef idx="minor">
+            <a:schemeClr val="dk1"/>
+          </a:fontRef>
+        </p:style>
+        <p:txBody>
+          <a:bodyPr rtlCol="0" anchor="ctr"/>
+          <a:lstStyle/>
+          <a:p>
+            <a:pPr algn="ctr"/>
+            <a:r>
+              <a:rPr lang="en-US" dirty="0">
+                <a:solidFill>
+                  <a:schemeClr val="bg1"/>
+                </a:solidFill>
+              </a:rPr>
+              <a:t>Handover Control</a:t>
+            </a:r>
+          </a:p>
+        </p:txBody>
+      </p:sp>
+      <p:sp>
+        <p:nvSpPr>
+          <p:cNvPr id="104" name="Rounded Rectangle 103">
+            <a:extLst>
+              <a:ext uri="{FF2B5EF4-FFF2-40B4-BE49-F238E27FC236}">
+                <a16:creationId xmlns:a16="http://schemas.microsoft.com/office/drawing/2014/main" id="{90F13E4B-E69E-FC42-B7E0-F0F34310B61B}"/>
+              </a:ext>
+            </a:extLst>
+          </p:cNvPr>
+          <p:cNvSpPr/>
+          <p:nvPr/>
+        </p:nvSpPr>
+        <p:spPr>
+          <a:xfrm rot="5400000">
+            <a:off x="4397833" y="1204771"/>
+            <a:ext cx="1990987" cy="448977"/>
+          </a:xfrm>
+          <a:prstGeom prst="roundRect">
+            <a:avLst/>
+          </a:prstGeom>
+        </p:spPr>
+        <p:style>
+          <a:lnRef idx="1">
+            <a:schemeClr val="dk1"/>
+          </a:lnRef>
+          <a:fillRef idx="2">
+            <a:schemeClr val="dk1"/>
+          </a:fillRef>
+          <a:effectRef idx="1">
+            <a:schemeClr val="dk1"/>
+          </a:effectRef>
+          <a:fontRef idx="minor">
+            <a:schemeClr val="dk1"/>
+          </a:fontRef>
+        </p:style>
+        <p:txBody>
+          <a:bodyPr rtlCol="0" anchor="ctr"/>
+          <a:lstStyle/>
+          <a:p>
+            <a:pPr algn="ctr"/>
+            <a:r>
+              <a:rPr lang="en-US" dirty="0">
+                <a:solidFill>
+                  <a:schemeClr val="bg1"/>
+                </a:solidFill>
+              </a:rPr>
+              <a:t>Link Aggregation</a:t>
+            </a:r>
+          </a:p>
+        </p:txBody>
+      </p:sp>
+      <p:sp>
+        <p:nvSpPr>
+          <p:cNvPr id="105" name="Rounded Rectangle 104">
+            <a:extLst>
+              <a:ext uri="{FF2B5EF4-FFF2-40B4-BE49-F238E27FC236}">
+                <a16:creationId xmlns:a16="http://schemas.microsoft.com/office/drawing/2014/main" id="{678192F9-FD0A-1A45-AEC7-3C2A0594D974}"/>
+              </a:ext>
+            </a:extLst>
+          </p:cNvPr>
+          <p:cNvSpPr/>
+          <p:nvPr/>
+        </p:nvSpPr>
+        <p:spPr>
+          <a:xfrm rot="5400000">
+            <a:off x="3744344" y="1204771"/>
+            <a:ext cx="1990987" cy="448977"/>
+          </a:xfrm>
+          <a:prstGeom prst="roundRect">
+            <a:avLst/>
+          </a:prstGeom>
+        </p:spPr>
+        <p:style>
+          <a:lnRef idx="1">
+            <a:schemeClr val="dk1"/>
+          </a:lnRef>
+          <a:fillRef idx="2">
+            <a:schemeClr val="dk1"/>
+          </a:fillRef>
+          <a:effectRef idx="1">
+            <a:schemeClr val="dk1"/>
+          </a:effectRef>
+          <a:fontRef idx="minor">
+            <a:schemeClr val="dk1"/>
+          </a:fontRef>
+        </p:style>
+        <p:txBody>
+          <a:bodyPr rtlCol="0" anchor="ctr"/>
+          <a:lstStyle/>
+          <a:p>
+            <a:pPr algn="ctr"/>
+            <a:r>
+              <a:rPr lang="en-US" dirty="0">
+                <a:solidFill>
+                  <a:schemeClr val="bg1"/>
+                </a:solidFill>
+              </a:rPr>
+              <a:t>Interference Mgmt</a:t>
+            </a:r>
+          </a:p>
+        </p:txBody>
+      </p:sp>
+      <p:sp>
+        <p:nvSpPr>
+          <p:cNvPr id="106" name="Rounded Rectangle 105">
+            <a:extLst>
+              <a:ext uri="{FF2B5EF4-FFF2-40B4-BE49-F238E27FC236}">
+                <a16:creationId xmlns:a16="http://schemas.microsoft.com/office/drawing/2014/main" id="{1D02F7E1-3ED9-D440-838B-DC9E9DD352CD}"/>
+              </a:ext>
+            </a:extLst>
+          </p:cNvPr>
+          <p:cNvSpPr/>
+          <p:nvPr/>
+        </p:nvSpPr>
+        <p:spPr>
+          <a:xfrm rot="5400000">
+            <a:off x="5057146" y="1204771"/>
+            <a:ext cx="1990987" cy="448977"/>
+          </a:xfrm>
+          <a:prstGeom prst="roundRect">
+            <a:avLst/>
+          </a:prstGeom>
+        </p:spPr>
+        <p:style>
+          <a:lnRef idx="1">
+            <a:schemeClr val="dk1"/>
+          </a:lnRef>
+          <a:fillRef idx="2">
+            <a:schemeClr val="dk1"/>
+          </a:fillRef>
+          <a:effectRef idx="1">
+            <a:schemeClr val="dk1"/>
+          </a:effectRef>
+          <a:fontRef idx="minor">
+            <a:schemeClr val="dk1"/>
+          </a:fontRef>
+        </p:style>
+        <p:txBody>
+          <a:bodyPr rtlCol="0" anchor="ctr"/>
+          <a:lstStyle/>
+          <a:p>
+            <a:pPr algn="ctr"/>
+            <a:r>
+              <a:rPr lang="en-US" dirty="0">
+                <a:solidFill>
+                  <a:schemeClr val="bg1"/>
+                </a:solidFill>
+              </a:rPr>
+              <a:t>Load Balancing</a:t>
+            </a:r>
+          </a:p>
+        </p:txBody>
+      </p:sp>
+    </p:spTree>
+    <p:extLst>
+      <p:ext uri="{BB962C8B-B14F-4D97-AF65-F5344CB8AC3E}">
+        <p14:creationId xmlns:p14="http://schemas.microsoft.com/office/powerpoint/2010/main" val="3687677234"/>
       </p:ext>
     </p:extLst>
   </p:cSld>

--- a/access.pptx
+++ b/access.pptx
@@ -12910,8 +12910,12 @@
               <a:buNone/>
             </a:pPr>
             <a:r>
+              <a:rPr lang="en-US" sz="1600" b="1" dirty="0" err="1"/>
+              <a:t>xApp</a:t>
+            </a:r>
+            <a:r>
               <a:rPr lang="en-US" sz="1600" b="1" dirty="0"/>
-              <a:t>C1</a:t>
+              <a:t> SDK</a:t>
             </a:r>
             <a:endParaRPr sz="1600" b="1" dirty="0"/>
           </a:p>

--- a/access.pptx
+++ b/access.pptx
@@ -5,7 +5,7 @@
     <p:sldMasterId id="2147483648" r:id="rId1"/>
   </p:sldMasterIdLst>
   <p:notesMasterIdLst>
-    <p:notesMasterId r:id="rId9"/>
+    <p:notesMasterId r:id="rId10"/>
   </p:notesMasterIdLst>
   <p:sldIdLst>
     <p:sldId id="257" r:id="rId2"/>
@@ -15,6 +15,7 @@
     <p:sldId id="262" r:id="rId6"/>
     <p:sldId id="263" r:id="rId7"/>
     <p:sldId id="264" r:id="rId8"/>
+    <p:sldId id="265" r:id="rId9"/>
   </p:sldIdLst>
   <p:sldSz cx="12192000" cy="6858000"/>
   <p:notesSz cx="6858000" cy="9144000"/>
@@ -203,7 +204,7 @@
           <a:p>
             <a:fld id="{CD99FC43-7065-F348-8836-4FD247176936}" type="datetimeFigureOut">
               <a:rPr lang="en-US" smtClean="0"/>
-              <a:t>8/3/21</a:t>
+              <a:t>8/4/21</a:t>
             </a:fld>
             <a:endParaRPr lang="en-US"/>
           </a:p>
@@ -599,7 +600,7 @@
           <a:p>
             <a:fld id="{5D97E163-DB95-D24D-8C95-263DECB1FC34}" type="datetimeFigureOut">
               <a:rPr lang="en-US" smtClean="0"/>
-              <a:t>8/3/21</a:t>
+              <a:t>8/4/21</a:t>
             </a:fld>
             <a:endParaRPr lang="en-US"/>
           </a:p>
@@ -767,7 +768,7 @@
           <a:p>
             <a:fld id="{5D97E163-DB95-D24D-8C95-263DECB1FC34}" type="datetimeFigureOut">
               <a:rPr lang="en-US" smtClean="0"/>
-              <a:t>8/3/21</a:t>
+              <a:t>8/4/21</a:t>
             </a:fld>
             <a:endParaRPr lang="en-US"/>
           </a:p>
@@ -945,7 +946,7 @@
           <a:p>
             <a:fld id="{5D97E163-DB95-D24D-8C95-263DECB1FC34}" type="datetimeFigureOut">
               <a:rPr lang="en-US" smtClean="0"/>
-              <a:t>8/3/21</a:t>
+              <a:t>8/4/21</a:t>
             </a:fld>
             <a:endParaRPr lang="en-US"/>
           </a:p>
@@ -1113,7 +1114,7 @@
           <a:p>
             <a:fld id="{5D97E163-DB95-D24D-8C95-263DECB1FC34}" type="datetimeFigureOut">
               <a:rPr lang="en-US" smtClean="0"/>
-              <a:t>8/3/21</a:t>
+              <a:t>8/4/21</a:t>
             </a:fld>
             <a:endParaRPr lang="en-US"/>
           </a:p>
@@ -1358,7 +1359,7 @@
           <a:p>
             <a:fld id="{5D97E163-DB95-D24D-8C95-263DECB1FC34}" type="datetimeFigureOut">
               <a:rPr lang="en-US" smtClean="0"/>
-              <a:t>8/3/21</a:t>
+              <a:t>8/4/21</a:t>
             </a:fld>
             <a:endParaRPr lang="en-US"/>
           </a:p>
@@ -1587,7 +1588,7 @@
           <a:p>
             <a:fld id="{5D97E163-DB95-D24D-8C95-263DECB1FC34}" type="datetimeFigureOut">
               <a:rPr lang="en-US" smtClean="0"/>
-              <a:t>8/3/21</a:t>
+              <a:t>8/4/21</a:t>
             </a:fld>
             <a:endParaRPr lang="en-US"/>
           </a:p>
@@ -1951,7 +1952,7 @@
           <a:p>
             <a:fld id="{5D97E163-DB95-D24D-8C95-263DECB1FC34}" type="datetimeFigureOut">
               <a:rPr lang="en-US" smtClean="0"/>
-              <a:t>8/3/21</a:t>
+              <a:t>8/4/21</a:t>
             </a:fld>
             <a:endParaRPr lang="en-US"/>
           </a:p>
@@ -2068,7 +2069,7 @@
           <a:p>
             <a:fld id="{5D97E163-DB95-D24D-8C95-263DECB1FC34}" type="datetimeFigureOut">
               <a:rPr lang="en-US" smtClean="0"/>
-              <a:t>8/3/21</a:t>
+              <a:t>8/4/21</a:t>
             </a:fld>
             <a:endParaRPr lang="en-US"/>
           </a:p>
@@ -2163,7 +2164,7 @@
           <a:p>
             <a:fld id="{5D97E163-DB95-D24D-8C95-263DECB1FC34}" type="datetimeFigureOut">
               <a:rPr lang="en-US" smtClean="0"/>
-              <a:t>8/3/21</a:t>
+              <a:t>8/4/21</a:t>
             </a:fld>
             <a:endParaRPr lang="en-US"/>
           </a:p>
@@ -2438,7 +2439,7 @@
           <a:p>
             <a:fld id="{5D97E163-DB95-D24D-8C95-263DECB1FC34}" type="datetimeFigureOut">
               <a:rPr lang="en-US" smtClean="0"/>
-              <a:t>8/3/21</a:t>
+              <a:t>8/4/21</a:t>
             </a:fld>
             <a:endParaRPr lang="en-US"/>
           </a:p>
@@ -2690,7 +2691,7 @@
           <a:p>
             <a:fld id="{5D97E163-DB95-D24D-8C95-263DECB1FC34}" type="datetimeFigureOut">
               <a:rPr lang="en-US" smtClean="0"/>
-              <a:t>8/3/21</a:t>
+              <a:t>8/4/21</a:t>
             </a:fld>
             <a:endParaRPr lang="en-US"/>
           </a:p>
@@ -2901,7 +2902,7 @@
           <a:p>
             <a:fld id="{5D97E163-DB95-D24D-8C95-263DECB1FC34}" type="datetimeFigureOut">
               <a:rPr lang="en-US" smtClean="0"/>
-              <a:t>8/3/21</a:t>
+              <a:t>8/4/21</a:t>
             </a:fld>
             <a:endParaRPr lang="en-US"/>
           </a:p>
@@ -14042,6 +14043,1986 @@
     <p:extLst>
       <p:ext uri="{BB962C8B-B14F-4D97-AF65-F5344CB8AC3E}">
         <p14:creationId xmlns:p14="http://schemas.microsoft.com/office/powerpoint/2010/main" val="3687677234"/>
+      </p:ext>
+    </p:extLst>
+  </p:cSld>
+  <p:clrMapOvr>
+    <a:masterClrMapping/>
+  </p:clrMapOvr>
+</p:sld>
+</file>
+
+<file path=ppt/slides/slide8.xml><?xml version="1.0" encoding="utf-8"?>
+<p:sld xmlns:a="http://schemas.openxmlformats.org/drawingml/2006/main" xmlns:r="http://schemas.openxmlformats.org/officeDocument/2006/relationships" xmlns:p="http://schemas.openxmlformats.org/presentationml/2006/main">
+  <p:cSld>
+    <p:spTree>
+      <p:nvGrpSpPr>
+        <p:cNvPr id="1" name=""/>
+        <p:cNvGrpSpPr/>
+        <p:nvPr/>
+      </p:nvGrpSpPr>
+      <p:grpSpPr>
+        <a:xfrm>
+          <a:off x="0" y="0"/>
+          <a:ext cx="0" cy="0"/>
+          <a:chOff x="0" y="0"/>
+          <a:chExt cx="0" cy="0"/>
+        </a:xfrm>
+      </p:grpSpPr>
+      <p:sp>
+        <p:nvSpPr>
+          <p:cNvPr id="114" name="Rounded Rectangle 113">
+            <a:extLst>
+              <a:ext uri="{FF2B5EF4-FFF2-40B4-BE49-F238E27FC236}">
+                <a16:creationId xmlns:a16="http://schemas.microsoft.com/office/drawing/2014/main" id="{430F655F-DCCA-4E4D-8F82-6185340AE299}"/>
+              </a:ext>
+            </a:extLst>
+          </p:cNvPr>
+          <p:cNvSpPr/>
+          <p:nvPr/>
+        </p:nvSpPr>
+        <p:spPr>
+          <a:xfrm>
+            <a:off x="7123100" y="673364"/>
+            <a:ext cx="1087394" cy="360153"/>
+          </a:xfrm>
+          <a:prstGeom prst="roundRect">
+            <a:avLst/>
+          </a:prstGeom>
+          <a:solidFill>
+            <a:schemeClr val="accent1">
+              <a:lumMod val="40000"/>
+              <a:lumOff val="60000"/>
+            </a:schemeClr>
+          </a:solidFill>
+          <a:ln w="19050">
+            <a:solidFill>
+              <a:schemeClr val="accent1">
+                <a:lumMod val="75000"/>
+              </a:schemeClr>
+            </a:solidFill>
+          </a:ln>
+        </p:spPr>
+        <p:style>
+          <a:lnRef idx="2">
+            <a:schemeClr val="accent1">
+              <a:shade val="50000"/>
+            </a:schemeClr>
+          </a:lnRef>
+          <a:fillRef idx="1">
+            <a:schemeClr val="accent1"/>
+          </a:fillRef>
+          <a:effectRef idx="0">
+            <a:schemeClr val="accent1"/>
+          </a:effectRef>
+          <a:fontRef idx="minor">
+            <a:schemeClr val="lt1"/>
+          </a:fontRef>
+        </p:style>
+        <p:txBody>
+          <a:bodyPr rtlCol="0" anchor="ctr"/>
+          <a:lstStyle/>
+          <a:p>
+            <a:pPr algn="r"/>
+            <a:r>
+              <a:rPr lang="en-US" sz="1400" dirty="0">
+                <a:solidFill>
+                  <a:schemeClr val="tx1"/>
+                </a:solidFill>
+              </a:rPr>
+              <a:t>…</a:t>
+            </a:r>
+          </a:p>
+        </p:txBody>
+      </p:sp>
+      <p:sp>
+        <p:nvSpPr>
+          <p:cNvPr id="109" name="Rounded Rectangle 108">
+            <a:extLst>
+              <a:ext uri="{FF2B5EF4-FFF2-40B4-BE49-F238E27FC236}">
+                <a16:creationId xmlns:a16="http://schemas.microsoft.com/office/drawing/2014/main" id="{73F91ACE-7F53-504B-B75F-5B13604C6DF4}"/>
+              </a:ext>
+            </a:extLst>
+          </p:cNvPr>
+          <p:cNvSpPr/>
+          <p:nvPr/>
+        </p:nvSpPr>
+        <p:spPr>
+          <a:xfrm>
+            <a:off x="6682375" y="4433255"/>
+            <a:ext cx="1528119" cy="417522"/>
+          </a:xfrm>
+          <a:prstGeom prst="roundRect">
+            <a:avLst/>
+          </a:prstGeom>
+          <a:solidFill>
+            <a:schemeClr val="bg1"/>
+          </a:solidFill>
+          <a:ln w="28575">
+            <a:solidFill>
+              <a:schemeClr val="accent1"/>
+            </a:solidFill>
+          </a:ln>
+        </p:spPr>
+        <p:style>
+          <a:lnRef idx="2">
+            <a:schemeClr val="accent1">
+              <a:shade val="50000"/>
+            </a:schemeClr>
+          </a:lnRef>
+          <a:fillRef idx="1">
+            <a:schemeClr val="accent1"/>
+          </a:fillRef>
+          <a:effectRef idx="0">
+            <a:schemeClr val="accent1"/>
+          </a:effectRef>
+          <a:fontRef idx="minor">
+            <a:schemeClr val="lt1"/>
+          </a:fontRef>
+        </p:style>
+        <p:txBody>
+          <a:bodyPr rtlCol="0" anchor="ctr"/>
+          <a:lstStyle/>
+          <a:p>
+            <a:pPr algn="ctr"/>
+            <a:r>
+              <a:rPr lang="en-US" dirty="0">
+                <a:solidFill>
+                  <a:schemeClr val="tx1"/>
+                </a:solidFill>
+              </a:rPr>
+              <a:t>Fabric Switch</a:t>
+            </a:r>
+          </a:p>
+        </p:txBody>
+      </p:sp>
+      <p:sp>
+        <p:nvSpPr>
+          <p:cNvPr id="108" name="Rounded Rectangle 107">
+            <a:extLst>
+              <a:ext uri="{FF2B5EF4-FFF2-40B4-BE49-F238E27FC236}">
+                <a16:creationId xmlns:a16="http://schemas.microsoft.com/office/drawing/2014/main" id="{F6BF05F4-1691-DD40-99FA-BFDAB2BAD44E}"/>
+              </a:ext>
+            </a:extLst>
+          </p:cNvPr>
+          <p:cNvSpPr/>
+          <p:nvPr/>
+        </p:nvSpPr>
+        <p:spPr>
+          <a:xfrm>
+            <a:off x="6571071" y="4321951"/>
+            <a:ext cx="1528119" cy="417522"/>
+          </a:xfrm>
+          <a:prstGeom prst="roundRect">
+            <a:avLst/>
+          </a:prstGeom>
+          <a:solidFill>
+            <a:schemeClr val="bg1"/>
+          </a:solidFill>
+          <a:ln w="28575">
+            <a:solidFill>
+              <a:schemeClr val="accent1"/>
+            </a:solidFill>
+          </a:ln>
+        </p:spPr>
+        <p:style>
+          <a:lnRef idx="2">
+            <a:schemeClr val="accent1">
+              <a:shade val="50000"/>
+            </a:schemeClr>
+          </a:lnRef>
+          <a:fillRef idx="1">
+            <a:schemeClr val="accent1"/>
+          </a:fillRef>
+          <a:effectRef idx="0">
+            <a:schemeClr val="accent1"/>
+          </a:effectRef>
+          <a:fontRef idx="minor">
+            <a:schemeClr val="lt1"/>
+          </a:fontRef>
+        </p:style>
+        <p:txBody>
+          <a:bodyPr rtlCol="0" anchor="ctr"/>
+          <a:lstStyle/>
+          <a:p>
+            <a:pPr algn="ctr"/>
+            <a:r>
+              <a:rPr lang="en-US" dirty="0">
+                <a:solidFill>
+                  <a:schemeClr val="tx1"/>
+                </a:solidFill>
+              </a:rPr>
+              <a:t>Fabric Switch</a:t>
+            </a:r>
+          </a:p>
+        </p:txBody>
+      </p:sp>
+      <p:sp>
+        <p:nvSpPr>
+          <p:cNvPr id="81" name="Rounded Rectangle 80">
+            <a:extLst>
+              <a:ext uri="{FF2B5EF4-FFF2-40B4-BE49-F238E27FC236}">
+                <a16:creationId xmlns:a16="http://schemas.microsoft.com/office/drawing/2014/main" id="{1402D42A-FBD7-9942-9EC9-7181570EA045}"/>
+              </a:ext>
+            </a:extLst>
+          </p:cNvPr>
+          <p:cNvSpPr/>
+          <p:nvPr/>
+        </p:nvSpPr>
+        <p:spPr>
+          <a:xfrm>
+            <a:off x="1290547" y="3413357"/>
+            <a:ext cx="4585252" cy="2348948"/>
+          </a:xfrm>
+          <a:prstGeom prst="roundRect">
+            <a:avLst>
+              <a:gd name="adj" fmla="val 10461"/>
+            </a:avLst>
+          </a:prstGeom>
+          <a:solidFill>
+            <a:schemeClr val="bg1">
+              <a:lumMod val="95000"/>
+            </a:schemeClr>
+          </a:solidFill>
+          <a:ln w="6350">
+            <a:solidFill>
+              <a:schemeClr val="tx1"/>
+            </a:solidFill>
+            <a:prstDash val="solid"/>
+          </a:ln>
+        </p:spPr>
+        <p:style>
+          <a:lnRef idx="2">
+            <a:schemeClr val="accent1">
+              <a:shade val="50000"/>
+            </a:schemeClr>
+          </a:lnRef>
+          <a:fillRef idx="1">
+            <a:schemeClr val="accent1"/>
+          </a:fillRef>
+          <a:effectRef idx="0">
+            <a:schemeClr val="accent1"/>
+          </a:effectRef>
+          <a:fontRef idx="minor">
+            <a:schemeClr val="lt1"/>
+          </a:fontRef>
+        </p:style>
+        <p:txBody>
+          <a:bodyPr rtlCol="0" anchor="ctr"/>
+          <a:lstStyle/>
+          <a:p>
+            <a:pPr algn="ctr"/>
+            <a:endParaRPr lang="en-US"/>
+          </a:p>
+        </p:txBody>
+      </p:sp>
+      <p:sp>
+        <p:nvSpPr>
+          <p:cNvPr id="80" name="Rounded Rectangle 79">
+            <a:extLst>
+              <a:ext uri="{FF2B5EF4-FFF2-40B4-BE49-F238E27FC236}">
+                <a16:creationId xmlns:a16="http://schemas.microsoft.com/office/drawing/2014/main" id="{868354AC-F902-8C45-A20E-C7A46CA8BC5B}"/>
+              </a:ext>
+            </a:extLst>
+          </p:cNvPr>
+          <p:cNvSpPr/>
+          <p:nvPr/>
+        </p:nvSpPr>
+        <p:spPr>
+          <a:xfrm>
+            <a:off x="1208491" y="3331301"/>
+            <a:ext cx="4585252" cy="2348948"/>
+          </a:xfrm>
+          <a:prstGeom prst="roundRect">
+            <a:avLst>
+              <a:gd name="adj" fmla="val 10461"/>
+            </a:avLst>
+          </a:prstGeom>
+          <a:solidFill>
+            <a:schemeClr val="bg1">
+              <a:lumMod val="95000"/>
+            </a:schemeClr>
+          </a:solidFill>
+          <a:ln w="6350">
+            <a:solidFill>
+              <a:schemeClr val="tx1"/>
+            </a:solidFill>
+            <a:prstDash val="solid"/>
+          </a:ln>
+        </p:spPr>
+        <p:style>
+          <a:lnRef idx="2">
+            <a:schemeClr val="accent1">
+              <a:shade val="50000"/>
+            </a:schemeClr>
+          </a:lnRef>
+          <a:fillRef idx="1">
+            <a:schemeClr val="accent1"/>
+          </a:fillRef>
+          <a:effectRef idx="0">
+            <a:schemeClr val="accent1"/>
+          </a:effectRef>
+          <a:fontRef idx="minor">
+            <a:schemeClr val="lt1"/>
+          </a:fontRef>
+        </p:style>
+        <p:txBody>
+          <a:bodyPr rtlCol="0" anchor="ctr"/>
+          <a:lstStyle/>
+          <a:p>
+            <a:pPr algn="ctr"/>
+            <a:endParaRPr lang="en-US"/>
+          </a:p>
+        </p:txBody>
+      </p:sp>
+      <p:sp>
+        <p:nvSpPr>
+          <p:cNvPr id="49" name="Rounded Rectangle 48">
+            <a:extLst>
+              <a:ext uri="{FF2B5EF4-FFF2-40B4-BE49-F238E27FC236}">
+                <a16:creationId xmlns:a16="http://schemas.microsoft.com/office/drawing/2014/main" id="{58889726-525E-954A-AFC8-591C7F57AA18}"/>
+              </a:ext>
+            </a:extLst>
+          </p:cNvPr>
+          <p:cNvSpPr/>
+          <p:nvPr/>
+        </p:nvSpPr>
+        <p:spPr>
+          <a:xfrm>
+            <a:off x="1126435" y="3249245"/>
+            <a:ext cx="4585252" cy="2348948"/>
+          </a:xfrm>
+          <a:prstGeom prst="roundRect">
+            <a:avLst>
+              <a:gd name="adj" fmla="val 10461"/>
+            </a:avLst>
+          </a:prstGeom>
+          <a:solidFill>
+            <a:schemeClr val="bg1">
+              <a:lumMod val="95000"/>
+            </a:schemeClr>
+          </a:solidFill>
+          <a:ln w="6350">
+            <a:solidFill>
+              <a:schemeClr val="tx1"/>
+            </a:solidFill>
+            <a:prstDash val="solid"/>
+          </a:ln>
+        </p:spPr>
+        <p:style>
+          <a:lnRef idx="2">
+            <a:schemeClr val="accent1">
+              <a:shade val="50000"/>
+            </a:schemeClr>
+          </a:lnRef>
+          <a:fillRef idx="1">
+            <a:schemeClr val="accent1"/>
+          </a:fillRef>
+          <a:effectRef idx="0">
+            <a:schemeClr val="accent1"/>
+          </a:effectRef>
+          <a:fontRef idx="minor">
+            <a:schemeClr val="lt1"/>
+          </a:fontRef>
+        </p:style>
+        <p:txBody>
+          <a:bodyPr rtlCol="0" anchor="ctr"/>
+          <a:lstStyle/>
+          <a:p>
+            <a:pPr algn="ctr"/>
+            <a:endParaRPr lang="en-US"/>
+          </a:p>
+        </p:txBody>
+      </p:sp>
+      <p:grpSp>
+        <p:nvGrpSpPr>
+          <p:cNvPr id="53" name="Group 52">
+            <a:extLst>
+              <a:ext uri="{FF2B5EF4-FFF2-40B4-BE49-F238E27FC236}">
+                <a16:creationId xmlns:a16="http://schemas.microsoft.com/office/drawing/2014/main" id="{FC39265E-23C3-4C4F-B2AD-2DEF205411EE}"/>
+              </a:ext>
+            </a:extLst>
+          </p:cNvPr>
+          <p:cNvGrpSpPr/>
+          <p:nvPr/>
+        </p:nvGrpSpPr>
+        <p:grpSpPr>
+          <a:xfrm>
+            <a:off x="1285103" y="3429000"/>
+            <a:ext cx="4324864" cy="1989438"/>
+            <a:chOff x="1285103" y="3429000"/>
+            <a:chExt cx="4324864" cy="1989438"/>
+          </a:xfrm>
+        </p:grpSpPr>
+        <p:grpSp>
+          <p:nvGrpSpPr>
+            <p:cNvPr id="4" name="Group 3">
+              <a:extLst>
+                <a:ext uri="{FF2B5EF4-FFF2-40B4-BE49-F238E27FC236}">
+                  <a16:creationId xmlns:a16="http://schemas.microsoft.com/office/drawing/2014/main" id="{19C60958-02F1-A342-8C49-CE62EB99477B}"/>
+                </a:ext>
+              </a:extLst>
+            </p:cNvPr>
+            <p:cNvGrpSpPr/>
+            <p:nvPr/>
+          </p:nvGrpSpPr>
+          <p:grpSpPr>
+            <a:xfrm>
+              <a:off x="1285103" y="3429000"/>
+              <a:ext cx="543698" cy="1989438"/>
+              <a:chOff x="1285103" y="3429000"/>
+              <a:chExt cx="543698" cy="1989438"/>
+            </a:xfrm>
+          </p:grpSpPr>
+          <p:sp>
+            <p:nvSpPr>
+              <p:cNvPr id="3" name="Rounded Rectangle 2">
+                <a:extLst>
+                  <a:ext uri="{FF2B5EF4-FFF2-40B4-BE49-F238E27FC236}">
+                    <a16:creationId xmlns:a16="http://schemas.microsoft.com/office/drawing/2014/main" id="{4F21B1D4-02B4-D14B-B89B-23404D431C50}"/>
+                  </a:ext>
+                </a:extLst>
+              </p:cNvPr>
+              <p:cNvSpPr/>
+              <p:nvPr/>
+            </p:nvSpPr>
+            <p:spPr>
+              <a:xfrm>
+                <a:off x="1285103" y="3429000"/>
+                <a:ext cx="543698" cy="420129"/>
+              </a:xfrm>
+              <a:prstGeom prst="roundRect">
+                <a:avLst/>
+              </a:prstGeom>
+              <a:solidFill>
+                <a:schemeClr val="bg1"/>
+              </a:solidFill>
+              <a:ln w="28575">
+                <a:solidFill>
+                  <a:schemeClr val="accent1"/>
+                </a:solidFill>
+              </a:ln>
+            </p:spPr>
+            <p:style>
+              <a:lnRef idx="2">
+                <a:schemeClr val="accent1">
+                  <a:shade val="50000"/>
+                </a:schemeClr>
+              </a:lnRef>
+              <a:fillRef idx="1">
+                <a:schemeClr val="accent1"/>
+              </a:fillRef>
+              <a:effectRef idx="0">
+                <a:schemeClr val="accent1"/>
+              </a:effectRef>
+              <a:fontRef idx="minor">
+                <a:schemeClr val="lt1"/>
+              </a:fontRef>
+            </p:style>
+            <p:txBody>
+              <a:bodyPr rtlCol="0" anchor="ctr"/>
+              <a:lstStyle/>
+              <a:p>
+                <a:pPr algn="ctr"/>
+                <a:r>
+                  <a:rPr lang="en-US" sz="1200" b="1" dirty="0">
+                    <a:solidFill>
+                      <a:sysClr val="windowText" lastClr="000000"/>
+                    </a:solidFill>
+                  </a:rPr>
+                  <a:t>ONU</a:t>
+                </a:r>
+              </a:p>
+            </p:txBody>
+          </p:sp>
+          <p:sp>
+            <p:nvSpPr>
+              <p:cNvPr id="34" name="Rounded Rectangle 33">
+                <a:extLst>
+                  <a:ext uri="{FF2B5EF4-FFF2-40B4-BE49-F238E27FC236}">
+                    <a16:creationId xmlns:a16="http://schemas.microsoft.com/office/drawing/2014/main" id="{CA1128D5-B61A-3541-9991-22037DAA9D6E}"/>
+                  </a:ext>
+                </a:extLst>
+              </p:cNvPr>
+              <p:cNvSpPr/>
+              <p:nvPr/>
+            </p:nvSpPr>
+            <p:spPr>
+              <a:xfrm>
+                <a:off x="1285103" y="3952103"/>
+                <a:ext cx="543698" cy="420129"/>
+              </a:xfrm>
+              <a:prstGeom prst="roundRect">
+                <a:avLst/>
+              </a:prstGeom>
+              <a:solidFill>
+                <a:schemeClr val="bg1"/>
+              </a:solidFill>
+              <a:ln w="28575">
+                <a:solidFill>
+                  <a:schemeClr val="accent1"/>
+                </a:solidFill>
+              </a:ln>
+            </p:spPr>
+            <p:style>
+              <a:lnRef idx="2">
+                <a:schemeClr val="accent1">
+                  <a:shade val="50000"/>
+                </a:schemeClr>
+              </a:lnRef>
+              <a:fillRef idx="1">
+                <a:schemeClr val="accent1"/>
+              </a:fillRef>
+              <a:effectRef idx="0">
+                <a:schemeClr val="accent1"/>
+              </a:effectRef>
+              <a:fontRef idx="minor">
+                <a:schemeClr val="lt1"/>
+              </a:fontRef>
+            </p:style>
+            <p:txBody>
+              <a:bodyPr rtlCol="0" anchor="ctr"/>
+              <a:lstStyle/>
+              <a:p>
+                <a:pPr algn="ctr"/>
+                <a:r>
+                  <a:rPr lang="en-US" sz="1200" b="1" dirty="0">
+                    <a:solidFill>
+                      <a:schemeClr val="tx1"/>
+                    </a:solidFill>
+                  </a:rPr>
+                  <a:t>ONU</a:t>
+                </a:r>
+              </a:p>
+            </p:txBody>
+          </p:sp>
+          <p:sp>
+            <p:nvSpPr>
+              <p:cNvPr id="35" name="Rounded Rectangle 34">
+                <a:extLst>
+                  <a:ext uri="{FF2B5EF4-FFF2-40B4-BE49-F238E27FC236}">
+                    <a16:creationId xmlns:a16="http://schemas.microsoft.com/office/drawing/2014/main" id="{4BC0E741-3AC5-5D49-8132-FC58BF016272}"/>
+                  </a:ext>
+                </a:extLst>
+              </p:cNvPr>
+              <p:cNvSpPr/>
+              <p:nvPr/>
+            </p:nvSpPr>
+            <p:spPr>
+              <a:xfrm>
+                <a:off x="1285103" y="4475206"/>
+                <a:ext cx="543698" cy="420129"/>
+              </a:xfrm>
+              <a:prstGeom prst="roundRect">
+                <a:avLst/>
+              </a:prstGeom>
+              <a:solidFill>
+                <a:schemeClr val="bg1"/>
+              </a:solidFill>
+              <a:ln w="28575">
+                <a:solidFill>
+                  <a:schemeClr val="accent1"/>
+                </a:solidFill>
+              </a:ln>
+            </p:spPr>
+            <p:style>
+              <a:lnRef idx="2">
+                <a:schemeClr val="accent1">
+                  <a:shade val="50000"/>
+                </a:schemeClr>
+              </a:lnRef>
+              <a:fillRef idx="1">
+                <a:schemeClr val="accent1"/>
+              </a:fillRef>
+              <a:effectRef idx="0">
+                <a:schemeClr val="accent1"/>
+              </a:effectRef>
+              <a:fontRef idx="minor">
+                <a:schemeClr val="lt1"/>
+              </a:fontRef>
+            </p:style>
+            <p:txBody>
+              <a:bodyPr rtlCol="0" anchor="ctr"/>
+              <a:lstStyle/>
+              <a:p>
+                <a:pPr algn="ctr"/>
+                <a:r>
+                  <a:rPr lang="en-US" sz="1200" b="1" dirty="0">
+                    <a:solidFill>
+                      <a:schemeClr val="tx1"/>
+                    </a:solidFill>
+                  </a:rPr>
+                  <a:t>ONU</a:t>
+                </a:r>
+              </a:p>
+            </p:txBody>
+          </p:sp>
+          <p:sp>
+            <p:nvSpPr>
+              <p:cNvPr id="37" name="Rounded Rectangle 36">
+                <a:extLst>
+                  <a:ext uri="{FF2B5EF4-FFF2-40B4-BE49-F238E27FC236}">
+                    <a16:creationId xmlns:a16="http://schemas.microsoft.com/office/drawing/2014/main" id="{3C32D803-0A38-5C4D-8069-58C73494AF79}"/>
+                  </a:ext>
+                </a:extLst>
+              </p:cNvPr>
+              <p:cNvSpPr/>
+              <p:nvPr/>
+            </p:nvSpPr>
+            <p:spPr>
+              <a:xfrm>
+                <a:off x="1285103" y="4998309"/>
+                <a:ext cx="543698" cy="420129"/>
+              </a:xfrm>
+              <a:prstGeom prst="roundRect">
+                <a:avLst/>
+              </a:prstGeom>
+              <a:solidFill>
+                <a:schemeClr val="bg1"/>
+              </a:solidFill>
+              <a:ln w="28575">
+                <a:solidFill>
+                  <a:schemeClr val="accent1"/>
+                </a:solidFill>
+              </a:ln>
+            </p:spPr>
+            <p:style>
+              <a:lnRef idx="2">
+                <a:schemeClr val="accent1">
+                  <a:shade val="50000"/>
+                </a:schemeClr>
+              </a:lnRef>
+              <a:fillRef idx="1">
+                <a:schemeClr val="accent1"/>
+              </a:fillRef>
+              <a:effectRef idx="0">
+                <a:schemeClr val="accent1"/>
+              </a:effectRef>
+              <a:fontRef idx="minor">
+                <a:schemeClr val="lt1"/>
+              </a:fontRef>
+            </p:style>
+            <p:txBody>
+              <a:bodyPr rtlCol="0" anchor="ctr"/>
+              <a:lstStyle/>
+              <a:p>
+                <a:pPr algn="ctr"/>
+                <a:r>
+                  <a:rPr lang="en-US" sz="1200" b="1" dirty="0">
+                    <a:solidFill>
+                      <a:schemeClr val="tx1"/>
+                    </a:solidFill>
+                  </a:rPr>
+                  <a:t>ONU</a:t>
+                </a:r>
+              </a:p>
+            </p:txBody>
+          </p:sp>
+        </p:grpSp>
+        <p:sp>
+          <p:nvSpPr>
+            <p:cNvPr id="38" name="Rounded Rectangle 37">
+              <a:extLst>
+                <a:ext uri="{FF2B5EF4-FFF2-40B4-BE49-F238E27FC236}">
+                  <a16:creationId xmlns:a16="http://schemas.microsoft.com/office/drawing/2014/main" id="{E7E1838D-F178-EB4C-8F1B-BCD4A962A972}"/>
+                </a:ext>
+              </a:extLst>
+            </p:cNvPr>
+            <p:cNvSpPr/>
+            <p:nvPr/>
+          </p:nvSpPr>
+          <p:spPr>
+            <a:xfrm>
+              <a:off x="4081848" y="4213655"/>
+              <a:ext cx="1528119" cy="420129"/>
+            </a:xfrm>
+            <a:prstGeom prst="roundRect">
+              <a:avLst/>
+            </a:prstGeom>
+            <a:solidFill>
+              <a:schemeClr val="bg1"/>
+            </a:solidFill>
+            <a:ln w="28575">
+              <a:solidFill>
+                <a:schemeClr val="accent1"/>
+              </a:solidFill>
+            </a:ln>
+          </p:spPr>
+          <p:style>
+            <a:lnRef idx="2">
+              <a:schemeClr val="accent1">
+                <a:shade val="50000"/>
+              </a:schemeClr>
+            </a:lnRef>
+            <a:fillRef idx="1">
+              <a:schemeClr val="accent1"/>
+            </a:fillRef>
+            <a:effectRef idx="0">
+              <a:schemeClr val="accent1"/>
+            </a:effectRef>
+            <a:fontRef idx="minor">
+              <a:schemeClr val="lt1"/>
+            </a:fontRef>
+          </p:style>
+          <p:txBody>
+            <a:bodyPr rtlCol="0" anchor="ctr"/>
+            <a:lstStyle/>
+            <a:p>
+              <a:pPr algn="ctr"/>
+              <a:r>
+                <a:rPr lang="en-US" dirty="0">
+                  <a:solidFill>
+                    <a:schemeClr val="tx1"/>
+                  </a:solidFill>
+                </a:rPr>
+                <a:t>OLT</a:t>
+              </a:r>
+            </a:p>
+          </p:txBody>
+        </p:sp>
+        <p:cxnSp>
+          <p:nvCxnSpPr>
+            <p:cNvPr id="8" name="Straight Connector 7">
+              <a:extLst>
+                <a:ext uri="{FF2B5EF4-FFF2-40B4-BE49-F238E27FC236}">
+                  <a16:creationId xmlns:a16="http://schemas.microsoft.com/office/drawing/2014/main" id="{37838A3C-FDB2-4E49-9653-D704CADDC537}"/>
+                </a:ext>
+              </a:extLst>
+            </p:cNvPr>
+            <p:cNvCxnSpPr>
+              <a:cxnSpLocks/>
+            </p:cNvCxnSpPr>
+            <p:nvPr/>
+          </p:nvCxnSpPr>
+          <p:spPr>
+            <a:xfrm flipH="1" flipV="1">
+              <a:off x="2980461" y="3900435"/>
+              <a:ext cx="1101388" cy="441094"/>
+            </a:xfrm>
+            <a:prstGeom prst="line">
+              <a:avLst/>
+            </a:prstGeom>
+            <a:ln w="19050">
+              <a:headEnd type="none" w="med" len="med"/>
+              <a:tailEnd type="oval" w="med" len="med"/>
+            </a:ln>
+          </p:spPr>
+          <p:style>
+            <a:lnRef idx="1">
+              <a:schemeClr val="accent1"/>
+            </a:lnRef>
+            <a:fillRef idx="0">
+              <a:schemeClr val="accent1"/>
+            </a:fillRef>
+            <a:effectRef idx="0">
+              <a:schemeClr val="accent1"/>
+            </a:effectRef>
+            <a:fontRef idx="minor">
+              <a:schemeClr val="tx1"/>
+            </a:fontRef>
+          </p:style>
+        </p:cxnSp>
+        <p:cxnSp>
+          <p:nvCxnSpPr>
+            <p:cNvPr id="45" name="Straight Connector 44">
+              <a:extLst>
+                <a:ext uri="{FF2B5EF4-FFF2-40B4-BE49-F238E27FC236}">
+                  <a16:creationId xmlns:a16="http://schemas.microsoft.com/office/drawing/2014/main" id="{9FF17F55-AC3F-974F-BDD6-FC55A07B1357}"/>
+                </a:ext>
+              </a:extLst>
+            </p:cNvPr>
+            <p:cNvCxnSpPr>
+              <a:cxnSpLocks/>
+            </p:cNvCxnSpPr>
+            <p:nvPr/>
+          </p:nvCxnSpPr>
+          <p:spPr>
+            <a:xfrm flipH="1">
+              <a:off x="3005142" y="4505912"/>
+              <a:ext cx="1076706" cy="441092"/>
+            </a:xfrm>
+            <a:prstGeom prst="line">
+              <a:avLst/>
+            </a:prstGeom>
+            <a:ln w="19050" cap="rnd">
+              <a:headEnd type="none" w="med" len="med"/>
+              <a:tailEnd type="oval" w="med" len="med"/>
+            </a:ln>
+          </p:spPr>
+          <p:style>
+            <a:lnRef idx="1">
+              <a:schemeClr val="accent1"/>
+            </a:lnRef>
+            <a:fillRef idx="0">
+              <a:schemeClr val="accent1"/>
+            </a:fillRef>
+            <a:effectRef idx="0">
+              <a:schemeClr val="accent1"/>
+            </a:effectRef>
+            <a:fontRef idx="minor">
+              <a:schemeClr val="tx1"/>
+            </a:fontRef>
+          </p:style>
+        </p:cxnSp>
+        <p:cxnSp>
+          <p:nvCxnSpPr>
+            <p:cNvPr id="47" name="Straight Connector 46">
+              <a:extLst>
+                <a:ext uri="{FF2B5EF4-FFF2-40B4-BE49-F238E27FC236}">
+                  <a16:creationId xmlns:a16="http://schemas.microsoft.com/office/drawing/2014/main" id="{11D2759C-7F88-2C49-BFAA-3FBC85F33493}"/>
+                </a:ext>
+              </a:extLst>
+            </p:cNvPr>
+            <p:cNvCxnSpPr>
+              <a:cxnSpLocks/>
+              <a:endCxn id="3" idx="3"/>
+            </p:cNvCxnSpPr>
+            <p:nvPr/>
+          </p:nvCxnSpPr>
+          <p:spPr>
+            <a:xfrm flipH="1" flipV="1">
+              <a:off x="1828801" y="3639065"/>
+              <a:ext cx="1151660" cy="261370"/>
+            </a:xfrm>
+            <a:prstGeom prst="line">
+              <a:avLst/>
+            </a:prstGeom>
+            <a:ln w="19050">
+              <a:headEnd type="oval" w="med" len="med"/>
+              <a:tailEnd type="none" w="med" len="med"/>
+            </a:ln>
+          </p:spPr>
+          <p:style>
+            <a:lnRef idx="1">
+              <a:schemeClr val="accent1"/>
+            </a:lnRef>
+            <a:fillRef idx="0">
+              <a:schemeClr val="accent1"/>
+            </a:fillRef>
+            <a:effectRef idx="0">
+              <a:schemeClr val="accent1"/>
+            </a:effectRef>
+            <a:fontRef idx="minor">
+              <a:schemeClr val="tx1"/>
+            </a:fontRef>
+          </p:style>
+        </p:cxnSp>
+        <p:cxnSp>
+          <p:nvCxnSpPr>
+            <p:cNvPr id="52" name="Straight Connector 51">
+              <a:extLst>
+                <a:ext uri="{FF2B5EF4-FFF2-40B4-BE49-F238E27FC236}">
+                  <a16:creationId xmlns:a16="http://schemas.microsoft.com/office/drawing/2014/main" id="{55414670-4042-504F-A913-C8662150F333}"/>
+                </a:ext>
+              </a:extLst>
+            </p:cNvPr>
+            <p:cNvCxnSpPr>
+              <a:cxnSpLocks/>
+              <a:endCxn id="34" idx="3"/>
+            </p:cNvCxnSpPr>
+            <p:nvPr/>
+          </p:nvCxnSpPr>
+          <p:spPr>
+            <a:xfrm flipH="1">
+              <a:off x="1828801" y="3900435"/>
+              <a:ext cx="1157104" cy="261733"/>
+            </a:xfrm>
+            <a:prstGeom prst="line">
+              <a:avLst/>
+            </a:prstGeom>
+            <a:ln w="19050">
+              <a:headEnd type="oval" w="med" len="med"/>
+              <a:tailEnd type="none" w="med" len="med"/>
+            </a:ln>
+          </p:spPr>
+          <p:style>
+            <a:lnRef idx="1">
+              <a:schemeClr val="accent1"/>
+            </a:lnRef>
+            <a:fillRef idx="0">
+              <a:schemeClr val="accent1"/>
+            </a:fillRef>
+            <a:effectRef idx="0">
+              <a:schemeClr val="accent1"/>
+            </a:effectRef>
+            <a:fontRef idx="minor">
+              <a:schemeClr val="tx1"/>
+            </a:fontRef>
+          </p:style>
+        </p:cxnSp>
+        <p:cxnSp>
+          <p:nvCxnSpPr>
+            <p:cNvPr id="57" name="Straight Connector 56">
+              <a:extLst>
+                <a:ext uri="{FF2B5EF4-FFF2-40B4-BE49-F238E27FC236}">
+                  <a16:creationId xmlns:a16="http://schemas.microsoft.com/office/drawing/2014/main" id="{CEF56F3C-C318-E148-B633-FFF53B70148E}"/>
+                </a:ext>
+              </a:extLst>
+            </p:cNvPr>
+            <p:cNvCxnSpPr>
+              <a:cxnSpLocks/>
+            </p:cNvCxnSpPr>
+            <p:nvPr/>
+          </p:nvCxnSpPr>
+          <p:spPr>
+            <a:xfrm flipH="1" flipV="1">
+              <a:off x="1840608" y="4695391"/>
+              <a:ext cx="1164534" cy="251613"/>
+            </a:xfrm>
+            <a:prstGeom prst="line">
+              <a:avLst/>
+            </a:prstGeom>
+            <a:ln w="19050">
+              <a:headEnd type="oval" w="med" len="med"/>
+              <a:tailEnd type="none" w="med" len="med"/>
+            </a:ln>
+          </p:spPr>
+          <p:style>
+            <a:lnRef idx="1">
+              <a:schemeClr val="accent1"/>
+            </a:lnRef>
+            <a:fillRef idx="0">
+              <a:schemeClr val="accent1"/>
+            </a:fillRef>
+            <a:effectRef idx="0">
+              <a:schemeClr val="accent1"/>
+            </a:effectRef>
+            <a:fontRef idx="minor">
+              <a:schemeClr val="tx1"/>
+            </a:fontRef>
+          </p:style>
+        </p:cxnSp>
+        <p:cxnSp>
+          <p:nvCxnSpPr>
+            <p:cNvPr id="58" name="Straight Connector 57">
+              <a:extLst>
+                <a:ext uri="{FF2B5EF4-FFF2-40B4-BE49-F238E27FC236}">
+                  <a16:creationId xmlns:a16="http://schemas.microsoft.com/office/drawing/2014/main" id="{1D7F3946-38B9-1144-9807-CCF35F1BBBEB}"/>
+                </a:ext>
+              </a:extLst>
+            </p:cNvPr>
+            <p:cNvCxnSpPr>
+              <a:cxnSpLocks/>
+            </p:cNvCxnSpPr>
+            <p:nvPr/>
+          </p:nvCxnSpPr>
+          <p:spPr>
+            <a:xfrm flipH="1">
+              <a:off x="1845844" y="4947004"/>
+              <a:ext cx="1159298" cy="244616"/>
+            </a:xfrm>
+            <a:prstGeom prst="line">
+              <a:avLst/>
+            </a:prstGeom>
+            <a:ln w="19050">
+              <a:headEnd type="oval" w="med" len="med"/>
+              <a:tailEnd type="none" w="med" len="med"/>
+            </a:ln>
+          </p:spPr>
+          <p:style>
+            <a:lnRef idx="1">
+              <a:schemeClr val="accent1"/>
+            </a:lnRef>
+            <a:fillRef idx="0">
+              <a:schemeClr val="accent1"/>
+            </a:fillRef>
+            <a:effectRef idx="0">
+              <a:schemeClr val="accent1"/>
+            </a:effectRef>
+            <a:fontRef idx="minor">
+              <a:schemeClr val="tx1"/>
+            </a:fontRef>
+          </p:style>
+        </p:cxnSp>
+      </p:grpSp>
+      <p:sp>
+        <p:nvSpPr>
+          <p:cNvPr id="59" name="Rectangle 58">
+            <a:extLst>
+              <a:ext uri="{FF2B5EF4-FFF2-40B4-BE49-F238E27FC236}">
+                <a16:creationId xmlns:a16="http://schemas.microsoft.com/office/drawing/2014/main" id="{99B39CE3-1976-7045-8A80-C8A768A3A110}"/>
+              </a:ext>
+            </a:extLst>
+          </p:cNvPr>
+          <p:cNvSpPr/>
+          <p:nvPr/>
+        </p:nvSpPr>
+        <p:spPr>
+          <a:xfrm>
+            <a:off x="4121604" y="2491409"/>
+            <a:ext cx="1431056" cy="410817"/>
+          </a:xfrm>
+          <a:prstGeom prst="rect">
+            <a:avLst/>
+          </a:prstGeom>
+          <a:solidFill>
+            <a:schemeClr val="bg1">
+              <a:lumMod val="75000"/>
+            </a:schemeClr>
+          </a:solidFill>
+          <a:ln>
+            <a:noFill/>
+          </a:ln>
+        </p:spPr>
+        <p:style>
+          <a:lnRef idx="2">
+            <a:schemeClr val="accent1">
+              <a:shade val="50000"/>
+            </a:schemeClr>
+          </a:lnRef>
+          <a:fillRef idx="1">
+            <a:schemeClr val="accent1"/>
+          </a:fillRef>
+          <a:effectRef idx="0">
+            <a:schemeClr val="accent1"/>
+          </a:effectRef>
+          <a:fontRef idx="minor">
+            <a:schemeClr val="lt1"/>
+          </a:fontRef>
+        </p:style>
+        <p:txBody>
+          <a:bodyPr rtlCol="0" anchor="ctr"/>
+          <a:lstStyle/>
+          <a:p>
+            <a:pPr algn="ctr"/>
+            <a:r>
+              <a:rPr lang="en-US" dirty="0">
+                <a:solidFill>
+                  <a:schemeClr val="tx1"/>
+                </a:solidFill>
+              </a:rPr>
+              <a:t>VOLTHA</a:t>
+            </a:r>
+          </a:p>
+        </p:txBody>
+      </p:sp>
+      <p:cxnSp>
+        <p:nvCxnSpPr>
+          <p:cNvPr id="79" name="Straight Arrow Connector 78">
+            <a:extLst>
+              <a:ext uri="{FF2B5EF4-FFF2-40B4-BE49-F238E27FC236}">
+                <a16:creationId xmlns:a16="http://schemas.microsoft.com/office/drawing/2014/main" id="{C230AF40-C779-1E47-86F3-DC6539D554C9}"/>
+              </a:ext>
+            </a:extLst>
+          </p:cNvPr>
+          <p:cNvCxnSpPr>
+            <a:stCxn id="59" idx="2"/>
+            <a:endCxn id="38" idx="0"/>
+          </p:cNvCxnSpPr>
+          <p:nvPr/>
+        </p:nvCxnSpPr>
+        <p:spPr>
+          <a:xfrm>
+            <a:off x="4837132" y="2902226"/>
+            <a:ext cx="8776" cy="1311429"/>
+          </a:xfrm>
+          <a:prstGeom prst="straightConnector1">
+            <a:avLst/>
+          </a:prstGeom>
+          <a:ln w="19050">
+            <a:solidFill>
+              <a:schemeClr val="tx1"/>
+            </a:solidFill>
+            <a:prstDash val="sysDot"/>
+            <a:tailEnd type="triangle"/>
+          </a:ln>
+        </p:spPr>
+        <p:style>
+          <a:lnRef idx="1">
+            <a:schemeClr val="accent1"/>
+          </a:lnRef>
+          <a:fillRef idx="0">
+            <a:schemeClr val="accent1"/>
+          </a:fillRef>
+          <a:effectRef idx="0">
+            <a:schemeClr val="accent1"/>
+          </a:effectRef>
+          <a:fontRef idx="minor">
+            <a:schemeClr val="tx1"/>
+          </a:fontRef>
+        </p:style>
+      </p:cxnSp>
+      <p:cxnSp>
+        <p:nvCxnSpPr>
+          <p:cNvPr id="84" name="Straight Connector 83">
+            <a:extLst>
+              <a:ext uri="{FF2B5EF4-FFF2-40B4-BE49-F238E27FC236}">
+                <a16:creationId xmlns:a16="http://schemas.microsoft.com/office/drawing/2014/main" id="{FB7C9040-3839-1046-B078-260ABB26E753}"/>
+              </a:ext>
+            </a:extLst>
+          </p:cNvPr>
+          <p:cNvCxnSpPr>
+            <a:cxnSpLocks/>
+            <a:stCxn id="3" idx="1"/>
+          </p:cNvCxnSpPr>
+          <p:nvPr/>
+        </p:nvCxnSpPr>
+        <p:spPr>
+          <a:xfrm flipH="1">
+            <a:off x="974035" y="3639065"/>
+            <a:ext cx="311068" cy="0"/>
+          </a:xfrm>
+          <a:prstGeom prst="line">
+            <a:avLst/>
+          </a:prstGeom>
+          <a:ln w="19050">
+            <a:headEnd type="oval"/>
+          </a:ln>
+        </p:spPr>
+        <p:style>
+          <a:lnRef idx="1">
+            <a:schemeClr val="accent1"/>
+          </a:lnRef>
+          <a:fillRef idx="0">
+            <a:schemeClr val="accent1"/>
+          </a:fillRef>
+          <a:effectRef idx="0">
+            <a:schemeClr val="accent1"/>
+          </a:effectRef>
+          <a:fontRef idx="minor">
+            <a:schemeClr val="tx1"/>
+          </a:fontRef>
+        </p:style>
+      </p:cxnSp>
+      <p:cxnSp>
+        <p:nvCxnSpPr>
+          <p:cNvPr id="87" name="Straight Connector 86">
+            <a:extLst>
+              <a:ext uri="{FF2B5EF4-FFF2-40B4-BE49-F238E27FC236}">
+                <a16:creationId xmlns:a16="http://schemas.microsoft.com/office/drawing/2014/main" id="{95F58D36-6C66-9C4D-AD9A-F43456F75F69}"/>
+              </a:ext>
+            </a:extLst>
+          </p:cNvPr>
+          <p:cNvCxnSpPr>
+            <a:cxnSpLocks/>
+          </p:cNvCxnSpPr>
+          <p:nvPr/>
+        </p:nvCxnSpPr>
+        <p:spPr>
+          <a:xfrm flipH="1">
+            <a:off x="967767" y="4161127"/>
+            <a:ext cx="311068" cy="0"/>
+          </a:xfrm>
+          <a:prstGeom prst="line">
+            <a:avLst/>
+          </a:prstGeom>
+          <a:ln w="19050">
+            <a:headEnd type="oval"/>
+          </a:ln>
+        </p:spPr>
+        <p:style>
+          <a:lnRef idx="1">
+            <a:schemeClr val="accent1"/>
+          </a:lnRef>
+          <a:fillRef idx="0">
+            <a:schemeClr val="accent1"/>
+          </a:fillRef>
+          <a:effectRef idx="0">
+            <a:schemeClr val="accent1"/>
+          </a:effectRef>
+          <a:fontRef idx="minor">
+            <a:schemeClr val="tx1"/>
+          </a:fontRef>
+        </p:style>
+      </p:cxnSp>
+      <p:cxnSp>
+        <p:nvCxnSpPr>
+          <p:cNvPr id="88" name="Straight Connector 87">
+            <a:extLst>
+              <a:ext uri="{FF2B5EF4-FFF2-40B4-BE49-F238E27FC236}">
+                <a16:creationId xmlns:a16="http://schemas.microsoft.com/office/drawing/2014/main" id="{51246C65-2C5F-AC48-9DE7-110AA54C7E47}"/>
+              </a:ext>
+            </a:extLst>
+          </p:cNvPr>
+          <p:cNvCxnSpPr>
+            <a:cxnSpLocks/>
+          </p:cNvCxnSpPr>
+          <p:nvPr/>
+        </p:nvCxnSpPr>
+        <p:spPr>
+          <a:xfrm flipH="1">
+            <a:off x="967767" y="4694826"/>
+            <a:ext cx="311068" cy="0"/>
+          </a:xfrm>
+          <a:prstGeom prst="line">
+            <a:avLst/>
+          </a:prstGeom>
+          <a:ln w="19050">
+            <a:headEnd type="oval"/>
+          </a:ln>
+        </p:spPr>
+        <p:style>
+          <a:lnRef idx="1">
+            <a:schemeClr val="accent1"/>
+          </a:lnRef>
+          <a:fillRef idx="0">
+            <a:schemeClr val="accent1"/>
+          </a:fillRef>
+          <a:effectRef idx="0">
+            <a:schemeClr val="accent1"/>
+          </a:effectRef>
+          <a:fontRef idx="minor">
+            <a:schemeClr val="tx1"/>
+          </a:fontRef>
+        </p:style>
+      </p:cxnSp>
+      <p:cxnSp>
+        <p:nvCxnSpPr>
+          <p:cNvPr id="89" name="Straight Connector 88">
+            <a:extLst>
+              <a:ext uri="{FF2B5EF4-FFF2-40B4-BE49-F238E27FC236}">
+                <a16:creationId xmlns:a16="http://schemas.microsoft.com/office/drawing/2014/main" id="{4FBF0B66-9AB6-704E-9782-1721AF9CD490}"/>
+              </a:ext>
+            </a:extLst>
+          </p:cNvPr>
+          <p:cNvCxnSpPr>
+            <a:cxnSpLocks/>
+          </p:cNvCxnSpPr>
+          <p:nvPr/>
+        </p:nvCxnSpPr>
+        <p:spPr>
+          <a:xfrm flipH="1">
+            <a:off x="967767" y="5191620"/>
+            <a:ext cx="311068" cy="0"/>
+          </a:xfrm>
+          <a:prstGeom prst="line">
+            <a:avLst/>
+          </a:prstGeom>
+          <a:ln w="19050">
+            <a:headEnd type="oval"/>
+          </a:ln>
+        </p:spPr>
+        <p:style>
+          <a:lnRef idx="1">
+            <a:schemeClr val="accent1"/>
+          </a:lnRef>
+          <a:fillRef idx="0">
+            <a:schemeClr val="accent1"/>
+          </a:fillRef>
+          <a:effectRef idx="0">
+            <a:schemeClr val="accent1"/>
+          </a:effectRef>
+          <a:fontRef idx="minor">
+            <a:schemeClr val="tx1"/>
+          </a:fontRef>
+        </p:style>
+      </p:cxnSp>
+      <p:cxnSp>
+        <p:nvCxnSpPr>
+          <p:cNvPr id="90" name="Straight Connector 89">
+            <a:extLst>
+              <a:ext uri="{FF2B5EF4-FFF2-40B4-BE49-F238E27FC236}">
+                <a16:creationId xmlns:a16="http://schemas.microsoft.com/office/drawing/2014/main" id="{0674930B-1F28-8E49-ADF5-AEC176BD4B25}"/>
+              </a:ext>
+            </a:extLst>
+          </p:cNvPr>
+          <p:cNvCxnSpPr>
+            <a:cxnSpLocks/>
+            <a:stCxn id="96" idx="1"/>
+            <a:endCxn id="38" idx="3"/>
+          </p:cNvCxnSpPr>
+          <p:nvPr/>
+        </p:nvCxnSpPr>
+        <p:spPr>
+          <a:xfrm flipH="1">
+            <a:off x="5609967" y="4419408"/>
+            <a:ext cx="849800" cy="4312"/>
+          </a:xfrm>
+          <a:prstGeom prst="line">
+            <a:avLst/>
+          </a:prstGeom>
+          <a:ln w="19050">
+            <a:tailEnd type="oval"/>
+          </a:ln>
+        </p:spPr>
+        <p:style>
+          <a:lnRef idx="1">
+            <a:schemeClr val="accent1"/>
+          </a:lnRef>
+          <a:fillRef idx="0">
+            <a:schemeClr val="accent1"/>
+          </a:fillRef>
+          <a:effectRef idx="0">
+            <a:schemeClr val="accent1"/>
+          </a:effectRef>
+          <a:fontRef idx="minor">
+            <a:schemeClr val="tx1"/>
+          </a:fontRef>
+        </p:style>
+      </p:cxnSp>
+      <p:cxnSp>
+        <p:nvCxnSpPr>
+          <p:cNvPr id="94" name="Straight Arrow Connector 93">
+            <a:extLst>
+              <a:ext uri="{FF2B5EF4-FFF2-40B4-BE49-F238E27FC236}">
+                <a16:creationId xmlns:a16="http://schemas.microsoft.com/office/drawing/2014/main" id="{622D05DE-0505-2643-8D1A-13709EE55BEC}"/>
+              </a:ext>
+            </a:extLst>
+          </p:cNvPr>
+          <p:cNvCxnSpPr/>
+          <p:nvPr/>
+        </p:nvCxnSpPr>
+        <p:spPr>
+          <a:xfrm>
+            <a:off x="4845907" y="1183511"/>
+            <a:ext cx="8776" cy="1311429"/>
+          </a:xfrm>
+          <a:prstGeom prst="straightConnector1">
+            <a:avLst/>
+          </a:prstGeom>
+          <a:ln w="19050">
+            <a:solidFill>
+              <a:schemeClr val="tx1"/>
+            </a:solidFill>
+            <a:prstDash val="sysDot"/>
+            <a:tailEnd type="triangle"/>
+          </a:ln>
+        </p:spPr>
+        <p:style>
+          <a:lnRef idx="1">
+            <a:schemeClr val="accent1"/>
+          </a:lnRef>
+          <a:fillRef idx="0">
+            <a:schemeClr val="accent1"/>
+          </a:fillRef>
+          <a:effectRef idx="0">
+            <a:schemeClr val="accent1"/>
+          </a:effectRef>
+          <a:fontRef idx="minor">
+            <a:schemeClr val="tx1"/>
+          </a:fontRef>
+        </p:style>
+      </p:cxnSp>
+      <p:sp>
+        <p:nvSpPr>
+          <p:cNvPr id="95" name="TextBox 94">
+            <a:extLst>
+              <a:ext uri="{FF2B5EF4-FFF2-40B4-BE49-F238E27FC236}">
+                <a16:creationId xmlns:a16="http://schemas.microsoft.com/office/drawing/2014/main" id="{1189BE8E-BB3C-5E42-89A2-2437D10346E6}"/>
+              </a:ext>
+            </a:extLst>
+          </p:cNvPr>
+          <p:cNvSpPr txBox="1"/>
+          <p:nvPr/>
+        </p:nvSpPr>
+        <p:spPr>
+          <a:xfrm>
+            <a:off x="4815771" y="2014315"/>
+            <a:ext cx="927754" cy="307777"/>
+          </a:xfrm>
+          <a:prstGeom prst="rect">
+            <a:avLst/>
+          </a:prstGeom>
+          <a:noFill/>
+        </p:spPr>
+        <p:txBody>
+          <a:bodyPr wrap="none" rtlCol="0">
+            <a:spAutoFit/>
+          </a:bodyPr>
+          <a:lstStyle/>
+          <a:p>
+            <a:r>
+              <a:rPr lang="en-US" sz="1400" dirty="0"/>
+              <a:t>OpenFlow</a:t>
+            </a:r>
+          </a:p>
+        </p:txBody>
+      </p:sp>
+      <p:sp>
+        <p:nvSpPr>
+          <p:cNvPr id="96" name="Rounded Rectangle 95">
+            <a:extLst>
+              <a:ext uri="{FF2B5EF4-FFF2-40B4-BE49-F238E27FC236}">
+                <a16:creationId xmlns:a16="http://schemas.microsoft.com/office/drawing/2014/main" id="{88918727-F2D3-F042-8BB0-66CAB234E419}"/>
+              </a:ext>
+            </a:extLst>
+          </p:cNvPr>
+          <p:cNvSpPr/>
+          <p:nvPr/>
+        </p:nvSpPr>
+        <p:spPr>
+          <a:xfrm>
+            <a:off x="6459767" y="4210647"/>
+            <a:ext cx="1528119" cy="417522"/>
+          </a:xfrm>
+          <a:prstGeom prst="roundRect">
+            <a:avLst/>
+          </a:prstGeom>
+          <a:solidFill>
+            <a:schemeClr val="bg1"/>
+          </a:solidFill>
+          <a:ln w="28575">
+            <a:solidFill>
+              <a:schemeClr val="accent1"/>
+            </a:solidFill>
+          </a:ln>
+        </p:spPr>
+        <p:style>
+          <a:lnRef idx="2">
+            <a:schemeClr val="accent1">
+              <a:shade val="50000"/>
+            </a:schemeClr>
+          </a:lnRef>
+          <a:fillRef idx="1">
+            <a:schemeClr val="accent1"/>
+          </a:fillRef>
+          <a:effectRef idx="0">
+            <a:schemeClr val="accent1"/>
+          </a:effectRef>
+          <a:fontRef idx="minor">
+            <a:schemeClr val="lt1"/>
+          </a:fontRef>
+        </p:style>
+        <p:txBody>
+          <a:bodyPr rtlCol="0" anchor="ctr"/>
+          <a:lstStyle/>
+          <a:p>
+            <a:pPr algn="ctr"/>
+            <a:r>
+              <a:rPr lang="en-US" dirty="0">
+                <a:solidFill>
+                  <a:schemeClr val="tx1"/>
+                </a:solidFill>
+              </a:rPr>
+              <a:t>Fabric Switch</a:t>
+            </a:r>
+          </a:p>
+        </p:txBody>
+      </p:sp>
+      <p:cxnSp>
+        <p:nvCxnSpPr>
+          <p:cNvPr id="110" name="Straight Arrow Connector 109">
+            <a:extLst>
+              <a:ext uri="{FF2B5EF4-FFF2-40B4-BE49-F238E27FC236}">
+                <a16:creationId xmlns:a16="http://schemas.microsoft.com/office/drawing/2014/main" id="{96808764-12B0-FE4D-9D8D-9B4E97CA7A9B}"/>
+              </a:ext>
+            </a:extLst>
+          </p:cNvPr>
+          <p:cNvCxnSpPr>
+            <a:cxnSpLocks/>
+          </p:cNvCxnSpPr>
+          <p:nvPr/>
+        </p:nvCxnSpPr>
+        <p:spPr>
+          <a:xfrm>
+            <a:off x="7237669" y="1428108"/>
+            <a:ext cx="0" cy="2782539"/>
+          </a:xfrm>
+          <a:prstGeom prst="straightConnector1">
+            <a:avLst/>
+          </a:prstGeom>
+          <a:ln w="19050">
+            <a:solidFill>
+              <a:schemeClr val="tx1"/>
+            </a:solidFill>
+            <a:prstDash val="sysDot"/>
+            <a:tailEnd type="triangle"/>
+          </a:ln>
+        </p:spPr>
+        <p:style>
+          <a:lnRef idx="1">
+            <a:schemeClr val="accent1"/>
+          </a:lnRef>
+          <a:fillRef idx="0">
+            <a:schemeClr val="accent1"/>
+          </a:fillRef>
+          <a:effectRef idx="0">
+            <a:schemeClr val="accent1"/>
+          </a:effectRef>
+          <a:fontRef idx="minor">
+            <a:schemeClr val="tx1"/>
+          </a:fontRef>
+        </p:style>
+      </p:cxnSp>
+      <p:sp>
+        <p:nvSpPr>
+          <p:cNvPr id="82" name="Rounded Rectangle 81">
+            <a:extLst>
+              <a:ext uri="{FF2B5EF4-FFF2-40B4-BE49-F238E27FC236}">
+                <a16:creationId xmlns:a16="http://schemas.microsoft.com/office/drawing/2014/main" id="{40F988B8-64FC-6B41-9E2E-1CC20FFF02BC}"/>
+              </a:ext>
+            </a:extLst>
+          </p:cNvPr>
+          <p:cNvSpPr/>
+          <p:nvPr/>
+        </p:nvSpPr>
+        <p:spPr>
+          <a:xfrm>
+            <a:off x="4121604" y="1134069"/>
+            <a:ext cx="4088890" cy="755374"/>
+          </a:xfrm>
+          <a:prstGeom prst="roundRect">
+            <a:avLst/>
+          </a:prstGeom>
+        </p:spPr>
+        <p:style>
+          <a:lnRef idx="2">
+            <a:schemeClr val="accent1">
+              <a:shade val="50000"/>
+            </a:schemeClr>
+          </a:lnRef>
+          <a:fillRef idx="1">
+            <a:schemeClr val="accent1"/>
+          </a:fillRef>
+          <a:effectRef idx="0">
+            <a:schemeClr val="accent1"/>
+          </a:effectRef>
+          <a:fontRef idx="minor">
+            <a:schemeClr val="lt1"/>
+          </a:fontRef>
+        </p:style>
+        <p:txBody>
+          <a:bodyPr rtlCol="0" anchor="ctr"/>
+          <a:lstStyle/>
+          <a:p>
+            <a:pPr algn="ctr"/>
+            <a:r>
+              <a:rPr lang="en-US" sz="2000" dirty="0"/>
+              <a:t>ONOS</a:t>
+            </a:r>
+          </a:p>
+        </p:txBody>
+      </p:sp>
+      <p:sp>
+        <p:nvSpPr>
+          <p:cNvPr id="112" name="Rounded Rectangle 111">
+            <a:extLst>
+              <a:ext uri="{FF2B5EF4-FFF2-40B4-BE49-F238E27FC236}">
+                <a16:creationId xmlns:a16="http://schemas.microsoft.com/office/drawing/2014/main" id="{AA655F12-F06A-8B4D-9DA0-6A463AAB3799}"/>
+              </a:ext>
+            </a:extLst>
+          </p:cNvPr>
+          <p:cNvSpPr/>
+          <p:nvPr/>
+        </p:nvSpPr>
+        <p:spPr>
+          <a:xfrm>
+            <a:off x="4121604" y="675729"/>
+            <a:ext cx="1087394" cy="360153"/>
+          </a:xfrm>
+          <a:prstGeom prst="roundRect">
+            <a:avLst/>
+          </a:prstGeom>
+          <a:solidFill>
+            <a:schemeClr val="accent1">
+              <a:lumMod val="40000"/>
+              <a:lumOff val="60000"/>
+            </a:schemeClr>
+          </a:solidFill>
+          <a:ln w="19050">
+            <a:solidFill>
+              <a:schemeClr val="accent1">
+                <a:lumMod val="75000"/>
+              </a:schemeClr>
+            </a:solidFill>
+          </a:ln>
+        </p:spPr>
+        <p:style>
+          <a:lnRef idx="2">
+            <a:schemeClr val="accent1">
+              <a:shade val="50000"/>
+            </a:schemeClr>
+          </a:lnRef>
+          <a:fillRef idx="1">
+            <a:schemeClr val="accent1"/>
+          </a:fillRef>
+          <a:effectRef idx="0">
+            <a:schemeClr val="accent1"/>
+          </a:effectRef>
+          <a:fontRef idx="minor">
+            <a:schemeClr val="lt1"/>
+          </a:fontRef>
+        </p:style>
+        <p:txBody>
+          <a:bodyPr rtlCol="0" anchor="ctr"/>
+          <a:lstStyle/>
+          <a:p>
+            <a:pPr algn="ctr"/>
+            <a:r>
+              <a:rPr lang="en-US" sz="1400" dirty="0">
+                <a:solidFill>
+                  <a:schemeClr val="tx1"/>
+                </a:solidFill>
+              </a:rPr>
+              <a:t>SD-PON</a:t>
+            </a:r>
+          </a:p>
+        </p:txBody>
+      </p:sp>
+      <p:sp>
+        <p:nvSpPr>
+          <p:cNvPr id="113" name="Rounded Rectangle 112">
+            <a:extLst>
+              <a:ext uri="{FF2B5EF4-FFF2-40B4-BE49-F238E27FC236}">
+                <a16:creationId xmlns:a16="http://schemas.microsoft.com/office/drawing/2014/main" id="{5369AAE8-E0B1-1E47-BF42-99E4A9BBF3D7}"/>
+              </a:ext>
+            </a:extLst>
+          </p:cNvPr>
+          <p:cNvSpPr/>
+          <p:nvPr/>
+        </p:nvSpPr>
+        <p:spPr>
+          <a:xfrm>
+            <a:off x="6784583" y="673364"/>
+            <a:ext cx="1087394" cy="360153"/>
+          </a:xfrm>
+          <a:prstGeom prst="roundRect">
+            <a:avLst/>
+          </a:prstGeom>
+          <a:solidFill>
+            <a:schemeClr val="accent1">
+              <a:lumMod val="40000"/>
+              <a:lumOff val="60000"/>
+            </a:schemeClr>
+          </a:solidFill>
+          <a:ln w="19050">
+            <a:solidFill>
+              <a:schemeClr val="accent1">
+                <a:lumMod val="75000"/>
+              </a:schemeClr>
+            </a:solidFill>
+          </a:ln>
+        </p:spPr>
+        <p:style>
+          <a:lnRef idx="2">
+            <a:schemeClr val="accent1">
+              <a:shade val="50000"/>
+            </a:schemeClr>
+          </a:lnRef>
+          <a:fillRef idx="1">
+            <a:schemeClr val="accent1"/>
+          </a:fillRef>
+          <a:effectRef idx="0">
+            <a:schemeClr val="accent1"/>
+          </a:effectRef>
+          <a:fontRef idx="minor">
+            <a:schemeClr val="lt1"/>
+          </a:fontRef>
+        </p:style>
+        <p:txBody>
+          <a:bodyPr rtlCol="0" anchor="ctr"/>
+          <a:lstStyle/>
+          <a:p>
+            <a:pPr algn="ctr"/>
+            <a:r>
+              <a:rPr lang="en-US" sz="1400" dirty="0">
+                <a:solidFill>
+                  <a:schemeClr val="tx1"/>
+                </a:solidFill>
+              </a:rPr>
+              <a:t>SD-Fabric</a:t>
+            </a:r>
+          </a:p>
+        </p:txBody>
+      </p:sp>
+      <p:sp>
+        <p:nvSpPr>
+          <p:cNvPr id="116" name="Can 115">
+            <a:extLst>
+              <a:ext uri="{FF2B5EF4-FFF2-40B4-BE49-F238E27FC236}">
+                <a16:creationId xmlns:a16="http://schemas.microsoft.com/office/drawing/2014/main" id="{EAC0B66C-1182-E648-A573-B0F793C6852B}"/>
+              </a:ext>
+            </a:extLst>
+          </p:cNvPr>
+          <p:cNvSpPr/>
+          <p:nvPr/>
+        </p:nvSpPr>
+        <p:spPr>
+          <a:xfrm>
+            <a:off x="5793743" y="2491409"/>
+            <a:ext cx="401574" cy="410817"/>
+          </a:xfrm>
+          <a:prstGeom prst="can">
+            <a:avLst/>
+          </a:prstGeom>
+        </p:spPr>
+        <p:style>
+          <a:lnRef idx="1">
+            <a:schemeClr val="accent3"/>
+          </a:lnRef>
+          <a:fillRef idx="2">
+            <a:schemeClr val="accent3"/>
+          </a:fillRef>
+          <a:effectRef idx="1">
+            <a:schemeClr val="accent3"/>
+          </a:effectRef>
+          <a:fontRef idx="minor">
+            <a:schemeClr val="dk1"/>
+          </a:fontRef>
+        </p:style>
+        <p:txBody>
+          <a:bodyPr rtlCol="0" anchor="ctr"/>
+          <a:lstStyle/>
+          <a:p>
+            <a:pPr algn="ctr"/>
+            <a:r>
+              <a:rPr lang="en-US" sz="1400" dirty="0"/>
+              <a:t>TP</a:t>
+            </a:r>
+          </a:p>
+        </p:txBody>
+      </p:sp>
+      <p:cxnSp>
+        <p:nvCxnSpPr>
+          <p:cNvPr id="118" name="Straight Arrow Connector 117">
+            <a:extLst>
+              <a:ext uri="{FF2B5EF4-FFF2-40B4-BE49-F238E27FC236}">
+                <a16:creationId xmlns:a16="http://schemas.microsoft.com/office/drawing/2014/main" id="{939FE23A-0743-E841-A85C-4F7ADE8E8700}"/>
+              </a:ext>
+            </a:extLst>
+          </p:cNvPr>
+          <p:cNvCxnSpPr>
+            <a:stCxn id="116" idx="2"/>
+            <a:endCxn id="59" idx="3"/>
+          </p:cNvCxnSpPr>
+          <p:nvPr/>
+        </p:nvCxnSpPr>
+        <p:spPr>
+          <a:xfrm flipH="1">
+            <a:off x="5552660" y="2696818"/>
+            <a:ext cx="241083" cy="0"/>
+          </a:xfrm>
+          <a:prstGeom prst="straightConnector1">
+            <a:avLst/>
+          </a:prstGeom>
+          <a:ln w="19050">
+            <a:solidFill>
+              <a:schemeClr val="tx1"/>
+            </a:solidFill>
+            <a:tailEnd type="triangle"/>
+          </a:ln>
+        </p:spPr>
+        <p:style>
+          <a:lnRef idx="1">
+            <a:schemeClr val="accent1"/>
+          </a:lnRef>
+          <a:fillRef idx="0">
+            <a:schemeClr val="accent1"/>
+          </a:fillRef>
+          <a:effectRef idx="0">
+            <a:schemeClr val="accent1"/>
+          </a:effectRef>
+          <a:fontRef idx="minor">
+            <a:schemeClr val="tx1"/>
+          </a:fontRef>
+        </p:style>
+      </p:cxnSp>
+      <p:sp>
+        <p:nvSpPr>
+          <p:cNvPr id="119" name="TextBox 118">
+            <a:extLst>
+              <a:ext uri="{FF2B5EF4-FFF2-40B4-BE49-F238E27FC236}">
+                <a16:creationId xmlns:a16="http://schemas.microsoft.com/office/drawing/2014/main" id="{2B5B5D1A-2BBA-1448-9020-6B6BA11FB4E6}"/>
+              </a:ext>
+            </a:extLst>
+          </p:cNvPr>
+          <p:cNvSpPr txBox="1"/>
+          <p:nvPr/>
+        </p:nvSpPr>
+        <p:spPr>
+          <a:xfrm>
+            <a:off x="777133" y="3611773"/>
+            <a:ext cx="421910" cy="276999"/>
+          </a:xfrm>
+          <a:prstGeom prst="rect">
+            <a:avLst/>
+          </a:prstGeom>
+          <a:noFill/>
+        </p:spPr>
+        <p:txBody>
+          <a:bodyPr wrap="none" rtlCol="0">
+            <a:spAutoFit/>
+          </a:bodyPr>
+          <a:lstStyle/>
+          <a:p>
+            <a:r>
+              <a:rPr lang="en-US" sz="1200" dirty="0"/>
+              <a:t>UNI</a:t>
+            </a:r>
+          </a:p>
+        </p:txBody>
+      </p:sp>
+      <p:sp>
+        <p:nvSpPr>
+          <p:cNvPr id="120" name="TextBox 119">
+            <a:extLst>
+              <a:ext uri="{FF2B5EF4-FFF2-40B4-BE49-F238E27FC236}">
+                <a16:creationId xmlns:a16="http://schemas.microsoft.com/office/drawing/2014/main" id="{0B9021BA-855B-F841-B870-A3EFA26CC6BD}"/>
+              </a:ext>
+            </a:extLst>
+          </p:cNvPr>
+          <p:cNvSpPr txBox="1"/>
+          <p:nvPr/>
+        </p:nvSpPr>
+        <p:spPr>
+          <a:xfrm>
+            <a:off x="5800597" y="4389021"/>
+            <a:ext cx="421910" cy="276999"/>
+          </a:xfrm>
+          <a:prstGeom prst="rect">
+            <a:avLst/>
+          </a:prstGeom>
+          <a:noFill/>
+        </p:spPr>
+        <p:txBody>
+          <a:bodyPr wrap="none" rtlCol="0">
+            <a:spAutoFit/>
+          </a:bodyPr>
+          <a:lstStyle/>
+          <a:p>
+            <a:r>
+              <a:rPr lang="en-US" sz="1200" dirty="0"/>
+              <a:t>NNI</a:t>
+            </a:r>
+          </a:p>
+        </p:txBody>
+      </p:sp>
+      <p:sp>
+        <p:nvSpPr>
+          <p:cNvPr id="121" name="Rounded Rectangle 120">
+            <a:extLst>
+              <a:ext uri="{FF2B5EF4-FFF2-40B4-BE49-F238E27FC236}">
+                <a16:creationId xmlns:a16="http://schemas.microsoft.com/office/drawing/2014/main" id="{8D1EBF82-3728-1D48-8397-9A20493CB129}"/>
+              </a:ext>
+            </a:extLst>
+          </p:cNvPr>
+          <p:cNvSpPr/>
+          <p:nvPr/>
+        </p:nvSpPr>
+        <p:spPr>
+          <a:xfrm>
+            <a:off x="5273833" y="673364"/>
+            <a:ext cx="1087394" cy="360153"/>
+          </a:xfrm>
+          <a:prstGeom prst="roundRect">
+            <a:avLst/>
+          </a:prstGeom>
+          <a:solidFill>
+            <a:schemeClr val="accent1">
+              <a:lumMod val="40000"/>
+              <a:lumOff val="60000"/>
+            </a:schemeClr>
+          </a:solidFill>
+          <a:ln w="19050">
+            <a:solidFill>
+              <a:schemeClr val="accent1">
+                <a:lumMod val="75000"/>
+              </a:schemeClr>
+            </a:solidFill>
+          </a:ln>
+        </p:spPr>
+        <p:style>
+          <a:lnRef idx="2">
+            <a:schemeClr val="accent1">
+              <a:shade val="50000"/>
+            </a:schemeClr>
+          </a:lnRef>
+          <a:fillRef idx="1">
+            <a:schemeClr val="accent1"/>
+          </a:fillRef>
+          <a:effectRef idx="0">
+            <a:schemeClr val="accent1"/>
+          </a:effectRef>
+          <a:fontRef idx="minor">
+            <a:schemeClr val="lt1"/>
+          </a:fontRef>
+        </p:style>
+        <p:txBody>
+          <a:bodyPr rtlCol="0" anchor="ctr"/>
+          <a:lstStyle/>
+          <a:p>
+            <a:pPr algn="ctr"/>
+            <a:r>
+              <a:rPr lang="en-US" sz="1400" dirty="0">
+                <a:solidFill>
+                  <a:schemeClr val="tx1"/>
+                </a:solidFill>
+              </a:rPr>
+              <a:t>DHCP</a:t>
+            </a:r>
+          </a:p>
+        </p:txBody>
+      </p:sp>
+      <p:cxnSp>
+        <p:nvCxnSpPr>
+          <p:cNvPr id="123" name="Straight Arrow Connector 122">
+            <a:extLst>
+              <a:ext uri="{FF2B5EF4-FFF2-40B4-BE49-F238E27FC236}">
+                <a16:creationId xmlns:a16="http://schemas.microsoft.com/office/drawing/2014/main" id="{81C47C1A-24BA-8A46-8669-5F8CF0941778}"/>
+              </a:ext>
+            </a:extLst>
+          </p:cNvPr>
+          <p:cNvCxnSpPr>
+            <a:cxnSpLocks/>
+          </p:cNvCxnSpPr>
+          <p:nvPr/>
+        </p:nvCxnSpPr>
+        <p:spPr>
+          <a:xfrm>
+            <a:off x="7987886" y="4419408"/>
+            <a:ext cx="806576" cy="0"/>
+          </a:xfrm>
+          <a:prstGeom prst="straightConnector1">
+            <a:avLst/>
+          </a:prstGeom>
+          <a:ln w="19050">
+            <a:tailEnd type="triangle"/>
+          </a:ln>
+        </p:spPr>
+        <p:style>
+          <a:lnRef idx="1">
+            <a:schemeClr val="accent1"/>
+          </a:lnRef>
+          <a:fillRef idx="0">
+            <a:schemeClr val="accent1"/>
+          </a:fillRef>
+          <a:effectRef idx="0">
+            <a:schemeClr val="accent1"/>
+          </a:effectRef>
+          <a:fontRef idx="minor">
+            <a:schemeClr val="tx1"/>
+          </a:fontRef>
+        </p:style>
+      </p:cxnSp>
+      <p:sp>
+        <p:nvSpPr>
+          <p:cNvPr id="125" name="TextBox 124">
+            <a:extLst>
+              <a:ext uri="{FF2B5EF4-FFF2-40B4-BE49-F238E27FC236}">
+                <a16:creationId xmlns:a16="http://schemas.microsoft.com/office/drawing/2014/main" id="{3E33C132-9AA9-444A-B4F1-99BCD5E9867B}"/>
+              </a:ext>
+            </a:extLst>
+          </p:cNvPr>
+          <p:cNvSpPr txBox="1"/>
+          <p:nvPr/>
+        </p:nvSpPr>
+        <p:spPr>
+          <a:xfrm>
+            <a:off x="8788640" y="4258720"/>
+            <a:ext cx="796436" cy="338554"/>
+          </a:xfrm>
+          <a:prstGeom prst="rect">
+            <a:avLst/>
+          </a:prstGeom>
+          <a:noFill/>
+        </p:spPr>
+        <p:txBody>
+          <a:bodyPr wrap="none" rtlCol="0">
+            <a:spAutoFit/>
+          </a:bodyPr>
+          <a:lstStyle/>
+          <a:p>
+            <a:r>
+              <a:rPr lang="en-US" sz="1600" dirty="0"/>
+              <a:t>To BNG</a:t>
+            </a:r>
+          </a:p>
+        </p:txBody>
+      </p:sp>
+    </p:spTree>
+    <p:extLst>
+      <p:ext uri="{BB962C8B-B14F-4D97-AF65-F5344CB8AC3E}">
+        <p14:creationId xmlns:p14="http://schemas.microsoft.com/office/powerpoint/2010/main" val="1389759689"/>
       </p:ext>
     </p:extLst>
   </p:cSld>

--- a/access.pptx
+++ b/access.pptx
@@ -14083,7 +14083,7 @@
         </p:nvSpPr>
         <p:spPr>
           <a:xfrm>
-            <a:off x="7123100" y="673364"/>
+            <a:off x="7123100" y="305231"/>
             <a:ext cx="1087394" cy="360153"/>
           </a:xfrm>
           <a:prstGeom prst="roundRect">
@@ -14149,68 +14149,7 @@
         </p:nvSpPr>
         <p:spPr>
           <a:xfrm>
-            <a:off x="6682375" y="4433255"/>
-            <a:ext cx="1528119" cy="417522"/>
-          </a:xfrm>
-          <a:prstGeom prst="roundRect">
-            <a:avLst/>
-          </a:prstGeom>
-          <a:solidFill>
-            <a:schemeClr val="bg1"/>
-          </a:solidFill>
-          <a:ln w="28575">
-            <a:solidFill>
-              <a:schemeClr val="accent1"/>
-            </a:solidFill>
-          </a:ln>
-        </p:spPr>
-        <p:style>
-          <a:lnRef idx="2">
-            <a:schemeClr val="accent1">
-              <a:shade val="50000"/>
-            </a:schemeClr>
-          </a:lnRef>
-          <a:fillRef idx="1">
-            <a:schemeClr val="accent1"/>
-          </a:fillRef>
-          <a:effectRef idx="0">
-            <a:schemeClr val="accent1"/>
-          </a:effectRef>
-          <a:fontRef idx="minor">
-            <a:schemeClr val="lt1"/>
-          </a:fontRef>
-        </p:style>
-        <p:txBody>
-          <a:bodyPr rtlCol="0" anchor="ctr"/>
-          <a:lstStyle/>
-          <a:p>
-            <a:pPr algn="ctr"/>
-            <a:r>
-              <a:rPr lang="en-US" dirty="0">
-                <a:solidFill>
-                  <a:schemeClr val="tx1"/>
-                </a:solidFill>
-              </a:rPr>
-              <a:t>Fabric Switch</a:t>
-            </a:r>
-          </a:p>
-        </p:txBody>
-      </p:sp>
-      <p:sp>
-        <p:nvSpPr>
-          <p:cNvPr id="108" name="Rounded Rectangle 107">
-            <a:extLst>
-              <a:ext uri="{FF2B5EF4-FFF2-40B4-BE49-F238E27FC236}">
-                <a16:creationId xmlns:a16="http://schemas.microsoft.com/office/drawing/2014/main" id="{F6BF05F4-1691-DD40-99FA-BFDAB2BAD44E}"/>
-              </a:ext>
-            </a:extLst>
-          </p:cNvPr>
-          <p:cNvSpPr/>
-          <p:nvPr/>
-        </p:nvSpPr>
-        <p:spPr>
-          <a:xfrm>
-            <a:off x="6571071" y="4321951"/>
+            <a:off x="6682375" y="4492630"/>
             <a:ext cx="1528119" cy="417522"/>
           </a:xfrm>
           <a:prstGeom prst="roundRect">
@@ -15049,7 +14988,7 @@
         </p:nvSpPr>
         <p:spPr>
           <a:xfrm>
-            <a:off x="4121604" y="2491409"/>
+            <a:off x="4121604" y="2538909"/>
             <a:ext cx="1431056" cy="410817"/>
           </a:xfrm>
           <a:prstGeom prst="rect">
@@ -15113,8 +15052,8 @@
         </p:nvCxnSpPr>
         <p:spPr>
           <a:xfrm>
-            <a:off x="4837132" y="2902226"/>
-            <a:ext cx="8776" cy="1311429"/>
+            <a:off x="4837132" y="2949726"/>
+            <a:ext cx="8776" cy="1263929"/>
           </a:xfrm>
           <a:prstGeom prst="straightConnector1">
             <a:avLst/>
@@ -15318,14 +15257,12 @@
           </p:cNvPr>
           <p:cNvCxnSpPr>
             <a:cxnSpLocks/>
-            <a:stCxn id="96" idx="1"/>
-            <a:endCxn id="38" idx="3"/>
           </p:cNvCxnSpPr>
           <p:nvPr/>
         </p:nvCxnSpPr>
         <p:spPr>
           <a:xfrm flipH="1">
-            <a:off x="5609967" y="4419408"/>
+            <a:off x="5609967" y="4348158"/>
             <a:ext cx="849800" cy="4312"/>
           </a:xfrm>
           <a:prstGeom prst="line">
@@ -15364,7 +15301,7 @@
         </p:nvCxnSpPr>
         <p:spPr>
           <a:xfrm>
-            <a:off x="4845907" y="1183511"/>
+            <a:off x="4845907" y="1231011"/>
             <a:ext cx="8776" cy="1311429"/>
           </a:xfrm>
           <a:prstGeom prst="straightConnector1">
@@ -15407,7 +15344,7 @@
         </p:nvSpPr>
         <p:spPr>
           <a:xfrm>
-            <a:off x="4815771" y="2014315"/>
+            <a:off x="4815771" y="1871815"/>
             <a:ext cx="927754" cy="307777"/>
           </a:xfrm>
           <a:prstGeom prst="rect">
@@ -15442,7 +15379,7 @@
         </p:nvSpPr>
         <p:spPr>
           <a:xfrm>
-            <a:off x="6459767" y="4210647"/>
+            <a:off x="6459767" y="4139397"/>
             <a:ext cx="1528119" cy="417522"/>
           </a:xfrm>
           <a:prstGeom prst="roundRect">
@@ -15505,7 +15442,7 @@
         </p:nvCxnSpPr>
         <p:spPr>
           <a:xfrm>
-            <a:off x="7237669" y="1428108"/>
+            <a:off x="7237669" y="1356858"/>
             <a:ext cx="0" cy="2782539"/>
           </a:xfrm>
           <a:prstGeom prst="straightConnector1">
@@ -15548,7 +15485,7 @@
         </p:nvSpPr>
         <p:spPr>
           <a:xfrm>
-            <a:off x="4121604" y="1134069"/>
+            <a:off x="4121604" y="765936"/>
             <a:ext cx="4088890" cy="755374"/>
           </a:xfrm>
           <a:prstGeom prst="roundRect">
@@ -15585,10 +15522,10 @@
       </p:sp>
       <p:sp>
         <p:nvSpPr>
-          <p:cNvPr id="112" name="Rounded Rectangle 111">
-            <a:extLst>
-              <a:ext uri="{FF2B5EF4-FFF2-40B4-BE49-F238E27FC236}">
-                <a16:creationId xmlns:a16="http://schemas.microsoft.com/office/drawing/2014/main" id="{AA655F12-F06A-8B4D-9DA0-6A463AAB3799}"/>
+          <p:cNvPr id="113" name="Rounded Rectangle 112">
+            <a:extLst>
+              <a:ext uri="{FF2B5EF4-FFF2-40B4-BE49-F238E27FC236}">
+                <a16:creationId xmlns:a16="http://schemas.microsoft.com/office/drawing/2014/main" id="{5369AAE8-E0B1-1E47-BF42-99E4A9BBF3D7}"/>
               </a:ext>
             </a:extLst>
           </p:cNvPr>
@@ -15597,7 +15534,7 @@
         </p:nvSpPr>
         <p:spPr>
           <a:xfrm>
-            <a:off x="4121604" y="675729"/>
+            <a:off x="6784583" y="305231"/>
             <a:ext cx="1087394" cy="360153"/>
           </a:xfrm>
           <a:prstGeom prst="roundRect">
@@ -15644,17 +15581,17 @@
                   <a:schemeClr val="tx1"/>
                 </a:solidFill>
               </a:rPr>
-              <a:t>SD-PON</a:t>
-            </a:r>
-          </a:p>
-        </p:txBody>
-      </p:sp>
-      <p:sp>
-        <p:nvSpPr>
-          <p:cNvPr id="113" name="Rounded Rectangle 112">
-            <a:extLst>
-              <a:ext uri="{FF2B5EF4-FFF2-40B4-BE49-F238E27FC236}">
-                <a16:creationId xmlns:a16="http://schemas.microsoft.com/office/drawing/2014/main" id="{5369AAE8-E0B1-1E47-BF42-99E4A9BBF3D7}"/>
+              <a:t>SD-Fabric</a:t>
+            </a:r>
+          </a:p>
+        </p:txBody>
+      </p:sp>
+      <p:sp>
+        <p:nvSpPr>
+          <p:cNvPr id="116" name="Can 115">
+            <a:extLst>
+              <a:ext uri="{FF2B5EF4-FFF2-40B4-BE49-F238E27FC236}">
+                <a16:creationId xmlns:a16="http://schemas.microsoft.com/office/drawing/2014/main" id="{EAC0B66C-1182-E648-A573-B0F793C6852B}"/>
               </a:ext>
             </a:extLst>
           </p:cNvPr>
@@ -15663,73 +15600,7 @@
         </p:nvSpPr>
         <p:spPr>
           <a:xfrm>
-            <a:off x="6784583" y="673364"/>
-            <a:ext cx="1087394" cy="360153"/>
-          </a:xfrm>
-          <a:prstGeom prst="roundRect">
-            <a:avLst/>
-          </a:prstGeom>
-          <a:solidFill>
-            <a:schemeClr val="accent1">
-              <a:lumMod val="40000"/>
-              <a:lumOff val="60000"/>
-            </a:schemeClr>
-          </a:solidFill>
-          <a:ln w="19050">
-            <a:solidFill>
-              <a:schemeClr val="accent1">
-                <a:lumMod val="75000"/>
-              </a:schemeClr>
-            </a:solidFill>
-          </a:ln>
-        </p:spPr>
-        <p:style>
-          <a:lnRef idx="2">
-            <a:schemeClr val="accent1">
-              <a:shade val="50000"/>
-            </a:schemeClr>
-          </a:lnRef>
-          <a:fillRef idx="1">
-            <a:schemeClr val="accent1"/>
-          </a:fillRef>
-          <a:effectRef idx="0">
-            <a:schemeClr val="accent1"/>
-          </a:effectRef>
-          <a:fontRef idx="minor">
-            <a:schemeClr val="lt1"/>
-          </a:fontRef>
-        </p:style>
-        <p:txBody>
-          <a:bodyPr rtlCol="0" anchor="ctr"/>
-          <a:lstStyle/>
-          <a:p>
-            <a:pPr algn="ctr"/>
-            <a:r>
-              <a:rPr lang="en-US" sz="1400" dirty="0">
-                <a:solidFill>
-                  <a:schemeClr val="tx1"/>
-                </a:solidFill>
-              </a:rPr>
-              <a:t>SD-Fabric</a:t>
-            </a:r>
-          </a:p>
-        </p:txBody>
-      </p:sp>
-      <p:sp>
-        <p:nvSpPr>
-          <p:cNvPr id="116" name="Can 115">
-            <a:extLst>
-              <a:ext uri="{FF2B5EF4-FFF2-40B4-BE49-F238E27FC236}">
-                <a16:creationId xmlns:a16="http://schemas.microsoft.com/office/drawing/2014/main" id="{EAC0B66C-1182-E648-A573-B0F793C6852B}"/>
-              </a:ext>
-            </a:extLst>
-          </p:cNvPr>
-          <p:cNvSpPr/>
-          <p:nvPr/>
-        </p:nvSpPr>
-        <p:spPr>
-          <a:xfrm>
-            <a:off x="5793743" y="2491409"/>
+            <a:off x="5793743" y="2538909"/>
             <a:ext cx="401574" cy="410817"/>
           </a:xfrm>
           <a:prstGeom prst="can">
@@ -15779,7 +15650,7 @@
         </p:nvCxnSpPr>
         <p:spPr>
           <a:xfrm flipH="1">
-            <a:off x="5552660" y="2696818"/>
+            <a:off x="5552660" y="2744318"/>
             <a:ext cx="241083" cy="0"/>
           </a:xfrm>
           <a:prstGeom prst="straightConnector1">
@@ -15856,7 +15727,7 @@
         </p:nvSpPr>
         <p:spPr>
           <a:xfrm>
-            <a:off x="5800597" y="4389021"/>
+            <a:off x="5800597" y="4104014"/>
             <a:ext cx="421910" cy="276999"/>
           </a:xfrm>
           <a:prstGeom prst="rect">
@@ -15877,12 +15748,88 @@
           </a:p>
         </p:txBody>
       </p:sp>
-      <p:sp>
-        <p:nvSpPr>
-          <p:cNvPr id="121" name="Rounded Rectangle 120">
-            <a:extLst>
-              <a:ext uri="{FF2B5EF4-FFF2-40B4-BE49-F238E27FC236}">
-                <a16:creationId xmlns:a16="http://schemas.microsoft.com/office/drawing/2014/main" id="{8D1EBF82-3728-1D48-8397-9A20493CB129}"/>
+      <p:cxnSp>
+        <p:nvCxnSpPr>
+          <p:cNvPr id="123" name="Straight Arrow Connector 122">
+            <a:extLst>
+              <a:ext uri="{FF2B5EF4-FFF2-40B4-BE49-F238E27FC236}">
+                <a16:creationId xmlns:a16="http://schemas.microsoft.com/office/drawing/2014/main" id="{81C47C1A-24BA-8A46-8669-5F8CF0941778}"/>
+              </a:ext>
+            </a:extLst>
+          </p:cNvPr>
+          <p:cNvCxnSpPr>
+            <a:cxnSpLocks/>
+          </p:cNvCxnSpPr>
+          <p:nvPr/>
+        </p:nvCxnSpPr>
+        <p:spPr>
+          <a:xfrm>
+            <a:off x="7987886" y="4348158"/>
+            <a:ext cx="806576" cy="0"/>
+          </a:xfrm>
+          <a:prstGeom prst="straightConnector1">
+            <a:avLst/>
+          </a:prstGeom>
+          <a:ln w="19050">
+            <a:tailEnd type="triangle"/>
+          </a:ln>
+        </p:spPr>
+        <p:style>
+          <a:lnRef idx="1">
+            <a:schemeClr val="accent1"/>
+          </a:lnRef>
+          <a:fillRef idx="0">
+            <a:schemeClr val="accent1"/>
+          </a:fillRef>
+          <a:effectRef idx="0">
+            <a:schemeClr val="accent1"/>
+          </a:effectRef>
+          <a:fontRef idx="minor">
+            <a:schemeClr val="tx1"/>
+          </a:fontRef>
+        </p:style>
+      </p:cxnSp>
+      <p:sp>
+        <p:nvSpPr>
+          <p:cNvPr id="125" name="TextBox 124">
+            <a:extLst>
+              <a:ext uri="{FF2B5EF4-FFF2-40B4-BE49-F238E27FC236}">
+                <a16:creationId xmlns:a16="http://schemas.microsoft.com/office/drawing/2014/main" id="{3E33C132-9AA9-444A-B4F1-99BCD5E9867B}"/>
+              </a:ext>
+            </a:extLst>
+          </p:cNvPr>
+          <p:cNvSpPr txBox="1"/>
+          <p:nvPr/>
+        </p:nvSpPr>
+        <p:spPr>
+          <a:xfrm>
+            <a:off x="8788640" y="4187470"/>
+            <a:ext cx="796436" cy="338554"/>
+          </a:xfrm>
+          <a:prstGeom prst="rect">
+            <a:avLst/>
+          </a:prstGeom>
+          <a:noFill/>
+        </p:spPr>
+        <p:txBody>
+          <a:bodyPr wrap="none" rtlCol="0">
+            <a:spAutoFit/>
+          </a:bodyPr>
+          <a:lstStyle/>
+          <a:p>
+            <a:r>
+              <a:rPr lang="en-US" sz="1600" dirty="0"/>
+              <a:t>To BNG</a:t>
+            </a:r>
+          </a:p>
+        </p:txBody>
+      </p:sp>
+      <p:sp>
+        <p:nvSpPr>
+          <p:cNvPr id="138" name="Rounded Rectangle 137">
+            <a:extLst>
+              <a:ext uri="{FF2B5EF4-FFF2-40B4-BE49-F238E27FC236}">
+                <a16:creationId xmlns:a16="http://schemas.microsoft.com/office/drawing/2014/main" id="{A98295D2-424B-0846-93E4-8728D8F0E2F7}"/>
               </a:ext>
             </a:extLst>
           </p:cNvPr>
@@ -15891,7 +15838,7 @@
         </p:nvSpPr>
         <p:spPr>
           <a:xfrm>
-            <a:off x="5273833" y="673364"/>
+            <a:off x="4465266" y="305231"/>
             <a:ext cx="1087394" cy="360153"/>
           </a:xfrm>
           <a:prstGeom prst="roundRect">
@@ -15931,42 +15878,546 @@
           <a:bodyPr rtlCol="0" anchor="ctr"/>
           <a:lstStyle/>
           <a:p>
-            <a:pPr algn="ctr"/>
+            <a:pPr algn="r"/>
             <a:r>
               <a:rPr lang="en-US" sz="1400" dirty="0">
                 <a:solidFill>
                   <a:schemeClr val="tx1"/>
                 </a:solidFill>
               </a:rPr>
-              <a:t>DHCP</a:t>
-            </a:r>
-          </a:p>
-        </p:txBody>
-      </p:sp>
+              <a:t>…</a:t>
+            </a:r>
+          </a:p>
+        </p:txBody>
+      </p:sp>
+      <p:sp>
+        <p:nvSpPr>
+          <p:cNvPr id="139" name="Rounded Rectangle 138">
+            <a:extLst>
+              <a:ext uri="{FF2B5EF4-FFF2-40B4-BE49-F238E27FC236}">
+                <a16:creationId xmlns:a16="http://schemas.microsoft.com/office/drawing/2014/main" id="{6DD12411-D8E5-EB42-A7AC-443B663B74FE}"/>
+              </a:ext>
+            </a:extLst>
+          </p:cNvPr>
+          <p:cNvSpPr/>
+          <p:nvPr/>
+        </p:nvSpPr>
+        <p:spPr>
+          <a:xfrm>
+            <a:off x="4126749" y="305231"/>
+            <a:ext cx="1087394" cy="360153"/>
+          </a:xfrm>
+          <a:prstGeom prst="roundRect">
+            <a:avLst/>
+          </a:prstGeom>
+          <a:solidFill>
+            <a:schemeClr val="accent1">
+              <a:lumMod val="40000"/>
+              <a:lumOff val="60000"/>
+            </a:schemeClr>
+          </a:solidFill>
+          <a:ln w="19050">
+            <a:solidFill>
+              <a:schemeClr val="accent1">
+                <a:lumMod val="75000"/>
+              </a:schemeClr>
+            </a:solidFill>
+          </a:ln>
+        </p:spPr>
+        <p:style>
+          <a:lnRef idx="2">
+            <a:schemeClr val="accent1">
+              <a:shade val="50000"/>
+            </a:schemeClr>
+          </a:lnRef>
+          <a:fillRef idx="1">
+            <a:schemeClr val="accent1"/>
+          </a:fillRef>
+          <a:effectRef idx="0">
+            <a:schemeClr val="accent1"/>
+          </a:effectRef>
+          <a:fontRef idx="minor">
+            <a:schemeClr val="lt1"/>
+          </a:fontRef>
+        </p:style>
+        <p:txBody>
+          <a:bodyPr rtlCol="0" anchor="ctr"/>
+          <a:lstStyle/>
+          <a:p>
+            <a:pPr algn="ctr"/>
+            <a:r>
+              <a:rPr lang="en-US" sz="1400" dirty="0">
+                <a:solidFill>
+                  <a:schemeClr val="tx1"/>
+                </a:solidFill>
+              </a:rPr>
+              <a:t>SD-PON</a:t>
+            </a:r>
+          </a:p>
+        </p:txBody>
+      </p:sp>
+      <p:grpSp>
+        <p:nvGrpSpPr>
+          <p:cNvPr id="152" name="Group 151">
+            <a:extLst>
+              <a:ext uri="{FF2B5EF4-FFF2-40B4-BE49-F238E27FC236}">
+                <a16:creationId xmlns:a16="http://schemas.microsoft.com/office/drawing/2014/main" id="{41490837-BFA8-4741-8FE4-541271C7D6B7}"/>
+              </a:ext>
+            </a:extLst>
+          </p:cNvPr>
+          <p:cNvGrpSpPr/>
+          <p:nvPr/>
+        </p:nvGrpSpPr>
+        <p:grpSpPr>
+          <a:xfrm>
+            <a:off x="3688424" y="1735179"/>
+            <a:ext cx="1087394" cy="598467"/>
+            <a:chOff x="9721328" y="1457026"/>
+            <a:chExt cx="1362617" cy="809197"/>
+          </a:xfrm>
+        </p:grpSpPr>
+        <p:sp>
+          <p:nvSpPr>
+            <p:cNvPr id="140" name="Rounded Rectangle 139">
+              <a:extLst>
+                <a:ext uri="{FF2B5EF4-FFF2-40B4-BE49-F238E27FC236}">
+                  <a16:creationId xmlns:a16="http://schemas.microsoft.com/office/drawing/2014/main" id="{89A8B142-9E7F-6C43-93CB-3C0259490D6F}"/>
+                </a:ext>
+              </a:extLst>
+            </p:cNvPr>
+            <p:cNvSpPr/>
+            <p:nvPr/>
+          </p:nvSpPr>
+          <p:spPr>
+            <a:xfrm>
+              <a:off x="9762356" y="1457026"/>
+              <a:ext cx="1277278" cy="809197"/>
+            </a:xfrm>
+            <a:prstGeom prst="roundRect">
+              <a:avLst>
+                <a:gd name="adj" fmla="val 10461"/>
+              </a:avLst>
+            </a:prstGeom>
+            <a:solidFill>
+              <a:schemeClr val="bg1">
+                <a:lumMod val="95000"/>
+              </a:schemeClr>
+            </a:solidFill>
+            <a:ln w="6350">
+              <a:solidFill>
+                <a:schemeClr val="tx1"/>
+              </a:solidFill>
+              <a:prstDash val="solid"/>
+            </a:ln>
+          </p:spPr>
+          <p:style>
+            <a:lnRef idx="2">
+              <a:schemeClr val="accent1">
+                <a:shade val="50000"/>
+              </a:schemeClr>
+            </a:lnRef>
+            <a:fillRef idx="1">
+              <a:schemeClr val="accent1"/>
+            </a:fillRef>
+            <a:effectRef idx="0">
+              <a:schemeClr val="accent1"/>
+            </a:effectRef>
+            <a:fontRef idx="minor">
+              <a:schemeClr val="lt1"/>
+            </a:fontRef>
+          </p:style>
+          <p:txBody>
+            <a:bodyPr rtlCol="0" anchor="ctr"/>
+            <a:lstStyle/>
+            <a:p>
+              <a:pPr algn="ctr"/>
+              <a:endParaRPr lang="en-US"/>
+            </a:p>
+          </p:txBody>
+        </p:sp>
+        <p:sp>
+          <p:nvSpPr>
+            <p:cNvPr id="141" name="Oval 140">
+              <a:extLst>
+                <a:ext uri="{FF2B5EF4-FFF2-40B4-BE49-F238E27FC236}">
+                  <a16:creationId xmlns:a16="http://schemas.microsoft.com/office/drawing/2014/main" id="{DE1FBBE7-A38C-7D4C-8A48-2C4B98574E93}"/>
+                </a:ext>
+              </a:extLst>
+            </p:cNvPr>
+            <p:cNvSpPr/>
+            <p:nvPr/>
+          </p:nvSpPr>
+          <p:spPr>
+            <a:xfrm>
+              <a:off x="9721328" y="1520042"/>
+              <a:ext cx="82056" cy="83127"/>
+            </a:xfrm>
+            <a:prstGeom prst="ellipse">
+              <a:avLst/>
+            </a:prstGeom>
+            <a:ln>
+              <a:solidFill>
+                <a:schemeClr val="accent1"/>
+              </a:solidFill>
+            </a:ln>
+          </p:spPr>
+          <p:style>
+            <a:lnRef idx="2">
+              <a:schemeClr val="accent1">
+                <a:shade val="50000"/>
+              </a:schemeClr>
+            </a:lnRef>
+            <a:fillRef idx="1">
+              <a:schemeClr val="accent1"/>
+            </a:fillRef>
+            <a:effectRef idx="0">
+              <a:schemeClr val="accent1"/>
+            </a:effectRef>
+            <a:fontRef idx="minor">
+              <a:schemeClr val="lt1"/>
+            </a:fontRef>
+          </p:style>
+          <p:txBody>
+            <a:bodyPr rtlCol="0" anchor="ctr"/>
+            <a:lstStyle/>
+            <a:p>
+              <a:pPr algn="ctr"/>
+              <a:endParaRPr lang="en-US"/>
+            </a:p>
+          </p:txBody>
+        </p:sp>
+        <p:sp>
+          <p:nvSpPr>
+            <p:cNvPr id="142" name="Oval 141">
+              <a:extLst>
+                <a:ext uri="{FF2B5EF4-FFF2-40B4-BE49-F238E27FC236}">
+                  <a16:creationId xmlns:a16="http://schemas.microsoft.com/office/drawing/2014/main" id="{A96978FA-CF2F-0F46-B2D2-7D3F3807A4D2}"/>
+                </a:ext>
+              </a:extLst>
+            </p:cNvPr>
+            <p:cNvSpPr/>
+            <p:nvPr/>
+          </p:nvSpPr>
+          <p:spPr>
+            <a:xfrm>
+              <a:off x="9721328" y="1672442"/>
+              <a:ext cx="82056" cy="83127"/>
+            </a:xfrm>
+            <a:prstGeom prst="ellipse">
+              <a:avLst/>
+            </a:prstGeom>
+            <a:ln>
+              <a:solidFill>
+                <a:schemeClr val="accent1"/>
+              </a:solidFill>
+            </a:ln>
+          </p:spPr>
+          <p:style>
+            <a:lnRef idx="2">
+              <a:schemeClr val="accent1">
+                <a:shade val="50000"/>
+              </a:schemeClr>
+            </a:lnRef>
+            <a:fillRef idx="1">
+              <a:schemeClr val="accent1"/>
+            </a:fillRef>
+            <a:effectRef idx="0">
+              <a:schemeClr val="accent1"/>
+            </a:effectRef>
+            <a:fontRef idx="minor">
+              <a:schemeClr val="lt1"/>
+            </a:fontRef>
+          </p:style>
+          <p:txBody>
+            <a:bodyPr rtlCol="0" anchor="ctr"/>
+            <a:lstStyle/>
+            <a:p>
+              <a:pPr algn="ctr"/>
+              <a:endParaRPr lang="en-US"/>
+            </a:p>
+          </p:txBody>
+        </p:sp>
+        <p:sp>
+          <p:nvSpPr>
+            <p:cNvPr id="143" name="Oval 142">
+              <a:extLst>
+                <a:ext uri="{FF2B5EF4-FFF2-40B4-BE49-F238E27FC236}">
+                  <a16:creationId xmlns:a16="http://schemas.microsoft.com/office/drawing/2014/main" id="{8213563E-5B0A-EA41-90A9-4DC8487CE884}"/>
+                </a:ext>
+              </a:extLst>
+            </p:cNvPr>
+            <p:cNvSpPr/>
+            <p:nvPr/>
+          </p:nvSpPr>
+          <p:spPr>
+            <a:xfrm>
+              <a:off x="9721328" y="1824842"/>
+              <a:ext cx="82056" cy="83127"/>
+            </a:xfrm>
+            <a:prstGeom prst="ellipse">
+              <a:avLst/>
+            </a:prstGeom>
+            <a:ln>
+              <a:solidFill>
+                <a:schemeClr val="accent1"/>
+              </a:solidFill>
+            </a:ln>
+          </p:spPr>
+          <p:style>
+            <a:lnRef idx="2">
+              <a:schemeClr val="accent1">
+                <a:shade val="50000"/>
+              </a:schemeClr>
+            </a:lnRef>
+            <a:fillRef idx="1">
+              <a:schemeClr val="accent1"/>
+            </a:fillRef>
+            <a:effectRef idx="0">
+              <a:schemeClr val="accent1"/>
+            </a:effectRef>
+            <a:fontRef idx="minor">
+              <a:schemeClr val="lt1"/>
+            </a:fontRef>
+          </p:style>
+          <p:txBody>
+            <a:bodyPr rtlCol="0" anchor="ctr"/>
+            <a:lstStyle/>
+            <a:p>
+              <a:pPr algn="ctr"/>
+              <a:endParaRPr lang="en-US"/>
+            </a:p>
+          </p:txBody>
+        </p:sp>
+        <p:sp>
+          <p:nvSpPr>
+            <p:cNvPr id="144" name="Oval 143">
+              <a:extLst>
+                <a:ext uri="{FF2B5EF4-FFF2-40B4-BE49-F238E27FC236}">
+                  <a16:creationId xmlns:a16="http://schemas.microsoft.com/office/drawing/2014/main" id="{B97D3FEB-51E0-A54D-8EB4-DC703339A1E0}"/>
+                </a:ext>
+              </a:extLst>
+            </p:cNvPr>
+            <p:cNvSpPr/>
+            <p:nvPr/>
+          </p:nvSpPr>
+          <p:spPr>
+            <a:xfrm>
+              <a:off x="9721328" y="1977242"/>
+              <a:ext cx="82056" cy="83127"/>
+            </a:xfrm>
+            <a:prstGeom prst="ellipse">
+              <a:avLst/>
+            </a:prstGeom>
+            <a:ln>
+              <a:solidFill>
+                <a:schemeClr val="accent1"/>
+              </a:solidFill>
+            </a:ln>
+          </p:spPr>
+          <p:style>
+            <a:lnRef idx="2">
+              <a:schemeClr val="accent1">
+                <a:shade val="50000"/>
+              </a:schemeClr>
+            </a:lnRef>
+            <a:fillRef idx="1">
+              <a:schemeClr val="accent1"/>
+            </a:fillRef>
+            <a:effectRef idx="0">
+              <a:schemeClr val="accent1"/>
+            </a:effectRef>
+            <a:fontRef idx="minor">
+              <a:schemeClr val="lt1"/>
+            </a:fontRef>
+          </p:style>
+          <p:txBody>
+            <a:bodyPr rtlCol="0" anchor="ctr"/>
+            <a:lstStyle/>
+            <a:p>
+              <a:pPr algn="ctr"/>
+              <a:endParaRPr lang="en-US"/>
+            </a:p>
+          </p:txBody>
+        </p:sp>
+        <p:sp>
+          <p:nvSpPr>
+            <p:cNvPr id="145" name="Oval 144">
+              <a:extLst>
+                <a:ext uri="{FF2B5EF4-FFF2-40B4-BE49-F238E27FC236}">
+                  <a16:creationId xmlns:a16="http://schemas.microsoft.com/office/drawing/2014/main" id="{7C52372E-B615-5B42-B83B-BAE89B12C769}"/>
+                </a:ext>
+              </a:extLst>
+            </p:cNvPr>
+            <p:cNvSpPr/>
+            <p:nvPr/>
+          </p:nvSpPr>
+          <p:spPr>
+            <a:xfrm>
+              <a:off x="9721328" y="2129642"/>
+              <a:ext cx="82056" cy="83127"/>
+            </a:xfrm>
+            <a:prstGeom prst="ellipse">
+              <a:avLst/>
+            </a:prstGeom>
+            <a:ln>
+              <a:solidFill>
+                <a:schemeClr val="accent1"/>
+              </a:solidFill>
+            </a:ln>
+          </p:spPr>
+          <p:style>
+            <a:lnRef idx="2">
+              <a:schemeClr val="accent1">
+                <a:shade val="50000"/>
+              </a:schemeClr>
+            </a:lnRef>
+            <a:fillRef idx="1">
+              <a:schemeClr val="accent1"/>
+            </a:fillRef>
+            <a:effectRef idx="0">
+              <a:schemeClr val="accent1"/>
+            </a:effectRef>
+            <a:fontRef idx="minor">
+              <a:schemeClr val="lt1"/>
+            </a:fontRef>
+          </p:style>
+          <p:txBody>
+            <a:bodyPr rtlCol="0" anchor="ctr"/>
+            <a:lstStyle/>
+            <a:p>
+              <a:pPr algn="ctr"/>
+              <a:endParaRPr lang="en-US"/>
+            </a:p>
+          </p:txBody>
+        </p:sp>
+        <p:sp>
+          <p:nvSpPr>
+            <p:cNvPr id="148" name="Oval 147">
+              <a:extLst>
+                <a:ext uri="{FF2B5EF4-FFF2-40B4-BE49-F238E27FC236}">
+                  <a16:creationId xmlns:a16="http://schemas.microsoft.com/office/drawing/2014/main" id="{31C75736-2271-1148-A5FB-725E31C3B679}"/>
+                </a:ext>
+              </a:extLst>
+            </p:cNvPr>
+            <p:cNvSpPr/>
+            <p:nvPr/>
+          </p:nvSpPr>
+          <p:spPr>
+            <a:xfrm>
+              <a:off x="11001889" y="1670463"/>
+              <a:ext cx="82056" cy="83127"/>
+            </a:xfrm>
+            <a:prstGeom prst="ellipse">
+              <a:avLst/>
+            </a:prstGeom>
+            <a:ln>
+              <a:solidFill>
+                <a:schemeClr val="accent1"/>
+              </a:solidFill>
+            </a:ln>
+          </p:spPr>
+          <p:style>
+            <a:lnRef idx="2">
+              <a:schemeClr val="accent1">
+                <a:shade val="50000"/>
+              </a:schemeClr>
+            </a:lnRef>
+            <a:fillRef idx="1">
+              <a:schemeClr val="accent1"/>
+            </a:fillRef>
+            <a:effectRef idx="0">
+              <a:schemeClr val="accent1"/>
+            </a:effectRef>
+            <a:fontRef idx="minor">
+              <a:schemeClr val="lt1"/>
+            </a:fontRef>
+          </p:style>
+          <p:txBody>
+            <a:bodyPr rtlCol="0" anchor="ctr"/>
+            <a:lstStyle/>
+            <a:p>
+              <a:pPr algn="ctr"/>
+              <a:endParaRPr lang="en-US"/>
+            </a:p>
+          </p:txBody>
+        </p:sp>
+        <p:sp>
+          <p:nvSpPr>
+            <p:cNvPr id="150" name="Oval 149">
+              <a:extLst>
+                <a:ext uri="{FF2B5EF4-FFF2-40B4-BE49-F238E27FC236}">
+                  <a16:creationId xmlns:a16="http://schemas.microsoft.com/office/drawing/2014/main" id="{86A4D127-4793-D744-91FA-A93EF77F8DD5}"/>
+                </a:ext>
+              </a:extLst>
+            </p:cNvPr>
+            <p:cNvSpPr/>
+            <p:nvPr/>
+          </p:nvSpPr>
+          <p:spPr>
+            <a:xfrm>
+              <a:off x="11001889" y="1975263"/>
+              <a:ext cx="82056" cy="83127"/>
+            </a:xfrm>
+            <a:prstGeom prst="ellipse">
+              <a:avLst/>
+            </a:prstGeom>
+            <a:ln>
+              <a:solidFill>
+                <a:schemeClr val="accent1"/>
+              </a:solidFill>
+            </a:ln>
+          </p:spPr>
+          <p:style>
+            <a:lnRef idx="2">
+              <a:schemeClr val="accent1">
+                <a:shade val="50000"/>
+              </a:schemeClr>
+            </a:lnRef>
+            <a:fillRef idx="1">
+              <a:schemeClr val="accent1"/>
+            </a:fillRef>
+            <a:effectRef idx="0">
+              <a:schemeClr val="accent1"/>
+            </a:effectRef>
+            <a:fontRef idx="minor">
+              <a:schemeClr val="lt1"/>
+            </a:fontRef>
+          </p:style>
+          <p:txBody>
+            <a:bodyPr rtlCol="0" anchor="ctr"/>
+            <a:lstStyle/>
+            <a:p>
+              <a:pPr algn="ctr"/>
+              <a:endParaRPr lang="en-US"/>
+            </a:p>
+          </p:txBody>
+        </p:sp>
+      </p:grpSp>
       <p:cxnSp>
         <p:nvCxnSpPr>
-          <p:cNvPr id="123" name="Straight Arrow Connector 122">
-            <a:extLst>
-              <a:ext uri="{FF2B5EF4-FFF2-40B4-BE49-F238E27FC236}">
-                <a16:creationId xmlns:a16="http://schemas.microsoft.com/office/drawing/2014/main" id="{81C47C1A-24BA-8A46-8669-5F8CF0941778}"/>
+          <p:cNvPr id="153" name="Straight Connector 152">
+            <a:extLst>
+              <a:ext uri="{FF2B5EF4-FFF2-40B4-BE49-F238E27FC236}">
+                <a16:creationId xmlns:a16="http://schemas.microsoft.com/office/drawing/2014/main" id="{FE08DD02-ED7A-BE4E-A7B7-E57325BE2A3E}"/>
               </a:ext>
             </a:extLst>
           </p:cNvPr>
           <p:cNvCxnSpPr>
             <a:cxnSpLocks/>
+            <a:stCxn id="109" idx="1"/>
           </p:cNvCxnSpPr>
           <p:nvPr/>
         </p:nvCxnSpPr>
         <p:spPr>
-          <a:xfrm>
-            <a:off x="7987886" y="4419408"/>
-            <a:ext cx="806576" cy="0"/>
-          </a:xfrm>
-          <a:prstGeom prst="straightConnector1">
+          <a:xfrm flipH="1" flipV="1">
+            <a:off x="5609967" y="4515516"/>
+            <a:ext cx="1072408" cy="185875"/>
+          </a:xfrm>
+          <a:prstGeom prst="line">
             <a:avLst/>
           </a:prstGeom>
           <a:ln w="19050">
-            <a:tailEnd type="triangle"/>
+            <a:tailEnd type="oval"/>
           </a:ln>
         </p:spPr>
         <p:style>
@@ -15984,41 +16435,6 @@
           </a:fontRef>
         </p:style>
       </p:cxnSp>
-      <p:sp>
-        <p:nvSpPr>
-          <p:cNvPr id="125" name="TextBox 124">
-            <a:extLst>
-              <a:ext uri="{FF2B5EF4-FFF2-40B4-BE49-F238E27FC236}">
-                <a16:creationId xmlns:a16="http://schemas.microsoft.com/office/drawing/2014/main" id="{3E33C132-9AA9-444A-B4F1-99BCD5E9867B}"/>
-              </a:ext>
-            </a:extLst>
-          </p:cNvPr>
-          <p:cNvSpPr txBox="1"/>
-          <p:nvPr/>
-        </p:nvSpPr>
-        <p:spPr>
-          <a:xfrm>
-            <a:off x="8788640" y="4258720"/>
-            <a:ext cx="796436" cy="338554"/>
-          </a:xfrm>
-          <a:prstGeom prst="rect">
-            <a:avLst/>
-          </a:prstGeom>
-          <a:noFill/>
-        </p:spPr>
-        <p:txBody>
-          <a:bodyPr wrap="none" rtlCol="0">
-            <a:spAutoFit/>
-          </a:bodyPr>
-          <a:lstStyle/>
-          <a:p>
-            <a:r>
-              <a:rPr lang="en-US" sz="1600" dirty="0"/>
-              <a:t>To BNG</a:t>
-            </a:r>
-          </a:p>
-        </p:txBody>
-      </p:sp>
     </p:spTree>
     <p:extLst>
       <p:ext uri="{BB962C8B-B14F-4D97-AF65-F5344CB8AC3E}">

--- a/access.pptx
+++ b/access.pptx
@@ -5,7 +5,7 @@
     <p:sldMasterId id="2147483648" r:id="rId1"/>
   </p:sldMasterIdLst>
   <p:notesMasterIdLst>
-    <p:notesMasterId r:id="rId10"/>
+    <p:notesMasterId r:id="rId11"/>
   </p:notesMasterIdLst>
   <p:sldIdLst>
     <p:sldId id="257" r:id="rId2"/>
@@ -16,6 +16,7 @@
     <p:sldId id="263" r:id="rId7"/>
     <p:sldId id="264" r:id="rId8"/>
     <p:sldId id="265" r:id="rId9"/>
+    <p:sldId id="266" r:id="rId10"/>
   </p:sldIdLst>
   <p:sldSz cx="12192000" cy="6858000"/>
   <p:notesSz cx="6858000" cy="9144000"/>
@@ -16448,6 +16449,1804 @@
 </p:sld>
 </file>
 
+<file path=ppt/slides/slide9.xml><?xml version="1.0" encoding="utf-8"?>
+<p:sld xmlns:a="http://schemas.openxmlformats.org/drawingml/2006/main" xmlns:r="http://schemas.openxmlformats.org/officeDocument/2006/relationships" xmlns:p="http://schemas.openxmlformats.org/presentationml/2006/main">
+  <p:cSld>
+    <p:spTree>
+      <p:nvGrpSpPr>
+        <p:cNvPr id="1" name=""/>
+        <p:cNvGrpSpPr/>
+        <p:nvPr/>
+      </p:nvGrpSpPr>
+      <p:grpSpPr>
+        <a:xfrm>
+          <a:off x="0" y="0"/>
+          <a:ext cx="0" cy="0"/>
+          <a:chOff x="0" y="0"/>
+          <a:chExt cx="0" cy="0"/>
+        </a:xfrm>
+      </p:grpSpPr>
+      <p:sp>
+        <p:nvSpPr>
+          <p:cNvPr id="51" name="Rectangle 50">
+            <a:extLst>
+              <a:ext uri="{FF2B5EF4-FFF2-40B4-BE49-F238E27FC236}">
+                <a16:creationId xmlns:a16="http://schemas.microsoft.com/office/drawing/2014/main" id="{BD6F671C-C836-9B43-9666-EDF12F90FEE6}"/>
+              </a:ext>
+            </a:extLst>
+          </p:cNvPr>
+          <p:cNvSpPr/>
+          <p:nvPr/>
+        </p:nvSpPr>
+        <p:spPr>
+          <a:xfrm flipH="1">
+            <a:off x="3805207" y="1434979"/>
+            <a:ext cx="4581586" cy="2844992"/>
+          </a:xfrm>
+          <a:prstGeom prst="rect">
+            <a:avLst/>
+          </a:prstGeom>
+          <a:solidFill>
+            <a:schemeClr val="bg1">
+              <a:lumMod val="85000"/>
+            </a:schemeClr>
+          </a:solidFill>
+          <a:ln/>
+        </p:spPr>
+        <p:style>
+          <a:lnRef idx="1">
+            <a:schemeClr val="accent3"/>
+          </a:lnRef>
+          <a:fillRef idx="2">
+            <a:schemeClr val="accent3"/>
+          </a:fillRef>
+          <a:effectRef idx="1">
+            <a:schemeClr val="accent3"/>
+          </a:effectRef>
+          <a:fontRef idx="minor">
+            <a:schemeClr val="dk1"/>
+          </a:fontRef>
+        </p:style>
+        <p:txBody>
+          <a:bodyPr rtlCol="0" anchor="t"/>
+          <a:lstStyle/>
+          <a:p>
+            <a:pPr algn="ctr"/>
+            <a:r>
+              <a:rPr lang="en-US" sz="1600" dirty="0">
+                <a:solidFill>
+                  <a:schemeClr val="tx1"/>
+                </a:solidFill>
+              </a:rPr>
+              <a:t>Mobile Core</a:t>
+            </a:r>
+          </a:p>
+        </p:txBody>
+      </p:sp>
+      <p:pic>
+        <p:nvPicPr>
+          <p:cNvPr id="54" name="Picture 53">
+            <a:extLst>
+              <a:ext uri="{FF2B5EF4-FFF2-40B4-BE49-F238E27FC236}">
+                <a16:creationId xmlns:a16="http://schemas.microsoft.com/office/drawing/2014/main" id="{099F1392-7C80-744B-9116-4FBFC03920E1}"/>
+              </a:ext>
+            </a:extLst>
+          </p:cNvPr>
+          <p:cNvPicPr>
+            <a:picLocks noChangeAspect="1"/>
+          </p:cNvPicPr>
+          <p:nvPr/>
+        </p:nvPicPr>
+        <p:blipFill>
+          <a:blip r:embed="rId2"/>
+          <a:stretch>
+            <a:fillRect/>
+          </a:stretch>
+        </p:blipFill>
+        <p:spPr>
+          <a:xfrm flipH="1">
+            <a:off x="1874547" y="2574703"/>
+            <a:ext cx="646947" cy="1379880"/>
+          </a:xfrm>
+          <a:prstGeom prst="rect">
+            <a:avLst/>
+          </a:prstGeom>
+          <a:effectLst>
+            <a:outerShdw blurRad="50800" dist="38100" dir="2700000" algn="tl" rotWithShape="0">
+              <a:prstClr val="black">
+                <a:alpha val="40000"/>
+              </a:prstClr>
+            </a:outerShdw>
+          </a:effectLst>
+        </p:spPr>
+      </p:pic>
+      <p:cxnSp>
+        <p:nvCxnSpPr>
+          <p:cNvPr id="55" name="Straight Arrow Connector 54">
+            <a:extLst>
+              <a:ext uri="{FF2B5EF4-FFF2-40B4-BE49-F238E27FC236}">
+                <a16:creationId xmlns:a16="http://schemas.microsoft.com/office/drawing/2014/main" id="{A43D99CD-E3EC-1A4C-AEB6-7EF1D0A6F48A}"/>
+              </a:ext>
+            </a:extLst>
+          </p:cNvPr>
+          <p:cNvCxnSpPr>
+            <a:cxnSpLocks/>
+          </p:cNvCxnSpPr>
+          <p:nvPr/>
+        </p:nvCxnSpPr>
+        <p:spPr>
+          <a:xfrm flipH="1">
+            <a:off x="2222261" y="3882709"/>
+            <a:ext cx="211009" cy="0"/>
+          </a:xfrm>
+          <a:prstGeom prst="straightConnector1">
+            <a:avLst/>
+          </a:prstGeom>
+          <a:ln w="25400">
+            <a:solidFill>
+              <a:schemeClr val="tx1"/>
+            </a:solidFill>
+            <a:headEnd type="none"/>
+            <a:tailEnd type="none"/>
+          </a:ln>
+        </p:spPr>
+        <p:style>
+          <a:lnRef idx="2">
+            <a:schemeClr val="accent1"/>
+          </a:lnRef>
+          <a:fillRef idx="0">
+            <a:schemeClr val="accent1"/>
+          </a:fillRef>
+          <a:effectRef idx="1">
+            <a:schemeClr val="accent1"/>
+          </a:effectRef>
+          <a:fontRef idx="minor">
+            <a:schemeClr val="tx1"/>
+          </a:fontRef>
+        </p:style>
+      </p:cxnSp>
+      <p:pic>
+        <p:nvPicPr>
+          <p:cNvPr id="56" name="Picture 55" descr="A close up of a logo&#10;&#10;Description automatically generated">
+            <a:extLst>
+              <a:ext uri="{FF2B5EF4-FFF2-40B4-BE49-F238E27FC236}">
+                <a16:creationId xmlns:a16="http://schemas.microsoft.com/office/drawing/2014/main" id="{5F1186A2-EA1E-9441-B4B6-DEEB2F4FF3D2}"/>
+              </a:ext>
+            </a:extLst>
+          </p:cNvPr>
+          <p:cNvPicPr>
+            <a:picLocks noChangeAspect="1"/>
+          </p:cNvPicPr>
+          <p:nvPr/>
+        </p:nvPicPr>
+        <p:blipFill>
+          <a:blip r:embed="rId3"/>
+          <a:stretch>
+            <a:fillRect/>
+          </a:stretch>
+        </p:blipFill>
+        <p:spPr>
+          <a:xfrm flipH="1">
+            <a:off x="2395524" y="3414684"/>
+            <a:ext cx="739148" cy="578414"/>
+          </a:xfrm>
+          <a:prstGeom prst="rect">
+            <a:avLst/>
+          </a:prstGeom>
+        </p:spPr>
+      </p:pic>
+      <p:sp>
+        <p:nvSpPr>
+          <p:cNvPr id="60" name="Rectangle 59">
+            <a:extLst>
+              <a:ext uri="{FF2B5EF4-FFF2-40B4-BE49-F238E27FC236}">
+                <a16:creationId xmlns:a16="http://schemas.microsoft.com/office/drawing/2014/main" id="{4DD5D79E-8A06-6C4A-A93F-C3018CB6CE8E}"/>
+              </a:ext>
+            </a:extLst>
+          </p:cNvPr>
+          <p:cNvSpPr/>
+          <p:nvPr/>
+        </p:nvSpPr>
+        <p:spPr>
+          <a:xfrm flipH="1">
+            <a:off x="1585453" y="2149432"/>
+            <a:ext cx="1686904" cy="2201790"/>
+          </a:xfrm>
+          <a:prstGeom prst="rect">
+            <a:avLst/>
+          </a:prstGeom>
+          <a:noFill/>
+          <a:ln w="25400">
+            <a:solidFill>
+              <a:schemeClr val="bg1"/>
+            </a:solidFill>
+            <a:prstDash val="sysDot"/>
+          </a:ln>
+        </p:spPr>
+        <p:style>
+          <a:lnRef idx="1">
+            <a:schemeClr val="accent1"/>
+          </a:lnRef>
+          <a:fillRef idx="3">
+            <a:schemeClr val="accent1"/>
+          </a:fillRef>
+          <a:effectRef idx="2">
+            <a:schemeClr val="accent1"/>
+          </a:effectRef>
+          <a:fontRef idx="minor">
+            <a:schemeClr val="lt1"/>
+          </a:fontRef>
+        </p:style>
+        <p:txBody>
+          <a:bodyPr rtlCol="0" anchor="b"/>
+          <a:lstStyle/>
+          <a:p>
+            <a:pPr algn="ctr"/>
+            <a:r>
+              <a:rPr lang="en-US" sz="1600" dirty="0">
+                <a:solidFill>
+                  <a:schemeClr val="tx1"/>
+                </a:solidFill>
+              </a:rPr>
+              <a:t>Base Station</a:t>
+            </a:r>
+          </a:p>
+        </p:txBody>
+      </p:sp>
+      <p:cxnSp>
+        <p:nvCxnSpPr>
+          <p:cNvPr id="61" name="Elbow Connector 60">
+            <a:extLst>
+              <a:ext uri="{FF2B5EF4-FFF2-40B4-BE49-F238E27FC236}">
+                <a16:creationId xmlns:a16="http://schemas.microsoft.com/office/drawing/2014/main" id="{2D84431A-8094-8849-84CF-8ED7674E9CA6}"/>
+              </a:ext>
+            </a:extLst>
+          </p:cNvPr>
+          <p:cNvCxnSpPr>
+            <a:stCxn id="56" idx="1"/>
+            <a:endCxn id="103" idx="1"/>
+          </p:cNvCxnSpPr>
+          <p:nvPr/>
+        </p:nvCxnSpPr>
+        <p:spPr>
+          <a:xfrm flipV="1">
+            <a:off x="3134672" y="3048677"/>
+            <a:ext cx="1651571" cy="655214"/>
+          </a:xfrm>
+          <a:prstGeom prst="bentConnector3">
+            <a:avLst>
+              <a:gd name="adj1" fmla="val 27132"/>
+            </a:avLst>
+          </a:prstGeom>
+          <a:ln w="19050">
+            <a:solidFill>
+              <a:schemeClr val="tx1"/>
+            </a:solidFill>
+            <a:prstDash val="sysDot"/>
+          </a:ln>
+        </p:spPr>
+        <p:style>
+          <a:lnRef idx="2">
+            <a:schemeClr val="accent1"/>
+          </a:lnRef>
+          <a:fillRef idx="0">
+            <a:schemeClr val="accent1"/>
+          </a:fillRef>
+          <a:effectRef idx="1">
+            <a:schemeClr val="accent1"/>
+          </a:effectRef>
+          <a:fontRef idx="minor">
+            <a:schemeClr val="tx1"/>
+          </a:fontRef>
+        </p:style>
+      </p:cxnSp>
+      <p:cxnSp>
+        <p:nvCxnSpPr>
+          <p:cNvPr id="62" name="Straight Connector 61">
+            <a:extLst>
+              <a:ext uri="{FF2B5EF4-FFF2-40B4-BE49-F238E27FC236}">
+                <a16:creationId xmlns:a16="http://schemas.microsoft.com/office/drawing/2014/main" id="{B89955F7-3267-3F40-BD53-617DC3239A74}"/>
+              </a:ext>
+            </a:extLst>
+          </p:cNvPr>
+          <p:cNvCxnSpPr>
+            <a:endCxn id="63" idx="1"/>
+          </p:cNvCxnSpPr>
+          <p:nvPr/>
+        </p:nvCxnSpPr>
+        <p:spPr>
+          <a:xfrm>
+            <a:off x="3100421" y="3883428"/>
+            <a:ext cx="2753008" cy="4006"/>
+          </a:xfrm>
+          <a:prstGeom prst="line">
+            <a:avLst/>
+          </a:prstGeom>
+          <a:ln w="19050">
+            <a:solidFill>
+              <a:schemeClr val="tx1"/>
+            </a:solidFill>
+          </a:ln>
+        </p:spPr>
+        <p:style>
+          <a:lnRef idx="2">
+            <a:schemeClr val="accent1"/>
+          </a:lnRef>
+          <a:fillRef idx="0">
+            <a:schemeClr val="accent1"/>
+          </a:fillRef>
+          <a:effectRef idx="1">
+            <a:schemeClr val="accent1"/>
+          </a:effectRef>
+          <a:fontRef idx="minor">
+            <a:schemeClr val="tx1"/>
+          </a:fontRef>
+        </p:style>
+      </p:cxnSp>
+      <p:sp>
+        <p:nvSpPr>
+          <p:cNvPr id="63" name="Rectangle 62">
+            <a:extLst>
+              <a:ext uri="{FF2B5EF4-FFF2-40B4-BE49-F238E27FC236}">
+                <a16:creationId xmlns:a16="http://schemas.microsoft.com/office/drawing/2014/main" id="{600F2F38-6DF6-0A45-B57F-20628B25D602}"/>
+              </a:ext>
+            </a:extLst>
+          </p:cNvPr>
+          <p:cNvSpPr/>
+          <p:nvPr/>
+        </p:nvSpPr>
+        <p:spPr>
+          <a:xfrm>
+            <a:off x="5853429" y="3571748"/>
+            <a:ext cx="631372" cy="631371"/>
+          </a:xfrm>
+          <a:prstGeom prst="rect">
+            <a:avLst/>
+          </a:prstGeom>
+          <a:solidFill>
+            <a:schemeClr val="accent1">
+              <a:lumMod val="40000"/>
+              <a:lumOff val="60000"/>
+            </a:schemeClr>
+          </a:solidFill>
+        </p:spPr>
+        <p:style>
+          <a:lnRef idx="1">
+            <a:schemeClr val="accent1"/>
+          </a:lnRef>
+          <a:fillRef idx="2">
+            <a:schemeClr val="accent1"/>
+          </a:fillRef>
+          <a:effectRef idx="1">
+            <a:schemeClr val="accent1"/>
+          </a:effectRef>
+          <a:fontRef idx="minor">
+            <a:schemeClr val="dk1"/>
+          </a:fontRef>
+        </p:style>
+        <p:txBody>
+          <a:bodyPr rtlCol="0" anchor="ctr"/>
+          <a:lstStyle/>
+          <a:p>
+            <a:pPr algn="ctr"/>
+            <a:r>
+              <a:rPr lang="en-US" sz="1400" dirty="0">
+                <a:solidFill>
+                  <a:schemeClr val="tx1"/>
+                </a:solidFill>
+              </a:rPr>
+              <a:t>UPF</a:t>
+            </a:r>
+          </a:p>
+        </p:txBody>
+      </p:sp>
+      <p:cxnSp>
+        <p:nvCxnSpPr>
+          <p:cNvPr id="64" name="Straight Connector 63">
+            <a:extLst>
+              <a:ext uri="{FF2B5EF4-FFF2-40B4-BE49-F238E27FC236}">
+                <a16:creationId xmlns:a16="http://schemas.microsoft.com/office/drawing/2014/main" id="{0977D2ED-95C9-3046-831E-A3B959785B50}"/>
+              </a:ext>
+            </a:extLst>
+          </p:cNvPr>
+          <p:cNvCxnSpPr>
+            <a:stCxn id="104" idx="2"/>
+            <a:endCxn id="63" idx="0"/>
+          </p:cNvCxnSpPr>
+          <p:nvPr/>
+        </p:nvCxnSpPr>
+        <p:spPr>
+          <a:xfrm>
+            <a:off x="6169115" y="3364361"/>
+            <a:ext cx="0" cy="207387"/>
+          </a:xfrm>
+          <a:prstGeom prst="line">
+            <a:avLst/>
+          </a:prstGeom>
+          <a:ln w="19050">
+            <a:solidFill>
+              <a:schemeClr val="bg1">
+                <a:lumMod val="50000"/>
+              </a:schemeClr>
+            </a:solidFill>
+            <a:prstDash val="sysDot"/>
+          </a:ln>
+        </p:spPr>
+        <p:style>
+          <a:lnRef idx="2">
+            <a:schemeClr val="accent1"/>
+          </a:lnRef>
+          <a:fillRef idx="0">
+            <a:schemeClr val="accent1"/>
+          </a:fillRef>
+          <a:effectRef idx="1">
+            <a:schemeClr val="accent1"/>
+          </a:effectRef>
+          <a:fontRef idx="minor">
+            <a:schemeClr val="tx1"/>
+          </a:fontRef>
+        </p:style>
+      </p:cxnSp>
+      <p:grpSp>
+        <p:nvGrpSpPr>
+          <p:cNvPr id="65" name="Group 64">
+            <a:extLst>
+              <a:ext uri="{FF2B5EF4-FFF2-40B4-BE49-F238E27FC236}">
+                <a16:creationId xmlns:a16="http://schemas.microsoft.com/office/drawing/2014/main" id="{DCCD4FB3-EB02-9E4F-B935-D81889631D60}"/>
+              </a:ext>
+            </a:extLst>
+          </p:cNvPr>
+          <p:cNvGrpSpPr/>
+          <p:nvPr/>
+        </p:nvGrpSpPr>
+        <p:grpSpPr>
+          <a:xfrm>
+            <a:off x="8595513" y="3206084"/>
+            <a:ext cx="2008213" cy="1272601"/>
+            <a:chOff x="6533912" y="2444203"/>
+            <a:chExt cx="2219670" cy="1470185"/>
+          </a:xfrm>
+        </p:grpSpPr>
+        <p:pic>
+          <p:nvPicPr>
+            <p:cNvPr id="66" name="Picture 65">
+              <a:extLst>
+                <a:ext uri="{FF2B5EF4-FFF2-40B4-BE49-F238E27FC236}">
+                  <a16:creationId xmlns:a16="http://schemas.microsoft.com/office/drawing/2014/main" id="{791BBDD4-AECA-CA48-B0F5-80928C58B89A}"/>
+                </a:ext>
+              </a:extLst>
+            </p:cNvPr>
+            <p:cNvPicPr>
+              <a:picLocks noChangeAspect="1"/>
+            </p:cNvPicPr>
+            <p:nvPr/>
+          </p:nvPicPr>
+          <p:blipFill>
+            <a:blip r:embed="rId4"/>
+            <a:stretch>
+              <a:fillRect/>
+            </a:stretch>
+          </p:blipFill>
+          <p:spPr>
+            <a:xfrm flipH="1">
+              <a:off x="6533912" y="2444203"/>
+              <a:ext cx="2219670" cy="1470185"/>
+            </a:xfrm>
+            <a:prstGeom prst="rect">
+              <a:avLst/>
+            </a:prstGeom>
+            <a:solidFill>
+              <a:schemeClr val="tx2"/>
+            </a:solidFill>
+          </p:spPr>
+        </p:pic>
+        <p:sp>
+          <p:nvSpPr>
+            <p:cNvPr id="67" name="TextBox 66">
+              <a:extLst>
+                <a:ext uri="{FF2B5EF4-FFF2-40B4-BE49-F238E27FC236}">
+                  <a16:creationId xmlns:a16="http://schemas.microsoft.com/office/drawing/2014/main" id="{4CDD5DFD-1099-B543-AD65-B49FE0E357FA}"/>
+                </a:ext>
+              </a:extLst>
+            </p:cNvPr>
+            <p:cNvSpPr txBox="1"/>
+            <p:nvPr/>
+          </p:nvSpPr>
+          <p:spPr>
+            <a:xfrm flipH="1">
+              <a:off x="7192155" y="3022896"/>
+              <a:ext cx="1018534" cy="391118"/>
+            </a:xfrm>
+            <a:prstGeom prst="rect">
+              <a:avLst/>
+            </a:prstGeom>
+            <a:noFill/>
+          </p:spPr>
+          <p:txBody>
+            <a:bodyPr wrap="square" rtlCol="0">
+              <a:spAutoFit/>
+            </a:bodyPr>
+            <a:lstStyle/>
+            <a:p>
+              <a:r>
+                <a:rPr lang="en-US" sz="1600" dirty="0"/>
+                <a:t>Internet</a:t>
+              </a:r>
+            </a:p>
+          </p:txBody>
+        </p:sp>
+      </p:grpSp>
+      <p:cxnSp>
+        <p:nvCxnSpPr>
+          <p:cNvPr id="68" name="Straight Connector 67">
+            <a:extLst>
+              <a:ext uri="{FF2B5EF4-FFF2-40B4-BE49-F238E27FC236}">
+                <a16:creationId xmlns:a16="http://schemas.microsoft.com/office/drawing/2014/main" id="{10E0DCCC-6EBA-E34D-8A89-648C9B4D678A}"/>
+              </a:ext>
+            </a:extLst>
+          </p:cNvPr>
+          <p:cNvCxnSpPr>
+            <a:stCxn id="63" idx="3"/>
+          </p:cNvCxnSpPr>
+          <p:nvPr/>
+        </p:nvCxnSpPr>
+        <p:spPr>
+          <a:xfrm flipV="1">
+            <a:off x="6484801" y="3882707"/>
+            <a:ext cx="2398138" cy="4727"/>
+          </a:xfrm>
+          <a:prstGeom prst="line">
+            <a:avLst/>
+          </a:prstGeom>
+          <a:ln w="19050">
+            <a:solidFill>
+              <a:schemeClr val="tx1"/>
+            </a:solidFill>
+          </a:ln>
+        </p:spPr>
+        <p:style>
+          <a:lnRef idx="2">
+            <a:schemeClr val="accent1"/>
+          </a:lnRef>
+          <a:fillRef idx="0">
+            <a:schemeClr val="accent1"/>
+          </a:fillRef>
+          <a:effectRef idx="1">
+            <a:schemeClr val="accent1"/>
+          </a:effectRef>
+          <a:fontRef idx="minor">
+            <a:schemeClr val="tx1"/>
+          </a:fontRef>
+        </p:style>
+      </p:cxnSp>
+      <p:cxnSp>
+        <p:nvCxnSpPr>
+          <p:cNvPr id="69" name="Straight Connector 68">
+            <a:extLst>
+              <a:ext uri="{FF2B5EF4-FFF2-40B4-BE49-F238E27FC236}">
+                <a16:creationId xmlns:a16="http://schemas.microsoft.com/office/drawing/2014/main" id="{237B5F0F-011A-8B43-8B2F-CA30684D46EA}"/>
+              </a:ext>
+            </a:extLst>
+          </p:cNvPr>
+          <p:cNvCxnSpPr/>
+          <p:nvPr/>
+        </p:nvCxnSpPr>
+        <p:spPr>
+          <a:xfrm>
+            <a:off x="4417561" y="4653424"/>
+            <a:ext cx="435814" cy="0"/>
+          </a:xfrm>
+          <a:prstGeom prst="line">
+            <a:avLst/>
+          </a:prstGeom>
+          <a:ln w="19050">
+            <a:solidFill>
+              <a:schemeClr val="tx1"/>
+            </a:solidFill>
+          </a:ln>
+        </p:spPr>
+        <p:style>
+          <a:lnRef idx="2">
+            <a:schemeClr val="accent1"/>
+          </a:lnRef>
+          <a:fillRef idx="0">
+            <a:schemeClr val="accent1"/>
+          </a:fillRef>
+          <a:effectRef idx="1">
+            <a:schemeClr val="accent1"/>
+          </a:effectRef>
+          <a:fontRef idx="minor">
+            <a:schemeClr val="tx1"/>
+          </a:fontRef>
+        </p:style>
+      </p:cxnSp>
+      <p:sp>
+        <p:nvSpPr>
+          <p:cNvPr id="70" name="TextBox 69">
+            <a:extLst>
+              <a:ext uri="{FF2B5EF4-FFF2-40B4-BE49-F238E27FC236}">
+                <a16:creationId xmlns:a16="http://schemas.microsoft.com/office/drawing/2014/main" id="{B18A7E4C-3C5F-7949-9D79-0888C9EF42A8}"/>
+              </a:ext>
+            </a:extLst>
+          </p:cNvPr>
+          <p:cNvSpPr txBox="1"/>
+          <p:nvPr/>
+        </p:nvSpPr>
+        <p:spPr>
+          <a:xfrm>
+            <a:off x="4809575" y="4499536"/>
+            <a:ext cx="968535" cy="307777"/>
+          </a:xfrm>
+          <a:prstGeom prst="rect">
+            <a:avLst/>
+          </a:prstGeom>
+          <a:noFill/>
+        </p:spPr>
+        <p:txBody>
+          <a:bodyPr wrap="none" rtlCol="0">
+            <a:spAutoFit/>
+          </a:bodyPr>
+          <a:lstStyle/>
+          <a:p>
+            <a:r>
+              <a:rPr lang="en-US" sz="1400" dirty="0"/>
+              <a:t>User Plane</a:t>
+            </a:r>
+          </a:p>
+        </p:txBody>
+      </p:sp>
+      <p:cxnSp>
+        <p:nvCxnSpPr>
+          <p:cNvPr id="71" name="Straight Connector 70">
+            <a:extLst>
+              <a:ext uri="{FF2B5EF4-FFF2-40B4-BE49-F238E27FC236}">
+                <a16:creationId xmlns:a16="http://schemas.microsoft.com/office/drawing/2014/main" id="{DC8A50A0-FA94-2B46-BBF1-AABE461E3B6B}"/>
+              </a:ext>
+            </a:extLst>
+          </p:cNvPr>
+          <p:cNvCxnSpPr/>
+          <p:nvPr/>
+        </p:nvCxnSpPr>
+        <p:spPr>
+          <a:xfrm>
+            <a:off x="6200713" y="4653424"/>
+            <a:ext cx="435814" cy="0"/>
+          </a:xfrm>
+          <a:prstGeom prst="line">
+            <a:avLst/>
+          </a:prstGeom>
+          <a:ln w="19050">
+            <a:solidFill>
+              <a:schemeClr val="tx1"/>
+            </a:solidFill>
+            <a:prstDash val="sysDot"/>
+          </a:ln>
+        </p:spPr>
+        <p:style>
+          <a:lnRef idx="2">
+            <a:schemeClr val="accent1"/>
+          </a:lnRef>
+          <a:fillRef idx="0">
+            <a:schemeClr val="accent1"/>
+          </a:fillRef>
+          <a:effectRef idx="1">
+            <a:schemeClr val="accent1"/>
+          </a:effectRef>
+          <a:fontRef idx="minor">
+            <a:schemeClr val="tx1"/>
+          </a:fontRef>
+        </p:style>
+      </p:cxnSp>
+      <p:sp>
+        <p:nvSpPr>
+          <p:cNvPr id="72" name="TextBox 71">
+            <a:extLst>
+              <a:ext uri="{FF2B5EF4-FFF2-40B4-BE49-F238E27FC236}">
+                <a16:creationId xmlns:a16="http://schemas.microsoft.com/office/drawing/2014/main" id="{B6C8012D-B61C-4B49-9582-BBDF302786DF}"/>
+              </a:ext>
+            </a:extLst>
+          </p:cNvPr>
+          <p:cNvSpPr txBox="1"/>
+          <p:nvPr/>
+        </p:nvSpPr>
+        <p:spPr>
+          <a:xfrm>
+            <a:off x="6592727" y="4499536"/>
+            <a:ext cx="1170770" cy="307777"/>
+          </a:xfrm>
+          <a:prstGeom prst="rect">
+            <a:avLst/>
+          </a:prstGeom>
+          <a:noFill/>
+        </p:spPr>
+        <p:txBody>
+          <a:bodyPr wrap="none" rtlCol="0">
+            <a:spAutoFit/>
+          </a:bodyPr>
+          <a:lstStyle/>
+          <a:p>
+            <a:r>
+              <a:rPr lang="en-US" sz="1400" dirty="0"/>
+              <a:t>Control Plane</a:t>
+            </a:r>
+          </a:p>
+        </p:txBody>
+      </p:sp>
+      <p:sp>
+        <p:nvSpPr>
+          <p:cNvPr id="73" name="Can 72">
+            <a:extLst>
+              <a:ext uri="{FF2B5EF4-FFF2-40B4-BE49-F238E27FC236}">
+                <a16:creationId xmlns:a16="http://schemas.microsoft.com/office/drawing/2014/main" id="{1F979946-84D9-FD49-B422-1FE7DD300A2F}"/>
+              </a:ext>
+            </a:extLst>
+          </p:cNvPr>
+          <p:cNvSpPr/>
+          <p:nvPr/>
+        </p:nvSpPr>
+        <p:spPr>
+          <a:xfrm>
+            <a:off x="6908219" y="1832370"/>
+            <a:ext cx="558036" cy="501009"/>
+          </a:xfrm>
+          <a:prstGeom prst="can">
+            <a:avLst/>
+          </a:prstGeom>
+          <a:solidFill>
+            <a:schemeClr val="accent1">
+              <a:lumMod val="40000"/>
+              <a:lumOff val="60000"/>
+            </a:schemeClr>
+          </a:solidFill>
+        </p:spPr>
+        <p:style>
+          <a:lnRef idx="1">
+            <a:schemeClr val="accent1"/>
+          </a:lnRef>
+          <a:fillRef idx="2">
+            <a:schemeClr val="accent1"/>
+          </a:fillRef>
+          <a:effectRef idx="1">
+            <a:schemeClr val="accent1"/>
+          </a:effectRef>
+          <a:fontRef idx="minor">
+            <a:schemeClr val="dk1"/>
+          </a:fontRef>
+        </p:style>
+        <p:txBody>
+          <a:bodyPr rtlCol="0" anchor="ctr"/>
+          <a:lstStyle/>
+          <a:p>
+            <a:pPr algn="ctr"/>
+            <a:r>
+              <a:rPr lang="en-US" sz="1200" dirty="0">
+                <a:solidFill>
+                  <a:schemeClr val="tx1"/>
+                </a:solidFill>
+              </a:rPr>
+              <a:t>SDSF</a:t>
+            </a:r>
+          </a:p>
+        </p:txBody>
+      </p:sp>
+      <p:sp>
+        <p:nvSpPr>
+          <p:cNvPr id="74" name="Can 73">
+            <a:extLst>
+              <a:ext uri="{FF2B5EF4-FFF2-40B4-BE49-F238E27FC236}">
+                <a16:creationId xmlns:a16="http://schemas.microsoft.com/office/drawing/2014/main" id="{2D2BD4E1-2837-0249-9002-A41777E94E23}"/>
+              </a:ext>
+            </a:extLst>
+          </p:cNvPr>
+          <p:cNvSpPr/>
+          <p:nvPr/>
+        </p:nvSpPr>
+        <p:spPr>
+          <a:xfrm>
+            <a:off x="7521838" y="1833780"/>
+            <a:ext cx="558035" cy="501009"/>
+          </a:xfrm>
+          <a:prstGeom prst="can">
+            <a:avLst/>
+          </a:prstGeom>
+          <a:solidFill>
+            <a:schemeClr val="accent1">
+              <a:lumMod val="40000"/>
+              <a:lumOff val="60000"/>
+            </a:schemeClr>
+          </a:solidFill>
+        </p:spPr>
+        <p:style>
+          <a:lnRef idx="1">
+            <a:schemeClr val="accent1"/>
+          </a:lnRef>
+          <a:fillRef idx="2">
+            <a:schemeClr val="accent1"/>
+          </a:fillRef>
+          <a:effectRef idx="1">
+            <a:schemeClr val="accent1"/>
+          </a:effectRef>
+          <a:fontRef idx="minor">
+            <a:schemeClr val="dk1"/>
+          </a:fontRef>
+        </p:style>
+        <p:txBody>
+          <a:bodyPr rtlCol="0" anchor="ctr"/>
+          <a:lstStyle/>
+          <a:p>
+            <a:pPr algn="ctr"/>
+            <a:r>
+              <a:rPr lang="en-US" sz="1200" dirty="0">
+                <a:solidFill>
+                  <a:schemeClr val="tx1"/>
+                </a:solidFill>
+              </a:rPr>
+              <a:t>UDSF</a:t>
+            </a:r>
+          </a:p>
+        </p:txBody>
+      </p:sp>
+      <p:sp>
+        <p:nvSpPr>
+          <p:cNvPr id="75" name="Rectangle 74">
+            <a:extLst>
+              <a:ext uri="{FF2B5EF4-FFF2-40B4-BE49-F238E27FC236}">
+                <a16:creationId xmlns:a16="http://schemas.microsoft.com/office/drawing/2014/main" id="{6534BBAC-D035-DA47-85E1-B9F68A0128F6}"/>
+              </a:ext>
+            </a:extLst>
+          </p:cNvPr>
+          <p:cNvSpPr/>
+          <p:nvPr/>
+        </p:nvSpPr>
+        <p:spPr>
+          <a:xfrm>
+            <a:off x="5185169" y="1833780"/>
+            <a:ext cx="508110" cy="495581"/>
+          </a:xfrm>
+          <a:prstGeom prst="rect">
+            <a:avLst/>
+          </a:prstGeom>
+          <a:solidFill>
+            <a:schemeClr val="accent1">
+              <a:lumMod val="40000"/>
+              <a:lumOff val="60000"/>
+            </a:schemeClr>
+          </a:solidFill>
+        </p:spPr>
+        <p:style>
+          <a:lnRef idx="1">
+            <a:schemeClr val="accent1"/>
+          </a:lnRef>
+          <a:fillRef idx="2">
+            <a:schemeClr val="accent1"/>
+          </a:fillRef>
+          <a:effectRef idx="1">
+            <a:schemeClr val="accent1"/>
+          </a:effectRef>
+          <a:fontRef idx="minor">
+            <a:schemeClr val="dk1"/>
+          </a:fontRef>
+        </p:style>
+        <p:txBody>
+          <a:bodyPr rtlCol="0" anchor="ctr"/>
+          <a:lstStyle/>
+          <a:p>
+            <a:pPr algn="ctr"/>
+            <a:r>
+              <a:rPr lang="en-US" sz="1200">
+                <a:solidFill>
+                  <a:schemeClr val="tx1"/>
+                </a:solidFill>
+              </a:rPr>
+              <a:t>NRF</a:t>
+            </a:r>
+            <a:endParaRPr lang="en-US" sz="1200" dirty="0">
+              <a:solidFill>
+                <a:schemeClr val="tx1"/>
+              </a:solidFill>
+            </a:endParaRPr>
+          </a:p>
+        </p:txBody>
+      </p:sp>
+      <p:sp>
+        <p:nvSpPr>
+          <p:cNvPr id="76" name="Rectangle 75">
+            <a:extLst>
+              <a:ext uri="{FF2B5EF4-FFF2-40B4-BE49-F238E27FC236}">
+                <a16:creationId xmlns:a16="http://schemas.microsoft.com/office/drawing/2014/main" id="{02CFB2A7-4659-0C40-B78E-C4DA9F761A9A}"/>
+              </a:ext>
+            </a:extLst>
+          </p:cNvPr>
+          <p:cNvSpPr/>
+          <p:nvPr/>
+        </p:nvSpPr>
+        <p:spPr>
+          <a:xfrm>
+            <a:off x="4617972" y="1836195"/>
+            <a:ext cx="508110" cy="495581"/>
+          </a:xfrm>
+          <a:prstGeom prst="rect">
+            <a:avLst/>
+          </a:prstGeom>
+          <a:solidFill>
+            <a:schemeClr val="accent1">
+              <a:lumMod val="40000"/>
+              <a:lumOff val="60000"/>
+            </a:schemeClr>
+          </a:solidFill>
+        </p:spPr>
+        <p:style>
+          <a:lnRef idx="1">
+            <a:schemeClr val="accent1"/>
+          </a:lnRef>
+          <a:fillRef idx="2">
+            <a:schemeClr val="accent1"/>
+          </a:fillRef>
+          <a:effectRef idx="1">
+            <a:schemeClr val="accent1"/>
+          </a:effectRef>
+          <a:fontRef idx="minor">
+            <a:schemeClr val="dk1"/>
+          </a:fontRef>
+        </p:style>
+        <p:txBody>
+          <a:bodyPr rtlCol="0" anchor="ctr"/>
+          <a:lstStyle/>
+          <a:p>
+            <a:pPr algn="ctr"/>
+            <a:r>
+              <a:rPr lang="en-US" sz="1200" dirty="0">
+                <a:solidFill>
+                  <a:schemeClr val="tx1"/>
+                </a:solidFill>
+              </a:rPr>
+              <a:t>PCF</a:t>
+            </a:r>
+          </a:p>
+        </p:txBody>
+      </p:sp>
+      <p:sp>
+        <p:nvSpPr>
+          <p:cNvPr id="77" name="Rectangle 76">
+            <a:extLst>
+              <a:ext uri="{FF2B5EF4-FFF2-40B4-BE49-F238E27FC236}">
+                <a16:creationId xmlns:a16="http://schemas.microsoft.com/office/drawing/2014/main" id="{1F656EBD-0BEF-4844-B87B-ADD9179C07A3}"/>
+              </a:ext>
+            </a:extLst>
+          </p:cNvPr>
+          <p:cNvSpPr/>
+          <p:nvPr/>
+        </p:nvSpPr>
+        <p:spPr>
+          <a:xfrm>
+            <a:off x="5752366" y="1833810"/>
+            <a:ext cx="508110" cy="495581"/>
+          </a:xfrm>
+          <a:prstGeom prst="rect">
+            <a:avLst/>
+          </a:prstGeom>
+          <a:solidFill>
+            <a:schemeClr val="accent1">
+              <a:lumMod val="40000"/>
+              <a:lumOff val="60000"/>
+            </a:schemeClr>
+          </a:solidFill>
+        </p:spPr>
+        <p:style>
+          <a:lnRef idx="1">
+            <a:schemeClr val="accent1"/>
+          </a:lnRef>
+          <a:fillRef idx="2">
+            <a:schemeClr val="accent1"/>
+          </a:fillRef>
+          <a:effectRef idx="1">
+            <a:schemeClr val="accent1"/>
+          </a:effectRef>
+          <a:fontRef idx="minor">
+            <a:schemeClr val="dk1"/>
+          </a:fontRef>
+        </p:style>
+        <p:txBody>
+          <a:bodyPr rtlCol="0" anchor="ctr"/>
+          <a:lstStyle/>
+          <a:p>
+            <a:pPr algn="ctr"/>
+            <a:r>
+              <a:rPr lang="en-US" sz="1200" dirty="0">
+                <a:solidFill>
+                  <a:schemeClr val="tx1"/>
+                </a:solidFill>
+              </a:rPr>
+              <a:t>NEF</a:t>
+            </a:r>
+          </a:p>
+        </p:txBody>
+      </p:sp>
+      <p:sp>
+        <p:nvSpPr>
+          <p:cNvPr id="78" name="Rectangle 77">
+            <a:extLst>
+              <a:ext uri="{FF2B5EF4-FFF2-40B4-BE49-F238E27FC236}">
+                <a16:creationId xmlns:a16="http://schemas.microsoft.com/office/drawing/2014/main" id="{12F6E873-498C-6F49-A6D9-F3102DF58BD0}"/>
+              </a:ext>
+            </a:extLst>
+          </p:cNvPr>
+          <p:cNvSpPr/>
+          <p:nvPr/>
+        </p:nvSpPr>
+        <p:spPr>
+          <a:xfrm>
+            <a:off x="3919760" y="1836194"/>
+            <a:ext cx="639125" cy="495581"/>
+          </a:xfrm>
+          <a:prstGeom prst="rect">
+            <a:avLst/>
+          </a:prstGeom>
+          <a:solidFill>
+            <a:schemeClr val="accent1">
+              <a:lumMod val="40000"/>
+              <a:lumOff val="60000"/>
+            </a:schemeClr>
+          </a:solidFill>
+        </p:spPr>
+        <p:style>
+          <a:lnRef idx="1">
+            <a:schemeClr val="accent1"/>
+          </a:lnRef>
+          <a:fillRef idx="2">
+            <a:schemeClr val="accent1"/>
+          </a:fillRef>
+          <a:effectRef idx="1">
+            <a:schemeClr val="accent1"/>
+          </a:effectRef>
+          <a:fontRef idx="minor">
+            <a:schemeClr val="dk1"/>
+          </a:fontRef>
+        </p:style>
+        <p:txBody>
+          <a:bodyPr rtlCol="0" anchor="ctr"/>
+          <a:lstStyle/>
+          <a:p>
+            <a:pPr algn="ctr"/>
+            <a:r>
+              <a:rPr lang="en-US" sz="1200" dirty="0">
+                <a:solidFill>
+                  <a:schemeClr val="tx1"/>
+                </a:solidFill>
+              </a:rPr>
+              <a:t>NSSF</a:t>
+            </a:r>
+          </a:p>
+        </p:txBody>
+      </p:sp>
+      <p:sp>
+        <p:nvSpPr>
+          <p:cNvPr id="83" name="Rectangle 82">
+            <a:extLst>
+              <a:ext uri="{FF2B5EF4-FFF2-40B4-BE49-F238E27FC236}">
+                <a16:creationId xmlns:a16="http://schemas.microsoft.com/office/drawing/2014/main" id="{F49CC95E-FD75-8848-83E4-B61C0DDBFC96}"/>
+              </a:ext>
+            </a:extLst>
+          </p:cNvPr>
+          <p:cNvSpPr/>
+          <p:nvPr/>
+        </p:nvSpPr>
+        <p:spPr>
+          <a:xfrm>
+            <a:off x="6319563" y="1833780"/>
+            <a:ext cx="533073" cy="495581"/>
+          </a:xfrm>
+          <a:prstGeom prst="rect">
+            <a:avLst/>
+          </a:prstGeom>
+          <a:solidFill>
+            <a:schemeClr val="accent1">
+              <a:lumMod val="40000"/>
+              <a:lumOff val="60000"/>
+            </a:schemeClr>
+          </a:solidFill>
+        </p:spPr>
+        <p:style>
+          <a:lnRef idx="1">
+            <a:schemeClr val="accent1"/>
+          </a:lnRef>
+          <a:fillRef idx="2">
+            <a:schemeClr val="accent1"/>
+          </a:fillRef>
+          <a:effectRef idx="1">
+            <a:schemeClr val="accent1"/>
+          </a:effectRef>
+          <a:fontRef idx="minor">
+            <a:schemeClr val="dk1"/>
+          </a:fontRef>
+        </p:style>
+        <p:txBody>
+          <a:bodyPr rtlCol="0" anchor="ctr"/>
+          <a:lstStyle/>
+          <a:p>
+            <a:pPr algn="ctr"/>
+            <a:r>
+              <a:rPr lang="en-US" sz="1200" dirty="0">
+                <a:solidFill>
+                  <a:schemeClr val="tx1"/>
+                </a:solidFill>
+              </a:rPr>
+              <a:t>UDM</a:t>
+            </a:r>
+          </a:p>
+        </p:txBody>
+      </p:sp>
+      <p:cxnSp>
+        <p:nvCxnSpPr>
+          <p:cNvPr id="85" name="Straight Connector 84">
+            <a:extLst>
+              <a:ext uri="{FF2B5EF4-FFF2-40B4-BE49-F238E27FC236}">
+                <a16:creationId xmlns:a16="http://schemas.microsoft.com/office/drawing/2014/main" id="{D87BCB94-DA08-1646-80A4-37EA2F167556}"/>
+              </a:ext>
+            </a:extLst>
+          </p:cNvPr>
+          <p:cNvCxnSpPr/>
+          <p:nvPr/>
+        </p:nvCxnSpPr>
+        <p:spPr>
+          <a:xfrm>
+            <a:off x="7215580" y="2329361"/>
+            <a:ext cx="0" cy="245342"/>
+          </a:xfrm>
+          <a:prstGeom prst="line">
+            <a:avLst/>
+          </a:prstGeom>
+          <a:ln w="19050">
+            <a:solidFill>
+              <a:schemeClr val="bg1">
+                <a:lumMod val="50000"/>
+              </a:schemeClr>
+            </a:solidFill>
+            <a:prstDash val="sysDot"/>
+          </a:ln>
+        </p:spPr>
+        <p:style>
+          <a:lnRef idx="2">
+            <a:schemeClr val="accent1"/>
+          </a:lnRef>
+          <a:fillRef idx="0">
+            <a:schemeClr val="accent1"/>
+          </a:fillRef>
+          <a:effectRef idx="1">
+            <a:schemeClr val="accent1"/>
+          </a:effectRef>
+          <a:fontRef idx="minor">
+            <a:schemeClr val="tx1"/>
+          </a:fontRef>
+        </p:style>
+      </p:cxnSp>
+      <p:cxnSp>
+        <p:nvCxnSpPr>
+          <p:cNvPr id="86" name="Straight Connector 85">
+            <a:extLst>
+              <a:ext uri="{FF2B5EF4-FFF2-40B4-BE49-F238E27FC236}">
+                <a16:creationId xmlns:a16="http://schemas.microsoft.com/office/drawing/2014/main" id="{42B912A5-65BD-D84D-A9C9-C86B10E9D02C}"/>
+              </a:ext>
+            </a:extLst>
+          </p:cNvPr>
+          <p:cNvCxnSpPr/>
+          <p:nvPr/>
+        </p:nvCxnSpPr>
+        <p:spPr>
+          <a:xfrm>
+            <a:off x="7825180" y="2342615"/>
+            <a:ext cx="0" cy="245342"/>
+          </a:xfrm>
+          <a:prstGeom prst="line">
+            <a:avLst/>
+          </a:prstGeom>
+          <a:ln w="19050">
+            <a:solidFill>
+              <a:schemeClr val="bg1">
+                <a:lumMod val="50000"/>
+              </a:schemeClr>
+            </a:solidFill>
+            <a:prstDash val="sysDot"/>
+          </a:ln>
+        </p:spPr>
+        <p:style>
+          <a:lnRef idx="2">
+            <a:schemeClr val="accent1"/>
+          </a:lnRef>
+          <a:fillRef idx="0">
+            <a:schemeClr val="accent1"/>
+          </a:fillRef>
+          <a:effectRef idx="1">
+            <a:schemeClr val="accent1"/>
+          </a:effectRef>
+          <a:fontRef idx="minor">
+            <a:schemeClr val="tx1"/>
+          </a:fontRef>
+        </p:style>
+      </p:cxnSp>
+      <p:cxnSp>
+        <p:nvCxnSpPr>
+          <p:cNvPr id="91" name="Straight Connector 90">
+            <a:extLst>
+              <a:ext uri="{FF2B5EF4-FFF2-40B4-BE49-F238E27FC236}">
+                <a16:creationId xmlns:a16="http://schemas.microsoft.com/office/drawing/2014/main" id="{FA824B78-DCCD-9249-8274-DCB79585FDCC}"/>
+              </a:ext>
+            </a:extLst>
+          </p:cNvPr>
+          <p:cNvCxnSpPr/>
+          <p:nvPr/>
+        </p:nvCxnSpPr>
+        <p:spPr>
+          <a:xfrm>
+            <a:off x="6592727" y="2332676"/>
+            <a:ext cx="0" cy="245342"/>
+          </a:xfrm>
+          <a:prstGeom prst="line">
+            <a:avLst/>
+          </a:prstGeom>
+          <a:ln w="19050">
+            <a:solidFill>
+              <a:schemeClr val="bg1">
+                <a:lumMod val="50000"/>
+              </a:schemeClr>
+            </a:solidFill>
+            <a:prstDash val="sysDot"/>
+          </a:ln>
+        </p:spPr>
+        <p:style>
+          <a:lnRef idx="2">
+            <a:schemeClr val="accent1"/>
+          </a:lnRef>
+          <a:fillRef idx="0">
+            <a:schemeClr val="accent1"/>
+          </a:fillRef>
+          <a:effectRef idx="1">
+            <a:schemeClr val="accent1"/>
+          </a:effectRef>
+          <a:fontRef idx="minor">
+            <a:schemeClr val="tx1"/>
+          </a:fontRef>
+        </p:style>
+      </p:cxnSp>
+      <p:cxnSp>
+        <p:nvCxnSpPr>
+          <p:cNvPr id="92" name="Straight Connector 91">
+            <a:extLst>
+              <a:ext uri="{FF2B5EF4-FFF2-40B4-BE49-F238E27FC236}">
+                <a16:creationId xmlns:a16="http://schemas.microsoft.com/office/drawing/2014/main" id="{B8EF98DA-304A-D84D-965D-4CE3B085F4DE}"/>
+              </a:ext>
+            </a:extLst>
+          </p:cNvPr>
+          <p:cNvCxnSpPr/>
+          <p:nvPr/>
+        </p:nvCxnSpPr>
+        <p:spPr>
+          <a:xfrm>
+            <a:off x="5999691" y="2326052"/>
+            <a:ext cx="0" cy="245342"/>
+          </a:xfrm>
+          <a:prstGeom prst="line">
+            <a:avLst/>
+          </a:prstGeom>
+          <a:ln w="19050">
+            <a:solidFill>
+              <a:schemeClr val="bg1">
+                <a:lumMod val="50000"/>
+              </a:schemeClr>
+            </a:solidFill>
+            <a:prstDash val="sysDot"/>
+          </a:ln>
+        </p:spPr>
+        <p:style>
+          <a:lnRef idx="2">
+            <a:schemeClr val="accent1"/>
+          </a:lnRef>
+          <a:fillRef idx="0">
+            <a:schemeClr val="accent1"/>
+          </a:fillRef>
+          <a:effectRef idx="1">
+            <a:schemeClr val="accent1"/>
+          </a:effectRef>
+          <a:fontRef idx="minor">
+            <a:schemeClr val="tx1"/>
+          </a:fontRef>
+        </p:style>
+      </p:cxnSp>
+      <p:cxnSp>
+        <p:nvCxnSpPr>
+          <p:cNvPr id="93" name="Straight Connector 92">
+            <a:extLst>
+              <a:ext uri="{FF2B5EF4-FFF2-40B4-BE49-F238E27FC236}">
+                <a16:creationId xmlns:a16="http://schemas.microsoft.com/office/drawing/2014/main" id="{F36F8420-755E-5549-A4AE-D0F6F911922A}"/>
+              </a:ext>
+            </a:extLst>
+          </p:cNvPr>
+          <p:cNvCxnSpPr/>
+          <p:nvPr/>
+        </p:nvCxnSpPr>
+        <p:spPr>
+          <a:xfrm>
+            <a:off x="5456352" y="2329367"/>
+            <a:ext cx="0" cy="245342"/>
+          </a:xfrm>
+          <a:prstGeom prst="line">
+            <a:avLst/>
+          </a:prstGeom>
+          <a:ln w="19050">
+            <a:solidFill>
+              <a:schemeClr val="bg1">
+                <a:lumMod val="50000"/>
+              </a:schemeClr>
+            </a:solidFill>
+            <a:prstDash val="sysDot"/>
+          </a:ln>
+        </p:spPr>
+        <p:style>
+          <a:lnRef idx="2">
+            <a:schemeClr val="accent1"/>
+          </a:lnRef>
+          <a:fillRef idx="0">
+            <a:schemeClr val="accent1"/>
+          </a:fillRef>
+          <a:effectRef idx="1">
+            <a:schemeClr val="accent1"/>
+          </a:effectRef>
+          <a:fontRef idx="minor">
+            <a:schemeClr val="tx1"/>
+          </a:fontRef>
+        </p:style>
+      </p:cxnSp>
+      <p:cxnSp>
+        <p:nvCxnSpPr>
+          <p:cNvPr id="97" name="Straight Connector 96">
+            <a:extLst>
+              <a:ext uri="{FF2B5EF4-FFF2-40B4-BE49-F238E27FC236}">
+                <a16:creationId xmlns:a16="http://schemas.microsoft.com/office/drawing/2014/main" id="{5E96AA09-430C-A74E-8B56-B64AB596D9B3}"/>
+              </a:ext>
+            </a:extLst>
+          </p:cNvPr>
+          <p:cNvCxnSpPr/>
+          <p:nvPr/>
+        </p:nvCxnSpPr>
+        <p:spPr>
+          <a:xfrm>
+            <a:off x="4893136" y="2342615"/>
+            <a:ext cx="0" cy="245342"/>
+          </a:xfrm>
+          <a:prstGeom prst="line">
+            <a:avLst/>
+          </a:prstGeom>
+          <a:ln w="19050">
+            <a:solidFill>
+              <a:schemeClr val="bg1">
+                <a:lumMod val="50000"/>
+              </a:schemeClr>
+            </a:solidFill>
+            <a:prstDash val="sysDot"/>
+          </a:ln>
+        </p:spPr>
+        <p:style>
+          <a:lnRef idx="2">
+            <a:schemeClr val="accent1"/>
+          </a:lnRef>
+          <a:fillRef idx="0">
+            <a:schemeClr val="accent1"/>
+          </a:fillRef>
+          <a:effectRef idx="1">
+            <a:schemeClr val="accent1"/>
+          </a:effectRef>
+          <a:fontRef idx="minor">
+            <a:schemeClr val="tx1"/>
+          </a:fontRef>
+        </p:style>
+      </p:cxnSp>
+      <p:cxnSp>
+        <p:nvCxnSpPr>
+          <p:cNvPr id="98" name="Straight Connector 97">
+            <a:extLst>
+              <a:ext uri="{FF2B5EF4-FFF2-40B4-BE49-F238E27FC236}">
+                <a16:creationId xmlns:a16="http://schemas.microsoft.com/office/drawing/2014/main" id="{32350C0D-08F5-5344-A9D9-397DE65BE9CF}"/>
+              </a:ext>
+            </a:extLst>
+          </p:cNvPr>
+          <p:cNvCxnSpPr/>
+          <p:nvPr/>
+        </p:nvCxnSpPr>
+        <p:spPr>
+          <a:xfrm>
+            <a:off x="4250406" y="2342615"/>
+            <a:ext cx="0" cy="245342"/>
+          </a:xfrm>
+          <a:prstGeom prst="line">
+            <a:avLst/>
+          </a:prstGeom>
+          <a:ln w="19050">
+            <a:solidFill>
+              <a:schemeClr val="bg1">
+                <a:lumMod val="50000"/>
+              </a:schemeClr>
+            </a:solidFill>
+            <a:prstDash val="sysDot"/>
+          </a:ln>
+        </p:spPr>
+        <p:style>
+          <a:lnRef idx="2">
+            <a:schemeClr val="accent1"/>
+          </a:lnRef>
+          <a:fillRef idx="0">
+            <a:schemeClr val="accent1"/>
+          </a:fillRef>
+          <a:effectRef idx="1">
+            <a:schemeClr val="accent1"/>
+          </a:effectRef>
+          <a:fontRef idx="minor">
+            <a:schemeClr val="tx1"/>
+          </a:fontRef>
+        </p:style>
+      </p:cxnSp>
+      <p:cxnSp>
+        <p:nvCxnSpPr>
+          <p:cNvPr id="99" name="Straight Connector 98">
+            <a:extLst>
+              <a:ext uri="{FF2B5EF4-FFF2-40B4-BE49-F238E27FC236}">
+                <a16:creationId xmlns:a16="http://schemas.microsoft.com/office/drawing/2014/main" id="{F41800A6-3AC5-C740-8213-2F246CF01B92}"/>
+              </a:ext>
+            </a:extLst>
+          </p:cNvPr>
+          <p:cNvCxnSpPr/>
+          <p:nvPr/>
+        </p:nvCxnSpPr>
+        <p:spPr>
+          <a:xfrm>
+            <a:off x="7517068" y="2491700"/>
+            <a:ext cx="0" cy="245342"/>
+          </a:xfrm>
+          <a:prstGeom prst="line">
+            <a:avLst/>
+          </a:prstGeom>
+          <a:ln w="19050">
+            <a:solidFill>
+              <a:schemeClr val="bg1">
+                <a:lumMod val="50000"/>
+              </a:schemeClr>
+            </a:solidFill>
+            <a:prstDash val="sysDot"/>
+          </a:ln>
+        </p:spPr>
+        <p:style>
+          <a:lnRef idx="2">
+            <a:schemeClr val="accent1"/>
+          </a:lnRef>
+          <a:fillRef idx="0">
+            <a:schemeClr val="accent1"/>
+          </a:fillRef>
+          <a:effectRef idx="1">
+            <a:schemeClr val="accent1"/>
+          </a:effectRef>
+          <a:fontRef idx="minor">
+            <a:schemeClr val="tx1"/>
+          </a:fontRef>
+        </p:style>
+      </p:cxnSp>
+      <p:cxnSp>
+        <p:nvCxnSpPr>
+          <p:cNvPr id="100" name="Straight Connector 99">
+            <a:extLst>
+              <a:ext uri="{FF2B5EF4-FFF2-40B4-BE49-F238E27FC236}">
+                <a16:creationId xmlns:a16="http://schemas.microsoft.com/office/drawing/2014/main" id="{E2E7B6DC-7ECE-1048-AF2F-6EF1ADB87C0E}"/>
+              </a:ext>
+            </a:extLst>
+          </p:cNvPr>
+          <p:cNvCxnSpPr/>
+          <p:nvPr/>
+        </p:nvCxnSpPr>
+        <p:spPr>
+          <a:xfrm>
+            <a:off x="6158719" y="2495015"/>
+            <a:ext cx="0" cy="245342"/>
+          </a:xfrm>
+          <a:prstGeom prst="line">
+            <a:avLst/>
+          </a:prstGeom>
+          <a:ln w="19050">
+            <a:solidFill>
+              <a:schemeClr val="bg1">
+                <a:lumMod val="50000"/>
+              </a:schemeClr>
+            </a:solidFill>
+            <a:prstDash val="sysDot"/>
+          </a:ln>
+        </p:spPr>
+        <p:style>
+          <a:lnRef idx="2">
+            <a:schemeClr val="accent1"/>
+          </a:lnRef>
+          <a:fillRef idx="0">
+            <a:schemeClr val="accent1"/>
+          </a:fillRef>
+          <a:effectRef idx="1">
+            <a:schemeClr val="accent1"/>
+          </a:effectRef>
+          <a:fontRef idx="minor">
+            <a:schemeClr val="tx1"/>
+          </a:fontRef>
+        </p:style>
+      </p:cxnSp>
+      <p:cxnSp>
+        <p:nvCxnSpPr>
+          <p:cNvPr id="101" name="Straight Connector 100">
+            <a:extLst>
+              <a:ext uri="{FF2B5EF4-FFF2-40B4-BE49-F238E27FC236}">
+                <a16:creationId xmlns:a16="http://schemas.microsoft.com/office/drawing/2014/main" id="{A87CD200-D7ED-664E-BBEC-52741AA52620}"/>
+              </a:ext>
+            </a:extLst>
+          </p:cNvPr>
+          <p:cNvCxnSpPr/>
+          <p:nvPr/>
+        </p:nvCxnSpPr>
+        <p:spPr>
+          <a:xfrm>
+            <a:off x="5108483" y="2498330"/>
+            <a:ext cx="0" cy="245342"/>
+          </a:xfrm>
+          <a:prstGeom prst="line">
+            <a:avLst/>
+          </a:prstGeom>
+          <a:ln w="19050">
+            <a:solidFill>
+              <a:schemeClr val="bg1">
+                <a:lumMod val="50000"/>
+              </a:schemeClr>
+            </a:solidFill>
+            <a:prstDash val="sysDot"/>
+          </a:ln>
+        </p:spPr>
+        <p:style>
+          <a:lnRef idx="2">
+            <a:schemeClr val="accent1"/>
+          </a:lnRef>
+          <a:fillRef idx="0">
+            <a:schemeClr val="accent1"/>
+          </a:fillRef>
+          <a:effectRef idx="1">
+            <a:schemeClr val="accent1"/>
+          </a:effectRef>
+          <a:fontRef idx="minor">
+            <a:schemeClr val="tx1"/>
+          </a:fontRef>
+        </p:style>
+      </p:cxnSp>
+      <p:sp>
+        <p:nvSpPr>
+          <p:cNvPr id="102" name="Left-Right Arrow 101">
+            <a:extLst>
+              <a:ext uri="{FF2B5EF4-FFF2-40B4-BE49-F238E27FC236}">
+                <a16:creationId xmlns:a16="http://schemas.microsoft.com/office/drawing/2014/main" id="{9E944069-2BFB-9B40-9F31-4612A6B66F5E}"/>
+              </a:ext>
+            </a:extLst>
+          </p:cNvPr>
+          <p:cNvSpPr/>
+          <p:nvPr/>
+        </p:nvSpPr>
+        <p:spPr>
+          <a:xfrm>
+            <a:off x="3919760" y="2439512"/>
+            <a:ext cx="4160113" cy="198009"/>
+          </a:xfrm>
+          <a:prstGeom prst="leftRightArrow">
+            <a:avLst/>
+          </a:prstGeom>
+          <a:solidFill>
+            <a:schemeClr val="accent1"/>
+          </a:solidFill>
+        </p:spPr>
+        <p:style>
+          <a:lnRef idx="1">
+            <a:schemeClr val="accent1"/>
+          </a:lnRef>
+          <a:fillRef idx="3">
+            <a:schemeClr val="accent1"/>
+          </a:fillRef>
+          <a:effectRef idx="2">
+            <a:schemeClr val="accent1"/>
+          </a:effectRef>
+          <a:fontRef idx="minor">
+            <a:schemeClr val="lt1"/>
+          </a:fontRef>
+        </p:style>
+        <p:txBody>
+          <a:bodyPr rtlCol="0" anchor="ctr"/>
+          <a:lstStyle/>
+          <a:p>
+            <a:pPr algn="ctr"/>
+            <a:endParaRPr lang="en-US"/>
+          </a:p>
+        </p:txBody>
+      </p:sp>
+      <p:sp>
+        <p:nvSpPr>
+          <p:cNvPr id="103" name="Rectangle 102">
+            <a:extLst>
+              <a:ext uri="{FF2B5EF4-FFF2-40B4-BE49-F238E27FC236}">
+                <a16:creationId xmlns:a16="http://schemas.microsoft.com/office/drawing/2014/main" id="{44863994-3E31-4745-A277-EE262E3FDEE8}"/>
+              </a:ext>
+            </a:extLst>
+          </p:cNvPr>
+          <p:cNvSpPr/>
+          <p:nvPr/>
+        </p:nvSpPr>
+        <p:spPr>
+          <a:xfrm>
+            <a:off x="4786243" y="2732991"/>
+            <a:ext cx="631372" cy="631371"/>
+          </a:xfrm>
+          <a:prstGeom prst="rect">
+            <a:avLst/>
+          </a:prstGeom>
+          <a:solidFill>
+            <a:schemeClr val="accent1">
+              <a:lumMod val="40000"/>
+              <a:lumOff val="60000"/>
+            </a:schemeClr>
+          </a:solidFill>
+        </p:spPr>
+        <p:style>
+          <a:lnRef idx="1">
+            <a:schemeClr val="accent1"/>
+          </a:lnRef>
+          <a:fillRef idx="2">
+            <a:schemeClr val="accent1"/>
+          </a:fillRef>
+          <a:effectRef idx="1">
+            <a:schemeClr val="accent1"/>
+          </a:effectRef>
+          <a:fontRef idx="minor">
+            <a:schemeClr val="dk1"/>
+          </a:fontRef>
+        </p:style>
+        <p:txBody>
+          <a:bodyPr rtlCol="0" anchor="ctr"/>
+          <a:lstStyle/>
+          <a:p>
+            <a:pPr algn="ctr"/>
+            <a:r>
+              <a:rPr lang="en-US" sz="1400" dirty="0">
+                <a:solidFill>
+                  <a:schemeClr val="tx1"/>
+                </a:solidFill>
+              </a:rPr>
+              <a:t>AMF</a:t>
+            </a:r>
+          </a:p>
+        </p:txBody>
+      </p:sp>
+      <p:sp>
+        <p:nvSpPr>
+          <p:cNvPr id="104" name="Rectangle 103">
+            <a:extLst>
+              <a:ext uri="{FF2B5EF4-FFF2-40B4-BE49-F238E27FC236}">
+                <a16:creationId xmlns:a16="http://schemas.microsoft.com/office/drawing/2014/main" id="{76FFC2ED-D50A-8A44-93B4-F33BC90650A2}"/>
+              </a:ext>
+            </a:extLst>
+          </p:cNvPr>
+          <p:cNvSpPr/>
+          <p:nvPr/>
+        </p:nvSpPr>
+        <p:spPr>
+          <a:xfrm>
+            <a:off x="5853429" y="2732990"/>
+            <a:ext cx="631372" cy="631371"/>
+          </a:xfrm>
+          <a:prstGeom prst="rect">
+            <a:avLst/>
+          </a:prstGeom>
+          <a:solidFill>
+            <a:schemeClr val="accent1">
+              <a:lumMod val="40000"/>
+              <a:lumOff val="60000"/>
+            </a:schemeClr>
+          </a:solidFill>
+        </p:spPr>
+        <p:style>
+          <a:lnRef idx="1">
+            <a:schemeClr val="accent1"/>
+          </a:lnRef>
+          <a:fillRef idx="2">
+            <a:schemeClr val="accent1"/>
+          </a:fillRef>
+          <a:effectRef idx="1">
+            <a:schemeClr val="accent1"/>
+          </a:effectRef>
+          <a:fontRef idx="minor">
+            <a:schemeClr val="dk1"/>
+          </a:fontRef>
+        </p:style>
+        <p:txBody>
+          <a:bodyPr rtlCol="0" anchor="ctr"/>
+          <a:lstStyle/>
+          <a:p>
+            <a:pPr algn="ctr"/>
+            <a:r>
+              <a:rPr lang="en-US" sz="1400" dirty="0">
+                <a:solidFill>
+                  <a:schemeClr val="tx1"/>
+                </a:solidFill>
+              </a:rPr>
+              <a:t>SMF</a:t>
+            </a:r>
+          </a:p>
+        </p:txBody>
+      </p:sp>
+      <p:sp>
+        <p:nvSpPr>
+          <p:cNvPr id="105" name="Rectangle 104">
+            <a:extLst>
+              <a:ext uri="{FF2B5EF4-FFF2-40B4-BE49-F238E27FC236}">
+                <a16:creationId xmlns:a16="http://schemas.microsoft.com/office/drawing/2014/main" id="{2BF5927B-9658-F440-AD6B-7E44CAECB525}"/>
+              </a:ext>
+            </a:extLst>
+          </p:cNvPr>
+          <p:cNvSpPr/>
+          <p:nvPr/>
+        </p:nvSpPr>
+        <p:spPr>
+          <a:xfrm>
+            <a:off x="7187708" y="2728163"/>
+            <a:ext cx="639125" cy="531232"/>
+          </a:xfrm>
+          <a:prstGeom prst="rect">
+            <a:avLst/>
+          </a:prstGeom>
+          <a:solidFill>
+            <a:schemeClr val="accent1">
+              <a:lumMod val="40000"/>
+              <a:lumOff val="60000"/>
+            </a:schemeClr>
+          </a:solidFill>
+        </p:spPr>
+        <p:style>
+          <a:lnRef idx="1">
+            <a:schemeClr val="accent1"/>
+          </a:lnRef>
+          <a:fillRef idx="2">
+            <a:schemeClr val="accent1"/>
+          </a:fillRef>
+          <a:effectRef idx="1">
+            <a:schemeClr val="accent1"/>
+          </a:effectRef>
+          <a:fontRef idx="minor">
+            <a:schemeClr val="dk1"/>
+          </a:fontRef>
+        </p:style>
+        <p:txBody>
+          <a:bodyPr rtlCol="0" anchor="ctr"/>
+          <a:lstStyle/>
+          <a:p>
+            <a:pPr algn="ctr"/>
+            <a:r>
+              <a:rPr lang="en-US" sz="1200" dirty="0">
+                <a:solidFill>
+                  <a:schemeClr val="tx1"/>
+                </a:solidFill>
+              </a:rPr>
+              <a:t>AUSF</a:t>
+            </a:r>
+          </a:p>
+        </p:txBody>
+      </p:sp>
+    </p:spTree>
+    <p:extLst>
+      <p:ext uri="{BB962C8B-B14F-4D97-AF65-F5344CB8AC3E}">
+        <p14:creationId xmlns:p14="http://schemas.microsoft.com/office/powerpoint/2010/main" val="4153496673"/>
+      </p:ext>
+    </p:extLst>
+  </p:cSld>
+  <p:clrMapOvr>
+    <a:masterClrMapping/>
+  </p:clrMapOvr>
+</p:sld>
+</file>
+
 <file path=ppt/theme/theme1.xml><?xml version="1.0" encoding="utf-8"?>
 <a:theme xmlns:a="http://schemas.openxmlformats.org/drawingml/2006/main" name="Office Theme">
   <a:themeElements>

--- a/access.pptx
+++ b/access.pptx
@@ -205,7 +205,7 @@
           <a:p>
             <a:fld id="{CD99FC43-7065-F348-8836-4FD247176936}" type="datetimeFigureOut">
               <a:rPr lang="en-US" smtClean="0"/>
-              <a:t>8/4/21</a:t>
+              <a:t>8/16/21</a:t>
             </a:fld>
             <a:endParaRPr lang="en-US"/>
           </a:p>
@@ -601,7 +601,7 @@
           <a:p>
             <a:fld id="{5D97E163-DB95-D24D-8C95-263DECB1FC34}" type="datetimeFigureOut">
               <a:rPr lang="en-US" smtClean="0"/>
-              <a:t>8/4/21</a:t>
+              <a:t>8/16/21</a:t>
             </a:fld>
             <a:endParaRPr lang="en-US"/>
           </a:p>
@@ -769,7 +769,7 @@
           <a:p>
             <a:fld id="{5D97E163-DB95-D24D-8C95-263DECB1FC34}" type="datetimeFigureOut">
               <a:rPr lang="en-US" smtClean="0"/>
-              <a:t>8/4/21</a:t>
+              <a:t>8/16/21</a:t>
             </a:fld>
             <a:endParaRPr lang="en-US"/>
           </a:p>
@@ -947,7 +947,7 @@
           <a:p>
             <a:fld id="{5D97E163-DB95-D24D-8C95-263DECB1FC34}" type="datetimeFigureOut">
               <a:rPr lang="en-US" smtClean="0"/>
-              <a:t>8/4/21</a:t>
+              <a:t>8/16/21</a:t>
             </a:fld>
             <a:endParaRPr lang="en-US"/>
           </a:p>
@@ -1115,7 +1115,7 @@
           <a:p>
             <a:fld id="{5D97E163-DB95-D24D-8C95-263DECB1FC34}" type="datetimeFigureOut">
               <a:rPr lang="en-US" smtClean="0"/>
-              <a:t>8/4/21</a:t>
+              <a:t>8/16/21</a:t>
             </a:fld>
             <a:endParaRPr lang="en-US"/>
           </a:p>
@@ -1360,7 +1360,7 @@
           <a:p>
             <a:fld id="{5D97E163-DB95-D24D-8C95-263DECB1FC34}" type="datetimeFigureOut">
               <a:rPr lang="en-US" smtClean="0"/>
-              <a:t>8/4/21</a:t>
+              <a:t>8/16/21</a:t>
             </a:fld>
             <a:endParaRPr lang="en-US"/>
           </a:p>
@@ -1589,7 +1589,7 @@
           <a:p>
             <a:fld id="{5D97E163-DB95-D24D-8C95-263DECB1FC34}" type="datetimeFigureOut">
               <a:rPr lang="en-US" smtClean="0"/>
-              <a:t>8/4/21</a:t>
+              <a:t>8/16/21</a:t>
             </a:fld>
             <a:endParaRPr lang="en-US"/>
           </a:p>
@@ -1953,7 +1953,7 @@
           <a:p>
             <a:fld id="{5D97E163-DB95-D24D-8C95-263DECB1FC34}" type="datetimeFigureOut">
               <a:rPr lang="en-US" smtClean="0"/>
-              <a:t>8/4/21</a:t>
+              <a:t>8/16/21</a:t>
             </a:fld>
             <a:endParaRPr lang="en-US"/>
           </a:p>
@@ -2070,7 +2070,7 @@
           <a:p>
             <a:fld id="{5D97E163-DB95-D24D-8C95-263DECB1FC34}" type="datetimeFigureOut">
               <a:rPr lang="en-US" smtClean="0"/>
-              <a:t>8/4/21</a:t>
+              <a:t>8/16/21</a:t>
             </a:fld>
             <a:endParaRPr lang="en-US"/>
           </a:p>
@@ -2165,7 +2165,7 @@
           <a:p>
             <a:fld id="{5D97E163-DB95-D24D-8C95-263DECB1FC34}" type="datetimeFigureOut">
               <a:rPr lang="en-US" smtClean="0"/>
-              <a:t>8/4/21</a:t>
+              <a:t>8/16/21</a:t>
             </a:fld>
             <a:endParaRPr lang="en-US"/>
           </a:p>
@@ -2440,7 +2440,7 @@
           <a:p>
             <a:fld id="{5D97E163-DB95-D24D-8C95-263DECB1FC34}" type="datetimeFigureOut">
               <a:rPr lang="en-US" smtClean="0"/>
-              <a:t>8/4/21</a:t>
+              <a:t>8/16/21</a:t>
             </a:fld>
             <a:endParaRPr lang="en-US"/>
           </a:p>
@@ -2692,7 +2692,7 @@
           <a:p>
             <a:fld id="{5D97E163-DB95-D24D-8C95-263DECB1FC34}" type="datetimeFigureOut">
               <a:rPr lang="en-US" smtClean="0"/>
-              <a:t>8/4/21</a:t>
+              <a:t>8/16/21</a:t>
             </a:fld>
             <a:endParaRPr lang="en-US"/>
           </a:p>
@@ -2903,7 +2903,7 @@
           <a:p>
             <a:fld id="{5D97E163-DB95-D24D-8C95-263DECB1FC34}" type="datetimeFigureOut">
               <a:rPr lang="en-US" smtClean="0"/>
-              <a:t>8/4/21</a:t>
+              <a:t>8/16/21</a:t>
             </a:fld>
             <a:endParaRPr lang="en-US"/>
           </a:p>
@@ -16850,15 +16850,14 @@
             </a:extLst>
           </p:cNvPr>
           <p:cNvCxnSpPr>
-            <a:stCxn id="104" idx="2"/>
-            <a:endCxn id="63" idx="0"/>
+            <a:cxnSpLocks/>
           </p:cNvCxnSpPr>
           <p:nvPr/>
         </p:nvCxnSpPr>
         <p:spPr>
           <a:xfrm>
-            <a:off x="6169115" y="3364361"/>
-            <a:ext cx="0" cy="207387"/>
+            <a:off x="6174309" y="3364361"/>
+            <a:ext cx="1" cy="207387"/>
           </a:xfrm>
           <a:prstGeom prst="line">
             <a:avLst/>
@@ -17590,7 +17589,7 @@
         </p:nvCxnSpPr>
         <p:spPr>
           <a:xfrm>
-            <a:off x="7215580" y="2329361"/>
+            <a:off x="7189605" y="2329361"/>
             <a:ext cx="0" cy="245342"/>
           </a:xfrm>
           <a:prstGeom prst="line">
@@ -17634,7 +17633,7 @@
         </p:nvCxnSpPr>
         <p:spPr>
           <a:xfrm>
-            <a:off x="7825180" y="2342615"/>
+            <a:off x="7814790" y="2342615"/>
             <a:ext cx="0" cy="245342"/>
           </a:xfrm>
           <a:prstGeom prst="line">
@@ -17766,7 +17765,7 @@
         </p:nvCxnSpPr>
         <p:spPr>
           <a:xfrm>
-            <a:off x="5456352" y="2329367"/>
+            <a:off x="5445962" y="2329367"/>
             <a:ext cx="0" cy="245342"/>
           </a:xfrm>
           <a:prstGeom prst="line">
@@ -17810,7 +17809,7 @@
         </p:nvCxnSpPr>
         <p:spPr>
           <a:xfrm>
-            <a:off x="4893136" y="2342615"/>
+            <a:off x="4882746" y="2342615"/>
             <a:ext cx="0" cy="245342"/>
           </a:xfrm>
           <a:prstGeom prst="line">
@@ -17898,7 +17897,7 @@
         </p:nvCxnSpPr>
         <p:spPr>
           <a:xfrm>
-            <a:off x="7517068" y="2491700"/>
+            <a:off x="7236520" y="2491700"/>
             <a:ext cx="0" cy="245342"/>
           </a:xfrm>
           <a:prstGeom prst="line">
@@ -17942,7 +17941,7 @@
         </p:nvCxnSpPr>
         <p:spPr>
           <a:xfrm>
-            <a:off x="6158719" y="2495015"/>
+            <a:off x="6169109" y="2495015"/>
             <a:ext cx="0" cy="245342"/>
           </a:xfrm>
           <a:prstGeom prst="line">
@@ -18135,7 +18134,7 @@
         <p:spPr>
           <a:xfrm>
             <a:off x="5853429" y="2732990"/>
-            <a:ext cx="631372" cy="631371"/>
+            <a:ext cx="631369" cy="631371"/>
           </a:xfrm>
           <a:prstGeom prst="rect">
             <a:avLst/>
@@ -18191,8 +18190,8 @@
         </p:nvSpPr>
         <p:spPr>
           <a:xfrm>
-            <a:off x="7187708" y="2728163"/>
-            <a:ext cx="639125" cy="531232"/>
+            <a:off x="6920612" y="2726131"/>
+            <a:ext cx="631370" cy="631371"/>
           </a:xfrm>
           <a:prstGeom prst="rect">
             <a:avLst/>
